--- a/発表ポスター.pptx
+++ b/発表ポスター.pptx
@@ -6,7 +6,6 @@
   </p:sldMasterIdLst>
   <p:sldIdLst>
     <p:sldId id="256" r:id="rId2"/>
-    <p:sldId id="257" r:id="rId3"/>
   </p:sldIdLst>
   <p:sldSz cx="30279975" cy="42808525"/>
   <p:notesSz cx="6858000" cy="9144000"/>
@@ -304,7 +303,7 @@
             <a:fld id="{797A01BE-B01F-4BF7-B98B-637D558E7802}" type="datetimeFigureOut">
               <a:rPr kumimoji="1" lang="ja-JP" altLang="en-US" smtClean="0"/>
               <a:pPr/>
-              <a:t>2023/7/10</a:t>
+              <a:t>2023/7/19</a:t>
             </a:fld>
             <a:endParaRPr kumimoji="1" lang="ja-JP" altLang="en-US"/>
           </a:p>
@@ -501,7 +500,7 @@
             <a:fld id="{797A01BE-B01F-4BF7-B98B-637D558E7802}" type="datetimeFigureOut">
               <a:rPr kumimoji="1" lang="ja-JP" altLang="en-US" smtClean="0"/>
               <a:pPr/>
-              <a:t>2023/7/10</a:t>
+              <a:t>2023/7/19</a:t>
             </a:fld>
             <a:endParaRPr kumimoji="1" lang="ja-JP" altLang="en-US"/>
           </a:p>
@@ -708,7 +707,7 @@
             <a:fld id="{797A01BE-B01F-4BF7-B98B-637D558E7802}" type="datetimeFigureOut">
               <a:rPr kumimoji="1" lang="ja-JP" altLang="en-US" smtClean="0"/>
               <a:pPr/>
-              <a:t>2023/7/10</a:t>
+              <a:t>2023/7/19</a:t>
             </a:fld>
             <a:endParaRPr kumimoji="1" lang="ja-JP" altLang="en-US"/>
           </a:p>
@@ -905,7 +904,7 @@
             <a:fld id="{797A01BE-B01F-4BF7-B98B-637D558E7802}" type="datetimeFigureOut">
               <a:rPr kumimoji="1" lang="ja-JP" altLang="en-US" smtClean="0"/>
               <a:pPr/>
-              <a:t>2023/7/10</a:t>
+              <a:t>2023/7/19</a:t>
             </a:fld>
             <a:endParaRPr kumimoji="1" lang="ja-JP" altLang="en-US"/>
           </a:p>
@@ -1147,7 +1146,7 @@
             <a:fld id="{797A01BE-B01F-4BF7-B98B-637D558E7802}" type="datetimeFigureOut">
               <a:rPr kumimoji="1" lang="ja-JP" altLang="en-US" smtClean="0"/>
               <a:pPr/>
-              <a:t>2023/7/10</a:t>
+              <a:t>2023/7/19</a:t>
             </a:fld>
             <a:endParaRPr kumimoji="1" lang="ja-JP" altLang="en-US"/>
           </a:p>
@@ -1493,7 +1492,7 @@
             <a:fld id="{797A01BE-B01F-4BF7-B98B-637D558E7802}" type="datetimeFigureOut">
               <a:rPr kumimoji="1" lang="ja-JP" altLang="en-US" smtClean="0"/>
               <a:pPr/>
-              <a:t>2023/7/10</a:t>
+              <a:t>2023/7/19</a:t>
             </a:fld>
             <a:endParaRPr kumimoji="1" lang="ja-JP" altLang="en-US"/>
           </a:p>
@@ -1978,7 +1977,7 @@
             <a:fld id="{797A01BE-B01F-4BF7-B98B-637D558E7802}" type="datetimeFigureOut">
               <a:rPr kumimoji="1" lang="ja-JP" altLang="en-US" smtClean="0"/>
               <a:pPr/>
-              <a:t>2023/7/10</a:t>
+              <a:t>2023/7/19</a:t>
             </a:fld>
             <a:endParaRPr kumimoji="1" lang="ja-JP" altLang="en-US"/>
           </a:p>
@@ -2092,7 +2091,7 @@
             <a:fld id="{797A01BE-B01F-4BF7-B98B-637D558E7802}" type="datetimeFigureOut">
               <a:rPr kumimoji="1" lang="ja-JP" altLang="en-US" smtClean="0"/>
               <a:pPr/>
-              <a:t>2023/7/10</a:t>
+              <a:t>2023/7/19</a:t>
             </a:fld>
             <a:endParaRPr kumimoji="1" lang="ja-JP" altLang="en-US"/>
           </a:p>
@@ -2184,7 +2183,7 @@
             <a:fld id="{797A01BE-B01F-4BF7-B98B-637D558E7802}" type="datetimeFigureOut">
               <a:rPr kumimoji="1" lang="ja-JP" altLang="en-US" smtClean="0"/>
               <a:pPr/>
-              <a:t>2023/7/10</a:t>
+              <a:t>2023/7/19</a:t>
             </a:fld>
             <a:endParaRPr kumimoji="1" lang="ja-JP" altLang="en-US"/>
           </a:p>
@@ -2488,7 +2487,7 @@
             <a:fld id="{797A01BE-B01F-4BF7-B98B-637D558E7802}" type="datetimeFigureOut">
               <a:rPr kumimoji="1" lang="ja-JP" altLang="en-US" smtClean="0"/>
               <a:pPr/>
-              <a:t>2023/7/10</a:t>
+              <a:t>2023/7/19</a:t>
             </a:fld>
             <a:endParaRPr kumimoji="1" lang="ja-JP" altLang="en-US"/>
           </a:p>
@@ -2737,7 +2736,7 @@
             <a:fld id="{797A01BE-B01F-4BF7-B98B-637D558E7802}" type="datetimeFigureOut">
               <a:rPr kumimoji="1" lang="ja-JP" altLang="en-US" smtClean="0"/>
               <a:pPr/>
-              <a:t>2023/7/10</a:t>
+              <a:t>2023/7/19</a:t>
             </a:fld>
             <a:endParaRPr kumimoji="1" lang="ja-JP" altLang="en-US"/>
           </a:p>
@@ -2977,7 +2976,7 @@
             <a:fld id="{797A01BE-B01F-4BF7-B98B-637D558E7802}" type="datetimeFigureOut">
               <a:rPr kumimoji="1" lang="ja-JP" altLang="en-US" smtClean="0"/>
               <a:pPr/>
-              <a:t>2023/7/10</a:t>
+              <a:t>2023/7/19</a:t>
             </a:fld>
             <a:endParaRPr kumimoji="1" lang="ja-JP" altLang="en-US"/>
           </a:p>
@@ -3397,10 +3396,1125 @@
         </p:nvSpPr>
         <p:spPr>
           <a:xfrm>
-            <a:off x="1818505" y="6507022"/>
-            <a:ext cx="10369152" cy="1215718"/>
+            <a:off x="882403" y="5861500"/>
+            <a:ext cx="13249472" cy="1215718"/>
           </a:xfrm>
           <a:prstGeom prst="roundRect">
+            <a:avLst/>
+          </a:prstGeom>
+          <a:solidFill>
+            <a:schemeClr val="tx2">
+              <a:lumMod val="40000"/>
+              <a:lumOff val="60000"/>
+            </a:schemeClr>
+          </a:solidFill>
+        </p:spPr>
+        <p:style>
+          <a:lnRef idx="2">
+            <a:schemeClr val="accent1">
+              <a:shade val="15000"/>
+            </a:schemeClr>
+          </a:lnRef>
+          <a:fillRef idx="1">
+            <a:schemeClr val="accent1"/>
+          </a:fillRef>
+          <a:effectRef idx="0">
+            <a:schemeClr val="accent1"/>
+          </a:effectRef>
+          <a:fontRef idx="minor">
+            <a:schemeClr val="lt1"/>
+          </a:fontRef>
+        </p:style>
+        <p:txBody>
+          <a:bodyPr rtlCol="0" anchor="ctr"/>
+          <a:lstStyle/>
+          <a:p>
+            <a:pPr algn="ctr"/>
+            <a:r>
+              <a:rPr kumimoji="1" lang="en-US" altLang="ja-JP" sz="4800" dirty="0">
+                <a:solidFill>
+                  <a:schemeClr val="tx1"/>
+                </a:solidFill>
+              </a:rPr>
+              <a:t>1.</a:t>
+            </a:r>
+            <a:r>
+              <a:rPr kumimoji="1" lang="ja-JP" altLang="en-US" sz="4800" dirty="0">
+                <a:solidFill>
+                  <a:schemeClr val="tx1"/>
+                </a:solidFill>
+              </a:rPr>
+              <a:t>　研究背景・目的</a:t>
+            </a:r>
+          </a:p>
+        </p:txBody>
+      </p:sp>
+      <p:sp>
+        <p:nvSpPr>
+          <p:cNvPr id="5" name="四角形: 角を丸くする 4">
+            <a:extLst>
+              <a:ext uri="{FF2B5EF4-FFF2-40B4-BE49-F238E27FC236}">
+                <a16:creationId xmlns:a16="http://schemas.microsoft.com/office/drawing/2014/main" id="{AC4F24AB-9420-0318-AB9A-DDA7F5B20ECE}"/>
+              </a:ext>
+            </a:extLst>
+          </p:cNvPr>
+          <p:cNvSpPr/>
+          <p:nvPr/>
+        </p:nvSpPr>
+        <p:spPr>
+          <a:xfrm>
+            <a:off x="882403" y="15872846"/>
+            <a:ext cx="13249472" cy="1215718"/>
+          </a:xfrm>
+          <a:prstGeom prst="roundRect">
+            <a:avLst/>
+          </a:prstGeom>
+          <a:solidFill>
+            <a:schemeClr val="tx2">
+              <a:lumMod val="40000"/>
+              <a:lumOff val="60000"/>
+            </a:schemeClr>
+          </a:solidFill>
+        </p:spPr>
+        <p:style>
+          <a:lnRef idx="2">
+            <a:schemeClr val="accent1">
+              <a:shade val="15000"/>
+            </a:schemeClr>
+          </a:lnRef>
+          <a:fillRef idx="1">
+            <a:schemeClr val="accent1"/>
+          </a:fillRef>
+          <a:effectRef idx="0">
+            <a:schemeClr val="accent1"/>
+          </a:effectRef>
+          <a:fontRef idx="minor">
+            <a:schemeClr val="lt1"/>
+          </a:fontRef>
+        </p:style>
+        <p:txBody>
+          <a:bodyPr rtlCol="0" anchor="ctr"/>
+          <a:lstStyle/>
+          <a:p>
+            <a:pPr algn="ctr"/>
+            <a:r>
+              <a:rPr lang="en-US" altLang="ja-JP" sz="4800" dirty="0">
+                <a:solidFill>
+                  <a:schemeClr val="tx1"/>
+                </a:solidFill>
+              </a:rPr>
+              <a:t>2</a:t>
+            </a:r>
+            <a:r>
+              <a:rPr kumimoji="1" lang="en-US" altLang="ja-JP" sz="4800" dirty="0">
+                <a:solidFill>
+                  <a:schemeClr val="tx1"/>
+                </a:solidFill>
+              </a:rPr>
+              <a:t>.</a:t>
+            </a:r>
+            <a:r>
+              <a:rPr kumimoji="1" lang="ja-JP" altLang="en-US" sz="4800" dirty="0">
+                <a:solidFill>
+                  <a:schemeClr val="tx1"/>
+                </a:solidFill>
+              </a:rPr>
+              <a:t>　</a:t>
+            </a:r>
+            <a:r>
+              <a:rPr kumimoji="1" lang="en-US" altLang="ja-JP" sz="4800" dirty="0" err="1">
+                <a:solidFill>
+                  <a:schemeClr val="tx1"/>
+                </a:solidFill>
+              </a:rPr>
+              <a:t>Biterm</a:t>
+            </a:r>
+            <a:r>
+              <a:rPr kumimoji="1" lang="en-US" altLang="ja-JP" sz="4800" dirty="0">
+                <a:solidFill>
+                  <a:schemeClr val="tx1"/>
+                </a:solidFill>
+              </a:rPr>
+              <a:t> Topic Model</a:t>
+            </a:r>
+            <a:endParaRPr kumimoji="1" lang="ja-JP" altLang="en-US" sz="4800" dirty="0">
+              <a:solidFill>
+                <a:schemeClr val="tx1"/>
+              </a:solidFill>
+            </a:endParaRPr>
+          </a:p>
+        </p:txBody>
+      </p:sp>
+      <p:sp>
+        <p:nvSpPr>
+          <p:cNvPr id="6" name="四角形: 角を丸くする 5">
+            <a:extLst>
+              <a:ext uri="{FF2B5EF4-FFF2-40B4-BE49-F238E27FC236}">
+                <a16:creationId xmlns:a16="http://schemas.microsoft.com/office/drawing/2014/main" id="{FB3EC961-032F-13D2-6A84-7C7DAC59030D}"/>
+              </a:ext>
+            </a:extLst>
+          </p:cNvPr>
+          <p:cNvSpPr/>
+          <p:nvPr/>
+        </p:nvSpPr>
+        <p:spPr>
+          <a:xfrm>
+            <a:off x="16148098" y="24932654"/>
+            <a:ext cx="13249473" cy="1215718"/>
+          </a:xfrm>
+          <a:prstGeom prst="roundRect">
+            <a:avLst/>
+          </a:prstGeom>
+          <a:solidFill>
+            <a:schemeClr val="tx2">
+              <a:lumMod val="40000"/>
+              <a:lumOff val="60000"/>
+            </a:schemeClr>
+          </a:solidFill>
+        </p:spPr>
+        <p:style>
+          <a:lnRef idx="2">
+            <a:schemeClr val="accent1">
+              <a:shade val="15000"/>
+            </a:schemeClr>
+          </a:lnRef>
+          <a:fillRef idx="1">
+            <a:schemeClr val="accent1"/>
+          </a:fillRef>
+          <a:effectRef idx="0">
+            <a:schemeClr val="accent1"/>
+          </a:effectRef>
+          <a:fontRef idx="minor">
+            <a:schemeClr val="lt1"/>
+          </a:fontRef>
+        </p:style>
+        <p:txBody>
+          <a:bodyPr rtlCol="0" anchor="ctr"/>
+          <a:lstStyle/>
+          <a:p>
+            <a:pPr algn="ctr"/>
+            <a:r>
+              <a:rPr lang="en-US" altLang="ja-JP" sz="4800" dirty="0">
+                <a:solidFill>
+                  <a:schemeClr val="tx1"/>
+                </a:solidFill>
+              </a:rPr>
+              <a:t>5</a:t>
+            </a:r>
+            <a:r>
+              <a:rPr kumimoji="1" lang="en-US" altLang="ja-JP" sz="4800" dirty="0">
+                <a:solidFill>
+                  <a:schemeClr val="tx1"/>
+                </a:solidFill>
+              </a:rPr>
+              <a:t>.</a:t>
+            </a:r>
+            <a:r>
+              <a:rPr kumimoji="1" lang="ja-JP" altLang="en-US" sz="4800" dirty="0">
+                <a:solidFill>
+                  <a:schemeClr val="tx1"/>
+                </a:solidFill>
+              </a:rPr>
+              <a:t>　考察</a:t>
+            </a:r>
+          </a:p>
+        </p:txBody>
+      </p:sp>
+      <p:sp>
+        <p:nvSpPr>
+          <p:cNvPr id="7" name="四角形: 角を丸くする 6">
+            <a:extLst>
+              <a:ext uri="{FF2B5EF4-FFF2-40B4-BE49-F238E27FC236}">
+                <a16:creationId xmlns:a16="http://schemas.microsoft.com/office/drawing/2014/main" id="{99400FC1-3DE7-F0F8-2E24-62D788DEF21A}"/>
+              </a:ext>
+            </a:extLst>
+          </p:cNvPr>
+          <p:cNvSpPr/>
+          <p:nvPr/>
+        </p:nvSpPr>
+        <p:spPr>
+          <a:xfrm>
+            <a:off x="16148098" y="5867596"/>
+            <a:ext cx="13249473" cy="1209622"/>
+          </a:xfrm>
+          <a:prstGeom prst="roundRect">
+            <a:avLst/>
+          </a:prstGeom>
+          <a:solidFill>
+            <a:schemeClr val="tx2">
+              <a:lumMod val="40000"/>
+              <a:lumOff val="60000"/>
+            </a:schemeClr>
+          </a:solidFill>
+        </p:spPr>
+        <p:style>
+          <a:lnRef idx="2">
+            <a:schemeClr val="accent1">
+              <a:shade val="15000"/>
+            </a:schemeClr>
+          </a:lnRef>
+          <a:fillRef idx="1">
+            <a:schemeClr val="accent1"/>
+          </a:fillRef>
+          <a:effectRef idx="0">
+            <a:schemeClr val="accent1"/>
+          </a:effectRef>
+          <a:fontRef idx="minor">
+            <a:schemeClr val="lt1"/>
+          </a:fontRef>
+        </p:style>
+        <p:txBody>
+          <a:bodyPr rtlCol="0" anchor="ctr"/>
+          <a:lstStyle/>
+          <a:p>
+            <a:pPr algn="ctr"/>
+            <a:r>
+              <a:rPr lang="en-US" altLang="ja-JP" sz="4800" dirty="0">
+                <a:solidFill>
+                  <a:schemeClr val="tx1"/>
+                </a:solidFill>
+              </a:rPr>
+              <a:t>4</a:t>
+            </a:r>
+            <a:r>
+              <a:rPr kumimoji="1" lang="en-US" altLang="ja-JP" sz="4800" dirty="0">
+                <a:solidFill>
+                  <a:schemeClr val="tx1"/>
+                </a:solidFill>
+              </a:rPr>
+              <a:t>.</a:t>
+            </a:r>
+            <a:r>
+              <a:rPr kumimoji="1" lang="ja-JP" altLang="en-US" sz="4800" dirty="0">
+                <a:solidFill>
+                  <a:schemeClr val="tx1"/>
+                </a:solidFill>
+              </a:rPr>
+              <a:t>　実験結果</a:t>
+            </a:r>
+          </a:p>
+        </p:txBody>
+      </p:sp>
+      <p:sp>
+        <p:nvSpPr>
+          <p:cNvPr id="11" name="四角形: 角を丸くする 10">
+            <a:extLst>
+              <a:ext uri="{FF2B5EF4-FFF2-40B4-BE49-F238E27FC236}">
+                <a16:creationId xmlns:a16="http://schemas.microsoft.com/office/drawing/2014/main" id="{58FBF857-E090-B969-9C3E-7342D5810E66}"/>
+              </a:ext>
+            </a:extLst>
+          </p:cNvPr>
+          <p:cNvSpPr/>
+          <p:nvPr/>
+        </p:nvSpPr>
+        <p:spPr>
+          <a:xfrm>
+            <a:off x="882403" y="24932654"/>
+            <a:ext cx="13249472" cy="1215718"/>
+          </a:xfrm>
+          <a:prstGeom prst="roundRect">
+            <a:avLst/>
+          </a:prstGeom>
+          <a:solidFill>
+            <a:schemeClr val="tx2">
+              <a:lumMod val="40000"/>
+              <a:lumOff val="60000"/>
+            </a:schemeClr>
+          </a:solidFill>
+        </p:spPr>
+        <p:style>
+          <a:lnRef idx="2">
+            <a:schemeClr val="accent1">
+              <a:shade val="15000"/>
+            </a:schemeClr>
+          </a:lnRef>
+          <a:fillRef idx="1">
+            <a:schemeClr val="accent1"/>
+          </a:fillRef>
+          <a:effectRef idx="0">
+            <a:schemeClr val="accent1"/>
+          </a:effectRef>
+          <a:fontRef idx="minor">
+            <a:schemeClr val="lt1"/>
+          </a:fontRef>
+        </p:style>
+        <p:txBody>
+          <a:bodyPr rtlCol="0" anchor="ctr"/>
+          <a:lstStyle/>
+          <a:p>
+            <a:pPr algn="ctr"/>
+            <a:r>
+              <a:rPr lang="en-US" altLang="ja-JP" sz="4800" dirty="0">
+                <a:solidFill>
+                  <a:schemeClr val="tx1"/>
+                </a:solidFill>
+              </a:rPr>
+              <a:t>3</a:t>
+            </a:r>
+            <a:r>
+              <a:rPr kumimoji="1" lang="en-US" altLang="ja-JP" sz="4800" dirty="0">
+                <a:solidFill>
+                  <a:schemeClr val="tx1"/>
+                </a:solidFill>
+              </a:rPr>
+              <a:t>.</a:t>
+            </a:r>
+            <a:r>
+              <a:rPr kumimoji="1" lang="ja-JP" altLang="en-US" sz="4800" dirty="0">
+                <a:solidFill>
+                  <a:schemeClr val="tx1"/>
+                </a:solidFill>
+              </a:rPr>
+              <a:t>　</a:t>
+            </a:r>
+            <a:r>
+              <a:rPr lang="ja-JP" altLang="en-US" sz="4800" dirty="0">
+                <a:solidFill>
+                  <a:schemeClr val="tx1"/>
+                </a:solidFill>
+              </a:rPr>
+              <a:t>提案手法</a:t>
+            </a:r>
+            <a:endParaRPr kumimoji="1" lang="ja-JP" altLang="en-US" sz="4800" dirty="0">
+              <a:solidFill>
+                <a:schemeClr val="tx1"/>
+              </a:solidFill>
+            </a:endParaRPr>
+          </a:p>
+        </p:txBody>
+      </p:sp>
+      <p:sp>
+        <p:nvSpPr>
+          <p:cNvPr id="12" name="テキスト ボックス 11">
+            <a:extLst>
+              <a:ext uri="{FF2B5EF4-FFF2-40B4-BE49-F238E27FC236}">
+                <a16:creationId xmlns:a16="http://schemas.microsoft.com/office/drawing/2014/main" id="{B4E87563-C1F1-68F5-5B49-02B76EB70EAD}"/>
+              </a:ext>
+            </a:extLst>
+          </p:cNvPr>
+          <p:cNvSpPr txBox="1"/>
+          <p:nvPr/>
+        </p:nvSpPr>
+        <p:spPr>
+          <a:xfrm>
+            <a:off x="4266779" y="2385732"/>
+            <a:ext cx="21746416" cy="769441"/>
+          </a:xfrm>
+          <a:prstGeom prst="rect">
+            <a:avLst/>
+          </a:prstGeom>
+          <a:noFill/>
+        </p:spPr>
+        <p:txBody>
+          <a:bodyPr wrap="square" rtlCol="0">
+            <a:spAutoFit/>
+          </a:bodyPr>
+          <a:lstStyle/>
+          <a:p>
+            <a:r>
+              <a:rPr kumimoji="1" lang="en-US" altLang="ja-JP" sz="4400" dirty="0"/>
+              <a:t>Creation of a System for Evaluating the Relevance of Comments to Product Introduction Videos</a:t>
+            </a:r>
+            <a:endParaRPr kumimoji="1" lang="ja-JP" altLang="en-US" sz="4400" dirty="0"/>
+          </a:p>
+        </p:txBody>
+      </p:sp>
+      <p:sp>
+        <p:nvSpPr>
+          <p:cNvPr id="13" name="テキスト ボックス 12">
+            <a:extLst>
+              <a:ext uri="{FF2B5EF4-FFF2-40B4-BE49-F238E27FC236}">
+                <a16:creationId xmlns:a16="http://schemas.microsoft.com/office/drawing/2014/main" id="{8664871A-F2D7-582E-44C1-F8D28F1F17B5}"/>
+              </a:ext>
+            </a:extLst>
+          </p:cNvPr>
+          <p:cNvSpPr txBox="1"/>
+          <p:nvPr/>
+        </p:nvSpPr>
+        <p:spPr>
+          <a:xfrm>
+            <a:off x="9163323" y="3539895"/>
+            <a:ext cx="11953328" cy="830997"/>
+          </a:xfrm>
+          <a:prstGeom prst="rect">
+            <a:avLst/>
+          </a:prstGeom>
+          <a:noFill/>
+        </p:spPr>
+        <p:txBody>
+          <a:bodyPr wrap="square" rtlCol="0">
+            <a:spAutoFit/>
+          </a:bodyPr>
+          <a:lstStyle/>
+          <a:p>
+            <a:pPr algn="ctr"/>
+            <a:r>
+              <a:rPr kumimoji="1" lang="en-US" altLang="ja-JP" sz="4800" dirty="0"/>
+              <a:t>*</a:t>
+            </a:r>
+            <a:r>
+              <a:rPr kumimoji="1" lang="ja-JP" altLang="en-US" sz="4800" dirty="0"/>
+              <a:t>西原涼介　相馬隆郎（東京都立大学大学院）</a:t>
+            </a:r>
+          </a:p>
+        </p:txBody>
+      </p:sp>
+      <p:sp>
+        <p:nvSpPr>
+          <p:cNvPr id="3" name="テキスト ボックス 2">
+            <a:extLst>
+              <a:ext uri="{FF2B5EF4-FFF2-40B4-BE49-F238E27FC236}">
+                <a16:creationId xmlns:a16="http://schemas.microsoft.com/office/drawing/2014/main" id="{AD1E6C2A-0596-EBA0-520E-1B0F2596B747}"/>
+              </a:ext>
+            </a:extLst>
+          </p:cNvPr>
+          <p:cNvSpPr txBox="1"/>
+          <p:nvPr/>
+        </p:nvSpPr>
+        <p:spPr>
+          <a:xfrm>
+            <a:off x="1890515" y="4370892"/>
+            <a:ext cx="26498944" cy="769441"/>
+          </a:xfrm>
+          <a:prstGeom prst="rect">
+            <a:avLst/>
+          </a:prstGeom>
+          <a:noFill/>
+        </p:spPr>
+        <p:txBody>
+          <a:bodyPr wrap="square" rtlCol="0">
+            <a:spAutoFit/>
+          </a:bodyPr>
+          <a:lstStyle/>
+          <a:p>
+            <a:pPr algn="ctr"/>
+            <a:r>
+              <a:rPr kumimoji="1" lang="en-US" altLang="ja-JP" sz="4400" dirty="0"/>
+              <a:t>Ryosuke Nishihara, Takao Souma, (Graduate School of Tokyo Metropolitan University)</a:t>
+            </a:r>
+            <a:endParaRPr kumimoji="1" lang="ja-JP" altLang="en-US" sz="4400" dirty="0"/>
+          </a:p>
+        </p:txBody>
+      </p:sp>
+      <p:sp>
+        <p:nvSpPr>
+          <p:cNvPr id="8" name="正方形/長方形 7">
+            <a:extLst>
+              <a:ext uri="{FF2B5EF4-FFF2-40B4-BE49-F238E27FC236}">
+                <a16:creationId xmlns:a16="http://schemas.microsoft.com/office/drawing/2014/main" id="{6BFAAA18-5D14-CFA3-2A7E-2A5DA9FCB0A6}"/>
+              </a:ext>
+            </a:extLst>
+          </p:cNvPr>
+          <p:cNvSpPr/>
+          <p:nvPr/>
+        </p:nvSpPr>
+        <p:spPr>
+          <a:xfrm>
+            <a:off x="14887959" y="5201889"/>
+            <a:ext cx="504056" cy="37606636"/>
+          </a:xfrm>
+          <a:prstGeom prst="rect">
+            <a:avLst/>
+          </a:prstGeom>
+        </p:spPr>
+        <p:style>
+          <a:lnRef idx="2">
+            <a:schemeClr val="dk1">
+              <a:shade val="15000"/>
+            </a:schemeClr>
+          </a:lnRef>
+          <a:fillRef idx="1">
+            <a:schemeClr val="dk1"/>
+          </a:fillRef>
+          <a:effectRef idx="0">
+            <a:schemeClr val="dk1"/>
+          </a:effectRef>
+          <a:fontRef idx="minor">
+            <a:schemeClr val="lt1"/>
+          </a:fontRef>
+        </p:style>
+        <p:txBody>
+          <a:bodyPr rtlCol="0" anchor="ctr"/>
+          <a:lstStyle/>
+          <a:p>
+            <a:pPr algn="ctr"/>
+            <a:endParaRPr kumimoji="1" lang="ja-JP" altLang="en-US"/>
+          </a:p>
+        </p:txBody>
+      </p:sp>
+      <p:sp>
+        <p:nvSpPr>
+          <p:cNvPr id="10" name="四角形: 角を丸くする 9">
+            <a:extLst>
+              <a:ext uri="{FF2B5EF4-FFF2-40B4-BE49-F238E27FC236}">
+                <a16:creationId xmlns:a16="http://schemas.microsoft.com/office/drawing/2014/main" id="{E21C8161-725C-B58C-7037-46074E91F1F5}"/>
+              </a:ext>
+            </a:extLst>
+          </p:cNvPr>
+          <p:cNvSpPr/>
+          <p:nvPr/>
+        </p:nvSpPr>
+        <p:spPr>
+          <a:xfrm>
+            <a:off x="1098427" y="7678599"/>
+            <a:ext cx="7272808" cy="1187810"/>
+          </a:xfrm>
+          <a:prstGeom prst="roundRect">
+            <a:avLst/>
+          </a:prstGeom>
+          <a:solidFill>
+            <a:srgbClr val="72ADAE"/>
+          </a:solidFill>
+          <a:ln>
+            <a:solidFill>
+              <a:schemeClr val="tx1"/>
+            </a:solidFill>
+          </a:ln>
+        </p:spPr>
+        <p:style>
+          <a:lnRef idx="2">
+            <a:schemeClr val="accent1">
+              <a:shade val="50000"/>
+            </a:schemeClr>
+          </a:lnRef>
+          <a:fillRef idx="1">
+            <a:schemeClr val="accent1"/>
+          </a:fillRef>
+          <a:effectRef idx="0">
+            <a:schemeClr val="accent1"/>
+          </a:effectRef>
+          <a:fontRef idx="minor">
+            <a:schemeClr val="lt1"/>
+          </a:fontRef>
+        </p:style>
+        <p:txBody>
+          <a:bodyPr rtlCol="0" anchor="ctr"/>
+          <a:lstStyle/>
+          <a:p>
+            <a:pPr algn="ctr"/>
+            <a:r>
+              <a:rPr kumimoji="1" lang="ja-JP" altLang="en-US" sz="2800" dirty="0">
+                <a:solidFill>
+                  <a:schemeClr val="tx1"/>
+                </a:solidFill>
+              </a:rPr>
+              <a:t>インフルエンサー</a:t>
+            </a:r>
+            <a:r>
+              <a:rPr kumimoji="1" lang="en-US" altLang="ja-JP" sz="2800" dirty="0">
+                <a:solidFill>
+                  <a:schemeClr val="tx1"/>
+                </a:solidFill>
+              </a:rPr>
+              <a:t>,</a:t>
+            </a:r>
+            <a:r>
+              <a:rPr kumimoji="1" lang="ja-JP" altLang="en-US" sz="2800" dirty="0">
+                <a:solidFill>
+                  <a:schemeClr val="tx1"/>
+                </a:solidFill>
+              </a:rPr>
+              <a:t>芸能人への企業案件の増加</a:t>
+            </a:r>
+            <a:endParaRPr kumimoji="1" lang="en-US" altLang="ja-JP" sz="2800" dirty="0">
+              <a:solidFill>
+                <a:schemeClr val="tx1"/>
+              </a:solidFill>
+            </a:endParaRPr>
+          </a:p>
+          <a:p>
+            <a:pPr algn="ctr"/>
+            <a:r>
+              <a:rPr kumimoji="1" lang="ja-JP" altLang="en-US" sz="2800" dirty="0">
+                <a:solidFill>
+                  <a:schemeClr val="tx1"/>
+                </a:solidFill>
+              </a:rPr>
+              <a:t>企業の</a:t>
+            </a:r>
+            <a:r>
+              <a:rPr kumimoji="1" lang="en-US" altLang="ja-JP" sz="2800" dirty="0">
+                <a:solidFill>
+                  <a:schemeClr val="tx1"/>
+                </a:solidFill>
+              </a:rPr>
+              <a:t>YouTube,SNS</a:t>
+            </a:r>
+            <a:r>
+              <a:rPr kumimoji="1" lang="ja-JP" altLang="en-US" sz="2800" dirty="0">
+                <a:solidFill>
+                  <a:schemeClr val="tx1"/>
+                </a:solidFill>
+              </a:rPr>
+              <a:t>利用数の増加</a:t>
+            </a:r>
+          </a:p>
+        </p:txBody>
+      </p:sp>
+      <p:sp>
+        <p:nvSpPr>
+          <p:cNvPr id="14" name="四角形: 角を丸くする 13">
+            <a:extLst>
+              <a:ext uri="{FF2B5EF4-FFF2-40B4-BE49-F238E27FC236}">
+                <a16:creationId xmlns:a16="http://schemas.microsoft.com/office/drawing/2014/main" id="{4A7BE8CE-ECDD-BC9C-040D-A7D2CA3EB90E}"/>
+              </a:ext>
+            </a:extLst>
+          </p:cNvPr>
+          <p:cNvSpPr/>
+          <p:nvPr/>
+        </p:nvSpPr>
+        <p:spPr>
+          <a:xfrm>
+            <a:off x="1098427" y="10881838"/>
+            <a:ext cx="7272808" cy="1377408"/>
+          </a:xfrm>
+          <a:prstGeom prst="roundRect">
+            <a:avLst/>
+          </a:prstGeom>
+          <a:solidFill>
+            <a:schemeClr val="accent3">
+              <a:lumMod val="40000"/>
+              <a:lumOff val="60000"/>
+            </a:schemeClr>
+          </a:solidFill>
+          <a:ln>
+            <a:solidFill>
+              <a:schemeClr val="tx1"/>
+            </a:solidFill>
+          </a:ln>
+        </p:spPr>
+        <p:style>
+          <a:lnRef idx="2">
+            <a:schemeClr val="accent1">
+              <a:shade val="50000"/>
+            </a:schemeClr>
+          </a:lnRef>
+          <a:fillRef idx="1">
+            <a:schemeClr val="accent1"/>
+          </a:fillRef>
+          <a:effectRef idx="0">
+            <a:schemeClr val="accent1"/>
+          </a:effectRef>
+          <a:fontRef idx="minor">
+            <a:schemeClr val="lt1"/>
+          </a:fontRef>
+        </p:style>
+        <p:txBody>
+          <a:bodyPr rtlCol="0" anchor="ctr"/>
+          <a:lstStyle/>
+          <a:p>
+            <a:pPr algn="ctr">
+              <a:lnSpc>
+                <a:spcPct val="150000"/>
+              </a:lnSpc>
+            </a:pPr>
+            <a:r>
+              <a:rPr kumimoji="1" lang="ja-JP" altLang="en-US" sz="2800" b="1" u="sng" dirty="0">
+                <a:solidFill>
+                  <a:schemeClr val="tx1"/>
+                </a:solidFill>
+              </a:rPr>
+              <a:t>コメントが口コミサイトのレビューと同等</a:t>
+            </a:r>
+            <a:r>
+              <a:rPr lang="ja-JP" altLang="en-US" sz="2800" b="1" u="sng" dirty="0">
+                <a:solidFill>
+                  <a:schemeClr val="tx1"/>
+                </a:solidFill>
+              </a:rPr>
+              <a:t>に</a:t>
+            </a:r>
+            <a:endParaRPr lang="en-US" altLang="ja-JP" sz="2800" b="1" u="sng" dirty="0">
+              <a:solidFill>
+                <a:schemeClr val="tx1"/>
+              </a:solidFill>
+            </a:endParaRPr>
+          </a:p>
+          <a:p>
+            <a:pPr algn="ctr">
+              <a:lnSpc>
+                <a:spcPct val="150000"/>
+              </a:lnSpc>
+            </a:pPr>
+            <a:r>
+              <a:rPr kumimoji="1" lang="ja-JP" altLang="en-US" sz="2800" b="1" u="sng" dirty="0">
+                <a:solidFill>
+                  <a:schemeClr val="tx1"/>
+                </a:solidFill>
+              </a:rPr>
+              <a:t>消費者の判断材料になる</a:t>
+            </a:r>
+          </a:p>
+        </p:txBody>
+      </p:sp>
+      <p:sp>
+        <p:nvSpPr>
+          <p:cNvPr id="15" name="矢印: 下 14">
+            <a:extLst>
+              <a:ext uri="{FF2B5EF4-FFF2-40B4-BE49-F238E27FC236}">
+                <a16:creationId xmlns:a16="http://schemas.microsoft.com/office/drawing/2014/main" id="{98A59C37-52AF-D1C0-E305-5803D584A60E}"/>
+              </a:ext>
+            </a:extLst>
+          </p:cNvPr>
+          <p:cNvSpPr/>
+          <p:nvPr/>
+        </p:nvSpPr>
+        <p:spPr>
+          <a:xfrm>
+            <a:off x="4338787" y="7362702"/>
+            <a:ext cx="946442" cy="3498536"/>
+          </a:xfrm>
+          <a:prstGeom prst="downArrow">
+            <a:avLst/>
+          </a:prstGeom>
+          <a:solidFill>
+            <a:schemeClr val="tx1"/>
+          </a:solidFill>
+          <a:ln>
+            <a:solidFill>
+              <a:schemeClr val="tx1"/>
+            </a:solidFill>
+          </a:ln>
+        </p:spPr>
+        <p:style>
+          <a:lnRef idx="2">
+            <a:schemeClr val="accent1">
+              <a:shade val="50000"/>
+            </a:schemeClr>
+          </a:lnRef>
+          <a:fillRef idx="1">
+            <a:schemeClr val="accent1"/>
+          </a:fillRef>
+          <a:effectRef idx="0">
+            <a:schemeClr val="accent1"/>
+          </a:effectRef>
+          <a:fontRef idx="minor">
+            <a:schemeClr val="lt1"/>
+          </a:fontRef>
+        </p:style>
+        <p:txBody>
+          <a:bodyPr rtlCol="0" anchor="ctr"/>
+          <a:lstStyle/>
+          <a:p>
+            <a:pPr algn="ctr"/>
+            <a:endParaRPr kumimoji="1" lang="ja-JP" altLang="en-US"/>
+          </a:p>
+        </p:txBody>
+      </p:sp>
+      <p:sp>
+        <p:nvSpPr>
+          <p:cNvPr id="19" name="四角形: 角を丸くする 18">
+            <a:extLst>
+              <a:ext uri="{FF2B5EF4-FFF2-40B4-BE49-F238E27FC236}">
+                <a16:creationId xmlns:a16="http://schemas.microsoft.com/office/drawing/2014/main" id="{1A41A66B-BCB8-8668-B3BF-800AF2F8972F}"/>
+              </a:ext>
+            </a:extLst>
+          </p:cNvPr>
+          <p:cNvSpPr/>
+          <p:nvPr/>
+        </p:nvSpPr>
+        <p:spPr>
+          <a:xfrm>
+            <a:off x="1098427" y="7680456"/>
+            <a:ext cx="7272808" cy="1187810"/>
+          </a:xfrm>
+          <a:prstGeom prst="roundRect">
+            <a:avLst/>
+          </a:prstGeom>
+          <a:solidFill>
+            <a:schemeClr val="accent3">
+              <a:lumMod val="40000"/>
+              <a:lumOff val="60000"/>
+            </a:schemeClr>
+          </a:solidFill>
+          <a:ln>
+            <a:solidFill>
+              <a:schemeClr val="tx1"/>
+            </a:solidFill>
+          </a:ln>
+        </p:spPr>
+        <p:style>
+          <a:lnRef idx="2">
+            <a:schemeClr val="accent1">
+              <a:shade val="50000"/>
+            </a:schemeClr>
+          </a:lnRef>
+          <a:fillRef idx="1">
+            <a:schemeClr val="accent1"/>
+          </a:fillRef>
+          <a:effectRef idx="0">
+            <a:schemeClr val="accent1"/>
+          </a:effectRef>
+          <a:fontRef idx="minor">
+            <a:schemeClr val="lt1"/>
+          </a:fontRef>
+        </p:style>
+        <p:txBody>
+          <a:bodyPr rtlCol="0" anchor="ctr"/>
+          <a:lstStyle/>
+          <a:p>
+            <a:pPr algn="ctr"/>
+            <a:r>
+              <a:rPr kumimoji="1" lang="ja-JP" altLang="en-US" sz="2800" dirty="0">
+                <a:solidFill>
+                  <a:schemeClr val="tx1"/>
+                </a:solidFill>
+              </a:rPr>
+              <a:t>インフルエンサー</a:t>
+            </a:r>
+            <a:r>
+              <a:rPr kumimoji="1" lang="en-US" altLang="ja-JP" sz="2800" dirty="0">
+                <a:solidFill>
+                  <a:schemeClr val="tx1"/>
+                </a:solidFill>
+              </a:rPr>
+              <a:t>,</a:t>
+            </a:r>
+            <a:r>
+              <a:rPr kumimoji="1" lang="ja-JP" altLang="en-US" sz="2800" dirty="0">
+                <a:solidFill>
+                  <a:schemeClr val="tx1"/>
+                </a:solidFill>
+              </a:rPr>
+              <a:t>芸能人への企業案件の増加</a:t>
+            </a:r>
+            <a:endParaRPr kumimoji="1" lang="en-US" altLang="ja-JP" sz="2800" dirty="0">
+              <a:solidFill>
+                <a:schemeClr val="tx1"/>
+              </a:solidFill>
+            </a:endParaRPr>
+          </a:p>
+          <a:p>
+            <a:pPr algn="ctr"/>
+            <a:r>
+              <a:rPr kumimoji="1" lang="ja-JP" altLang="en-US" sz="2800" dirty="0">
+                <a:solidFill>
+                  <a:schemeClr val="tx1"/>
+                </a:solidFill>
+              </a:rPr>
+              <a:t>企業の</a:t>
+            </a:r>
+            <a:r>
+              <a:rPr kumimoji="1" lang="en-US" altLang="ja-JP" sz="2800" dirty="0">
+                <a:solidFill>
+                  <a:schemeClr val="tx1"/>
+                </a:solidFill>
+              </a:rPr>
+              <a:t>YouTube,SNS</a:t>
+            </a:r>
+            <a:r>
+              <a:rPr kumimoji="1" lang="ja-JP" altLang="en-US" sz="2800" dirty="0">
+                <a:solidFill>
+                  <a:schemeClr val="tx1"/>
+                </a:solidFill>
+              </a:rPr>
+              <a:t>利用数の増加</a:t>
+            </a:r>
+          </a:p>
+        </p:txBody>
+      </p:sp>
+      <p:sp>
+        <p:nvSpPr>
+          <p:cNvPr id="20" name="四角形: 角を丸くする 19">
+            <a:extLst>
+              <a:ext uri="{FF2B5EF4-FFF2-40B4-BE49-F238E27FC236}">
+                <a16:creationId xmlns:a16="http://schemas.microsoft.com/office/drawing/2014/main" id="{1131E699-D0E8-75A7-C9AA-B7D6E7289AB2}"/>
+              </a:ext>
+            </a:extLst>
+          </p:cNvPr>
+          <p:cNvSpPr/>
+          <p:nvPr/>
+        </p:nvSpPr>
+        <p:spPr>
+          <a:xfrm>
+            <a:off x="1098427" y="9187949"/>
+            <a:ext cx="7272808" cy="689155"/>
+          </a:xfrm>
+          <a:prstGeom prst="roundRect">
+            <a:avLst/>
+          </a:prstGeom>
+          <a:solidFill>
+            <a:schemeClr val="accent3">
+              <a:lumMod val="40000"/>
+              <a:lumOff val="60000"/>
+            </a:schemeClr>
+          </a:solidFill>
+          <a:ln>
+            <a:solidFill>
+              <a:schemeClr val="tx1"/>
+            </a:solidFill>
+          </a:ln>
+        </p:spPr>
+        <p:style>
+          <a:lnRef idx="2">
+            <a:schemeClr val="accent1">
+              <a:shade val="50000"/>
+            </a:schemeClr>
+          </a:lnRef>
+          <a:fillRef idx="1">
+            <a:schemeClr val="accent1"/>
+          </a:fillRef>
+          <a:effectRef idx="0">
+            <a:schemeClr val="accent1"/>
+          </a:effectRef>
+          <a:fontRef idx="minor">
+            <a:schemeClr val="lt1"/>
+          </a:fontRef>
+        </p:style>
+        <p:txBody>
+          <a:bodyPr rtlCol="0" anchor="ctr"/>
+          <a:lstStyle/>
+          <a:p>
+            <a:pPr algn="ctr"/>
+            <a:r>
+              <a:rPr kumimoji="1" lang="ja-JP" altLang="en-US" sz="2800" dirty="0">
+                <a:solidFill>
+                  <a:schemeClr val="tx1"/>
+                </a:solidFill>
+              </a:rPr>
+              <a:t>動画や</a:t>
+            </a:r>
+            <a:r>
+              <a:rPr kumimoji="1" lang="en-US" altLang="ja-JP" sz="2800" dirty="0">
+                <a:solidFill>
+                  <a:schemeClr val="tx1"/>
+                </a:solidFill>
+              </a:rPr>
+              <a:t>SNS</a:t>
+            </a:r>
+            <a:r>
+              <a:rPr kumimoji="1" lang="ja-JP" altLang="en-US" sz="2800" dirty="0">
+                <a:solidFill>
+                  <a:schemeClr val="tx1"/>
+                </a:solidFill>
+              </a:rPr>
+              <a:t>で自社製品やサービスの宣伝</a:t>
+            </a:r>
+          </a:p>
+        </p:txBody>
+      </p:sp>
+      <p:sp>
+        <p:nvSpPr>
+          <p:cNvPr id="9" name="四角形: 角を丸くする 8">
+            <a:extLst>
+              <a:ext uri="{FF2B5EF4-FFF2-40B4-BE49-F238E27FC236}">
+                <a16:creationId xmlns:a16="http://schemas.microsoft.com/office/drawing/2014/main" id="{69715B3A-2390-8579-6211-83FA88D5C7DB}"/>
+              </a:ext>
+            </a:extLst>
+          </p:cNvPr>
+          <p:cNvSpPr/>
+          <p:nvPr/>
+        </p:nvSpPr>
+        <p:spPr>
+          <a:xfrm>
+            <a:off x="1065740" y="13264859"/>
+            <a:ext cx="12817424" cy="1929496"/>
+          </a:xfrm>
+          <a:prstGeom prst="roundRect">
+            <a:avLst/>
+          </a:prstGeom>
+          <a:solidFill>
+            <a:schemeClr val="accent6">
+              <a:lumMod val="40000"/>
+              <a:lumOff val="60000"/>
+            </a:schemeClr>
+          </a:solidFill>
+          <a:ln>
+            <a:solidFill>
+              <a:schemeClr val="tx1"/>
+            </a:solidFill>
+          </a:ln>
+        </p:spPr>
+        <p:style>
+          <a:lnRef idx="2">
+            <a:schemeClr val="accent1">
+              <a:shade val="50000"/>
+            </a:schemeClr>
+          </a:lnRef>
+          <a:fillRef idx="1">
+            <a:schemeClr val="accent1"/>
+          </a:fillRef>
+          <a:effectRef idx="0">
+            <a:schemeClr val="accent1"/>
+          </a:effectRef>
+          <a:fontRef idx="minor">
+            <a:schemeClr val="lt1"/>
+          </a:fontRef>
+        </p:style>
+        <p:txBody>
+          <a:bodyPr rtlCol="0" anchor="ctr"/>
+          <a:lstStyle/>
+          <a:p>
+            <a:pPr algn="ctr">
+              <a:lnSpc>
+                <a:spcPct val="150000"/>
+              </a:lnSpc>
+            </a:pPr>
+            <a:r>
+              <a:rPr lang="en-US" altLang="ja-JP" sz="3200" dirty="0">
+                <a:solidFill>
+                  <a:schemeClr val="tx1"/>
+                </a:solidFill>
+              </a:rPr>
+              <a:t>YouTube</a:t>
+            </a:r>
+            <a:r>
+              <a:rPr lang="ja-JP" altLang="en-US" sz="3200" dirty="0">
+                <a:solidFill>
+                  <a:schemeClr val="tx1"/>
+                </a:solidFill>
+              </a:rPr>
+              <a:t>上の商品紹介動画に対するコメントと</a:t>
+            </a:r>
+            <a:r>
+              <a:rPr kumimoji="1" lang="ja-JP" altLang="en-US" sz="3200" dirty="0">
+                <a:solidFill>
+                  <a:schemeClr val="tx1"/>
+                </a:solidFill>
+              </a:rPr>
+              <a:t>商品との関連性を評価し、</a:t>
+            </a:r>
+            <a:endParaRPr kumimoji="1" lang="en-US" altLang="ja-JP" sz="3200" dirty="0">
+              <a:solidFill>
+                <a:schemeClr val="tx1"/>
+              </a:solidFill>
+            </a:endParaRPr>
+          </a:p>
+          <a:p>
+            <a:pPr algn="ctr">
+              <a:lnSpc>
+                <a:spcPct val="150000"/>
+              </a:lnSpc>
+            </a:pPr>
+            <a:r>
+              <a:rPr kumimoji="1" lang="ja-JP" altLang="en-US" sz="3200" dirty="0">
+                <a:solidFill>
+                  <a:schemeClr val="tx1"/>
+                </a:solidFill>
+              </a:rPr>
+              <a:t>消費者の購入判断材料になるコメントを抽出する</a:t>
+            </a:r>
+          </a:p>
+        </p:txBody>
+      </p:sp>
+      <p:sp>
+        <p:nvSpPr>
+          <p:cNvPr id="21" name="正方形/長方形 20">
+            <a:extLst>
+              <a:ext uri="{FF2B5EF4-FFF2-40B4-BE49-F238E27FC236}">
+                <a16:creationId xmlns:a16="http://schemas.microsoft.com/office/drawing/2014/main" id="{B6541B8A-C79E-C959-5239-2A6741796C02}"/>
+              </a:ext>
+            </a:extLst>
+          </p:cNvPr>
+          <p:cNvSpPr/>
+          <p:nvPr/>
+        </p:nvSpPr>
+        <p:spPr>
+          <a:xfrm>
+            <a:off x="9739387" y="7678600"/>
+            <a:ext cx="4032448" cy="2481154"/>
+          </a:xfrm>
+          <a:prstGeom prst="rect">
             <a:avLst/>
           </a:prstGeom>
         </p:spPr>
@@ -3426,22 +4540,161 @@
           <a:p>
             <a:pPr algn="ctr"/>
             <a:r>
-              <a:rPr kumimoji="1" lang="en-US" altLang="ja-JP" sz="4800" dirty="0"/>
-              <a:t>1.</a:t>
-            </a:r>
-            <a:r>
-              <a:rPr kumimoji="1" lang="ja-JP" altLang="en-US" sz="4800" dirty="0"/>
-              <a:t>　研究背景・目的</a:t>
-            </a:r>
-          </a:p>
-        </p:txBody>
-      </p:sp>
-      <p:sp>
-        <p:nvSpPr>
-          <p:cNvPr id="5" name="四角形: 角を丸くする 4">
+              <a:rPr kumimoji="1" lang="ja-JP" altLang="en-US" dirty="0"/>
+              <a:t>グラフ</a:t>
+            </a:r>
+          </a:p>
+        </p:txBody>
+      </p:sp>
+      <p:sp>
+        <p:nvSpPr>
+          <p:cNvPr id="16" name="テキスト ボックス 15">
             <a:extLst>
               <a:ext uri="{FF2B5EF4-FFF2-40B4-BE49-F238E27FC236}">
-                <a16:creationId xmlns:a16="http://schemas.microsoft.com/office/drawing/2014/main" id="{AC4F24AB-9420-0318-AB9A-DDA7F5B20ECE}"/>
+                <a16:creationId xmlns:a16="http://schemas.microsoft.com/office/drawing/2014/main" id="{3F948AD3-C7DC-E04A-40E2-100C05231061}"/>
+              </a:ext>
+            </a:extLst>
+          </p:cNvPr>
+          <p:cNvSpPr txBox="1"/>
+          <p:nvPr/>
+        </p:nvSpPr>
+        <p:spPr>
+          <a:xfrm>
+            <a:off x="8667252" y="10848121"/>
+            <a:ext cx="5468238" cy="1384995"/>
+          </a:xfrm>
+          <a:prstGeom prst="rect">
+            <a:avLst/>
+          </a:prstGeom>
+          <a:noFill/>
+        </p:spPr>
+        <p:txBody>
+          <a:bodyPr wrap="square" rtlCol="0">
+            <a:spAutoFit/>
+          </a:bodyPr>
+          <a:lstStyle/>
+          <a:p>
+            <a:r>
+              <a:rPr kumimoji="1" lang="en-US" altLang="ja-JP" sz="2800" dirty="0"/>
+              <a:t>SNS</a:t>
+            </a:r>
+            <a:r>
+              <a:rPr kumimoji="1" lang="ja-JP" altLang="en-US" sz="2800" dirty="0"/>
+              <a:t>や</a:t>
+            </a:r>
+            <a:r>
+              <a:rPr kumimoji="1" lang="en-US" altLang="ja-JP" sz="2800" dirty="0"/>
+              <a:t>YouTube</a:t>
+            </a:r>
+            <a:r>
+              <a:rPr kumimoji="1" lang="ja-JP" altLang="en-US" sz="2800" dirty="0"/>
+              <a:t>は誰でも気軽に投稿できるという特性上</a:t>
+            </a:r>
+            <a:r>
+              <a:rPr lang="ja-JP" altLang="en-US" sz="2800" dirty="0"/>
+              <a:t>、商品との関連性が低いコメントも当然存在する</a:t>
+            </a:r>
+            <a:endParaRPr kumimoji="1" lang="en-US" altLang="ja-JP" sz="2800" dirty="0"/>
+          </a:p>
+        </p:txBody>
+      </p:sp>
+      <p:sp>
+        <p:nvSpPr>
+          <p:cNvPr id="17" name="テキスト ボックス 16">
+            <a:extLst>
+              <a:ext uri="{FF2B5EF4-FFF2-40B4-BE49-F238E27FC236}">
+                <a16:creationId xmlns:a16="http://schemas.microsoft.com/office/drawing/2014/main" id="{F502B02D-F762-8D5C-9DA2-0F3A18A39D13}"/>
+              </a:ext>
+            </a:extLst>
+          </p:cNvPr>
+          <p:cNvSpPr txBox="1"/>
+          <p:nvPr/>
+        </p:nvSpPr>
+        <p:spPr>
+          <a:xfrm>
+            <a:off x="1386459" y="12943905"/>
+            <a:ext cx="2700300" cy="646331"/>
+          </a:xfrm>
+          <a:prstGeom prst="rect">
+            <a:avLst/>
+          </a:prstGeom>
+          <a:solidFill>
+            <a:schemeClr val="accent6"/>
+          </a:solidFill>
+          <a:ln w="9525" cap="flat" cmpd="sng" algn="ctr">
+            <a:solidFill>
+              <a:schemeClr val="dk1"/>
+            </a:solidFill>
+            <a:prstDash val="solid"/>
+            <a:round/>
+            <a:headEnd type="none" w="med" len="med"/>
+            <a:tailEnd type="none" w="med" len="med"/>
+          </a:ln>
+        </p:spPr>
+        <p:style>
+          <a:lnRef idx="0">
+            <a:scrgbClr r="0" g="0" b="0"/>
+          </a:lnRef>
+          <a:fillRef idx="0">
+            <a:scrgbClr r="0" g="0" b="0"/>
+          </a:fillRef>
+          <a:effectRef idx="0">
+            <a:scrgbClr r="0" g="0" b="0"/>
+          </a:effectRef>
+          <a:fontRef idx="minor">
+            <a:schemeClr val="dk1"/>
+          </a:fontRef>
+        </p:style>
+        <p:txBody>
+          <a:bodyPr wrap="square" rtlCol="0">
+            <a:spAutoFit/>
+          </a:bodyPr>
+          <a:lstStyle/>
+          <a:p>
+            <a:pPr algn="ctr"/>
+            <a:r>
+              <a:rPr kumimoji="1" lang="ja-JP" altLang="en-US" sz="3600" dirty="0"/>
+              <a:t>研究目的</a:t>
+            </a:r>
+          </a:p>
+        </p:txBody>
+      </p:sp>
+      <p:pic>
+        <p:nvPicPr>
+          <p:cNvPr id="23" name="図 22">
+            <a:extLst>
+              <a:ext uri="{FF2B5EF4-FFF2-40B4-BE49-F238E27FC236}">
+                <a16:creationId xmlns:a16="http://schemas.microsoft.com/office/drawing/2014/main" id="{E96A5794-EA3F-8F31-C789-1D320922DDD9}"/>
+              </a:ext>
+            </a:extLst>
+          </p:cNvPr>
+          <p:cNvPicPr>
+            <a:picLocks noChangeAspect="1"/>
+          </p:cNvPicPr>
+          <p:nvPr/>
+        </p:nvPicPr>
+        <p:blipFill>
+          <a:blip r:embed="rId2"/>
+          <a:stretch>
+            <a:fillRect/>
+          </a:stretch>
+        </p:blipFill>
+        <p:spPr>
+          <a:xfrm>
+            <a:off x="503739" y="19649886"/>
+            <a:ext cx="7219423" cy="4753059"/>
+          </a:xfrm>
+          <a:prstGeom prst="rect">
+            <a:avLst/>
+          </a:prstGeom>
+        </p:spPr>
+      </p:pic>
+      <p:sp>
+        <p:nvSpPr>
+          <p:cNvPr id="24" name="矢印: 下 23">
+            <a:extLst>
+              <a:ext uri="{FF2B5EF4-FFF2-40B4-BE49-F238E27FC236}">
+                <a16:creationId xmlns:a16="http://schemas.microsoft.com/office/drawing/2014/main" id="{F3D6E37F-2A84-59F2-149B-EF2ADAC535B8}"/>
               </a:ext>
             </a:extLst>
           </p:cNvPr>
@@ -3450,12 +4703,23 @@
         </p:nvSpPr>
         <p:spPr>
           <a:xfrm>
-            <a:off x="1818505" y="15872846"/>
-            <a:ext cx="10369152" cy="1215718"/>
+            <a:off x="6787059" y="12463975"/>
+            <a:ext cx="3299476" cy="558629"/>
           </a:xfrm>
-          <a:prstGeom prst="roundRect">
-            <a:avLst/>
+          <a:prstGeom prst="downArrow">
+            <a:avLst>
+              <a:gd name="adj1" fmla="val 0"/>
+              <a:gd name="adj2" fmla="val 100000"/>
+            </a:avLst>
           </a:prstGeom>
+          <a:solidFill>
+            <a:schemeClr val="tx1"/>
+          </a:solidFill>
+          <a:ln>
+            <a:solidFill>
+              <a:schemeClr val="tx1"/>
+            </a:solidFill>
+          </a:ln>
         </p:spPr>
         <p:style>
           <a:lnRef idx="2">
@@ -3478,36 +4742,46 @@
           <a:lstStyle/>
           <a:p>
             <a:pPr algn="ctr"/>
-            <a:r>
-              <a:rPr lang="en-US" altLang="ja-JP" sz="4800" dirty="0"/>
-              <a:t>2</a:t>
-            </a:r>
-            <a:r>
-              <a:rPr kumimoji="1" lang="en-US" altLang="ja-JP" sz="4800" dirty="0"/>
-              <a:t>.</a:t>
-            </a:r>
-            <a:r>
-              <a:rPr kumimoji="1" lang="ja-JP" altLang="en-US" sz="4800" dirty="0"/>
-              <a:t>　</a:t>
-            </a:r>
-            <a:r>
-              <a:rPr kumimoji="1" lang="en-US" altLang="ja-JP" sz="4800" dirty="0" err="1"/>
-              <a:t>Biterm</a:t>
-            </a:r>
-            <a:r>
-              <a:rPr kumimoji="1" lang="en-US" altLang="ja-JP" sz="4800" dirty="0"/>
-              <a:t> Topic Model</a:t>
-            </a:r>
-            <a:endParaRPr kumimoji="1" lang="ja-JP" altLang="en-US" sz="4800" dirty="0"/>
-          </a:p>
-        </p:txBody>
-      </p:sp>
-      <p:sp>
-        <p:nvSpPr>
-          <p:cNvPr id="6" name="四角形: 角を丸くする 5">
+            <a:endParaRPr kumimoji="1" lang="ja-JP" altLang="en-US"/>
+          </a:p>
+        </p:txBody>
+      </p:sp>
+      <p:pic>
+        <p:nvPicPr>
+          <p:cNvPr id="26" name="図 25">
             <a:extLst>
               <a:ext uri="{FF2B5EF4-FFF2-40B4-BE49-F238E27FC236}">
-                <a16:creationId xmlns:a16="http://schemas.microsoft.com/office/drawing/2014/main" id="{FB3EC961-032F-13D2-6A84-7C7DAC59030D}"/>
+                <a16:creationId xmlns:a16="http://schemas.microsoft.com/office/drawing/2014/main" id="{23FC54A2-D836-D4AF-80B7-F95E86A41721}"/>
+              </a:ext>
+            </a:extLst>
+          </p:cNvPr>
+          <p:cNvPicPr>
+            <a:picLocks noChangeAspect="1"/>
+          </p:cNvPicPr>
+          <p:nvPr/>
+        </p:nvPicPr>
+        <p:blipFill>
+          <a:blip r:embed="rId3"/>
+          <a:stretch>
+            <a:fillRect/>
+          </a:stretch>
+        </p:blipFill>
+        <p:spPr>
+          <a:xfrm>
+            <a:off x="611097" y="34749849"/>
+            <a:ext cx="13898820" cy="6107937"/>
+          </a:xfrm>
+          <a:prstGeom prst="rect">
+            <a:avLst/>
+          </a:prstGeom>
+        </p:spPr>
+      </p:pic>
+      <p:sp>
+        <p:nvSpPr>
+          <p:cNvPr id="29" name="正方形/長方形 28">
+            <a:extLst>
+              <a:ext uri="{FF2B5EF4-FFF2-40B4-BE49-F238E27FC236}">
+                <a16:creationId xmlns:a16="http://schemas.microsoft.com/office/drawing/2014/main" id="{195F2B23-706F-29D7-15D5-B322017AC1BA}"/>
               </a:ext>
             </a:extLst>
           </p:cNvPr>
@@ -3516,17 +4790,168 @@
         </p:nvSpPr>
         <p:spPr>
           <a:xfrm>
-            <a:off x="17948299" y="24932654"/>
-            <a:ext cx="10369152" cy="1215718"/>
+            <a:off x="54792" y="5130619"/>
+            <a:ext cx="504056" cy="37606636"/>
           </a:xfrm>
-          <a:prstGeom prst="roundRect">
+          <a:prstGeom prst="rect">
             <a:avLst/>
           </a:prstGeom>
         </p:spPr>
         <p:style>
           <a:lnRef idx="2">
+            <a:schemeClr val="dk1">
+              <a:shade val="15000"/>
+            </a:schemeClr>
+          </a:lnRef>
+          <a:fillRef idx="1">
+            <a:schemeClr val="dk1"/>
+          </a:fillRef>
+          <a:effectRef idx="0">
+            <a:schemeClr val="dk1"/>
+          </a:effectRef>
+          <a:fontRef idx="minor">
+            <a:schemeClr val="lt1"/>
+          </a:fontRef>
+        </p:style>
+        <p:txBody>
+          <a:bodyPr rtlCol="0" anchor="ctr"/>
+          <a:lstStyle/>
+          <a:p>
+            <a:pPr algn="ctr"/>
+            <a:endParaRPr kumimoji="1" lang="ja-JP" altLang="en-US"/>
+          </a:p>
+        </p:txBody>
+      </p:sp>
+      <p:sp>
+        <p:nvSpPr>
+          <p:cNvPr id="30" name="正方形/長方形 29">
+            <a:extLst>
+              <a:ext uri="{FF2B5EF4-FFF2-40B4-BE49-F238E27FC236}">
+                <a16:creationId xmlns:a16="http://schemas.microsoft.com/office/drawing/2014/main" id="{F8C42AFB-E0B5-F95D-146C-98125D9C668D}"/>
+              </a:ext>
+            </a:extLst>
+          </p:cNvPr>
+          <p:cNvSpPr/>
+          <p:nvPr/>
+        </p:nvSpPr>
+        <p:spPr>
+          <a:xfrm>
+            <a:off x="29721127" y="5201889"/>
+            <a:ext cx="504056" cy="37606636"/>
+          </a:xfrm>
+          <a:prstGeom prst="rect">
+            <a:avLst/>
+          </a:prstGeom>
+        </p:spPr>
+        <p:style>
+          <a:lnRef idx="2">
+            <a:schemeClr val="dk1">
+              <a:shade val="15000"/>
+            </a:schemeClr>
+          </a:lnRef>
+          <a:fillRef idx="1">
+            <a:schemeClr val="dk1"/>
+          </a:fillRef>
+          <a:effectRef idx="0">
+            <a:schemeClr val="dk1"/>
+          </a:effectRef>
+          <a:fontRef idx="minor">
+            <a:schemeClr val="lt1"/>
+          </a:fontRef>
+        </p:style>
+        <p:txBody>
+          <a:bodyPr rtlCol="0" anchor="ctr"/>
+          <a:lstStyle/>
+          <a:p>
+            <a:pPr algn="ctr"/>
+            <a:endParaRPr kumimoji="1" lang="ja-JP" altLang="en-US"/>
+          </a:p>
+        </p:txBody>
+      </p:sp>
+      <p:sp>
+        <p:nvSpPr>
+          <p:cNvPr id="31" name="正方形/長方形 30">
+            <a:extLst>
+              <a:ext uri="{FF2B5EF4-FFF2-40B4-BE49-F238E27FC236}">
+                <a16:creationId xmlns:a16="http://schemas.microsoft.com/office/drawing/2014/main" id="{D980CF48-2967-B99C-5D56-D0F5C276EA5E}"/>
+              </a:ext>
+            </a:extLst>
+          </p:cNvPr>
+          <p:cNvSpPr/>
+          <p:nvPr/>
+        </p:nvSpPr>
+        <p:spPr>
+          <a:xfrm rot="16200000">
+            <a:off x="14815153" y="27671381"/>
+            <a:ext cx="499474" cy="29673474"/>
+          </a:xfrm>
+          <a:prstGeom prst="rect">
+            <a:avLst/>
+          </a:prstGeom>
+        </p:spPr>
+        <p:style>
+          <a:lnRef idx="2">
+            <a:schemeClr val="dk1">
+              <a:shade val="15000"/>
+            </a:schemeClr>
+          </a:lnRef>
+          <a:fillRef idx="1">
+            <a:schemeClr val="dk1"/>
+          </a:fillRef>
+          <a:effectRef idx="0">
+            <a:schemeClr val="dk1"/>
+          </a:effectRef>
+          <a:fontRef idx="minor">
+            <a:schemeClr val="lt1"/>
+          </a:fontRef>
+        </p:style>
+        <p:txBody>
+          <a:bodyPr rtlCol="0" anchor="ctr"/>
+          <a:lstStyle/>
+          <a:p>
+            <a:pPr algn="ctr"/>
+            <a:endParaRPr kumimoji="1" lang="ja-JP" altLang="en-US"/>
+          </a:p>
+        </p:txBody>
+      </p:sp>
+      <p:sp>
+        <p:nvSpPr>
+          <p:cNvPr id="34" name="四角形: 角を丸くする 33">
+            <a:extLst>
+              <a:ext uri="{FF2B5EF4-FFF2-40B4-BE49-F238E27FC236}">
+                <a16:creationId xmlns:a16="http://schemas.microsoft.com/office/drawing/2014/main" id="{67329061-A338-E743-8BCD-965DD080F58B}"/>
+              </a:ext>
+            </a:extLst>
+          </p:cNvPr>
+          <p:cNvSpPr/>
+          <p:nvPr/>
+        </p:nvSpPr>
+        <p:spPr>
+          <a:xfrm>
+            <a:off x="882404" y="26689346"/>
+            <a:ext cx="13249471" cy="7314380"/>
+          </a:xfrm>
+          <a:prstGeom prst="roundRect">
+            <a:avLst>
+              <a:gd name="adj" fmla="val 5678"/>
+            </a:avLst>
+          </a:prstGeom>
+          <a:solidFill>
+            <a:schemeClr val="accent3">
+              <a:lumMod val="40000"/>
+              <a:lumOff val="60000"/>
+            </a:schemeClr>
+          </a:solidFill>
+          <a:ln>
+            <a:solidFill>
+              <a:schemeClr val="tx1"/>
+            </a:solidFill>
+          </a:ln>
+        </p:spPr>
+        <p:style>
+          <a:lnRef idx="2">
             <a:schemeClr val="accent1">
-              <a:shade val="15000"/>
+              <a:shade val="50000"/>
             </a:schemeClr>
           </a:lnRef>
           <a:fillRef idx="1">
@@ -3540,362 +4965,355 @@
           </a:fontRef>
         </p:style>
         <p:txBody>
-          <a:bodyPr rtlCol="0" anchor="ctr"/>
-          <a:lstStyle/>
-          <a:p>
-            <a:pPr algn="ctr"/>
-            <a:r>
-              <a:rPr lang="en-US" altLang="ja-JP" sz="4800" dirty="0"/>
-              <a:t>5</a:t>
-            </a:r>
-            <a:r>
-              <a:rPr kumimoji="1" lang="en-US" altLang="ja-JP" sz="4800" dirty="0"/>
-              <a:t>.</a:t>
-            </a:r>
-            <a:r>
-              <a:rPr kumimoji="1" lang="ja-JP" altLang="en-US" sz="4800" dirty="0"/>
-              <a:t>　考察</a:t>
-            </a:r>
-          </a:p>
-        </p:txBody>
-      </p:sp>
-      <p:sp>
-        <p:nvSpPr>
-          <p:cNvPr id="7" name="四角形: 角を丸くする 6">
-            <a:extLst>
-              <a:ext uri="{FF2B5EF4-FFF2-40B4-BE49-F238E27FC236}">
-                <a16:creationId xmlns:a16="http://schemas.microsoft.com/office/drawing/2014/main" id="{99400FC1-3DE7-F0F8-2E24-62D788DEF21A}"/>
-              </a:ext>
-            </a:extLst>
-          </p:cNvPr>
-          <p:cNvSpPr/>
-          <p:nvPr/>
-        </p:nvSpPr>
-        <p:spPr>
-          <a:xfrm>
-            <a:off x="17948299" y="6507022"/>
-            <a:ext cx="10369152" cy="1215718"/>
-          </a:xfrm>
-          <a:prstGeom prst="roundRect">
-            <a:avLst/>
-          </a:prstGeom>
-        </p:spPr>
-        <p:style>
-          <a:lnRef idx="2">
-            <a:schemeClr val="accent1">
-              <a:shade val="15000"/>
-            </a:schemeClr>
-          </a:lnRef>
-          <a:fillRef idx="1">
-            <a:schemeClr val="accent1"/>
-          </a:fillRef>
-          <a:effectRef idx="0">
-            <a:schemeClr val="accent1"/>
-          </a:effectRef>
-          <a:fontRef idx="minor">
-            <a:schemeClr val="lt1"/>
-          </a:fontRef>
-        </p:style>
-        <p:txBody>
-          <a:bodyPr rtlCol="0" anchor="ctr"/>
-          <a:lstStyle/>
-          <a:p>
-            <a:pPr algn="ctr"/>
-            <a:r>
-              <a:rPr lang="en-US" altLang="ja-JP" sz="4800" dirty="0"/>
-              <a:t>4</a:t>
-            </a:r>
-            <a:r>
-              <a:rPr kumimoji="1" lang="en-US" altLang="ja-JP" sz="4800" dirty="0"/>
-              <a:t>.</a:t>
-            </a:r>
-            <a:r>
-              <a:rPr kumimoji="1" lang="ja-JP" altLang="en-US" sz="4800" dirty="0"/>
-              <a:t>　実験結果</a:t>
-            </a:r>
-          </a:p>
-        </p:txBody>
-      </p:sp>
-      <p:sp>
-        <p:nvSpPr>
-          <p:cNvPr id="11" name="四角形: 角を丸くする 10">
-            <a:extLst>
-              <a:ext uri="{FF2B5EF4-FFF2-40B4-BE49-F238E27FC236}">
-                <a16:creationId xmlns:a16="http://schemas.microsoft.com/office/drawing/2014/main" id="{58FBF857-E090-B969-9C3E-7342D5810E66}"/>
-              </a:ext>
-            </a:extLst>
-          </p:cNvPr>
-          <p:cNvSpPr/>
-          <p:nvPr/>
-        </p:nvSpPr>
-        <p:spPr>
-          <a:xfrm>
-            <a:off x="1818505" y="24932654"/>
-            <a:ext cx="10369152" cy="1215718"/>
-          </a:xfrm>
-          <a:prstGeom prst="roundRect">
-            <a:avLst/>
-          </a:prstGeom>
-        </p:spPr>
-        <p:style>
-          <a:lnRef idx="2">
-            <a:schemeClr val="accent1">
-              <a:shade val="15000"/>
-            </a:schemeClr>
-          </a:lnRef>
-          <a:fillRef idx="1">
-            <a:schemeClr val="accent1"/>
-          </a:fillRef>
-          <a:effectRef idx="0">
-            <a:schemeClr val="accent1"/>
-          </a:effectRef>
-          <a:fontRef idx="minor">
-            <a:schemeClr val="lt1"/>
-          </a:fontRef>
-        </p:style>
-        <p:txBody>
-          <a:bodyPr rtlCol="0" anchor="ctr"/>
-          <a:lstStyle/>
-          <a:p>
-            <a:pPr algn="ctr"/>
-            <a:r>
-              <a:rPr lang="en-US" altLang="ja-JP" sz="4800" dirty="0"/>
-              <a:t>3</a:t>
-            </a:r>
-            <a:r>
-              <a:rPr kumimoji="1" lang="en-US" altLang="ja-JP" sz="4800" dirty="0"/>
-              <a:t>.</a:t>
-            </a:r>
-            <a:r>
-              <a:rPr kumimoji="1" lang="ja-JP" altLang="en-US" sz="4800" dirty="0"/>
-              <a:t>　実験方法</a:t>
-            </a:r>
-          </a:p>
-        </p:txBody>
-      </p:sp>
-      <p:sp>
-        <p:nvSpPr>
-          <p:cNvPr id="12" name="テキスト ボックス 11">
-            <a:extLst>
-              <a:ext uri="{FF2B5EF4-FFF2-40B4-BE49-F238E27FC236}">
-                <a16:creationId xmlns:a16="http://schemas.microsoft.com/office/drawing/2014/main" id="{B4E87563-C1F1-68F5-5B49-02B76EB70EAD}"/>
-              </a:ext>
-            </a:extLst>
-          </p:cNvPr>
-          <p:cNvSpPr txBox="1"/>
-          <p:nvPr/>
-        </p:nvSpPr>
-        <p:spPr>
-          <a:xfrm>
-            <a:off x="4266779" y="2385732"/>
-            <a:ext cx="21746416" cy="769441"/>
-          </a:xfrm>
-          <a:prstGeom prst="rect">
-            <a:avLst/>
-          </a:prstGeom>
-          <a:noFill/>
-        </p:spPr>
-        <p:txBody>
-          <a:bodyPr wrap="square" rtlCol="0">
-            <a:spAutoFit/>
-          </a:bodyPr>
-          <a:lstStyle/>
-          <a:p>
-            <a:r>
-              <a:rPr kumimoji="1" lang="en-US" altLang="ja-JP" sz="4400" dirty="0"/>
-              <a:t>Creation of a System for Evaluating the Relevance of Comments to Product Introduction Videos</a:t>
-            </a:r>
-            <a:endParaRPr kumimoji="1" lang="ja-JP" altLang="en-US" sz="4400" dirty="0"/>
-          </a:p>
-        </p:txBody>
-      </p:sp>
-      <p:sp>
-        <p:nvSpPr>
-          <p:cNvPr id="13" name="テキスト ボックス 12">
-            <a:extLst>
-              <a:ext uri="{FF2B5EF4-FFF2-40B4-BE49-F238E27FC236}">
-                <a16:creationId xmlns:a16="http://schemas.microsoft.com/office/drawing/2014/main" id="{8664871A-F2D7-582E-44C1-F8D28F1F17B5}"/>
-              </a:ext>
-            </a:extLst>
-          </p:cNvPr>
-          <p:cNvSpPr txBox="1"/>
-          <p:nvPr/>
-        </p:nvSpPr>
-        <p:spPr>
-          <a:xfrm>
-            <a:off x="9163323" y="3539895"/>
-            <a:ext cx="11953328" cy="830997"/>
-          </a:xfrm>
-          <a:prstGeom prst="rect">
-            <a:avLst/>
-          </a:prstGeom>
-          <a:noFill/>
-        </p:spPr>
-        <p:txBody>
-          <a:bodyPr wrap="square" rtlCol="0">
-            <a:spAutoFit/>
-          </a:bodyPr>
-          <a:lstStyle/>
-          <a:p>
-            <a:pPr algn="ctr"/>
-            <a:r>
-              <a:rPr kumimoji="1" lang="ja-JP" altLang="en-US" sz="4800" dirty="0"/>
-              <a:t>西原涼介　相馬隆郎（東京都立大学大学院）</a:t>
-            </a:r>
+          <a:bodyPr rtlCol="0" anchor="t"/>
+          <a:lstStyle/>
+          <a:p>
+            <a:pPr>
+              <a:lnSpc>
+                <a:spcPct val="150000"/>
+              </a:lnSpc>
+            </a:pPr>
+            <a:r>
+              <a:rPr kumimoji="1" lang="en-US" altLang="ja-JP" sz="3200" dirty="0">
+                <a:solidFill>
+                  <a:schemeClr val="tx1"/>
+                </a:solidFill>
+              </a:rPr>
+              <a:t>1. YouTube Data API</a:t>
+            </a:r>
+            <a:r>
+              <a:rPr kumimoji="1" lang="ja-JP" altLang="en-US" sz="3200" dirty="0">
+                <a:solidFill>
+                  <a:schemeClr val="tx1"/>
+                </a:solidFill>
+              </a:rPr>
+              <a:t>で対象動画のコメントを取得</a:t>
+            </a:r>
+            <a:endParaRPr kumimoji="1" lang="en-US" altLang="ja-JP" sz="3200" dirty="0">
+              <a:solidFill>
+                <a:schemeClr val="tx1"/>
+              </a:solidFill>
+            </a:endParaRPr>
+          </a:p>
+          <a:p>
+            <a:pPr>
+              <a:lnSpc>
+                <a:spcPct val="150000"/>
+              </a:lnSpc>
+            </a:pPr>
+            <a:r>
+              <a:rPr lang="en-US" altLang="ja-JP" sz="3200" dirty="0">
+                <a:solidFill>
+                  <a:schemeClr val="tx1"/>
+                </a:solidFill>
+              </a:rPr>
+              <a:t>2.</a:t>
+            </a:r>
+            <a:r>
+              <a:rPr lang="ja-JP" altLang="en-US" sz="3200" dirty="0">
+                <a:solidFill>
+                  <a:schemeClr val="tx1"/>
+                </a:solidFill>
+              </a:rPr>
+              <a:t> 前処理</a:t>
+            </a:r>
+            <a:endParaRPr lang="en-US" altLang="ja-JP" sz="3200" dirty="0">
+              <a:solidFill>
+                <a:schemeClr val="tx1"/>
+              </a:solidFill>
+            </a:endParaRPr>
+          </a:p>
+          <a:p>
+            <a:pPr>
+              <a:lnSpc>
+                <a:spcPct val="150000"/>
+              </a:lnSpc>
+            </a:pPr>
+            <a:r>
+              <a:rPr kumimoji="1" lang="en-US" altLang="ja-JP" sz="3200" dirty="0">
+                <a:solidFill>
+                  <a:schemeClr val="tx1"/>
+                </a:solidFill>
+              </a:rPr>
+              <a:t>3. </a:t>
+            </a:r>
+            <a:r>
+              <a:rPr lang="en-US" altLang="ja-JP" sz="3200" dirty="0">
+                <a:solidFill>
+                  <a:schemeClr val="tx1"/>
+                </a:solidFill>
+              </a:rPr>
+              <a:t>BTM</a:t>
+            </a:r>
+            <a:r>
+              <a:rPr lang="ja-JP" altLang="en-US" sz="3200" dirty="0">
+                <a:solidFill>
+                  <a:schemeClr val="tx1"/>
+                </a:solidFill>
+              </a:rPr>
+              <a:t>によって推定した</a:t>
+            </a:r>
+            <a:r>
+              <a:rPr lang="en-US" altLang="ja-JP" sz="3200" dirty="0">
+                <a:solidFill>
+                  <a:schemeClr val="tx1"/>
+                </a:solidFill>
+              </a:rPr>
+              <a:t>K</a:t>
+            </a:r>
+            <a:r>
+              <a:rPr lang="ja-JP" altLang="en-US" sz="3200" dirty="0">
+                <a:solidFill>
+                  <a:schemeClr val="tx1"/>
+                </a:solidFill>
+              </a:rPr>
+              <a:t>個のトピックから生成確率上位</a:t>
+            </a:r>
+            <a:r>
+              <a:rPr lang="en-US" altLang="ja-JP" sz="3200" dirty="0">
+                <a:solidFill>
+                  <a:schemeClr val="tx1"/>
+                </a:solidFill>
+              </a:rPr>
+              <a:t>n</a:t>
+            </a:r>
+            <a:r>
+              <a:rPr lang="ja-JP" altLang="en-US" sz="3200" dirty="0">
+                <a:solidFill>
+                  <a:schemeClr val="tx1"/>
+                </a:solidFill>
+              </a:rPr>
+              <a:t>単語を抽出</a:t>
+            </a:r>
+            <a:endParaRPr kumimoji="1" lang="en-US" altLang="ja-JP" sz="3200" dirty="0">
+              <a:solidFill>
+                <a:schemeClr val="tx1"/>
+              </a:solidFill>
+            </a:endParaRPr>
+          </a:p>
+          <a:p>
+            <a:pPr>
+              <a:lnSpc>
+                <a:spcPct val="150000"/>
+              </a:lnSpc>
+            </a:pPr>
+            <a:r>
+              <a:rPr lang="en-US" altLang="ja-JP" sz="3200" dirty="0">
+                <a:solidFill>
+                  <a:schemeClr val="tx1"/>
+                </a:solidFill>
+              </a:rPr>
+              <a:t>4. K</a:t>
+            </a:r>
+            <a:r>
+              <a:rPr lang="ja-JP" altLang="en-US" sz="3200" dirty="0">
+                <a:solidFill>
+                  <a:schemeClr val="tx1"/>
+                </a:solidFill>
+              </a:rPr>
+              <a:t>個のトピックごとに、抽出した単語をもとに文章を生成（</a:t>
+            </a:r>
+            <a:r>
+              <a:rPr lang="en-US" altLang="ja-JP" sz="3200" dirty="0">
+                <a:solidFill>
+                  <a:schemeClr val="tx1"/>
+                </a:solidFill>
+              </a:rPr>
+              <a:t>GPT-3.5</a:t>
+            </a:r>
+            <a:r>
+              <a:rPr lang="ja-JP" altLang="en-US" sz="3200" dirty="0">
+                <a:solidFill>
+                  <a:schemeClr val="tx1"/>
+                </a:solidFill>
+              </a:rPr>
+              <a:t>）</a:t>
+            </a:r>
+            <a:endParaRPr lang="en-US" altLang="ja-JP" sz="3200" dirty="0">
+              <a:solidFill>
+                <a:schemeClr val="tx1"/>
+              </a:solidFill>
+            </a:endParaRPr>
+          </a:p>
+          <a:p>
+            <a:pPr>
+              <a:lnSpc>
+                <a:spcPct val="150000"/>
+              </a:lnSpc>
+            </a:pPr>
+            <a:r>
+              <a:rPr kumimoji="1" lang="en-US" altLang="ja-JP" sz="3200" dirty="0">
+                <a:solidFill>
+                  <a:schemeClr val="tx1"/>
+                </a:solidFill>
+              </a:rPr>
+              <a:t>5. </a:t>
+            </a:r>
+            <a:r>
+              <a:rPr kumimoji="1" lang="ja-JP" altLang="en-US" sz="3200" dirty="0">
+                <a:solidFill>
+                  <a:schemeClr val="tx1"/>
+                </a:solidFill>
+              </a:rPr>
+              <a:t>生成した</a:t>
+            </a:r>
+            <a:r>
+              <a:rPr kumimoji="1" lang="en-US" altLang="ja-JP" sz="3200" dirty="0">
+                <a:solidFill>
+                  <a:schemeClr val="tx1"/>
+                </a:solidFill>
+              </a:rPr>
+              <a:t>K</a:t>
+            </a:r>
+            <a:r>
+              <a:rPr kumimoji="1" lang="ja-JP" altLang="en-US" sz="3200" dirty="0">
+                <a:solidFill>
+                  <a:schemeClr val="tx1"/>
+                </a:solidFill>
+              </a:rPr>
+              <a:t>個の文章とコメント全文との類似度を計算（</a:t>
+            </a:r>
+            <a:r>
+              <a:rPr kumimoji="1" lang="en-US" altLang="ja-JP" sz="3200" dirty="0">
+                <a:solidFill>
+                  <a:schemeClr val="tx1"/>
+                </a:solidFill>
+              </a:rPr>
+              <a:t>BERT</a:t>
+            </a:r>
+            <a:r>
+              <a:rPr kumimoji="1" lang="ja-JP" altLang="en-US" sz="3200" dirty="0">
+                <a:solidFill>
+                  <a:schemeClr val="tx1"/>
+                </a:solidFill>
+              </a:rPr>
+              <a:t>）</a:t>
+            </a:r>
+            <a:endParaRPr kumimoji="1" lang="en-US" altLang="ja-JP" sz="3200" dirty="0">
+              <a:solidFill>
+                <a:schemeClr val="tx1"/>
+              </a:solidFill>
+            </a:endParaRPr>
+          </a:p>
+          <a:p>
+            <a:pPr>
+              <a:lnSpc>
+                <a:spcPct val="150000"/>
+              </a:lnSpc>
+            </a:pPr>
+            <a:r>
+              <a:rPr lang="en-US" altLang="ja-JP" sz="3200" dirty="0">
+                <a:solidFill>
+                  <a:schemeClr val="tx1"/>
+                </a:solidFill>
+              </a:rPr>
+              <a:t>6. </a:t>
+            </a:r>
+            <a:r>
+              <a:rPr lang="ja-JP" altLang="en-US" sz="3200" dirty="0">
+                <a:solidFill>
+                  <a:schemeClr val="tx1"/>
+                </a:solidFill>
+              </a:rPr>
+              <a:t>高い類似度を示したコメントから順に、商品との関連性が高いと評価</a:t>
+            </a:r>
+            <a:endParaRPr lang="en-US" altLang="ja-JP" sz="3200" dirty="0">
+              <a:solidFill>
+                <a:schemeClr val="tx1"/>
+              </a:solidFill>
+            </a:endParaRPr>
+          </a:p>
+          <a:p>
+            <a:pPr>
+              <a:lnSpc>
+                <a:spcPct val="150000"/>
+              </a:lnSpc>
+            </a:pPr>
+            <a:r>
+              <a:rPr lang="en-US" altLang="ja-JP" sz="3200" dirty="0">
+                <a:solidFill>
+                  <a:schemeClr val="tx1"/>
+                </a:solidFill>
+              </a:rPr>
+              <a:t>7. </a:t>
+            </a:r>
+            <a:r>
+              <a:rPr lang="ja-JP" altLang="en-US" sz="3200" dirty="0">
+                <a:solidFill>
+                  <a:schemeClr val="tx1"/>
+                </a:solidFill>
+              </a:rPr>
+              <a:t>元コメントに対して、人手で商品との関連性の有無の正解ラベルを付与</a:t>
+            </a:r>
+            <a:endParaRPr lang="en-US" altLang="ja-JP" sz="3200" dirty="0">
+              <a:solidFill>
+                <a:schemeClr val="tx1"/>
+              </a:solidFill>
+            </a:endParaRPr>
+          </a:p>
+          <a:p>
+            <a:pPr>
+              <a:lnSpc>
+                <a:spcPct val="150000"/>
+              </a:lnSpc>
+            </a:pPr>
+            <a:r>
+              <a:rPr lang="en-US" altLang="ja-JP" sz="3200" dirty="0">
+                <a:solidFill>
+                  <a:schemeClr val="tx1"/>
+                </a:solidFill>
+              </a:rPr>
+              <a:t>8. </a:t>
+            </a:r>
+            <a:r>
+              <a:rPr lang="ja-JP" altLang="en-US" sz="3200" dirty="0">
+                <a:solidFill>
+                  <a:schemeClr val="tx1"/>
+                </a:solidFill>
+              </a:rPr>
+              <a:t>正解レベルを付与した</a:t>
+            </a:r>
+            <a:r>
+              <a:rPr lang="en-US" altLang="ja-JP" sz="3200" dirty="0">
+                <a:solidFill>
+                  <a:schemeClr val="tx1"/>
+                </a:solidFill>
+              </a:rPr>
+              <a:t>M</a:t>
+            </a:r>
+            <a:r>
+              <a:rPr lang="ja-JP" altLang="en-US" sz="3200" dirty="0">
+                <a:solidFill>
+                  <a:schemeClr val="tx1"/>
+                </a:solidFill>
+              </a:rPr>
+              <a:t>件のコメントと、類似度上位</a:t>
+            </a:r>
+            <a:r>
+              <a:rPr lang="en-US" altLang="ja-JP" sz="3200" dirty="0">
+                <a:solidFill>
+                  <a:schemeClr val="tx1"/>
+                </a:solidFill>
+              </a:rPr>
+              <a:t>M</a:t>
+            </a:r>
+            <a:r>
+              <a:rPr lang="ja-JP" altLang="en-US" sz="3200" dirty="0">
+                <a:solidFill>
+                  <a:schemeClr val="tx1"/>
+                </a:solidFill>
+              </a:rPr>
+              <a:t>件のコメントを比較し、提案手法の精度を検証</a:t>
+            </a:r>
+            <a:endParaRPr lang="en-US" altLang="ja-JP" sz="3200" dirty="0">
+              <a:solidFill>
+                <a:schemeClr val="tx1"/>
+              </a:solidFill>
+            </a:endParaRPr>
           </a:p>
         </p:txBody>
       </p:sp>
     </p:spTree>
-  </p:cSld>
-  <p:clrMapOvr>
-    <a:masterClrMapping/>
-  </p:clrMapOvr>
-</p:sld>
-</file>
-
-<file path=ppt/slides/slide2.xml><?xml version="1.0" encoding="utf-8"?>
-<p:sld xmlns:a="http://schemas.openxmlformats.org/drawingml/2006/main" xmlns:r="http://schemas.openxmlformats.org/officeDocument/2006/relationships" xmlns:p="http://schemas.openxmlformats.org/presentationml/2006/main">
-  <p:cSld>
-    <p:spTree>
-      <p:nvGrpSpPr>
-        <p:cNvPr id="1" name=""/>
-        <p:cNvGrpSpPr/>
-        <p:nvPr/>
-      </p:nvGrpSpPr>
-      <p:grpSpPr>
-        <a:xfrm>
-          <a:off x="0" y="0"/>
-          <a:ext cx="0" cy="0"/>
-          <a:chOff x="0" y="0"/>
-          <a:chExt cx="0" cy="0"/>
-        </a:xfrm>
-      </p:grpSpPr>
-      <p:sp>
-        <p:nvSpPr>
-          <p:cNvPr id="2" name="タイトル 1">
-            <a:extLst>
-              <a:ext uri="{FF2B5EF4-FFF2-40B4-BE49-F238E27FC236}">
-                <a16:creationId xmlns:a16="http://schemas.microsoft.com/office/drawing/2014/main" id="{DF960FBA-3778-7F0C-C07C-DC77E8025E5B}"/>
-              </a:ext>
-            </a:extLst>
-          </p:cNvPr>
-          <p:cNvSpPr>
-            <a:spLocks noGrp="1"/>
-          </p:cNvSpPr>
-          <p:nvPr>
-            <p:ph type="title"/>
-          </p:nvPr>
-        </p:nvSpPr>
-        <p:spPr/>
-        <p:txBody>
-          <a:bodyPr/>
-          <a:lstStyle/>
-          <a:p>
-            <a:endParaRPr kumimoji="1" lang="ja-JP" altLang="en-US" dirty="0"/>
-          </a:p>
-        </p:txBody>
-      </p:sp>
-      <p:sp>
-        <p:nvSpPr>
-          <p:cNvPr id="3" name="コンテンツ プレースホルダー 2">
-            <a:extLst>
-              <a:ext uri="{FF2B5EF4-FFF2-40B4-BE49-F238E27FC236}">
-                <a16:creationId xmlns:a16="http://schemas.microsoft.com/office/drawing/2014/main" id="{63B66828-A06F-FBEE-7B0F-D934ED7DD1B3}"/>
-              </a:ext>
-            </a:extLst>
-          </p:cNvPr>
-          <p:cNvSpPr>
-            <a:spLocks noGrp="1"/>
-          </p:cNvSpPr>
-          <p:nvPr>
-            <p:ph idx="1"/>
-          </p:nvPr>
-        </p:nvSpPr>
-        <p:spPr/>
-        <p:txBody>
-          <a:bodyPr/>
-          <a:lstStyle/>
-          <a:p>
-            <a:pPr>
-              <a:buFont typeface="+mj-lt"/>
-              <a:buAutoNum type="arabicPeriod"/>
-            </a:pPr>
-            <a:r>
-              <a:rPr kumimoji="1" lang="ja-JP" altLang="en-US" dirty="0"/>
-              <a:t>タイトル</a:t>
-            </a:r>
-            <a:endParaRPr kumimoji="1" lang="en-US" altLang="ja-JP" dirty="0"/>
-          </a:p>
-          <a:p>
-            <a:pPr>
-              <a:buFont typeface="+mj-lt"/>
-              <a:buAutoNum type="arabicPeriod"/>
-            </a:pPr>
-            <a:r>
-              <a:rPr lang="ja-JP" altLang="en-US" dirty="0"/>
-              <a:t>概要</a:t>
-            </a:r>
-            <a:endParaRPr lang="en-US" altLang="ja-JP" dirty="0"/>
-          </a:p>
-          <a:p>
-            <a:pPr>
-              <a:buFont typeface="+mj-lt"/>
-              <a:buAutoNum type="arabicPeriod"/>
-            </a:pPr>
-            <a:r>
-              <a:rPr kumimoji="1" lang="ja-JP" altLang="en-US" dirty="0"/>
-              <a:t>背景、目的</a:t>
-            </a:r>
-            <a:endParaRPr kumimoji="1" lang="en-US" altLang="ja-JP" dirty="0"/>
-          </a:p>
-          <a:p>
-            <a:pPr>
-              <a:buFont typeface="+mj-lt"/>
-              <a:buAutoNum type="arabicPeriod"/>
-            </a:pPr>
-            <a:r>
-              <a:rPr lang="ja-JP" altLang="en-US" dirty="0"/>
-              <a:t>実験方法</a:t>
-            </a:r>
-            <a:endParaRPr lang="en-US" altLang="ja-JP" dirty="0"/>
-          </a:p>
-          <a:p>
-            <a:pPr>
-              <a:buFont typeface="+mj-lt"/>
-              <a:buAutoNum type="arabicPeriod"/>
-            </a:pPr>
-            <a:r>
-              <a:rPr kumimoji="1" lang="ja-JP" altLang="en-US" dirty="0"/>
-              <a:t>結果</a:t>
-            </a:r>
-            <a:endParaRPr kumimoji="1" lang="en-US" altLang="ja-JP" dirty="0"/>
-          </a:p>
-          <a:p>
-            <a:pPr>
-              <a:buFont typeface="+mj-lt"/>
-              <a:buAutoNum type="arabicPeriod"/>
-            </a:pPr>
-            <a:r>
-              <a:rPr kumimoji="1" lang="ja-JP" altLang="en-US" dirty="0"/>
-              <a:t>考察</a:t>
-            </a:r>
-            <a:endParaRPr kumimoji="1" lang="en-US" altLang="ja-JP" dirty="0"/>
-          </a:p>
-          <a:p>
-            <a:pPr>
-              <a:buFont typeface="+mj-lt"/>
-              <a:buAutoNum type="arabicPeriod"/>
-            </a:pPr>
-            <a:endParaRPr kumimoji="1" lang="ja-JP" altLang="en-US" dirty="0"/>
-          </a:p>
-        </p:txBody>
-      </p:sp>
-    </p:spTree>
-    <p:extLst>
-      <p:ext uri="{BB962C8B-B14F-4D97-AF65-F5344CB8AC3E}">
-        <p14:creationId xmlns:p14="http://schemas.microsoft.com/office/powerpoint/2010/main" val="4242930071"/>
-      </p:ext>
-    </p:extLst>
   </p:cSld>
   <p:clrMapOvr>
     <a:masterClrMapping/>

--- a/発表ポスター.pptx
+++ b/発表ポスター.pptx
@@ -303,7 +303,7 @@
             <a:fld id="{797A01BE-B01F-4BF7-B98B-637D558E7802}" type="datetimeFigureOut">
               <a:rPr kumimoji="1" lang="ja-JP" altLang="en-US" smtClean="0"/>
               <a:pPr/>
-              <a:t>2023/7/19</a:t>
+              <a:t>2023/7/20</a:t>
             </a:fld>
             <a:endParaRPr kumimoji="1" lang="ja-JP" altLang="en-US"/>
           </a:p>
@@ -500,7 +500,7 @@
             <a:fld id="{797A01BE-B01F-4BF7-B98B-637D558E7802}" type="datetimeFigureOut">
               <a:rPr kumimoji="1" lang="ja-JP" altLang="en-US" smtClean="0"/>
               <a:pPr/>
-              <a:t>2023/7/19</a:t>
+              <a:t>2023/7/20</a:t>
             </a:fld>
             <a:endParaRPr kumimoji="1" lang="ja-JP" altLang="en-US"/>
           </a:p>
@@ -707,7 +707,7 @@
             <a:fld id="{797A01BE-B01F-4BF7-B98B-637D558E7802}" type="datetimeFigureOut">
               <a:rPr kumimoji="1" lang="ja-JP" altLang="en-US" smtClean="0"/>
               <a:pPr/>
-              <a:t>2023/7/19</a:t>
+              <a:t>2023/7/20</a:t>
             </a:fld>
             <a:endParaRPr kumimoji="1" lang="ja-JP" altLang="en-US"/>
           </a:p>
@@ -904,7 +904,7 @@
             <a:fld id="{797A01BE-B01F-4BF7-B98B-637D558E7802}" type="datetimeFigureOut">
               <a:rPr kumimoji="1" lang="ja-JP" altLang="en-US" smtClean="0"/>
               <a:pPr/>
-              <a:t>2023/7/19</a:t>
+              <a:t>2023/7/20</a:t>
             </a:fld>
             <a:endParaRPr kumimoji="1" lang="ja-JP" altLang="en-US"/>
           </a:p>
@@ -1146,7 +1146,7 @@
             <a:fld id="{797A01BE-B01F-4BF7-B98B-637D558E7802}" type="datetimeFigureOut">
               <a:rPr kumimoji="1" lang="ja-JP" altLang="en-US" smtClean="0"/>
               <a:pPr/>
-              <a:t>2023/7/19</a:t>
+              <a:t>2023/7/20</a:t>
             </a:fld>
             <a:endParaRPr kumimoji="1" lang="ja-JP" altLang="en-US"/>
           </a:p>
@@ -1492,7 +1492,7 @@
             <a:fld id="{797A01BE-B01F-4BF7-B98B-637D558E7802}" type="datetimeFigureOut">
               <a:rPr kumimoji="1" lang="ja-JP" altLang="en-US" smtClean="0"/>
               <a:pPr/>
-              <a:t>2023/7/19</a:t>
+              <a:t>2023/7/20</a:t>
             </a:fld>
             <a:endParaRPr kumimoji="1" lang="ja-JP" altLang="en-US"/>
           </a:p>
@@ -1977,7 +1977,7 @@
             <a:fld id="{797A01BE-B01F-4BF7-B98B-637D558E7802}" type="datetimeFigureOut">
               <a:rPr kumimoji="1" lang="ja-JP" altLang="en-US" smtClean="0"/>
               <a:pPr/>
-              <a:t>2023/7/19</a:t>
+              <a:t>2023/7/20</a:t>
             </a:fld>
             <a:endParaRPr kumimoji="1" lang="ja-JP" altLang="en-US"/>
           </a:p>
@@ -2091,7 +2091,7 @@
             <a:fld id="{797A01BE-B01F-4BF7-B98B-637D558E7802}" type="datetimeFigureOut">
               <a:rPr kumimoji="1" lang="ja-JP" altLang="en-US" smtClean="0"/>
               <a:pPr/>
-              <a:t>2023/7/19</a:t>
+              <a:t>2023/7/20</a:t>
             </a:fld>
             <a:endParaRPr kumimoji="1" lang="ja-JP" altLang="en-US"/>
           </a:p>
@@ -2183,7 +2183,7 @@
             <a:fld id="{797A01BE-B01F-4BF7-B98B-637D558E7802}" type="datetimeFigureOut">
               <a:rPr kumimoji="1" lang="ja-JP" altLang="en-US" smtClean="0"/>
               <a:pPr/>
-              <a:t>2023/7/19</a:t>
+              <a:t>2023/7/20</a:t>
             </a:fld>
             <a:endParaRPr kumimoji="1" lang="ja-JP" altLang="en-US"/>
           </a:p>
@@ -2487,7 +2487,7 @@
             <a:fld id="{797A01BE-B01F-4BF7-B98B-637D558E7802}" type="datetimeFigureOut">
               <a:rPr kumimoji="1" lang="ja-JP" altLang="en-US" smtClean="0"/>
               <a:pPr/>
-              <a:t>2023/7/19</a:t>
+              <a:t>2023/7/20</a:t>
             </a:fld>
             <a:endParaRPr kumimoji="1" lang="ja-JP" altLang="en-US"/>
           </a:p>
@@ -2736,7 +2736,7 @@
             <a:fld id="{797A01BE-B01F-4BF7-B98B-637D558E7802}" type="datetimeFigureOut">
               <a:rPr kumimoji="1" lang="ja-JP" altLang="en-US" smtClean="0"/>
               <a:pPr/>
-              <a:t>2023/7/19</a:t>
+              <a:t>2023/7/20</a:t>
             </a:fld>
             <a:endParaRPr kumimoji="1" lang="ja-JP" altLang="en-US"/>
           </a:p>
@@ -2976,7 +2976,7 @@
             <a:fld id="{797A01BE-B01F-4BF7-B98B-637D558E7802}" type="datetimeFigureOut">
               <a:rPr kumimoji="1" lang="ja-JP" altLang="en-US" smtClean="0"/>
               <a:pPr/>
-              <a:t>2023/7/19</a:t>
+              <a:t>2023/7/20</a:t>
             </a:fld>
             <a:endParaRPr kumimoji="1" lang="ja-JP" altLang="en-US"/>
           </a:p>
@@ -3559,7 +3559,7 @@
         </p:nvSpPr>
         <p:spPr>
           <a:xfrm>
-            <a:off x="16148098" y="24932654"/>
+            <a:off x="16144056" y="26516822"/>
             <a:ext cx="13249473" cy="1215718"/>
           </a:xfrm>
           <a:prstGeom prst="roundRect">
@@ -3709,7 +3709,7 @@
         </p:nvSpPr>
         <p:spPr>
           <a:xfrm>
-            <a:off x="882403" y="24932654"/>
+            <a:off x="883278" y="26516822"/>
             <a:ext cx="13249472" cy="1215718"/>
           </a:xfrm>
           <a:prstGeom prst="roundRect">
@@ -4681,7 +4681,7 @@
         </p:blipFill>
         <p:spPr>
           <a:xfrm>
-            <a:off x="503739" y="19649886"/>
+            <a:off x="604963" y="21237262"/>
             <a:ext cx="7219423" cy="4753059"/>
           </a:xfrm>
           <a:prstGeom prst="rect">
@@ -4768,7 +4768,7 @@
         </p:blipFill>
         <p:spPr>
           <a:xfrm>
-            <a:off x="611097" y="34749849"/>
+            <a:off x="640205" y="35837705"/>
             <a:ext cx="13898820" cy="6107937"/>
           </a:xfrm>
           <a:prstGeom prst="rect">
@@ -4928,7 +4928,7 @@
         </p:nvSpPr>
         <p:spPr>
           <a:xfrm>
-            <a:off x="882404" y="26689346"/>
+            <a:off x="886447" y="28109503"/>
             <a:ext cx="13249471" cy="7314380"/>
           </a:xfrm>
           <a:prstGeom prst="roundRect">
@@ -4937,7 +4937,7 @@
             </a:avLst>
           </a:prstGeom>
           <a:solidFill>
-            <a:schemeClr val="accent3">
+            <a:schemeClr val="accent6">
               <a:lumMod val="40000"/>
               <a:lumOff val="60000"/>
             </a:schemeClr>
@@ -4968,10 +4968,12 @@
           <a:bodyPr rtlCol="0" anchor="t"/>
           <a:lstStyle/>
           <a:p>
-            <a:pPr>
+            <a:pPr marL="514350" indent="-514350">
               <a:lnSpc>
                 <a:spcPct val="150000"/>
               </a:lnSpc>
+              <a:buFont typeface="+mj-lt"/>
+              <a:buAutoNum type="arabicPeriod"/>
             </a:pPr>
             <a:r>
               <a:rPr kumimoji="1" lang="en-US" altLang="ja-JP" sz="3200" dirty="0">
@@ -4979,7 +4981,7 @@
                   <a:schemeClr val="tx1"/>
                 </a:solidFill>
               </a:rPr>
-              <a:t>1. YouTube Data API</a:t>
+              <a:t>YouTube Data API</a:t>
             </a:r>
             <a:r>
               <a:rPr kumimoji="1" lang="ja-JP" altLang="en-US" sz="3200" dirty="0">
@@ -4996,26 +4998,20 @@
             </a:endParaRPr>
           </a:p>
           <a:p>
-            <a:pPr>
+            <a:pPr marL="514350" indent="-514350">
               <a:lnSpc>
                 <a:spcPct val="150000"/>
               </a:lnSpc>
+              <a:buFont typeface="+mj-lt"/>
+              <a:buAutoNum type="arabicPeriod"/>
             </a:pPr>
             <a:r>
-              <a:rPr lang="en-US" altLang="ja-JP" sz="3200" dirty="0">
-                <a:solidFill>
-                  <a:schemeClr val="tx1"/>
-                </a:solidFill>
-              </a:rPr>
-              <a:t>2.</a:t>
-            </a:r>
-            <a:r>
               <a:rPr lang="ja-JP" altLang="en-US" sz="3200" dirty="0">
                 <a:solidFill>
                   <a:schemeClr val="tx1"/>
                 </a:solidFill>
               </a:rPr>
-              <a:t> 前処理</a:t>
+              <a:t>コメントの前処理</a:t>
             </a:r>
             <a:endParaRPr lang="en-US" altLang="ja-JP" sz="3200" dirty="0">
               <a:solidFill>
@@ -5024,19 +5020,13 @@
             </a:endParaRPr>
           </a:p>
           <a:p>
-            <a:pPr>
+            <a:pPr marL="514350" indent="-514350">
               <a:lnSpc>
                 <a:spcPct val="150000"/>
               </a:lnSpc>
+              <a:buFont typeface="+mj-lt"/>
+              <a:buAutoNum type="arabicPeriod"/>
             </a:pPr>
-            <a:r>
-              <a:rPr kumimoji="1" lang="en-US" altLang="ja-JP" sz="3200" dirty="0">
-                <a:solidFill>
-                  <a:schemeClr val="tx1"/>
-                </a:solidFill>
-              </a:rPr>
-              <a:t>3. </a:t>
-            </a:r>
             <a:r>
               <a:rPr lang="en-US" altLang="ja-JP" sz="3200" dirty="0">
                 <a:solidFill>
@@ -5092,10 +5082,12 @@
             </a:endParaRPr>
           </a:p>
           <a:p>
-            <a:pPr>
+            <a:pPr marL="514350" indent="-514350">
               <a:lnSpc>
                 <a:spcPct val="150000"/>
               </a:lnSpc>
+              <a:buFont typeface="+mj-lt"/>
+              <a:buAutoNum type="arabicPeriod"/>
             </a:pPr>
             <a:r>
               <a:rPr lang="en-US" altLang="ja-JP" sz="3200" dirty="0">
@@ -5103,7 +5095,7 @@
                   <a:schemeClr val="tx1"/>
                 </a:solidFill>
               </a:rPr>
-              <a:t>4. K</a:t>
+              <a:t>K</a:t>
             </a:r>
             <a:r>
               <a:rPr lang="ja-JP" altLang="en-US" sz="3200" dirty="0">
@@ -5136,19 +5128,13 @@
             </a:endParaRPr>
           </a:p>
           <a:p>
-            <a:pPr>
+            <a:pPr marL="514350" indent="-514350">
               <a:lnSpc>
                 <a:spcPct val="150000"/>
               </a:lnSpc>
+              <a:buFont typeface="+mj-lt"/>
+              <a:buAutoNum type="arabicPeriod"/>
             </a:pPr>
-            <a:r>
-              <a:rPr kumimoji="1" lang="en-US" altLang="ja-JP" sz="3200" dirty="0">
-                <a:solidFill>
-                  <a:schemeClr val="tx1"/>
-                </a:solidFill>
-              </a:rPr>
-              <a:t>5. </a:t>
-            </a:r>
             <a:r>
               <a:rPr kumimoji="1" lang="ja-JP" altLang="en-US" sz="3200" dirty="0">
                 <a:solidFill>
@@ -5196,26 +5182,42 @@
             </a:endParaRPr>
           </a:p>
           <a:p>
-            <a:pPr>
+            <a:pPr marL="514350" indent="-514350">
               <a:lnSpc>
                 <a:spcPct val="150000"/>
               </a:lnSpc>
+              <a:buFont typeface="+mj-lt"/>
+              <a:buAutoNum type="arabicPeriod"/>
             </a:pPr>
             <a:r>
-              <a:rPr lang="en-US" altLang="ja-JP" sz="3200" dirty="0">
-                <a:solidFill>
-                  <a:schemeClr val="tx1"/>
-                </a:solidFill>
-              </a:rPr>
-              <a:t>6. </a:t>
-            </a:r>
+              <a:rPr lang="ja-JP" altLang="en-US" sz="3200" b="1" u="sng" dirty="0">
+                <a:solidFill>
+                  <a:schemeClr val="tx1"/>
+                </a:solidFill>
+              </a:rPr>
+              <a:t>高い類似度を示したコメントから順に、商品との関連性が高いと評価</a:t>
+            </a:r>
+            <a:endParaRPr lang="en-US" altLang="ja-JP" sz="3200" b="1" u="sng" dirty="0">
+              <a:solidFill>
+                <a:schemeClr val="tx1"/>
+              </a:solidFill>
+            </a:endParaRPr>
+          </a:p>
+          <a:p>
+            <a:pPr marL="514350" indent="-514350">
+              <a:lnSpc>
+                <a:spcPct val="150000"/>
+              </a:lnSpc>
+              <a:buFont typeface="+mj-lt"/>
+              <a:buAutoNum type="arabicPeriod"/>
+            </a:pPr>
             <a:r>
               <a:rPr lang="ja-JP" altLang="en-US" sz="3200" dirty="0">
                 <a:solidFill>
                   <a:schemeClr val="tx1"/>
                 </a:solidFill>
               </a:rPr>
-              <a:t>高い類似度を示したコメントから順に、商品との関連性が高いと評価</a:t>
+              <a:t>元コメントに対して、人手で商品との関連性の有無の正解ラベルを付与</a:t>
             </a:r>
             <a:endParaRPr lang="en-US" altLang="ja-JP" sz="3200" dirty="0">
               <a:solidFill>
@@ -5224,18 +5226,28 @@
             </a:endParaRPr>
           </a:p>
           <a:p>
-            <a:pPr>
+            <a:pPr marL="514350" indent="-514350">
               <a:lnSpc>
                 <a:spcPct val="150000"/>
               </a:lnSpc>
+              <a:buFont typeface="+mj-lt"/>
+              <a:buAutoNum type="arabicPeriod"/>
             </a:pPr>
             <a:r>
+              <a:rPr lang="ja-JP" altLang="en-US" sz="3200" dirty="0">
+                <a:solidFill>
+                  <a:schemeClr val="tx1"/>
+                </a:solidFill>
+              </a:rPr>
+              <a:t>正解レベルを付与した</a:t>
+            </a:r>
+            <a:r>
               <a:rPr lang="en-US" altLang="ja-JP" sz="3200" dirty="0">
                 <a:solidFill>
                   <a:schemeClr val="tx1"/>
                 </a:solidFill>
               </a:rPr>
-              <a:t>7. </a:t>
+              <a:t>M</a:t>
             </a:r>
             <a:r>
               <a:rPr lang="ja-JP" altLang="en-US" sz="3200" dirty="0">
@@ -5243,7 +5255,23 @@
                   <a:schemeClr val="tx1"/>
                 </a:solidFill>
               </a:rPr>
-              <a:t>元コメントに対して、人手で商品との関連性の有無の正解ラベルを付与</a:t>
+              <a:t>件のコメントと、類似度上位</a:t>
+            </a:r>
+            <a:r>
+              <a:rPr lang="en-US" altLang="ja-JP" sz="3200" dirty="0">
+                <a:solidFill>
+                  <a:schemeClr val="tx1"/>
+                </a:solidFill>
+              </a:rPr>
+              <a:t>M</a:t>
+            </a:r>
+            <a:r>
+              <a:rPr lang="ja-JP" altLang="en-US" sz="3200" dirty="0">
+                <a:solidFill>
+                  <a:schemeClr val="tx1"/>
+                </a:solidFill>
+              </a:rPr>
+              <a:t>件のコメントを比較し、提案手法の精度を検証</a:t>
             </a:r>
             <a:endParaRPr lang="en-US" altLang="ja-JP" sz="3200" dirty="0">
               <a:solidFill>
@@ -5251,65 +5279,198 @@
               </a:solidFill>
             </a:endParaRPr>
           </a:p>
-          <a:p>
-            <a:pPr>
-              <a:lnSpc>
-                <a:spcPct val="150000"/>
-              </a:lnSpc>
-            </a:pPr>
-            <a:r>
-              <a:rPr lang="en-US" altLang="ja-JP" sz="3200" dirty="0">
-                <a:solidFill>
-                  <a:schemeClr val="tx1"/>
-                </a:solidFill>
-              </a:rPr>
-              <a:t>8. </a:t>
-            </a:r>
-            <a:r>
-              <a:rPr lang="ja-JP" altLang="en-US" sz="3200" dirty="0">
-                <a:solidFill>
-                  <a:schemeClr val="tx1"/>
-                </a:solidFill>
-              </a:rPr>
-              <a:t>正解レベルを付与した</a:t>
-            </a:r>
-            <a:r>
-              <a:rPr lang="en-US" altLang="ja-JP" sz="3200" dirty="0">
-                <a:solidFill>
-                  <a:schemeClr val="tx1"/>
-                </a:solidFill>
-              </a:rPr>
-              <a:t>M</a:t>
-            </a:r>
-            <a:r>
-              <a:rPr lang="ja-JP" altLang="en-US" sz="3200" dirty="0">
-                <a:solidFill>
-                  <a:schemeClr val="tx1"/>
-                </a:solidFill>
-              </a:rPr>
-              <a:t>件のコメントと、類似度上位</a:t>
-            </a:r>
-            <a:r>
-              <a:rPr lang="en-US" altLang="ja-JP" sz="3200" dirty="0">
-                <a:solidFill>
-                  <a:schemeClr val="tx1"/>
-                </a:solidFill>
-              </a:rPr>
-              <a:t>M</a:t>
-            </a:r>
-            <a:r>
-              <a:rPr lang="ja-JP" altLang="en-US" sz="3200" dirty="0">
-                <a:solidFill>
-                  <a:schemeClr val="tx1"/>
-                </a:solidFill>
-              </a:rPr>
-              <a:t>件のコメントを比較し、提案手法の精度を検証</a:t>
-            </a:r>
-            <a:endParaRPr lang="en-US" altLang="ja-JP" sz="3200" dirty="0">
-              <a:solidFill>
-                <a:schemeClr val="tx1"/>
-              </a:solidFill>
-            </a:endParaRPr>
+        </p:txBody>
+      </p:sp>
+      <p:sp>
+        <p:nvSpPr>
+          <p:cNvPr id="18" name="テキスト ボックス 17">
+            <a:extLst>
+              <a:ext uri="{FF2B5EF4-FFF2-40B4-BE49-F238E27FC236}">
+                <a16:creationId xmlns:a16="http://schemas.microsoft.com/office/drawing/2014/main" id="{F388565F-3201-3D97-6BBB-0F7609B5637B}"/>
+              </a:ext>
+            </a:extLst>
+          </p:cNvPr>
+          <p:cNvSpPr txBox="1"/>
+          <p:nvPr/>
+        </p:nvSpPr>
+        <p:spPr>
+          <a:xfrm>
+            <a:off x="1062178" y="17315217"/>
+            <a:ext cx="12820986" cy="584775"/>
+          </a:xfrm>
+          <a:prstGeom prst="rect">
+            <a:avLst/>
+          </a:prstGeom>
+          <a:noFill/>
+        </p:spPr>
+        <p:txBody>
+          <a:bodyPr wrap="square" rtlCol="0">
+            <a:spAutoFit/>
+          </a:bodyPr>
+          <a:lstStyle/>
+          <a:p>
+            <a:r>
+              <a:rPr kumimoji="1" lang="ja-JP" altLang="en-US" sz="3200" dirty="0"/>
+              <a:t>従来のトピックモデルより、短い文章に対してもトピックを適切に推定可能</a:t>
+            </a:r>
+          </a:p>
+        </p:txBody>
+      </p:sp>
+      <p:sp>
+        <p:nvSpPr>
+          <p:cNvPr id="22" name="テキスト ボックス 21">
+            <a:extLst>
+              <a:ext uri="{FF2B5EF4-FFF2-40B4-BE49-F238E27FC236}">
+                <a16:creationId xmlns:a16="http://schemas.microsoft.com/office/drawing/2014/main" id="{2CAB96A3-A6B6-9C53-09D0-2FD879CF79C5}"/>
+              </a:ext>
+            </a:extLst>
+          </p:cNvPr>
+          <p:cNvSpPr txBox="1"/>
+          <p:nvPr/>
+        </p:nvSpPr>
+        <p:spPr>
+          <a:xfrm>
+            <a:off x="15932075" y="8154790"/>
+            <a:ext cx="13461454" cy="4524315"/>
+          </a:xfrm>
+          <a:prstGeom prst="rect">
+            <a:avLst/>
+          </a:prstGeom>
+          <a:noFill/>
+        </p:spPr>
+        <p:txBody>
+          <a:bodyPr wrap="square" rtlCol="0">
+            <a:spAutoFit/>
+          </a:bodyPr>
+          <a:lstStyle/>
+          <a:p>
+            <a:r>
+              <a:rPr lang="ja-JP" altLang="en-US" sz="4800" dirty="0"/>
+              <a:t>・実験データ</a:t>
+            </a:r>
+            <a:endParaRPr lang="en-US" altLang="ja-JP" sz="4800" dirty="0"/>
+          </a:p>
+          <a:p>
+            <a:r>
+              <a:rPr kumimoji="1" lang="ja-JP" altLang="en-US" sz="4800" dirty="0"/>
+              <a:t>・</a:t>
+            </a:r>
+            <a:r>
+              <a:rPr kumimoji="1" lang="en-US" altLang="ja-JP" sz="4800" dirty="0"/>
+              <a:t>BTM</a:t>
+            </a:r>
+            <a:r>
+              <a:rPr kumimoji="1" lang="ja-JP" altLang="en-US" sz="4800" dirty="0"/>
+              <a:t>による結果、トピックごとの単語</a:t>
+            </a:r>
+            <a:endParaRPr kumimoji="1" lang="en-US" altLang="ja-JP" sz="4800" dirty="0"/>
+          </a:p>
+          <a:p>
+            <a:r>
+              <a:rPr lang="ja-JP" altLang="en-US" sz="4800" dirty="0"/>
+              <a:t>・自動生成する文章の例</a:t>
+            </a:r>
+            <a:endParaRPr lang="en-US" altLang="ja-JP" sz="4800" dirty="0"/>
+          </a:p>
+          <a:p>
+            <a:r>
+              <a:rPr kumimoji="1" lang="ja-JP" altLang="en-US" sz="4800" dirty="0"/>
+              <a:t>・コメント一文一文との類似度結果</a:t>
+            </a:r>
+            <a:endParaRPr kumimoji="1" lang="en-US" altLang="ja-JP" sz="4800" dirty="0"/>
+          </a:p>
+          <a:p>
+            <a:r>
+              <a:rPr lang="ja-JP" altLang="en-US" sz="4800" dirty="0"/>
+              <a:t>・人手でアノテーションしたデータ、</a:t>
+            </a:r>
+            <a:endParaRPr lang="en-US" altLang="ja-JP" sz="4800" dirty="0"/>
+          </a:p>
+          <a:p>
+            <a:r>
+              <a:rPr lang="ja-JP" altLang="en-US" sz="4800" dirty="0"/>
+              <a:t>・それと類似度上位の一致率計算した数値</a:t>
+            </a:r>
+            <a:endParaRPr lang="en-US" altLang="ja-JP" sz="4800" dirty="0"/>
+          </a:p>
+        </p:txBody>
+      </p:sp>
+      <p:sp>
+        <p:nvSpPr>
+          <p:cNvPr id="25" name="テキスト ボックス 24">
+            <a:extLst>
+              <a:ext uri="{FF2B5EF4-FFF2-40B4-BE49-F238E27FC236}">
+                <a16:creationId xmlns:a16="http://schemas.microsoft.com/office/drawing/2014/main" id="{82722DDF-BB08-82AD-8992-813A1F4AF259}"/>
+              </a:ext>
+            </a:extLst>
+          </p:cNvPr>
+          <p:cNvSpPr txBox="1"/>
+          <p:nvPr/>
+        </p:nvSpPr>
+        <p:spPr>
+          <a:xfrm>
+            <a:off x="16508139" y="28677070"/>
+            <a:ext cx="12885389" cy="4524315"/>
+          </a:xfrm>
+          <a:prstGeom prst="rect">
+            <a:avLst/>
+          </a:prstGeom>
+          <a:noFill/>
+        </p:spPr>
+        <p:txBody>
+          <a:bodyPr wrap="square" rtlCol="0">
+            <a:spAutoFit/>
+          </a:bodyPr>
+          <a:lstStyle/>
+          <a:p>
+            <a:r>
+              <a:rPr kumimoji="1" lang="ja-JP" altLang="en-US" sz="4800" dirty="0"/>
+              <a:t>・</a:t>
+            </a:r>
+            <a:r>
+              <a:rPr kumimoji="1" lang="en-US" altLang="ja-JP" sz="4800" dirty="0"/>
+              <a:t>BTM</a:t>
+            </a:r>
+            <a:r>
+              <a:rPr kumimoji="1" lang="ja-JP" altLang="en-US" sz="4800" dirty="0"/>
+              <a:t>で抽出した単語について</a:t>
+            </a:r>
+            <a:endParaRPr lang="en-US" altLang="ja-JP" sz="4800" dirty="0"/>
+          </a:p>
+          <a:p>
+            <a:r>
+              <a:rPr kumimoji="1" lang="ja-JP" altLang="en-US" sz="4800" dirty="0"/>
+              <a:t>・自動生成の文章について</a:t>
+            </a:r>
+            <a:endParaRPr kumimoji="1" lang="en-US" altLang="ja-JP" sz="4800" dirty="0"/>
+          </a:p>
+          <a:p>
+            <a:r>
+              <a:rPr lang="ja-JP" altLang="en-US" sz="4800" dirty="0"/>
+              <a:t>・類似度計算結果について</a:t>
+            </a:r>
+            <a:endParaRPr lang="en-US" altLang="ja-JP" sz="4800" dirty="0"/>
+          </a:p>
+          <a:p>
+            <a:r>
+              <a:rPr kumimoji="1" lang="ja-JP" altLang="en-US" sz="4800" dirty="0"/>
+              <a:t>・人手との一致率について</a:t>
+            </a:r>
+            <a:endParaRPr kumimoji="1" lang="en-US" altLang="ja-JP" sz="4800" dirty="0"/>
+          </a:p>
+          <a:p>
+            <a:r>
+              <a:rPr lang="ja-JP" altLang="en-US" sz="4800" dirty="0"/>
+              <a:t>・提案手法の有用性について</a:t>
+            </a:r>
+            <a:endParaRPr lang="en-US" altLang="ja-JP" sz="4800" dirty="0"/>
+          </a:p>
+          <a:p>
+            <a:r>
+              <a:rPr kumimoji="1" lang="ja-JP" altLang="en-US" sz="4800" dirty="0"/>
+              <a:t>・改善案、今後の展望</a:t>
+            </a:r>
+            <a:endParaRPr kumimoji="1" lang="en-US" altLang="ja-JP" sz="4800" dirty="0"/>
           </a:p>
         </p:txBody>
       </p:sp>

--- a/発表ポスター.pptx
+++ b/発表ポスター.pptx
@@ -303,7 +303,7 @@
             <a:fld id="{797A01BE-B01F-4BF7-B98B-637D558E7802}" type="datetimeFigureOut">
               <a:rPr kumimoji="1" lang="ja-JP" altLang="en-US" smtClean="0"/>
               <a:pPr/>
-              <a:t>2023/7/20</a:t>
+              <a:t>2023/7/21</a:t>
             </a:fld>
             <a:endParaRPr kumimoji="1" lang="ja-JP" altLang="en-US"/>
           </a:p>
@@ -500,7 +500,7 @@
             <a:fld id="{797A01BE-B01F-4BF7-B98B-637D558E7802}" type="datetimeFigureOut">
               <a:rPr kumimoji="1" lang="ja-JP" altLang="en-US" smtClean="0"/>
               <a:pPr/>
-              <a:t>2023/7/20</a:t>
+              <a:t>2023/7/21</a:t>
             </a:fld>
             <a:endParaRPr kumimoji="1" lang="ja-JP" altLang="en-US"/>
           </a:p>
@@ -707,7 +707,7 @@
             <a:fld id="{797A01BE-B01F-4BF7-B98B-637D558E7802}" type="datetimeFigureOut">
               <a:rPr kumimoji="1" lang="ja-JP" altLang="en-US" smtClean="0"/>
               <a:pPr/>
-              <a:t>2023/7/20</a:t>
+              <a:t>2023/7/21</a:t>
             </a:fld>
             <a:endParaRPr kumimoji="1" lang="ja-JP" altLang="en-US"/>
           </a:p>
@@ -904,7 +904,7 @@
             <a:fld id="{797A01BE-B01F-4BF7-B98B-637D558E7802}" type="datetimeFigureOut">
               <a:rPr kumimoji="1" lang="ja-JP" altLang="en-US" smtClean="0"/>
               <a:pPr/>
-              <a:t>2023/7/20</a:t>
+              <a:t>2023/7/21</a:t>
             </a:fld>
             <a:endParaRPr kumimoji="1" lang="ja-JP" altLang="en-US"/>
           </a:p>
@@ -1146,7 +1146,7 @@
             <a:fld id="{797A01BE-B01F-4BF7-B98B-637D558E7802}" type="datetimeFigureOut">
               <a:rPr kumimoji="1" lang="ja-JP" altLang="en-US" smtClean="0"/>
               <a:pPr/>
-              <a:t>2023/7/20</a:t>
+              <a:t>2023/7/21</a:t>
             </a:fld>
             <a:endParaRPr kumimoji="1" lang="ja-JP" altLang="en-US"/>
           </a:p>
@@ -1492,7 +1492,7 @@
             <a:fld id="{797A01BE-B01F-4BF7-B98B-637D558E7802}" type="datetimeFigureOut">
               <a:rPr kumimoji="1" lang="ja-JP" altLang="en-US" smtClean="0"/>
               <a:pPr/>
-              <a:t>2023/7/20</a:t>
+              <a:t>2023/7/21</a:t>
             </a:fld>
             <a:endParaRPr kumimoji="1" lang="ja-JP" altLang="en-US"/>
           </a:p>
@@ -1977,7 +1977,7 @@
             <a:fld id="{797A01BE-B01F-4BF7-B98B-637D558E7802}" type="datetimeFigureOut">
               <a:rPr kumimoji="1" lang="ja-JP" altLang="en-US" smtClean="0"/>
               <a:pPr/>
-              <a:t>2023/7/20</a:t>
+              <a:t>2023/7/21</a:t>
             </a:fld>
             <a:endParaRPr kumimoji="1" lang="ja-JP" altLang="en-US"/>
           </a:p>
@@ -2091,7 +2091,7 @@
             <a:fld id="{797A01BE-B01F-4BF7-B98B-637D558E7802}" type="datetimeFigureOut">
               <a:rPr kumimoji="1" lang="ja-JP" altLang="en-US" smtClean="0"/>
               <a:pPr/>
-              <a:t>2023/7/20</a:t>
+              <a:t>2023/7/21</a:t>
             </a:fld>
             <a:endParaRPr kumimoji="1" lang="ja-JP" altLang="en-US"/>
           </a:p>
@@ -2183,7 +2183,7 @@
             <a:fld id="{797A01BE-B01F-4BF7-B98B-637D558E7802}" type="datetimeFigureOut">
               <a:rPr kumimoji="1" lang="ja-JP" altLang="en-US" smtClean="0"/>
               <a:pPr/>
-              <a:t>2023/7/20</a:t>
+              <a:t>2023/7/21</a:t>
             </a:fld>
             <a:endParaRPr kumimoji="1" lang="ja-JP" altLang="en-US"/>
           </a:p>
@@ -2487,7 +2487,7 @@
             <a:fld id="{797A01BE-B01F-4BF7-B98B-637D558E7802}" type="datetimeFigureOut">
               <a:rPr kumimoji="1" lang="ja-JP" altLang="en-US" smtClean="0"/>
               <a:pPr/>
-              <a:t>2023/7/20</a:t>
+              <a:t>2023/7/21</a:t>
             </a:fld>
             <a:endParaRPr kumimoji="1" lang="ja-JP" altLang="en-US"/>
           </a:p>
@@ -2736,7 +2736,7 @@
             <a:fld id="{797A01BE-B01F-4BF7-B98B-637D558E7802}" type="datetimeFigureOut">
               <a:rPr kumimoji="1" lang="ja-JP" altLang="en-US" smtClean="0"/>
               <a:pPr/>
-              <a:t>2023/7/20</a:t>
+              <a:t>2023/7/21</a:t>
             </a:fld>
             <a:endParaRPr kumimoji="1" lang="ja-JP" altLang="en-US"/>
           </a:p>
@@ -2976,7 +2976,7 @@
             <a:fld id="{797A01BE-B01F-4BF7-B98B-637D558E7802}" type="datetimeFigureOut">
               <a:rPr kumimoji="1" lang="ja-JP" altLang="en-US" smtClean="0"/>
               <a:pPr/>
-              <a:t>2023/7/20</a:t>
+              <a:t>2023/7/21</a:t>
             </a:fld>
             <a:endParaRPr kumimoji="1" lang="ja-JP" altLang="en-US"/>
           </a:p>
@@ -3349,6 +3349,75 @@
       </p:grpSpPr>
       <p:sp>
         <p:nvSpPr>
+          <p:cNvPr id="27" name="四角形: 角を丸くする 26">
+            <a:extLst>
+              <a:ext uri="{FF2B5EF4-FFF2-40B4-BE49-F238E27FC236}">
+                <a16:creationId xmlns:a16="http://schemas.microsoft.com/office/drawing/2014/main" id="{23CE9EE6-38E5-3E48-7C09-062F45C75973}"/>
+              </a:ext>
+            </a:extLst>
+          </p:cNvPr>
+          <p:cNvSpPr/>
+          <p:nvPr/>
+        </p:nvSpPr>
+        <p:spPr>
+          <a:xfrm>
+            <a:off x="1209756" y="17502386"/>
+            <a:ext cx="12529392" cy="1649803"/>
+          </a:xfrm>
+          <a:prstGeom prst="roundRect">
+            <a:avLst/>
+          </a:prstGeom>
+          <a:ln w="76200">
+            <a:solidFill>
+              <a:schemeClr val="accent3">
+                <a:lumMod val="40000"/>
+                <a:lumOff val="60000"/>
+              </a:schemeClr>
+            </a:solidFill>
+          </a:ln>
+        </p:spPr>
+        <p:style>
+          <a:lnRef idx="2">
+            <a:schemeClr val="accent3"/>
+          </a:lnRef>
+          <a:fillRef idx="1">
+            <a:schemeClr val="lt1"/>
+          </a:fillRef>
+          <a:effectRef idx="0">
+            <a:schemeClr val="accent3"/>
+          </a:effectRef>
+          <a:fontRef idx="minor">
+            <a:schemeClr val="dk1"/>
+          </a:fontRef>
+        </p:style>
+        <p:txBody>
+          <a:bodyPr rtlCol="0" anchor="ctr"/>
+          <a:lstStyle/>
+          <a:p>
+            <a:pPr marL="457200" indent="-457200">
+              <a:buFont typeface="Arial" panose="020B0604020202020204" pitchFamily="34" charset="0"/>
+              <a:buChar char="•"/>
+            </a:pPr>
+            <a:r>
+              <a:rPr kumimoji="1" lang="ja-JP" altLang="en-US" sz="3200" dirty="0"/>
+              <a:t>文書レベルでの単語の出現頻度などをもとにトピックを学習する</a:t>
+            </a:r>
+            <a:endParaRPr kumimoji="1" lang="en-US" altLang="ja-JP" sz="3200" dirty="0"/>
+          </a:p>
+          <a:p>
+            <a:pPr marL="457200" indent="-457200">
+              <a:buFont typeface="Arial" panose="020B0604020202020204" pitchFamily="34" charset="0"/>
+              <a:buChar char="•"/>
+            </a:pPr>
+            <a:r>
+              <a:rPr kumimoji="1" lang="ja-JP" altLang="en-US" sz="3200" dirty="0"/>
+              <a:t>短い文書ではデータのスパース性が問題になる</a:t>
+            </a:r>
+          </a:p>
+        </p:txBody>
+      </p:sp>
+      <p:sp>
+        <p:nvSpPr>
           <p:cNvPr id="2" name="テキスト ボックス 1">
             <a:extLst>
               <a:ext uri="{FF2B5EF4-FFF2-40B4-BE49-F238E27FC236}">
@@ -3522,20 +3591,12 @@
               <a:t>　</a:t>
             </a:r>
             <a:r>
-              <a:rPr kumimoji="1" lang="en-US" altLang="ja-JP" sz="4800" dirty="0" err="1">
-                <a:solidFill>
-                  <a:schemeClr val="tx1"/>
-                </a:solidFill>
-              </a:rPr>
-              <a:t>Biterm</a:t>
-            </a:r>
-            <a:r>
               <a:rPr kumimoji="1" lang="en-US" altLang="ja-JP" sz="4800" dirty="0">
                 <a:solidFill>
                   <a:schemeClr val="tx1"/>
                 </a:solidFill>
               </a:rPr>
-              <a:t> Topic Model</a:t>
+              <a:t>Biterm Topic Model</a:t>
             </a:r>
             <a:endParaRPr kumimoji="1" lang="ja-JP" altLang="en-US" sz="4800" dirty="0">
               <a:solidFill>
@@ -4511,8 +4572,8 @@
         </p:nvSpPr>
         <p:spPr>
           <a:xfrm>
-            <a:off x="9739387" y="7678600"/>
-            <a:ext cx="4032448" cy="2481154"/>
+            <a:off x="8889895" y="7398172"/>
+            <a:ext cx="5097964" cy="3207694"/>
           </a:xfrm>
           <a:prstGeom prst="rect">
             <a:avLst/>
@@ -4681,7 +4742,7 @@
         </p:blipFill>
         <p:spPr>
           <a:xfrm>
-            <a:off x="604963" y="21237262"/>
+            <a:off x="671163" y="21575194"/>
             <a:ext cx="7219423" cy="4753059"/>
           </a:xfrm>
           <a:prstGeom prst="rect">
@@ -5295,7 +5356,7 @@
         </p:nvSpPr>
         <p:spPr>
           <a:xfrm>
-            <a:off x="1062178" y="17315217"/>
+            <a:off x="15527217" y="18034899"/>
             <a:ext cx="12820986" cy="584775"/>
           </a:xfrm>
           <a:prstGeom prst="rect">
@@ -5471,6 +5532,268 @@
               <a:t>・改善案、今後の展望</a:t>
             </a:r>
             <a:endParaRPr kumimoji="1" lang="en-US" altLang="ja-JP" sz="4800" dirty="0"/>
+          </a:p>
+        </p:txBody>
+      </p:sp>
+      <p:sp>
+        <p:nvSpPr>
+          <p:cNvPr id="32" name="テキスト ボックス 31">
+            <a:extLst>
+              <a:ext uri="{FF2B5EF4-FFF2-40B4-BE49-F238E27FC236}">
+                <a16:creationId xmlns:a16="http://schemas.microsoft.com/office/drawing/2014/main" id="{3FA07103-1F2C-6DCC-E79E-2CCC40FC18CF}"/>
+              </a:ext>
+            </a:extLst>
+          </p:cNvPr>
+          <p:cNvSpPr txBox="1"/>
+          <p:nvPr/>
+        </p:nvSpPr>
+        <p:spPr>
+          <a:xfrm>
+            <a:off x="1619958" y="17164525"/>
+            <a:ext cx="4086982" cy="707886"/>
+          </a:xfrm>
+          <a:prstGeom prst="rect">
+            <a:avLst/>
+          </a:prstGeom>
+          <a:ln>
+            <a:solidFill>
+              <a:schemeClr val="bg1"/>
+            </a:solidFill>
+          </a:ln>
+        </p:spPr>
+        <p:style>
+          <a:lnRef idx="2">
+            <a:schemeClr val="dk1"/>
+          </a:lnRef>
+          <a:fillRef idx="1">
+            <a:schemeClr val="lt1"/>
+          </a:fillRef>
+          <a:effectRef idx="0">
+            <a:schemeClr val="dk1"/>
+          </a:effectRef>
+          <a:fontRef idx="minor">
+            <a:schemeClr val="dk1"/>
+          </a:fontRef>
+        </p:style>
+        <p:txBody>
+          <a:bodyPr wrap="square" rtlCol="0">
+            <a:spAutoFit/>
+          </a:bodyPr>
+          <a:lstStyle/>
+          <a:p>
+            <a:r>
+              <a:rPr kumimoji="1" lang="ja-JP" altLang="en-US" sz="4000" dirty="0"/>
+              <a:t>従来モデル（</a:t>
+            </a:r>
+            <a:r>
+              <a:rPr kumimoji="1" lang="en-US" altLang="ja-JP" sz="4000" dirty="0"/>
+              <a:t>LDA</a:t>
+            </a:r>
+            <a:r>
+              <a:rPr kumimoji="1" lang="ja-JP" altLang="en-US" sz="4000" dirty="0"/>
+              <a:t>）</a:t>
+            </a:r>
+          </a:p>
+        </p:txBody>
+      </p:sp>
+      <p:sp>
+        <p:nvSpPr>
+          <p:cNvPr id="33" name="四角形: 角を丸くする 32">
+            <a:extLst>
+              <a:ext uri="{FF2B5EF4-FFF2-40B4-BE49-F238E27FC236}">
+                <a16:creationId xmlns:a16="http://schemas.microsoft.com/office/drawing/2014/main" id="{FFBAAA9C-A798-1CF0-BC61-7F461363B9DA}"/>
+              </a:ext>
+            </a:extLst>
+          </p:cNvPr>
+          <p:cNvSpPr/>
+          <p:nvPr/>
+        </p:nvSpPr>
+        <p:spPr>
+          <a:xfrm>
+            <a:off x="1211223" y="19511569"/>
+            <a:ext cx="12529392" cy="2255292"/>
+          </a:xfrm>
+          <a:prstGeom prst="roundRect">
+            <a:avLst/>
+          </a:prstGeom>
+          <a:ln w="76200">
+            <a:solidFill>
+              <a:schemeClr val="accent6">
+                <a:lumMod val="40000"/>
+                <a:lumOff val="60000"/>
+              </a:schemeClr>
+            </a:solidFill>
+          </a:ln>
+        </p:spPr>
+        <p:style>
+          <a:lnRef idx="2">
+            <a:schemeClr val="accent3"/>
+          </a:lnRef>
+          <a:fillRef idx="1">
+            <a:schemeClr val="lt1"/>
+          </a:fillRef>
+          <a:effectRef idx="0">
+            <a:schemeClr val="accent3"/>
+          </a:effectRef>
+          <a:fontRef idx="minor">
+            <a:schemeClr val="dk1"/>
+          </a:fontRef>
+        </p:style>
+        <p:txBody>
+          <a:bodyPr rtlCol="0" anchor="ctr"/>
+          <a:lstStyle/>
+          <a:p>
+            <a:pPr marL="457200" indent="-457200">
+              <a:buFont typeface="Arial" panose="020B0604020202020204" pitchFamily="34" charset="0"/>
+              <a:buChar char="•"/>
+            </a:pPr>
+            <a:r>
+              <a:rPr kumimoji="1" lang="ja-JP" altLang="en-US" sz="3200" dirty="0"/>
+              <a:t>文書全体のバイタームの共起性を利用してトピックを学習する</a:t>
+            </a:r>
+            <a:endParaRPr kumimoji="1" lang="en-US" altLang="ja-JP" sz="3200" dirty="0"/>
+          </a:p>
+          <a:p>
+            <a:pPr marL="457200" indent="-457200">
+              <a:buFont typeface="Arial" panose="020B0604020202020204" pitchFamily="34" charset="0"/>
+              <a:buChar char="•"/>
+            </a:pPr>
+            <a:r>
+              <a:rPr lang="ja-JP" altLang="en-US" sz="3200" dirty="0"/>
+              <a:t>文書レベルでのスパース性の問題を解決し、短い文書でも適切に　　トピックを推定する</a:t>
+            </a:r>
+            <a:endParaRPr kumimoji="1" lang="en-US" altLang="ja-JP" sz="3200" dirty="0"/>
+          </a:p>
+        </p:txBody>
+      </p:sp>
+      <p:sp>
+        <p:nvSpPr>
+          <p:cNvPr id="35" name="テキスト ボックス 34">
+            <a:extLst>
+              <a:ext uri="{FF2B5EF4-FFF2-40B4-BE49-F238E27FC236}">
+                <a16:creationId xmlns:a16="http://schemas.microsoft.com/office/drawing/2014/main" id="{D247EB2F-1F26-5365-BBE7-DC64D81CBB6C}"/>
+              </a:ext>
+            </a:extLst>
+          </p:cNvPr>
+          <p:cNvSpPr txBox="1"/>
+          <p:nvPr/>
+        </p:nvSpPr>
+        <p:spPr>
+          <a:xfrm>
+            <a:off x="1655128" y="19174706"/>
+            <a:ext cx="4663047" cy="769441"/>
+          </a:xfrm>
+          <a:prstGeom prst="rect">
+            <a:avLst/>
+          </a:prstGeom>
+          <a:ln>
+            <a:solidFill>
+              <a:schemeClr val="bg1"/>
+            </a:solidFill>
+          </a:ln>
+        </p:spPr>
+        <p:style>
+          <a:lnRef idx="2">
+            <a:schemeClr val="dk1"/>
+          </a:lnRef>
+          <a:fillRef idx="1">
+            <a:schemeClr val="lt1"/>
+          </a:fillRef>
+          <a:effectRef idx="0">
+            <a:schemeClr val="dk1"/>
+          </a:effectRef>
+          <a:fontRef idx="minor">
+            <a:schemeClr val="dk1"/>
+          </a:fontRef>
+        </p:style>
+        <p:txBody>
+          <a:bodyPr wrap="square" rtlCol="0">
+            <a:spAutoFit/>
+          </a:bodyPr>
+          <a:lstStyle/>
+          <a:p>
+            <a:r>
+              <a:rPr lang="en-US" altLang="ja-JP" sz="4400" dirty="0"/>
+              <a:t>Biterm Topic Model</a:t>
+            </a:r>
+            <a:endParaRPr kumimoji="1" lang="ja-JP" altLang="en-US" sz="4400" dirty="0"/>
+          </a:p>
+        </p:txBody>
+      </p:sp>
+      <p:sp>
+        <p:nvSpPr>
+          <p:cNvPr id="36" name="テキスト ボックス 35">
+            <a:extLst>
+              <a:ext uri="{FF2B5EF4-FFF2-40B4-BE49-F238E27FC236}">
+                <a16:creationId xmlns:a16="http://schemas.microsoft.com/office/drawing/2014/main" id="{781BD13F-D4AB-FD98-219F-90AC11EB3480}"/>
+              </a:ext>
+            </a:extLst>
+          </p:cNvPr>
+          <p:cNvSpPr txBox="1"/>
+          <p:nvPr/>
+        </p:nvSpPr>
+        <p:spPr>
+          <a:xfrm>
+            <a:off x="8200046" y="22079600"/>
+            <a:ext cx="5683118" cy="3539430"/>
+          </a:xfrm>
+          <a:prstGeom prst="rect">
+            <a:avLst/>
+          </a:prstGeom>
+          <a:noFill/>
+        </p:spPr>
+        <p:txBody>
+          <a:bodyPr wrap="square" rtlCol="0">
+            <a:spAutoFit/>
+          </a:bodyPr>
+          <a:lstStyle/>
+          <a:p>
+            <a:r>
+              <a:rPr kumimoji="1" lang="ja-JP" altLang="en-US" sz="2800" dirty="0"/>
+              <a:t>文章中の</a:t>
+            </a:r>
+            <a:r>
+              <a:rPr kumimoji="1" lang="en-US" altLang="ja-JP" sz="2800" dirty="0"/>
+              <a:t>2</a:t>
+            </a:r>
+            <a:r>
+              <a:rPr kumimoji="1" lang="ja-JP" altLang="en-US" sz="2800" dirty="0"/>
+              <a:t>単語対をバイタームと定義しバイタームごとに同一のトピックを仮定するモデル</a:t>
+            </a:r>
+            <a:endParaRPr kumimoji="1" lang="en-US" altLang="ja-JP" sz="2800" dirty="0"/>
+          </a:p>
+          <a:p>
+            <a:endParaRPr lang="en-US" altLang="ja-JP" sz="2800" dirty="0"/>
+          </a:p>
+          <a:p>
+            <a:r>
+              <a:rPr lang="ja-JP" altLang="en-US" sz="2800" dirty="0"/>
+              <a:t>ディリクレ分布と崩壊型ギブスサンプリングによりトピック分布</a:t>
+            </a:r>
+            <a:r>
+              <a:rPr lang="en-US" altLang="ja-JP" sz="2800" dirty="0"/>
+              <a:t>Θ</a:t>
+            </a:r>
+            <a:r>
+              <a:rPr lang="ja-JP" altLang="en-US" sz="2800" dirty="0"/>
+              <a:t>が決定</a:t>
+            </a:r>
+            <a:endParaRPr lang="en-US" altLang="ja-JP" sz="2800" dirty="0"/>
+          </a:p>
+          <a:p>
+            <a:r>
+              <a:rPr lang="ja-JP" altLang="en-US" sz="2800" dirty="0"/>
+              <a:t>各トピックの単語分布</a:t>
+            </a:r>
+            <a:r>
+              <a:rPr lang="en-US" altLang="ja-JP" sz="2800" dirty="0"/>
+              <a:t>φ</a:t>
+            </a:r>
+            <a:r>
+              <a:rPr lang="ja-JP" altLang="en-US" sz="2800" dirty="0"/>
+              <a:t>に従い、各バイタームが生成される</a:t>
+            </a:r>
+            <a:endParaRPr lang="en-US" altLang="ja-JP" sz="2800" dirty="0"/>
           </a:p>
         </p:txBody>
       </p:sp>

--- a/発表ポスター.pptx
+++ b/発表ポスター.pptx
@@ -303,7 +303,7 @@
             <a:fld id="{797A01BE-B01F-4BF7-B98B-637D558E7802}" type="datetimeFigureOut">
               <a:rPr kumimoji="1" lang="ja-JP" altLang="en-US" smtClean="0"/>
               <a:pPr/>
-              <a:t>2023/7/21</a:t>
+              <a:t>2023/8/3</a:t>
             </a:fld>
             <a:endParaRPr kumimoji="1" lang="ja-JP" altLang="en-US"/>
           </a:p>
@@ -500,7 +500,7 @@
             <a:fld id="{797A01BE-B01F-4BF7-B98B-637D558E7802}" type="datetimeFigureOut">
               <a:rPr kumimoji="1" lang="ja-JP" altLang="en-US" smtClean="0"/>
               <a:pPr/>
-              <a:t>2023/7/21</a:t>
+              <a:t>2023/8/3</a:t>
             </a:fld>
             <a:endParaRPr kumimoji="1" lang="ja-JP" altLang="en-US"/>
           </a:p>
@@ -707,7 +707,7 @@
             <a:fld id="{797A01BE-B01F-4BF7-B98B-637D558E7802}" type="datetimeFigureOut">
               <a:rPr kumimoji="1" lang="ja-JP" altLang="en-US" smtClean="0"/>
               <a:pPr/>
-              <a:t>2023/7/21</a:t>
+              <a:t>2023/8/3</a:t>
             </a:fld>
             <a:endParaRPr kumimoji="1" lang="ja-JP" altLang="en-US"/>
           </a:p>
@@ -904,7 +904,7 @@
             <a:fld id="{797A01BE-B01F-4BF7-B98B-637D558E7802}" type="datetimeFigureOut">
               <a:rPr kumimoji="1" lang="ja-JP" altLang="en-US" smtClean="0"/>
               <a:pPr/>
-              <a:t>2023/7/21</a:t>
+              <a:t>2023/8/3</a:t>
             </a:fld>
             <a:endParaRPr kumimoji="1" lang="ja-JP" altLang="en-US"/>
           </a:p>
@@ -1146,7 +1146,7 @@
             <a:fld id="{797A01BE-B01F-4BF7-B98B-637D558E7802}" type="datetimeFigureOut">
               <a:rPr kumimoji="1" lang="ja-JP" altLang="en-US" smtClean="0"/>
               <a:pPr/>
-              <a:t>2023/7/21</a:t>
+              <a:t>2023/8/3</a:t>
             </a:fld>
             <a:endParaRPr kumimoji="1" lang="ja-JP" altLang="en-US"/>
           </a:p>
@@ -1492,7 +1492,7 @@
             <a:fld id="{797A01BE-B01F-4BF7-B98B-637D558E7802}" type="datetimeFigureOut">
               <a:rPr kumimoji="1" lang="ja-JP" altLang="en-US" smtClean="0"/>
               <a:pPr/>
-              <a:t>2023/7/21</a:t>
+              <a:t>2023/8/3</a:t>
             </a:fld>
             <a:endParaRPr kumimoji="1" lang="ja-JP" altLang="en-US"/>
           </a:p>
@@ -1977,7 +1977,7 @@
             <a:fld id="{797A01BE-B01F-4BF7-B98B-637D558E7802}" type="datetimeFigureOut">
               <a:rPr kumimoji="1" lang="ja-JP" altLang="en-US" smtClean="0"/>
               <a:pPr/>
-              <a:t>2023/7/21</a:t>
+              <a:t>2023/8/3</a:t>
             </a:fld>
             <a:endParaRPr kumimoji="1" lang="ja-JP" altLang="en-US"/>
           </a:p>
@@ -2091,7 +2091,7 @@
             <a:fld id="{797A01BE-B01F-4BF7-B98B-637D558E7802}" type="datetimeFigureOut">
               <a:rPr kumimoji="1" lang="ja-JP" altLang="en-US" smtClean="0"/>
               <a:pPr/>
-              <a:t>2023/7/21</a:t>
+              <a:t>2023/8/3</a:t>
             </a:fld>
             <a:endParaRPr kumimoji="1" lang="ja-JP" altLang="en-US"/>
           </a:p>
@@ -2183,7 +2183,7 @@
             <a:fld id="{797A01BE-B01F-4BF7-B98B-637D558E7802}" type="datetimeFigureOut">
               <a:rPr kumimoji="1" lang="ja-JP" altLang="en-US" smtClean="0"/>
               <a:pPr/>
-              <a:t>2023/7/21</a:t>
+              <a:t>2023/8/3</a:t>
             </a:fld>
             <a:endParaRPr kumimoji="1" lang="ja-JP" altLang="en-US"/>
           </a:p>
@@ -2487,7 +2487,7 @@
             <a:fld id="{797A01BE-B01F-4BF7-B98B-637D558E7802}" type="datetimeFigureOut">
               <a:rPr kumimoji="1" lang="ja-JP" altLang="en-US" smtClean="0"/>
               <a:pPr/>
-              <a:t>2023/7/21</a:t>
+              <a:t>2023/8/3</a:t>
             </a:fld>
             <a:endParaRPr kumimoji="1" lang="ja-JP" altLang="en-US"/>
           </a:p>
@@ -2736,7 +2736,7 @@
             <a:fld id="{797A01BE-B01F-4BF7-B98B-637D558E7802}" type="datetimeFigureOut">
               <a:rPr kumimoji="1" lang="ja-JP" altLang="en-US" smtClean="0"/>
               <a:pPr/>
-              <a:t>2023/7/21</a:t>
+              <a:t>2023/8/3</a:t>
             </a:fld>
             <a:endParaRPr kumimoji="1" lang="ja-JP" altLang="en-US"/>
           </a:p>
@@ -2976,7 +2976,7 @@
             <a:fld id="{797A01BE-B01F-4BF7-B98B-637D558E7802}" type="datetimeFigureOut">
               <a:rPr kumimoji="1" lang="ja-JP" altLang="en-US" smtClean="0"/>
               <a:pPr/>
-              <a:t>2023/7/21</a:t>
+              <a:t>2023/8/3</a:t>
             </a:fld>
             <a:endParaRPr kumimoji="1" lang="ja-JP" altLang="en-US"/>
           </a:p>
@@ -3466,7 +3466,7 @@
         <p:spPr>
           <a:xfrm>
             <a:off x="882403" y="5861500"/>
-            <a:ext cx="13249472" cy="1215718"/>
+            <a:ext cx="13682000" cy="1215718"/>
           </a:xfrm>
           <a:prstGeom prst="roundRect">
             <a:avLst/>
@@ -3533,7 +3533,7 @@
         <p:spPr>
           <a:xfrm>
             <a:off x="882403" y="15872846"/>
-            <a:ext cx="13249472" cy="1215718"/>
+            <a:ext cx="13682000" cy="1215718"/>
           </a:xfrm>
           <a:prstGeom prst="roundRect">
             <a:avLst/>
@@ -3620,8 +3620,8 @@
         </p:nvSpPr>
         <p:spPr>
           <a:xfrm>
-            <a:off x="16144056" y="26516822"/>
-            <a:ext cx="13249473" cy="1215718"/>
+            <a:off x="15711747" y="31800038"/>
+            <a:ext cx="13575791" cy="1215718"/>
           </a:xfrm>
           <a:prstGeom prst="roundRect">
             <a:avLst/>
@@ -3695,8 +3695,8 @@
         </p:nvSpPr>
         <p:spPr>
           <a:xfrm>
-            <a:off x="16148098" y="5867596"/>
-            <a:ext cx="13249473" cy="1209622"/>
+            <a:off x="15711748" y="5867596"/>
+            <a:ext cx="13685824" cy="1209622"/>
           </a:xfrm>
           <a:prstGeom prst="roundRect">
             <a:avLst/>
@@ -3770,8 +3770,8 @@
         </p:nvSpPr>
         <p:spPr>
           <a:xfrm>
-            <a:off x="883278" y="26516822"/>
-            <a:ext cx="13249472" cy="1215718"/>
+            <a:off x="883277" y="26516822"/>
+            <a:ext cx="13681125" cy="1215718"/>
           </a:xfrm>
           <a:prstGeom prst="roundRect">
             <a:avLst/>
@@ -4990,7 +4990,7 @@
         <p:spPr>
           <a:xfrm>
             <a:off x="886447" y="28109503"/>
-            <a:ext cx="13249471" cy="7314380"/>
+            <a:ext cx="13681125" cy="7314380"/>
           </a:xfrm>
           <a:prstGeom prst="roundRect">
             <a:avLst>
@@ -5332,48 +5332,13 @@
                   <a:schemeClr val="tx1"/>
                 </a:solidFill>
               </a:rPr>
-              <a:t>件のコメントを比較し、提案手法の精度を検証</a:t>
+              <a:t>件のコメントを比較し提案手法の精度を検証</a:t>
             </a:r>
             <a:endParaRPr lang="en-US" altLang="ja-JP" sz="3200" dirty="0">
               <a:solidFill>
                 <a:schemeClr val="tx1"/>
               </a:solidFill>
             </a:endParaRPr>
-          </a:p>
-        </p:txBody>
-      </p:sp>
-      <p:sp>
-        <p:nvSpPr>
-          <p:cNvPr id="18" name="テキスト ボックス 17">
-            <a:extLst>
-              <a:ext uri="{FF2B5EF4-FFF2-40B4-BE49-F238E27FC236}">
-                <a16:creationId xmlns:a16="http://schemas.microsoft.com/office/drawing/2014/main" id="{F388565F-3201-3D97-6BBB-0F7609B5637B}"/>
-              </a:ext>
-            </a:extLst>
-          </p:cNvPr>
-          <p:cNvSpPr txBox="1"/>
-          <p:nvPr/>
-        </p:nvSpPr>
-        <p:spPr>
-          <a:xfrm>
-            <a:off x="15527217" y="18034899"/>
-            <a:ext cx="12820986" cy="584775"/>
-          </a:xfrm>
-          <a:prstGeom prst="rect">
-            <a:avLst/>
-          </a:prstGeom>
-          <a:noFill/>
-        </p:spPr>
-        <p:txBody>
-          <a:bodyPr wrap="square" rtlCol="0">
-            <a:spAutoFit/>
-          </a:bodyPr>
-          <a:lstStyle/>
-          <a:p>
-            <a:r>
-              <a:rPr kumimoji="1" lang="ja-JP" altLang="en-US" sz="3200" dirty="0"/>
-              <a:t>従来のトピックモデルより、短い文章に対してもトピックを適切に推定可能</a:t>
-            </a:r>
           </a:p>
         </p:txBody>
       </p:sp>
@@ -5391,8 +5356,8 @@
         </p:nvSpPr>
         <p:spPr>
           <a:xfrm>
-            <a:off x="15932075" y="8154790"/>
-            <a:ext cx="13461454" cy="4524315"/>
+            <a:off x="16187698" y="33675335"/>
+            <a:ext cx="13461454" cy="1569660"/>
           </a:xfrm>
           <a:prstGeom prst="rect">
             <a:avLst/>
@@ -5404,42 +5369,6 @@
             <a:spAutoFit/>
           </a:bodyPr>
           <a:lstStyle/>
-          <a:p>
-            <a:r>
-              <a:rPr lang="ja-JP" altLang="en-US" sz="4800" dirty="0"/>
-              <a:t>・実験データ</a:t>
-            </a:r>
-            <a:endParaRPr lang="en-US" altLang="ja-JP" sz="4800" dirty="0"/>
-          </a:p>
-          <a:p>
-            <a:r>
-              <a:rPr kumimoji="1" lang="ja-JP" altLang="en-US" sz="4800" dirty="0"/>
-              <a:t>・</a:t>
-            </a:r>
-            <a:r>
-              <a:rPr kumimoji="1" lang="en-US" altLang="ja-JP" sz="4800" dirty="0"/>
-              <a:t>BTM</a:t>
-            </a:r>
-            <a:r>
-              <a:rPr kumimoji="1" lang="ja-JP" altLang="en-US" sz="4800" dirty="0"/>
-              <a:t>による結果、トピックごとの単語</a:t>
-            </a:r>
-            <a:endParaRPr kumimoji="1" lang="en-US" altLang="ja-JP" sz="4800" dirty="0"/>
-          </a:p>
-          <a:p>
-            <a:r>
-              <a:rPr lang="ja-JP" altLang="en-US" sz="4800" dirty="0"/>
-              <a:t>・自動生成する文章の例</a:t>
-            </a:r>
-            <a:endParaRPr lang="en-US" altLang="ja-JP" sz="4800" dirty="0"/>
-          </a:p>
-          <a:p>
-            <a:r>
-              <a:rPr kumimoji="1" lang="ja-JP" altLang="en-US" sz="4800" dirty="0"/>
-              <a:t>・コメント一文一文との類似度結果</a:t>
-            </a:r>
-            <a:endParaRPr kumimoji="1" lang="en-US" altLang="ja-JP" sz="4800" dirty="0"/>
-          </a:p>
           <a:p>
             <a:r>
               <a:rPr lang="ja-JP" altLang="en-US" sz="4800" dirty="0"/>
@@ -5470,7 +5399,7 @@
         </p:nvSpPr>
         <p:spPr>
           <a:xfrm>
-            <a:off x="16508139" y="28677070"/>
+            <a:off x="16660033" y="36222377"/>
             <a:ext cx="12885389" cy="4524315"/>
           </a:xfrm>
           <a:prstGeom prst="rect">
@@ -5734,7 +5663,7 @@
         </p:nvSpPr>
         <p:spPr>
           <a:xfrm>
-            <a:off x="8200046" y="22079600"/>
+            <a:off x="8167841" y="22344762"/>
             <a:ext cx="5683118" cy="3539430"/>
           </a:xfrm>
           <a:prstGeom prst="rect">
@@ -5794,6 +5723,1019 @@
               <a:t>に従い、各バイタームが生成される</a:t>
             </a:r>
             <a:endParaRPr lang="en-US" altLang="ja-JP" sz="2800" dirty="0"/>
+          </a:p>
+        </p:txBody>
+      </p:sp>
+      <p:sp>
+        <p:nvSpPr>
+          <p:cNvPr id="28" name="四角形: 角を丸くする 27">
+            <a:extLst>
+              <a:ext uri="{FF2B5EF4-FFF2-40B4-BE49-F238E27FC236}">
+                <a16:creationId xmlns:a16="http://schemas.microsoft.com/office/drawing/2014/main" id="{DE04CFEA-C2B5-6641-D50A-2E27E8E91735}"/>
+              </a:ext>
+            </a:extLst>
+          </p:cNvPr>
+          <p:cNvSpPr/>
+          <p:nvPr/>
+        </p:nvSpPr>
+        <p:spPr>
+          <a:xfrm>
+            <a:off x="15711747" y="7776480"/>
+            <a:ext cx="6845895" cy="2829385"/>
+          </a:xfrm>
+          <a:prstGeom prst="roundRect">
+            <a:avLst/>
+          </a:prstGeom>
+          <a:ln w="76200">
+            <a:solidFill>
+              <a:schemeClr val="accent3">
+                <a:lumMod val="40000"/>
+                <a:lumOff val="60000"/>
+              </a:schemeClr>
+            </a:solidFill>
+          </a:ln>
+        </p:spPr>
+        <p:style>
+          <a:lnRef idx="2">
+            <a:schemeClr val="accent3"/>
+          </a:lnRef>
+          <a:fillRef idx="1">
+            <a:schemeClr val="lt1"/>
+          </a:fillRef>
+          <a:effectRef idx="0">
+            <a:schemeClr val="accent3"/>
+          </a:effectRef>
+          <a:fontRef idx="minor">
+            <a:schemeClr val="dk1"/>
+          </a:fontRef>
+        </p:style>
+        <p:txBody>
+          <a:bodyPr rtlCol="0" anchor="ctr"/>
+          <a:lstStyle/>
+          <a:p>
+            <a:pPr marL="457200" indent="-457200">
+              <a:buFont typeface="Arial" panose="020B0604020202020204" pitchFamily="34" charset="0"/>
+              <a:buChar char="•"/>
+            </a:pPr>
+            <a:r>
+              <a:rPr lang="ja-JP" altLang="en-US" sz="3200" dirty="0"/>
+              <a:t>みそきん</a:t>
+            </a:r>
+            <a:endParaRPr lang="en-US" altLang="ja-JP" sz="3200" dirty="0"/>
+          </a:p>
+          <a:p>
+            <a:pPr marL="457200" indent="-457200">
+              <a:buFont typeface="Arial" panose="020B0604020202020204" pitchFamily="34" charset="0"/>
+              <a:buChar char="•"/>
+            </a:pPr>
+            <a:r>
+              <a:rPr lang="ja-JP" altLang="en-US" sz="3200" dirty="0"/>
+              <a:t>カズさんのやつ</a:t>
+            </a:r>
+            <a:endParaRPr lang="en-US" altLang="ja-JP" sz="3200" dirty="0"/>
+          </a:p>
+          <a:p>
+            <a:pPr marL="457200" indent="-457200">
+              <a:buFont typeface="Arial" panose="020B0604020202020204" pitchFamily="34" charset="0"/>
+              <a:buChar char="•"/>
+            </a:pPr>
+            <a:r>
+              <a:rPr kumimoji="1" lang="ja-JP" altLang="en-US" sz="3200" dirty="0"/>
+              <a:t>何件</a:t>
+            </a:r>
+            <a:endParaRPr kumimoji="1" lang="en-US" altLang="ja-JP" sz="3200" dirty="0"/>
+          </a:p>
+          <a:p>
+            <a:pPr marL="457200" indent="-457200">
+              <a:buFont typeface="Arial" panose="020B0604020202020204" pitchFamily="34" charset="0"/>
+              <a:buChar char="•"/>
+            </a:pPr>
+            <a:r>
+              <a:rPr kumimoji="1" lang="ja-JP" altLang="en-US" sz="3200" dirty="0"/>
+              <a:t>日にち、動画など</a:t>
+            </a:r>
+            <a:endParaRPr kumimoji="1" lang="en-US" altLang="ja-JP" sz="3200" dirty="0"/>
+          </a:p>
+        </p:txBody>
+      </p:sp>
+      <p:sp>
+        <p:nvSpPr>
+          <p:cNvPr id="37" name="テキスト ボックス 36">
+            <a:extLst>
+              <a:ext uri="{FF2B5EF4-FFF2-40B4-BE49-F238E27FC236}">
+                <a16:creationId xmlns:a16="http://schemas.microsoft.com/office/drawing/2014/main" id="{97B0BF75-7E16-A9AC-D91B-1179603B9875}"/>
+              </a:ext>
+            </a:extLst>
+          </p:cNvPr>
+          <p:cNvSpPr txBox="1"/>
+          <p:nvPr/>
+        </p:nvSpPr>
+        <p:spPr>
+          <a:xfrm>
+            <a:off x="17791502" y="7389957"/>
+            <a:ext cx="2686383" cy="707886"/>
+          </a:xfrm>
+          <a:prstGeom prst="rect">
+            <a:avLst/>
+          </a:prstGeom>
+          <a:ln>
+            <a:solidFill>
+              <a:schemeClr val="bg1"/>
+            </a:solidFill>
+          </a:ln>
+        </p:spPr>
+        <p:style>
+          <a:lnRef idx="2">
+            <a:schemeClr val="dk1"/>
+          </a:lnRef>
+          <a:fillRef idx="1">
+            <a:schemeClr val="lt1"/>
+          </a:fillRef>
+          <a:effectRef idx="0">
+            <a:schemeClr val="dk1"/>
+          </a:effectRef>
+          <a:fontRef idx="minor">
+            <a:schemeClr val="dk1"/>
+          </a:fontRef>
+        </p:style>
+        <p:txBody>
+          <a:bodyPr wrap="square" rtlCol="0">
+            <a:spAutoFit/>
+          </a:bodyPr>
+          <a:lstStyle/>
+          <a:p>
+            <a:r>
+              <a:rPr lang="ja-JP" altLang="en-US" sz="4000" dirty="0"/>
+              <a:t>実験データ</a:t>
+            </a:r>
+            <a:endParaRPr kumimoji="1" lang="ja-JP" altLang="en-US" sz="4000" dirty="0"/>
+          </a:p>
+        </p:txBody>
+      </p:sp>
+      <p:sp>
+        <p:nvSpPr>
+          <p:cNvPr id="38" name="四角形: 角を丸くする 37">
+            <a:extLst>
+              <a:ext uri="{FF2B5EF4-FFF2-40B4-BE49-F238E27FC236}">
+                <a16:creationId xmlns:a16="http://schemas.microsoft.com/office/drawing/2014/main" id="{B4AA7D3F-5D9F-8F86-358B-B88B9BE17BDB}"/>
+              </a:ext>
+            </a:extLst>
+          </p:cNvPr>
+          <p:cNvSpPr/>
+          <p:nvPr/>
+        </p:nvSpPr>
+        <p:spPr>
+          <a:xfrm>
+            <a:off x="22770267" y="7776480"/>
+            <a:ext cx="6845895" cy="2829385"/>
+          </a:xfrm>
+          <a:prstGeom prst="roundRect">
+            <a:avLst/>
+          </a:prstGeom>
+          <a:ln w="76200">
+            <a:solidFill>
+              <a:schemeClr val="accent3">
+                <a:lumMod val="40000"/>
+                <a:lumOff val="60000"/>
+              </a:schemeClr>
+            </a:solidFill>
+          </a:ln>
+        </p:spPr>
+        <p:style>
+          <a:lnRef idx="2">
+            <a:schemeClr val="accent3"/>
+          </a:lnRef>
+          <a:fillRef idx="1">
+            <a:schemeClr val="lt1"/>
+          </a:fillRef>
+          <a:effectRef idx="0">
+            <a:schemeClr val="accent3"/>
+          </a:effectRef>
+          <a:fontRef idx="minor">
+            <a:schemeClr val="dk1"/>
+          </a:fontRef>
+        </p:style>
+        <p:txBody>
+          <a:bodyPr rtlCol="0" anchor="ctr"/>
+          <a:lstStyle/>
+          <a:p>
+            <a:pPr marL="457200" indent="-457200">
+              <a:buFont typeface="Arial" panose="020B0604020202020204" pitchFamily="34" charset="0"/>
+              <a:buChar char="•"/>
+            </a:pPr>
+            <a:r>
+              <a:rPr kumimoji="1" lang="ja-JP" altLang="en-US" sz="3200" dirty="0"/>
+              <a:t>前処理</a:t>
+            </a:r>
+            <a:endParaRPr kumimoji="1" lang="en-US" altLang="ja-JP" sz="3200" dirty="0"/>
+          </a:p>
+          <a:p>
+            <a:pPr marL="457200" indent="-457200">
+              <a:buFont typeface="Arial" panose="020B0604020202020204" pitchFamily="34" charset="0"/>
+              <a:buChar char="•"/>
+            </a:pPr>
+            <a:r>
+              <a:rPr kumimoji="1" lang="ja-JP" altLang="en-US" sz="3200" dirty="0"/>
+              <a:t>分かち書き</a:t>
+            </a:r>
+            <a:endParaRPr kumimoji="1" lang="en-US" altLang="ja-JP" sz="3200" dirty="0"/>
+          </a:p>
+          <a:p>
+            <a:pPr marL="457200" indent="-457200">
+              <a:buFont typeface="Arial" panose="020B0604020202020204" pitchFamily="34" charset="0"/>
+              <a:buChar char="•"/>
+            </a:pPr>
+            <a:r>
+              <a:rPr kumimoji="1" lang="ja-JP" altLang="en-US" sz="3200" dirty="0"/>
+              <a:t>ストップワード除去</a:t>
+            </a:r>
+            <a:endParaRPr kumimoji="1" lang="en-US" altLang="ja-JP" sz="3200" dirty="0"/>
+          </a:p>
+          <a:p>
+            <a:pPr marL="457200" indent="-457200">
+              <a:buFont typeface="Arial" panose="020B0604020202020204" pitchFamily="34" charset="0"/>
+              <a:buChar char="•"/>
+            </a:pPr>
+            <a:endParaRPr kumimoji="1" lang="ja-JP" altLang="en-US" sz="3200" dirty="0"/>
+          </a:p>
+        </p:txBody>
+      </p:sp>
+      <p:sp>
+        <p:nvSpPr>
+          <p:cNvPr id="39" name="テキスト ボックス 38">
+            <a:extLst>
+              <a:ext uri="{FF2B5EF4-FFF2-40B4-BE49-F238E27FC236}">
+                <a16:creationId xmlns:a16="http://schemas.microsoft.com/office/drawing/2014/main" id="{C6DC09FC-836C-1C25-3F61-77FFD748E27D}"/>
+              </a:ext>
+            </a:extLst>
+          </p:cNvPr>
+          <p:cNvSpPr txBox="1"/>
+          <p:nvPr/>
+        </p:nvSpPr>
+        <p:spPr>
+          <a:xfrm>
+            <a:off x="25328081" y="7371867"/>
+            <a:ext cx="1739237" cy="707886"/>
+          </a:xfrm>
+          <a:prstGeom prst="rect">
+            <a:avLst/>
+          </a:prstGeom>
+          <a:ln>
+            <a:solidFill>
+              <a:schemeClr val="bg1"/>
+            </a:solidFill>
+          </a:ln>
+        </p:spPr>
+        <p:style>
+          <a:lnRef idx="2">
+            <a:schemeClr val="dk1"/>
+          </a:lnRef>
+          <a:fillRef idx="1">
+            <a:schemeClr val="lt1"/>
+          </a:fillRef>
+          <a:effectRef idx="0">
+            <a:schemeClr val="dk1"/>
+          </a:effectRef>
+          <a:fontRef idx="minor">
+            <a:schemeClr val="dk1"/>
+          </a:fontRef>
+        </p:style>
+        <p:txBody>
+          <a:bodyPr wrap="square" rtlCol="0">
+            <a:spAutoFit/>
+          </a:bodyPr>
+          <a:lstStyle/>
+          <a:p>
+            <a:r>
+              <a:rPr kumimoji="1" lang="ja-JP" altLang="en-US" sz="4000" dirty="0"/>
+              <a:t>前処理</a:t>
+            </a:r>
+          </a:p>
+        </p:txBody>
+      </p:sp>
+      <p:sp>
+        <p:nvSpPr>
+          <p:cNvPr id="40" name="テキスト ボックス 39">
+            <a:extLst>
+              <a:ext uri="{FF2B5EF4-FFF2-40B4-BE49-F238E27FC236}">
+                <a16:creationId xmlns:a16="http://schemas.microsoft.com/office/drawing/2014/main" id="{7C7D2B95-7E10-F36E-B3CB-DEB6DC5BBE2E}"/>
+              </a:ext>
+            </a:extLst>
+          </p:cNvPr>
+          <p:cNvSpPr txBox="1"/>
+          <p:nvPr/>
+        </p:nvSpPr>
+        <p:spPr>
+          <a:xfrm>
+            <a:off x="15711747" y="11003103"/>
+            <a:ext cx="5062797" cy="707886"/>
+          </a:xfrm>
+          <a:prstGeom prst="rect">
+            <a:avLst/>
+          </a:prstGeom>
+          <a:noFill/>
+        </p:spPr>
+        <p:txBody>
+          <a:bodyPr wrap="square" rtlCol="0">
+            <a:spAutoFit/>
+          </a:bodyPr>
+          <a:lstStyle/>
+          <a:p>
+            <a:r>
+              <a:rPr kumimoji="1" lang="en-US" altLang="ja-JP" sz="4000" dirty="0"/>
+              <a:t>BTM</a:t>
+            </a:r>
+            <a:r>
+              <a:rPr kumimoji="1" lang="ja-JP" altLang="en-US" sz="4000" dirty="0"/>
+              <a:t>によるトピック抽出</a:t>
+            </a:r>
+          </a:p>
+        </p:txBody>
+      </p:sp>
+      <p:sp>
+        <p:nvSpPr>
+          <p:cNvPr id="41" name="テキスト ボックス 40">
+            <a:extLst>
+              <a:ext uri="{FF2B5EF4-FFF2-40B4-BE49-F238E27FC236}">
+                <a16:creationId xmlns:a16="http://schemas.microsoft.com/office/drawing/2014/main" id="{F0CA2168-DBBB-C4C3-3B4D-5826F3ACD993}"/>
+              </a:ext>
+            </a:extLst>
+          </p:cNvPr>
+          <p:cNvSpPr txBox="1"/>
+          <p:nvPr/>
+        </p:nvSpPr>
+        <p:spPr>
+          <a:xfrm>
+            <a:off x="23960919" y="11128110"/>
+            <a:ext cx="5311031" cy="2062103"/>
+          </a:xfrm>
+          <a:prstGeom prst="rect">
+            <a:avLst/>
+          </a:prstGeom>
+          <a:noFill/>
+        </p:spPr>
+        <p:txBody>
+          <a:bodyPr wrap="square" rtlCol="0">
+            <a:spAutoFit/>
+          </a:bodyPr>
+          <a:lstStyle/>
+          <a:p>
+            <a:r>
+              <a:rPr kumimoji="1" lang="ja-JP" altLang="en-US" sz="3200" dirty="0"/>
+              <a:t>パラメータ</a:t>
+            </a:r>
+            <a:endParaRPr kumimoji="1" lang="en-US" altLang="ja-JP" sz="3200" dirty="0"/>
+          </a:p>
+          <a:p>
+            <a:r>
+              <a:rPr lang="ja-JP" altLang="en-US" sz="3200" dirty="0"/>
+              <a:t>・</a:t>
+            </a:r>
+            <a:r>
+              <a:rPr lang="en-US" altLang="ja-JP" sz="3200" dirty="0"/>
+              <a:t>α</a:t>
+            </a:r>
+            <a:r>
+              <a:rPr lang="ja-JP" altLang="en-US" sz="3200" dirty="0"/>
+              <a:t>、</a:t>
+            </a:r>
+            <a:r>
+              <a:rPr lang="en-US" altLang="ja-JP" sz="3200" dirty="0"/>
+              <a:t>β</a:t>
+            </a:r>
+          </a:p>
+          <a:p>
+            <a:r>
+              <a:rPr kumimoji="1" lang="ja-JP" altLang="en-US" sz="3200" dirty="0"/>
+              <a:t>・トピック数</a:t>
+            </a:r>
+            <a:endParaRPr kumimoji="1" lang="en-US" altLang="ja-JP" sz="3200" dirty="0"/>
+          </a:p>
+          <a:p>
+            <a:r>
+              <a:rPr lang="ja-JP" altLang="en-US" sz="3200" dirty="0"/>
+              <a:t>ーーーーーーーーーーーーー</a:t>
+            </a:r>
+            <a:endParaRPr kumimoji="1" lang="ja-JP" altLang="en-US" sz="3200" dirty="0"/>
+          </a:p>
+        </p:txBody>
+      </p:sp>
+      <p:pic>
+        <p:nvPicPr>
+          <p:cNvPr id="43" name="図 42">
+            <a:extLst>
+              <a:ext uri="{FF2B5EF4-FFF2-40B4-BE49-F238E27FC236}">
+                <a16:creationId xmlns:a16="http://schemas.microsoft.com/office/drawing/2014/main" id="{F16DDFAE-DEC2-476E-E78E-7331DDCA4492}"/>
+              </a:ext>
+            </a:extLst>
+          </p:cNvPr>
+          <p:cNvPicPr>
+            <a:picLocks noChangeAspect="1"/>
+          </p:cNvPicPr>
+          <p:nvPr/>
+        </p:nvPicPr>
+        <p:blipFill>
+          <a:blip r:embed="rId4"/>
+          <a:stretch>
+            <a:fillRect/>
+          </a:stretch>
+        </p:blipFill>
+        <p:spPr>
+          <a:xfrm>
+            <a:off x="15647052" y="11697774"/>
+            <a:ext cx="7935432" cy="6049219"/>
+          </a:xfrm>
+          <a:prstGeom prst="rect">
+            <a:avLst/>
+          </a:prstGeom>
+        </p:spPr>
+      </p:pic>
+      <p:sp>
+        <p:nvSpPr>
+          <p:cNvPr id="44" name="テキスト ボックス 43">
+            <a:extLst>
+              <a:ext uri="{FF2B5EF4-FFF2-40B4-BE49-F238E27FC236}">
+                <a16:creationId xmlns:a16="http://schemas.microsoft.com/office/drawing/2014/main" id="{8E1B8FC0-40EB-5042-B09E-F3C142FCE689}"/>
+              </a:ext>
+            </a:extLst>
+          </p:cNvPr>
+          <p:cNvSpPr txBox="1"/>
+          <p:nvPr/>
+        </p:nvSpPr>
+        <p:spPr>
+          <a:xfrm>
+            <a:off x="23960919" y="12943905"/>
+            <a:ext cx="5109300" cy="4524315"/>
+          </a:xfrm>
+          <a:prstGeom prst="rect">
+            <a:avLst/>
+          </a:prstGeom>
+          <a:noFill/>
+        </p:spPr>
+        <p:txBody>
+          <a:bodyPr wrap="square" rtlCol="0">
+            <a:spAutoFit/>
+          </a:bodyPr>
+          <a:lstStyle/>
+          <a:p>
+            <a:r>
+              <a:rPr kumimoji="1" lang="ja-JP" altLang="en-US" sz="3200" dirty="0"/>
+              <a:t>説明、考察もここ？</a:t>
+            </a:r>
+            <a:endParaRPr kumimoji="1" lang="en-US" altLang="ja-JP" sz="3200" dirty="0"/>
+          </a:p>
+          <a:p>
+            <a:r>
+              <a:rPr lang="ja-JP" altLang="en-US" sz="3200" dirty="0"/>
+              <a:t>・</a:t>
+            </a:r>
+            <a:endParaRPr lang="en-US" altLang="ja-JP" sz="3200" dirty="0"/>
+          </a:p>
+          <a:p>
+            <a:r>
+              <a:rPr kumimoji="1" lang="ja-JP" altLang="en-US" sz="3200" dirty="0"/>
+              <a:t>・</a:t>
+            </a:r>
+            <a:endParaRPr kumimoji="1" lang="en-US" altLang="ja-JP" sz="3200" dirty="0"/>
+          </a:p>
+          <a:p>
+            <a:r>
+              <a:rPr lang="ja-JP" altLang="en-US" sz="3200" dirty="0"/>
+              <a:t>・</a:t>
+            </a:r>
+            <a:endParaRPr lang="en-US" altLang="ja-JP" sz="3200" dirty="0"/>
+          </a:p>
+          <a:p>
+            <a:r>
+              <a:rPr kumimoji="1" lang="ja-JP" altLang="en-US" sz="3200" dirty="0"/>
+              <a:t>・</a:t>
+            </a:r>
+            <a:endParaRPr kumimoji="1" lang="en-US" altLang="ja-JP" sz="3200" dirty="0"/>
+          </a:p>
+          <a:p>
+            <a:r>
+              <a:rPr lang="ja-JP" altLang="en-US" sz="3200" dirty="0"/>
+              <a:t>・</a:t>
+            </a:r>
+            <a:endParaRPr lang="en-US" altLang="ja-JP" sz="3200" dirty="0"/>
+          </a:p>
+          <a:p>
+            <a:r>
+              <a:rPr kumimoji="1" lang="ja-JP" altLang="en-US" sz="3200" dirty="0"/>
+              <a:t>・</a:t>
+            </a:r>
+            <a:endParaRPr kumimoji="1" lang="en-US" altLang="ja-JP" sz="3200" dirty="0"/>
+          </a:p>
+          <a:p>
+            <a:r>
+              <a:rPr lang="ja-JP" altLang="en-US" sz="3200" dirty="0"/>
+              <a:t>・</a:t>
+            </a:r>
+            <a:endParaRPr lang="en-US" altLang="ja-JP" sz="3200" dirty="0"/>
+          </a:p>
+          <a:p>
+            <a:r>
+              <a:rPr kumimoji="1" lang="ja-JP" altLang="en-US" sz="3200" dirty="0"/>
+              <a:t>・</a:t>
+            </a:r>
+          </a:p>
+        </p:txBody>
+      </p:sp>
+      <p:sp>
+        <p:nvSpPr>
+          <p:cNvPr id="45" name="テキスト ボックス 44">
+            <a:extLst>
+              <a:ext uri="{FF2B5EF4-FFF2-40B4-BE49-F238E27FC236}">
+                <a16:creationId xmlns:a16="http://schemas.microsoft.com/office/drawing/2014/main" id="{B36D87F1-DA96-49E7-FD3A-25FFCC9E5FEE}"/>
+              </a:ext>
+            </a:extLst>
+          </p:cNvPr>
+          <p:cNvSpPr txBox="1"/>
+          <p:nvPr/>
+        </p:nvSpPr>
+        <p:spPr>
+          <a:xfrm>
+            <a:off x="15658922" y="17985526"/>
+            <a:ext cx="5062797" cy="707886"/>
+          </a:xfrm>
+          <a:prstGeom prst="rect">
+            <a:avLst/>
+          </a:prstGeom>
+          <a:noFill/>
+        </p:spPr>
+        <p:txBody>
+          <a:bodyPr wrap="square" rtlCol="0">
+            <a:spAutoFit/>
+          </a:bodyPr>
+          <a:lstStyle/>
+          <a:p>
+            <a:r>
+              <a:rPr kumimoji="1" lang="ja-JP" altLang="en-US" sz="4000" dirty="0"/>
+              <a:t>自動生成した文章例</a:t>
+            </a:r>
+          </a:p>
+        </p:txBody>
+      </p:sp>
+      <p:sp>
+        <p:nvSpPr>
+          <p:cNvPr id="46" name="テキスト ボックス 45">
+            <a:extLst>
+              <a:ext uri="{FF2B5EF4-FFF2-40B4-BE49-F238E27FC236}">
+                <a16:creationId xmlns:a16="http://schemas.microsoft.com/office/drawing/2014/main" id="{3350F3D0-7FE8-FB8B-0B40-E408FBF24E7A}"/>
+              </a:ext>
+            </a:extLst>
+          </p:cNvPr>
+          <p:cNvSpPr txBox="1"/>
+          <p:nvPr/>
+        </p:nvSpPr>
+        <p:spPr>
+          <a:xfrm>
+            <a:off x="16004083" y="18693412"/>
+            <a:ext cx="12619169" cy="3539430"/>
+          </a:xfrm>
+          <a:prstGeom prst="rect">
+            <a:avLst/>
+          </a:prstGeom>
+          <a:noFill/>
+        </p:spPr>
+        <p:txBody>
+          <a:bodyPr wrap="square" rtlCol="0">
+            <a:spAutoFit/>
+          </a:bodyPr>
+          <a:lstStyle/>
+          <a:p>
+            <a:r>
+              <a:rPr kumimoji="1" lang="ja-JP" altLang="en-US" sz="3200" dirty="0"/>
+              <a:t>みそきん</a:t>
+            </a:r>
+            <a:endParaRPr kumimoji="1" lang="en-US" altLang="ja-JP" sz="3200" dirty="0"/>
+          </a:p>
+          <a:p>
+            <a:r>
+              <a:rPr lang="ja-JP" altLang="en-US" sz="3200" dirty="0"/>
+              <a:t>・あああああああああああああああああああああああああああああああ</a:t>
+            </a:r>
+            <a:endParaRPr lang="en-US" altLang="ja-JP" sz="3200" dirty="0"/>
+          </a:p>
+          <a:p>
+            <a:r>
+              <a:rPr kumimoji="1" lang="ja-JP" altLang="en-US" sz="3200" dirty="0"/>
+              <a:t>・あああああああああああああああああああああああああああああああ</a:t>
+            </a:r>
+            <a:endParaRPr kumimoji="1" lang="en-US" altLang="ja-JP" sz="3200" dirty="0"/>
+          </a:p>
+          <a:p>
+            <a:endParaRPr kumimoji="1" lang="en-US" altLang="ja-JP" sz="3200" dirty="0"/>
+          </a:p>
+          <a:p>
+            <a:r>
+              <a:rPr lang="ja-JP" altLang="en-US" sz="3200" dirty="0"/>
+              <a:t>ここりも</a:t>
+            </a:r>
+            <a:endParaRPr lang="en-US" altLang="ja-JP" sz="3200" dirty="0"/>
+          </a:p>
+          <a:p>
+            <a:r>
+              <a:rPr kumimoji="1" lang="ja-JP" altLang="en-US" sz="3200" dirty="0"/>
+              <a:t>・あああああああああああああああああああああああああああああああ</a:t>
+            </a:r>
+            <a:endParaRPr kumimoji="1" lang="en-US" altLang="ja-JP" sz="3200" dirty="0"/>
+          </a:p>
+          <a:p>
+            <a:r>
+              <a:rPr kumimoji="1" lang="ja-JP" altLang="en-US" sz="3200" dirty="0"/>
+              <a:t>・あああああああああああああああああああああああああああああああ</a:t>
+            </a:r>
+          </a:p>
+        </p:txBody>
+      </p:sp>
+      <p:sp>
+        <p:nvSpPr>
+          <p:cNvPr id="47" name="テキスト ボックス 46">
+            <a:extLst>
+              <a:ext uri="{FF2B5EF4-FFF2-40B4-BE49-F238E27FC236}">
+                <a16:creationId xmlns:a16="http://schemas.microsoft.com/office/drawing/2014/main" id="{5A8CE6ED-96B0-FDF1-AC32-88CE6D7AC83E}"/>
+              </a:ext>
+            </a:extLst>
+          </p:cNvPr>
+          <p:cNvSpPr txBox="1"/>
+          <p:nvPr/>
+        </p:nvSpPr>
+        <p:spPr>
+          <a:xfrm>
+            <a:off x="15658921" y="22410941"/>
+            <a:ext cx="5062797" cy="707886"/>
+          </a:xfrm>
+          <a:prstGeom prst="rect">
+            <a:avLst/>
+          </a:prstGeom>
+          <a:noFill/>
+        </p:spPr>
+        <p:txBody>
+          <a:bodyPr wrap="square" rtlCol="0">
+            <a:spAutoFit/>
+          </a:bodyPr>
+          <a:lstStyle/>
+          <a:p>
+            <a:r>
+              <a:rPr kumimoji="1" lang="ja-JP" altLang="en-US" sz="4000" dirty="0"/>
+              <a:t>文章間の類似度計算</a:t>
+            </a:r>
+          </a:p>
+        </p:txBody>
+      </p:sp>
+      <p:graphicFrame>
+        <p:nvGraphicFramePr>
+          <p:cNvPr id="48" name="表 48">
+            <a:extLst>
+              <a:ext uri="{FF2B5EF4-FFF2-40B4-BE49-F238E27FC236}">
+                <a16:creationId xmlns:a16="http://schemas.microsoft.com/office/drawing/2014/main" id="{7B8EFF58-5338-ABA9-3B2B-CF92D0B310E1}"/>
+              </a:ext>
+            </a:extLst>
+          </p:cNvPr>
+          <p:cNvGraphicFramePr>
+            <a:graphicFrameLocks noGrp="1"/>
+          </p:cNvGraphicFramePr>
+          <p:nvPr>
+            <p:extLst>
+              <p:ext uri="{D42A27DB-BD31-4B8C-83A1-F6EECF244321}">
+                <p14:modId xmlns:p14="http://schemas.microsoft.com/office/powerpoint/2010/main" val="1275571611"/>
+              </p:ext>
+            </p:extLst>
+          </p:nvPr>
+        </p:nvGraphicFramePr>
+        <p:xfrm>
+          <a:off x="16099832" y="23179261"/>
+          <a:ext cx="12970387" cy="4053840"/>
+        </p:xfrm>
+        <a:graphic>
+          <a:graphicData uri="http://schemas.openxmlformats.org/drawingml/2006/table">
+            <a:tbl>
+              <a:tblPr firstRow="1" bandRow="1">
+                <a:tableStyleId>{5C22544A-7EE6-4342-B048-85BDC9FD1C3A}</a:tableStyleId>
+              </a:tblPr>
+              <a:tblGrid>
+                <a:gridCol w="1632443">
+                  <a:extLst>
+                    <a:ext uri="{9D8B030D-6E8A-4147-A177-3AD203B41FA5}">
+                      <a16:colId xmlns:a16="http://schemas.microsoft.com/office/drawing/2014/main" val="722024811"/>
+                    </a:ext>
+                  </a:extLst>
+                </a:gridCol>
+                <a:gridCol w="11337944">
+                  <a:extLst>
+                    <a:ext uri="{9D8B030D-6E8A-4147-A177-3AD203B41FA5}">
+                      <a16:colId xmlns:a16="http://schemas.microsoft.com/office/drawing/2014/main" val="1974923688"/>
+                    </a:ext>
+                  </a:extLst>
+                </a:gridCol>
+              </a:tblGrid>
+              <a:tr h="189637">
+                <a:tc>
+                  <a:txBody>
+                    <a:bodyPr/>
+                    <a:lstStyle/>
+                    <a:p>
+                      <a:r>
+                        <a:rPr kumimoji="1" lang="ja-JP" altLang="en-US" sz="3200" dirty="0"/>
+                        <a:t>類似度</a:t>
+                      </a:r>
+                    </a:p>
+                  </a:txBody>
+                  <a:tcPr/>
+                </a:tc>
+                <a:tc>
+                  <a:txBody>
+                    <a:bodyPr/>
+                    <a:lstStyle/>
+                    <a:p>
+                      <a:r>
+                        <a:rPr kumimoji="1" lang="ja-JP" altLang="en-US" sz="3200" dirty="0"/>
+                        <a:t>文章</a:t>
+                      </a:r>
+                    </a:p>
+                  </a:txBody>
+                  <a:tcPr/>
+                </a:tc>
+                <a:extLst>
+                  <a:ext uri="{0D108BD9-81ED-4DB2-BD59-A6C34878D82A}">
+                    <a16:rowId xmlns:a16="http://schemas.microsoft.com/office/drawing/2014/main" val="2621650246"/>
+                  </a:ext>
+                </a:extLst>
+              </a:tr>
+              <a:tr h="189637">
+                <a:tc>
+                  <a:txBody>
+                    <a:bodyPr/>
+                    <a:lstStyle/>
+                    <a:p>
+                      <a:r>
+                        <a:rPr kumimoji="1" lang="en-US" altLang="ja-JP" sz="3200" dirty="0"/>
+                        <a:t>0.999</a:t>
+                      </a:r>
+                      <a:endParaRPr kumimoji="1" lang="ja-JP" altLang="en-US" sz="3200" dirty="0"/>
+                    </a:p>
+                  </a:txBody>
+                  <a:tcPr/>
+                </a:tc>
+                <a:tc>
+                  <a:txBody>
+                    <a:bodyPr/>
+                    <a:lstStyle/>
+                    <a:p>
+                      <a:endParaRPr kumimoji="1" lang="ja-JP" altLang="en-US" sz="3200" dirty="0"/>
+                    </a:p>
+                  </a:txBody>
+                  <a:tcPr/>
+                </a:tc>
+                <a:extLst>
+                  <a:ext uri="{0D108BD9-81ED-4DB2-BD59-A6C34878D82A}">
+                    <a16:rowId xmlns:a16="http://schemas.microsoft.com/office/drawing/2014/main" val="3351866127"/>
+                  </a:ext>
+                </a:extLst>
+              </a:tr>
+              <a:tr h="189637">
+                <a:tc>
+                  <a:txBody>
+                    <a:bodyPr/>
+                    <a:lstStyle/>
+                    <a:p>
+                      <a:r>
+                        <a:rPr kumimoji="1" lang="en-US" altLang="ja-JP" sz="3200" dirty="0"/>
+                        <a:t>0.8534</a:t>
+                      </a:r>
+                      <a:endParaRPr kumimoji="1" lang="ja-JP" altLang="en-US" sz="3200" dirty="0"/>
+                    </a:p>
+                  </a:txBody>
+                  <a:tcPr/>
+                </a:tc>
+                <a:tc>
+                  <a:txBody>
+                    <a:bodyPr/>
+                    <a:lstStyle/>
+                    <a:p>
+                      <a:endParaRPr kumimoji="1" lang="ja-JP" altLang="en-US" sz="3200" dirty="0"/>
+                    </a:p>
+                  </a:txBody>
+                  <a:tcPr/>
+                </a:tc>
+                <a:extLst>
+                  <a:ext uri="{0D108BD9-81ED-4DB2-BD59-A6C34878D82A}">
+                    <a16:rowId xmlns:a16="http://schemas.microsoft.com/office/drawing/2014/main" val="4245137731"/>
+                  </a:ext>
+                </a:extLst>
+              </a:tr>
+              <a:tr h="189637">
+                <a:tc>
+                  <a:txBody>
+                    <a:bodyPr/>
+                    <a:lstStyle/>
+                    <a:p>
+                      <a:r>
+                        <a:rPr kumimoji="1" lang="en-US" altLang="ja-JP" sz="3200" dirty="0"/>
+                        <a:t>0.75654</a:t>
+                      </a:r>
+                      <a:endParaRPr kumimoji="1" lang="ja-JP" altLang="en-US" sz="3200" dirty="0"/>
+                    </a:p>
+                  </a:txBody>
+                  <a:tcPr/>
+                </a:tc>
+                <a:tc>
+                  <a:txBody>
+                    <a:bodyPr/>
+                    <a:lstStyle/>
+                    <a:p>
+                      <a:endParaRPr kumimoji="1" lang="ja-JP" altLang="en-US" sz="3200" dirty="0"/>
+                    </a:p>
+                  </a:txBody>
+                  <a:tcPr/>
+                </a:tc>
+                <a:extLst>
+                  <a:ext uri="{0D108BD9-81ED-4DB2-BD59-A6C34878D82A}">
+                    <a16:rowId xmlns:a16="http://schemas.microsoft.com/office/drawing/2014/main" val="1249706474"/>
+                  </a:ext>
+                </a:extLst>
+              </a:tr>
+              <a:tr h="189637">
+                <a:tc>
+                  <a:txBody>
+                    <a:bodyPr/>
+                    <a:lstStyle/>
+                    <a:p>
+                      <a:endParaRPr kumimoji="1" lang="ja-JP" altLang="en-US" sz="3200" dirty="0"/>
+                    </a:p>
+                  </a:txBody>
+                  <a:tcPr/>
+                </a:tc>
+                <a:tc>
+                  <a:txBody>
+                    <a:bodyPr/>
+                    <a:lstStyle/>
+                    <a:p>
+                      <a:endParaRPr kumimoji="1" lang="ja-JP" altLang="en-US" sz="3200" dirty="0"/>
+                    </a:p>
+                  </a:txBody>
+                  <a:tcPr/>
+                </a:tc>
+                <a:extLst>
+                  <a:ext uri="{0D108BD9-81ED-4DB2-BD59-A6C34878D82A}">
+                    <a16:rowId xmlns:a16="http://schemas.microsoft.com/office/drawing/2014/main" val="3810776875"/>
+                  </a:ext>
+                </a:extLst>
+              </a:tr>
+              <a:tr h="189637">
+                <a:tc>
+                  <a:txBody>
+                    <a:bodyPr/>
+                    <a:lstStyle/>
+                    <a:p>
+                      <a:endParaRPr kumimoji="1" lang="ja-JP" altLang="en-US" sz="3200"/>
+                    </a:p>
+                  </a:txBody>
+                  <a:tcPr/>
+                </a:tc>
+                <a:tc>
+                  <a:txBody>
+                    <a:bodyPr/>
+                    <a:lstStyle/>
+                    <a:p>
+                      <a:endParaRPr kumimoji="1" lang="ja-JP" altLang="en-US" sz="3200" dirty="0"/>
+                    </a:p>
+                  </a:txBody>
+                  <a:tcPr/>
+                </a:tc>
+                <a:extLst>
+                  <a:ext uri="{0D108BD9-81ED-4DB2-BD59-A6C34878D82A}">
+                    <a16:rowId xmlns:a16="http://schemas.microsoft.com/office/drawing/2014/main" val="448652883"/>
+                  </a:ext>
+                </a:extLst>
+              </a:tr>
+              <a:tr h="189637">
+                <a:tc>
+                  <a:txBody>
+                    <a:bodyPr/>
+                    <a:lstStyle/>
+                    <a:p>
+                      <a:endParaRPr kumimoji="1" lang="ja-JP" altLang="en-US" sz="3200"/>
+                    </a:p>
+                  </a:txBody>
+                  <a:tcPr/>
+                </a:tc>
+                <a:tc>
+                  <a:txBody>
+                    <a:bodyPr/>
+                    <a:lstStyle/>
+                    <a:p>
+                      <a:endParaRPr kumimoji="1" lang="ja-JP" altLang="en-US" sz="3200" dirty="0"/>
+                    </a:p>
+                  </a:txBody>
+                  <a:tcPr/>
+                </a:tc>
+                <a:extLst>
+                  <a:ext uri="{0D108BD9-81ED-4DB2-BD59-A6C34878D82A}">
+                    <a16:rowId xmlns:a16="http://schemas.microsoft.com/office/drawing/2014/main" val="436302903"/>
+                  </a:ext>
+                </a:extLst>
+              </a:tr>
+            </a:tbl>
+          </a:graphicData>
+        </a:graphic>
+      </p:graphicFrame>
+      <p:sp>
+        <p:nvSpPr>
+          <p:cNvPr id="49" name="テキスト ボックス 48">
+            <a:extLst>
+              <a:ext uri="{FF2B5EF4-FFF2-40B4-BE49-F238E27FC236}">
+                <a16:creationId xmlns:a16="http://schemas.microsoft.com/office/drawing/2014/main" id="{5C6058A7-7BBB-A1D8-323C-6942424F3239}"/>
+              </a:ext>
+            </a:extLst>
+          </p:cNvPr>
+          <p:cNvSpPr txBox="1"/>
+          <p:nvPr/>
+        </p:nvSpPr>
+        <p:spPr>
+          <a:xfrm>
+            <a:off x="15647052" y="27489928"/>
+            <a:ext cx="7916758" cy="707886"/>
+          </a:xfrm>
+          <a:prstGeom prst="rect">
+            <a:avLst/>
+          </a:prstGeom>
+          <a:noFill/>
+        </p:spPr>
+        <p:txBody>
+          <a:bodyPr wrap="square" rtlCol="0">
+            <a:spAutoFit/>
+          </a:bodyPr>
+          <a:lstStyle/>
+          <a:p>
+            <a:r>
+              <a:rPr kumimoji="1" lang="ja-JP" altLang="en-US" sz="4000" dirty="0"/>
+              <a:t>人手によるアノテーションとの比較</a:t>
+            </a:r>
+          </a:p>
+        </p:txBody>
+      </p:sp>
+      <p:sp>
+        <p:nvSpPr>
+          <p:cNvPr id="50" name="テキスト ボックス 49">
+            <a:extLst>
+              <a:ext uri="{FF2B5EF4-FFF2-40B4-BE49-F238E27FC236}">
+                <a16:creationId xmlns:a16="http://schemas.microsoft.com/office/drawing/2014/main" id="{05A1D8A3-9A3A-B42E-EF7F-693F0B4469E3}"/>
+              </a:ext>
+            </a:extLst>
+          </p:cNvPr>
+          <p:cNvSpPr txBox="1"/>
+          <p:nvPr/>
+        </p:nvSpPr>
+        <p:spPr>
+          <a:xfrm>
+            <a:off x="16292115" y="28389038"/>
+            <a:ext cx="8208912" cy="2554545"/>
+          </a:xfrm>
+          <a:prstGeom prst="rect">
+            <a:avLst/>
+          </a:prstGeom>
+          <a:noFill/>
+        </p:spPr>
+        <p:txBody>
+          <a:bodyPr wrap="square" rtlCol="0">
+            <a:spAutoFit/>
+          </a:bodyPr>
+          <a:lstStyle/>
+          <a:p>
+            <a:r>
+              <a:rPr kumimoji="1" lang="ja-JP" altLang="en-US" sz="3200" dirty="0"/>
+              <a:t>・アノテーション基準</a:t>
+            </a:r>
+            <a:endParaRPr kumimoji="1" lang="en-US" altLang="ja-JP" sz="3200" dirty="0"/>
+          </a:p>
+          <a:p>
+            <a:r>
+              <a:rPr lang="ja-JP" altLang="en-US" sz="3200" dirty="0"/>
+              <a:t>・アノテーション結果（何件）</a:t>
+            </a:r>
+            <a:endParaRPr lang="en-US" altLang="ja-JP" sz="3200" dirty="0"/>
+          </a:p>
+          <a:p>
+            <a:r>
+              <a:rPr kumimoji="1" lang="ja-JP" altLang="en-US" sz="3200" dirty="0"/>
+              <a:t>・一致率計算法</a:t>
+            </a:r>
+            <a:endParaRPr kumimoji="1" lang="en-US" altLang="ja-JP" sz="3200" dirty="0"/>
+          </a:p>
+          <a:p>
+            <a:r>
+              <a:rPr lang="ja-JP" altLang="en-US" sz="3200" dirty="0"/>
+              <a:t>・みそきん</a:t>
+            </a:r>
+            <a:endParaRPr lang="en-US" altLang="ja-JP" sz="3200" dirty="0"/>
+          </a:p>
+          <a:p>
+            <a:r>
+              <a:rPr kumimoji="1" lang="ja-JP" altLang="en-US" sz="3200" dirty="0"/>
+              <a:t>・ここりも</a:t>
+            </a:r>
           </a:p>
         </p:txBody>
       </p:sp>

--- a/発表ポスター.pptx
+++ b/発表ポスター.pptx
@@ -303,7 +303,7 @@
             <a:fld id="{797A01BE-B01F-4BF7-B98B-637D558E7802}" type="datetimeFigureOut">
               <a:rPr kumimoji="1" lang="ja-JP" altLang="en-US" smtClean="0"/>
               <a:pPr/>
-              <a:t>2023/8/3</a:t>
+              <a:t>2023/8/8</a:t>
             </a:fld>
             <a:endParaRPr kumimoji="1" lang="ja-JP" altLang="en-US"/>
           </a:p>
@@ -500,7 +500,7 @@
             <a:fld id="{797A01BE-B01F-4BF7-B98B-637D558E7802}" type="datetimeFigureOut">
               <a:rPr kumimoji="1" lang="ja-JP" altLang="en-US" smtClean="0"/>
               <a:pPr/>
-              <a:t>2023/8/3</a:t>
+              <a:t>2023/8/8</a:t>
             </a:fld>
             <a:endParaRPr kumimoji="1" lang="ja-JP" altLang="en-US"/>
           </a:p>
@@ -707,7 +707,7 @@
             <a:fld id="{797A01BE-B01F-4BF7-B98B-637D558E7802}" type="datetimeFigureOut">
               <a:rPr kumimoji="1" lang="ja-JP" altLang="en-US" smtClean="0"/>
               <a:pPr/>
-              <a:t>2023/8/3</a:t>
+              <a:t>2023/8/8</a:t>
             </a:fld>
             <a:endParaRPr kumimoji="1" lang="ja-JP" altLang="en-US"/>
           </a:p>
@@ -904,7 +904,7 @@
             <a:fld id="{797A01BE-B01F-4BF7-B98B-637D558E7802}" type="datetimeFigureOut">
               <a:rPr kumimoji="1" lang="ja-JP" altLang="en-US" smtClean="0"/>
               <a:pPr/>
-              <a:t>2023/8/3</a:t>
+              <a:t>2023/8/8</a:t>
             </a:fld>
             <a:endParaRPr kumimoji="1" lang="ja-JP" altLang="en-US"/>
           </a:p>
@@ -1146,7 +1146,7 @@
             <a:fld id="{797A01BE-B01F-4BF7-B98B-637D558E7802}" type="datetimeFigureOut">
               <a:rPr kumimoji="1" lang="ja-JP" altLang="en-US" smtClean="0"/>
               <a:pPr/>
-              <a:t>2023/8/3</a:t>
+              <a:t>2023/8/8</a:t>
             </a:fld>
             <a:endParaRPr kumimoji="1" lang="ja-JP" altLang="en-US"/>
           </a:p>
@@ -1492,7 +1492,7 @@
             <a:fld id="{797A01BE-B01F-4BF7-B98B-637D558E7802}" type="datetimeFigureOut">
               <a:rPr kumimoji="1" lang="ja-JP" altLang="en-US" smtClean="0"/>
               <a:pPr/>
-              <a:t>2023/8/3</a:t>
+              <a:t>2023/8/8</a:t>
             </a:fld>
             <a:endParaRPr kumimoji="1" lang="ja-JP" altLang="en-US"/>
           </a:p>
@@ -1977,7 +1977,7 @@
             <a:fld id="{797A01BE-B01F-4BF7-B98B-637D558E7802}" type="datetimeFigureOut">
               <a:rPr kumimoji="1" lang="ja-JP" altLang="en-US" smtClean="0"/>
               <a:pPr/>
-              <a:t>2023/8/3</a:t>
+              <a:t>2023/8/8</a:t>
             </a:fld>
             <a:endParaRPr kumimoji="1" lang="ja-JP" altLang="en-US"/>
           </a:p>
@@ -2091,7 +2091,7 @@
             <a:fld id="{797A01BE-B01F-4BF7-B98B-637D558E7802}" type="datetimeFigureOut">
               <a:rPr kumimoji="1" lang="ja-JP" altLang="en-US" smtClean="0"/>
               <a:pPr/>
-              <a:t>2023/8/3</a:t>
+              <a:t>2023/8/8</a:t>
             </a:fld>
             <a:endParaRPr kumimoji="1" lang="ja-JP" altLang="en-US"/>
           </a:p>
@@ -2183,7 +2183,7 @@
             <a:fld id="{797A01BE-B01F-4BF7-B98B-637D558E7802}" type="datetimeFigureOut">
               <a:rPr kumimoji="1" lang="ja-JP" altLang="en-US" smtClean="0"/>
               <a:pPr/>
-              <a:t>2023/8/3</a:t>
+              <a:t>2023/8/8</a:t>
             </a:fld>
             <a:endParaRPr kumimoji="1" lang="ja-JP" altLang="en-US"/>
           </a:p>
@@ -2487,7 +2487,7 @@
             <a:fld id="{797A01BE-B01F-4BF7-B98B-637D558E7802}" type="datetimeFigureOut">
               <a:rPr kumimoji="1" lang="ja-JP" altLang="en-US" smtClean="0"/>
               <a:pPr/>
-              <a:t>2023/8/3</a:t>
+              <a:t>2023/8/8</a:t>
             </a:fld>
             <a:endParaRPr kumimoji="1" lang="ja-JP" altLang="en-US"/>
           </a:p>
@@ -2736,7 +2736,7 @@
             <a:fld id="{797A01BE-B01F-4BF7-B98B-637D558E7802}" type="datetimeFigureOut">
               <a:rPr kumimoji="1" lang="ja-JP" altLang="en-US" smtClean="0"/>
               <a:pPr/>
-              <a:t>2023/8/3</a:t>
+              <a:t>2023/8/8</a:t>
             </a:fld>
             <a:endParaRPr kumimoji="1" lang="ja-JP" altLang="en-US"/>
           </a:p>
@@ -2976,7 +2976,7 @@
             <a:fld id="{797A01BE-B01F-4BF7-B98B-637D558E7802}" type="datetimeFigureOut">
               <a:rPr kumimoji="1" lang="ja-JP" altLang="en-US" smtClean="0"/>
               <a:pPr/>
-              <a:t>2023/8/3</a:t>
+              <a:t>2023/8/8</a:t>
             </a:fld>
             <a:endParaRPr kumimoji="1" lang="ja-JP" altLang="en-US"/>
           </a:p>
@@ -3620,7 +3620,7 @@
         </p:nvSpPr>
         <p:spPr>
           <a:xfrm>
-            <a:off x="15711747" y="31800038"/>
+            <a:off x="15715570" y="33991267"/>
             <a:ext cx="13575791" cy="1215718"/>
           </a:xfrm>
           <a:prstGeom prst="roundRect">
@@ -3676,7 +3676,7 @@
                   <a:schemeClr val="tx1"/>
                 </a:solidFill>
               </a:rPr>
-              <a:t>　考察</a:t>
+              <a:t>　考察・今後の展望</a:t>
             </a:r>
           </a:p>
         </p:txBody>
@@ -3751,7 +3751,7 @@
                   <a:schemeClr val="tx1"/>
                 </a:solidFill>
               </a:rPr>
-              <a:t>　実験結果</a:t>
+              <a:t>　実験・結果</a:t>
             </a:r>
           </a:p>
         </p:txBody>
@@ -5344,49 +5344,6 @@
       </p:sp>
       <p:sp>
         <p:nvSpPr>
-          <p:cNvPr id="22" name="テキスト ボックス 21">
-            <a:extLst>
-              <a:ext uri="{FF2B5EF4-FFF2-40B4-BE49-F238E27FC236}">
-                <a16:creationId xmlns:a16="http://schemas.microsoft.com/office/drawing/2014/main" id="{2CAB96A3-A6B6-9C53-09D0-2FD879CF79C5}"/>
-              </a:ext>
-            </a:extLst>
-          </p:cNvPr>
-          <p:cNvSpPr txBox="1"/>
-          <p:nvPr/>
-        </p:nvSpPr>
-        <p:spPr>
-          <a:xfrm>
-            <a:off x="16187698" y="33675335"/>
-            <a:ext cx="13461454" cy="1569660"/>
-          </a:xfrm>
-          <a:prstGeom prst="rect">
-            <a:avLst/>
-          </a:prstGeom>
-          <a:noFill/>
-        </p:spPr>
-        <p:txBody>
-          <a:bodyPr wrap="square" rtlCol="0">
-            <a:spAutoFit/>
-          </a:bodyPr>
-          <a:lstStyle/>
-          <a:p>
-            <a:r>
-              <a:rPr lang="ja-JP" altLang="en-US" sz="4800" dirty="0"/>
-              <a:t>・人手でアノテーションしたデータ、</a:t>
-            </a:r>
-            <a:endParaRPr lang="en-US" altLang="ja-JP" sz="4800" dirty="0"/>
-          </a:p>
-          <a:p>
-            <a:r>
-              <a:rPr lang="ja-JP" altLang="en-US" sz="4800" dirty="0"/>
-              <a:t>・それと類似度上位の一致率計算した数値</a:t>
-            </a:r>
-            <a:endParaRPr lang="en-US" altLang="ja-JP" sz="4800" dirty="0"/>
-          </a:p>
-        </p:txBody>
-      </p:sp>
-      <p:sp>
-        <p:nvSpPr>
           <p:cNvPr id="25" name="テキスト ボックス 24">
             <a:extLst>
               <a:ext uri="{FF2B5EF4-FFF2-40B4-BE49-F238E27FC236}">
@@ -5399,8 +5356,8 @@
         </p:nvSpPr>
         <p:spPr>
           <a:xfrm>
-            <a:off x="16660033" y="36222377"/>
-            <a:ext cx="12885389" cy="4524315"/>
+            <a:off x="15841192" y="35534424"/>
+            <a:ext cx="12885389" cy="6617196"/>
           </a:xfrm>
           <a:prstGeom prst="rect">
             <a:avLst/>
@@ -5414,53 +5371,103 @@
           <a:lstStyle/>
           <a:p>
             <a:r>
-              <a:rPr kumimoji="1" lang="ja-JP" altLang="en-US" sz="4800" dirty="0"/>
+              <a:rPr kumimoji="1" lang="ja-JP" altLang="en-US" sz="3200" dirty="0"/>
               <a:t>・</a:t>
             </a:r>
             <a:r>
-              <a:rPr kumimoji="1" lang="en-US" altLang="ja-JP" sz="4800" dirty="0"/>
+              <a:rPr kumimoji="1" lang="en-US" altLang="ja-JP" sz="3200" dirty="0"/>
               <a:t>BTM</a:t>
             </a:r>
             <a:r>
-              <a:rPr kumimoji="1" lang="ja-JP" altLang="en-US" sz="4800" dirty="0"/>
+              <a:rPr kumimoji="1" lang="ja-JP" altLang="en-US" sz="3200" dirty="0"/>
               <a:t>で抽出した単語について</a:t>
             </a:r>
-            <a:endParaRPr lang="en-US" altLang="ja-JP" sz="4800" dirty="0"/>
-          </a:p>
-          <a:p>
-            <a:r>
-              <a:rPr kumimoji="1" lang="ja-JP" altLang="en-US" sz="4800" dirty="0"/>
+            <a:endParaRPr kumimoji="1" lang="en-US" altLang="ja-JP" sz="3200" dirty="0"/>
+          </a:p>
+          <a:p>
+            <a:r>
+              <a:rPr lang="ja-JP" altLang="en-US" sz="3200" dirty="0"/>
+              <a:t>　</a:t>
+            </a:r>
+            <a:r>
+              <a:rPr lang="en-US" altLang="ja-JP" sz="3200" dirty="0"/>
+              <a:t>n=10,20,30</a:t>
+            </a:r>
+            <a:r>
+              <a:rPr lang="ja-JP" altLang="en-US" sz="3200" dirty="0"/>
+              <a:t>での違い</a:t>
+            </a:r>
+            <a:endParaRPr lang="en-US" altLang="ja-JP" sz="3200" dirty="0"/>
+          </a:p>
+          <a:p>
+            <a:r>
+              <a:rPr kumimoji="1" lang="ja-JP" altLang="en-US" sz="3200" dirty="0"/>
               <a:t>・自動生成の文章について</a:t>
             </a:r>
-            <a:endParaRPr kumimoji="1" lang="en-US" altLang="ja-JP" sz="4800" dirty="0"/>
-          </a:p>
-          <a:p>
-            <a:r>
-              <a:rPr lang="ja-JP" altLang="en-US" sz="4800" dirty="0"/>
+            <a:endParaRPr kumimoji="1" lang="en-US" altLang="ja-JP" sz="3200" dirty="0"/>
+          </a:p>
+          <a:p>
+            <a:r>
+              <a:rPr lang="ja-JP" altLang="en-US" sz="3200" dirty="0"/>
+              <a:t>　他にも検討</a:t>
+            </a:r>
+            <a:endParaRPr kumimoji="1" lang="en-US" altLang="ja-JP" sz="3200" dirty="0"/>
+          </a:p>
+          <a:p>
+            <a:r>
+              <a:rPr lang="ja-JP" altLang="en-US" sz="3200" dirty="0"/>
               <a:t>・類似度計算結果について</a:t>
             </a:r>
-            <a:endParaRPr lang="en-US" altLang="ja-JP" sz="4800" dirty="0"/>
-          </a:p>
-          <a:p>
-            <a:r>
-              <a:rPr kumimoji="1" lang="ja-JP" altLang="en-US" sz="4800" dirty="0"/>
+            <a:endParaRPr lang="en-US" altLang="ja-JP" sz="3200" dirty="0"/>
+          </a:p>
+          <a:p>
+            <a:r>
+              <a:rPr lang="ja-JP" altLang="en-US" sz="3200" dirty="0"/>
+              <a:t>　文章の長さに依存してしまう、他にも検討</a:t>
+            </a:r>
+            <a:endParaRPr lang="en-US" altLang="ja-JP" sz="3200" dirty="0"/>
+          </a:p>
+          <a:p>
+            <a:r>
+              <a:rPr kumimoji="1" lang="ja-JP" altLang="en-US" sz="3200" dirty="0"/>
               <a:t>・人手との一致率について</a:t>
             </a:r>
-            <a:endParaRPr kumimoji="1" lang="en-US" altLang="ja-JP" sz="4800" dirty="0"/>
-          </a:p>
-          <a:p>
-            <a:r>
-              <a:rPr lang="ja-JP" altLang="en-US" sz="4800" dirty="0"/>
+            <a:endParaRPr kumimoji="1" lang="en-US" altLang="ja-JP" sz="3200" dirty="0"/>
+          </a:p>
+          <a:p>
+            <a:r>
+              <a:rPr lang="ja-JP" altLang="en-US" sz="3200" dirty="0"/>
+              <a:t>　他の動画でも行い、精度をもっと検証する</a:t>
+            </a:r>
+            <a:endParaRPr kumimoji="1" lang="en-US" altLang="ja-JP" sz="3200" dirty="0"/>
+          </a:p>
+          <a:p>
+            <a:r>
+              <a:rPr lang="ja-JP" altLang="en-US" sz="3200" dirty="0"/>
               <a:t>・提案手法の有用性について</a:t>
             </a:r>
-            <a:endParaRPr lang="en-US" altLang="ja-JP" sz="4800" dirty="0"/>
-          </a:p>
-          <a:p>
-            <a:r>
-              <a:rPr kumimoji="1" lang="ja-JP" altLang="en-US" sz="4800" dirty="0"/>
+            <a:endParaRPr lang="en-US" altLang="ja-JP" sz="3200" dirty="0"/>
+          </a:p>
+          <a:p>
+            <a:r>
+              <a:rPr lang="ja-JP" altLang="en-US" sz="3200" dirty="0"/>
+              <a:t>　人手でのアノテーションを必要とせず、自動で商品との関連性が高いコメントを抽出できる</a:t>
+            </a:r>
+            <a:endParaRPr lang="en-US" altLang="ja-JP" sz="3200" dirty="0"/>
+          </a:p>
+          <a:p>
+            <a:r>
+              <a:rPr kumimoji="1" lang="ja-JP" altLang="en-US" sz="3200" dirty="0"/>
               <a:t>・改善案、今後の展望</a:t>
             </a:r>
-            <a:endParaRPr kumimoji="1" lang="en-US" altLang="ja-JP" sz="4800" dirty="0"/>
+            <a:endParaRPr kumimoji="1" lang="en-US" altLang="ja-JP" sz="3200" dirty="0"/>
+          </a:p>
+          <a:p>
+            <a:r>
+              <a:rPr lang="ja-JP" altLang="en-US" sz="3200" dirty="0"/>
+              <a:t>　</a:t>
+            </a:r>
+            <a:endParaRPr kumimoji="1" lang="en-US" altLang="ja-JP" sz="4000" dirty="0"/>
           </a:p>
         </p:txBody>
       </p:sp>
@@ -5663,8 +5670,8 @@
         </p:nvSpPr>
         <p:spPr>
           <a:xfrm>
-            <a:off x="8167841" y="22344762"/>
-            <a:ext cx="5683118" cy="3539430"/>
+            <a:off x="7902684" y="22775649"/>
+            <a:ext cx="6997373" cy="3108543"/>
           </a:xfrm>
           <a:prstGeom prst="rect">
             <a:avLst/>
@@ -5720,7 +5727,14 @@
             </a:r>
             <a:r>
               <a:rPr lang="ja-JP" altLang="en-US" sz="2800" dirty="0"/>
-              <a:t>に従い、各バイタームが生成される</a:t>
+              <a:t>に従い、</a:t>
+            </a:r>
+            <a:endParaRPr lang="en-US" altLang="ja-JP" sz="2800" dirty="0"/>
+          </a:p>
+          <a:p>
+            <a:r>
+              <a:rPr lang="ja-JP" altLang="en-US" sz="2800" dirty="0"/>
+              <a:t>各バイタームが生成される</a:t>
             </a:r>
             <a:endParaRPr lang="en-US" altLang="ja-JP" sz="2800" dirty="0"/>
           </a:p>
@@ -6661,16 +6675,40 @@
           <a:prstGeom prst="rect">
             <a:avLst/>
           </a:prstGeom>
-          <a:noFill/>
+          <a:solidFill>
+            <a:schemeClr val="accent6"/>
+          </a:solidFill>
+          <a:ln>
+            <a:noFill/>
+          </a:ln>
         </p:spPr>
+        <p:style>
+          <a:lnRef idx="0">
+            <a:scrgbClr r="0" g="0" b="0"/>
+          </a:lnRef>
+          <a:fillRef idx="0">
+            <a:scrgbClr r="0" g="0" b="0"/>
+          </a:fillRef>
+          <a:effectRef idx="0">
+            <a:scrgbClr r="0" g="0" b="0"/>
+          </a:effectRef>
+          <a:fontRef idx="minor">
+            <a:schemeClr val="lt1"/>
+          </a:fontRef>
+        </p:style>
         <p:txBody>
           <a:bodyPr wrap="square" rtlCol="0">
             <a:spAutoFit/>
           </a:bodyPr>
           <a:lstStyle/>
           <a:p>
-            <a:r>
-              <a:rPr kumimoji="1" lang="ja-JP" altLang="en-US" sz="4000" dirty="0"/>
+            <a:pPr algn="ctr"/>
+            <a:r>
+              <a:rPr kumimoji="1" lang="ja-JP" altLang="en-US" sz="4000" dirty="0">
+                <a:solidFill>
+                  <a:sysClr val="windowText" lastClr="000000"/>
+                </a:solidFill>
+              </a:rPr>
               <a:t>人手によるアノテーションとの比較</a:t>
             </a:r>
           </a:p>
@@ -6678,10 +6716,88 @@
       </p:sp>
       <p:sp>
         <p:nvSpPr>
-          <p:cNvPr id="50" name="テキスト ボックス 49">
+          <p:cNvPr id="18" name="四角形: 角を丸くする 17">
             <a:extLst>
               <a:ext uri="{FF2B5EF4-FFF2-40B4-BE49-F238E27FC236}">
-                <a16:creationId xmlns:a16="http://schemas.microsoft.com/office/drawing/2014/main" id="{05A1D8A3-9A3A-B42E-EF7F-693F0B4469E3}"/>
+                <a16:creationId xmlns:a16="http://schemas.microsoft.com/office/drawing/2014/main" id="{DD0D8483-B440-B252-5F64-529C7C95A674}"/>
+              </a:ext>
+            </a:extLst>
+          </p:cNvPr>
+          <p:cNvSpPr/>
+          <p:nvPr/>
+        </p:nvSpPr>
+        <p:spPr>
+          <a:xfrm>
+            <a:off x="15708765" y="28525861"/>
+            <a:ext cx="6845895" cy="2095425"/>
+          </a:xfrm>
+          <a:prstGeom prst="roundRect">
+            <a:avLst/>
+          </a:prstGeom>
+          <a:ln w="76200">
+            <a:solidFill>
+              <a:schemeClr val="accent3">
+                <a:lumMod val="40000"/>
+                <a:lumOff val="60000"/>
+              </a:schemeClr>
+            </a:solidFill>
+          </a:ln>
+        </p:spPr>
+        <p:style>
+          <a:lnRef idx="2">
+            <a:schemeClr val="accent3"/>
+          </a:lnRef>
+          <a:fillRef idx="1">
+            <a:schemeClr val="lt1"/>
+          </a:fillRef>
+          <a:effectRef idx="0">
+            <a:schemeClr val="accent3"/>
+          </a:effectRef>
+          <a:fontRef idx="minor">
+            <a:schemeClr val="dk1"/>
+          </a:fontRef>
+        </p:style>
+        <p:txBody>
+          <a:bodyPr rtlCol="0" anchor="ctr"/>
+          <a:lstStyle/>
+          <a:p>
+            <a:pPr marL="514350" indent="-514350">
+              <a:buAutoNum type="arabicPeriod"/>
+            </a:pPr>
+            <a:r>
+              <a:rPr lang="ja-JP" altLang="en-US" sz="3200" dirty="0"/>
+              <a:t>商品に関わるコメント</a:t>
+            </a:r>
+            <a:endParaRPr lang="en-US" altLang="ja-JP" sz="3200" dirty="0"/>
+          </a:p>
+          <a:p>
+            <a:pPr marL="514350" indent="-514350">
+              <a:buAutoNum type="arabicPeriod"/>
+            </a:pPr>
+            <a:r>
+              <a:rPr lang="ja-JP" altLang="en-US" sz="3200" dirty="0"/>
+              <a:t>商品に対する視聴者の感情・意見</a:t>
+            </a:r>
+            <a:endParaRPr lang="en-US" altLang="ja-JP" sz="3200" dirty="0"/>
+          </a:p>
+          <a:p>
+            <a:pPr marL="514350" indent="-514350">
+              <a:buAutoNum type="arabicPeriod"/>
+            </a:pPr>
+            <a:r>
+              <a:rPr lang="ja-JP" altLang="en-US" sz="3200" dirty="0"/>
+              <a:t>動画内容に関わるコメント</a:t>
+            </a:r>
+            <a:endParaRPr lang="en-US" altLang="ja-JP" sz="3200" dirty="0"/>
+          </a:p>
+        </p:txBody>
+      </p:sp>
+      <p:sp>
+        <p:nvSpPr>
+          <p:cNvPr id="42" name="テキスト ボックス 41">
+            <a:extLst>
+              <a:ext uri="{FF2B5EF4-FFF2-40B4-BE49-F238E27FC236}">
+                <a16:creationId xmlns:a16="http://schemas.microsoft.com/office/drawing/2014/main" id="{11A539A6-DBE2-0E48-E942-97DDEFA76E63}"/>
               </a:ext>
             </a:extLst>
           </p:cNvPr>
@@ -6690,8 +6806,708 @@
         </p:nvSpPr>
         <p:spPr>
           <a:xfrm>
-            <a:off x="16292115" y="28389038"/>
-            <a:ext cx="8208912" cy="2554545"/>
+            <a:off x="17237307" y="28242827"/>
+            <a:ext cx="3788809" cy="646331"/>
+          </a:xfrm>
+          <a:prstGeom prst="rect">
+            <a:avLst/>
+          </a:prstGeom>
+          <a:ln>
+            <a:solidFill>
+              <a:schemeClr val="bg1"/>
+            </a:solidFill>
+          </a:ln>
+        </p:spPr>
+        <p:style>
+          <a:lnRef idx="2">
+            <a:schemeClr val="dk1"/>
+          </a:lnRef>
+          <a:fillRef idx="1">
+            <a:schemeClr val="lt1"/>
+          </a:fillRef>
+          <a:effectRef idx="0">
+            <a:schemeClr val="dk1"/>
+          </a:effectRef>
+          <a:fontRef idx="minor">
+            <a:schemeClr val="dk1"/>
+          </a:fontRef>
+        </p:style>
+        <p:txBody>
+          <a:bodyPr wrap="square" rtlCol="0">
+            <a:spAutoFit/>
+          </a:bodyPr>
+          <a:lstStyle/>
+          <a:p>
+            <a:r>
+              <a:rPr lang="ja-JP" altLang="en-US" sz="3600" dirty="0"/>
+              <a:t>アノテーション基準</a:t>
+            </a:r>
+            <a:endParaRPr kumimoji="1" lang="ja-JP" altLang="en-US" sz="3600" dirty="0"/>
+          </a:p>
+        </p:txBody>
+      </p:sp>
+      <p:sp>
+        <p:nvSpPr>
+          <p:cNvPr id="52" name="テキスト ボックス 51">
+            <a:extLst>
+              <a:ext uri="{FF2B5EF4-FFF2-40B4-BE49-F238E27FC236}">
+                <a16:creationId xmlns:a16="http://schemas.microsoft.com/office/drawing/2014/main" id="{C7911B89-63D0-62D6-3FE5-87E6F1EFECC6}"/>
+              </a:ext>
+            </a:extLst>
+          </p:cNvPr>
+          <p:cNvSpPr txBox="1"/>
+          <p:nvPr/>
+        </p:nvSpPr>
+        <p:spPr>
+          <a:xfrm>
+            <a:off x="24360715" y="28242583"/>
+            <a:ext cx="3788809" cy="584775"/>
+          </a:xfrm>
+          <a:prstGeom prst="rect">
+            <a:avLst/>
+          </a:prstGeom>
+          <a:ln>
+            <a:solidFill>
+              <a:schemeClr val="bg1"/>
+            </a:solidFill>
+          </a:ln>
+        </p:spPr>
+        <p:style>
+          <a:lnRef idx="2">
+            <a:schemeClr val="dk1"/>
+          </a:lnRef>
+          <a:fillRef idx="1">
+            <a:schemeClr val="lt1"/>
+          </a:fillRef>
+          <a:effectRef idx="0">
+            <a:schemeClr val="dk1"/>
+          </a:effectRef>
+          <a:fontRef idx="minor">
+            <a:schemeClr val="dk1"/>
+          </a:fontRef>
+        </p:style>
+        <p:txBody>
+          <a:bodyPr wrap="square" rtlCol="0">
+            <a:spAutoFit/>
+          </a:bodyPr>
+          <a:lstStyle/>
+          <a:p>
+            <a:pPr algn="ctr"/>
+            <a:r>
+              <a:rPr lang="ja-JP" altLang="en-US" sz="3200" dirty="0"/>
+              <a:t>アノテーション結果</a:t>
+            </a:r>
+            <a:endParaRPr kumimoji="1" lang="ja-JP" altLang="en-US" sz="3200" dirty="0"/>
+          </a:p>
+        </p:txBody>
+      </p:sp>
+      <p:graphicFrame>
+        <p:nvGraphicFramePr>
+          <p:cNvPr id="53" name="表 53">
+            <a:extLst>
+              <a:ext uri="{FF2B5EF4-FFF2-40B4-BE49-F238E27FC236}">
+                <a16:creationId xmlns:a16="http://schemas.microsoft.com/office/drawing/2014/main" id="{98D158E2-A1A0-752A-D13C-961CEB7AB2F6}"/>
+              </a:ext>
+            </a:extLst>
+          </p:cNvPr>
+          <p:cNvGraphicFramePr>
+            <a:graphicFrameLocks noGrp="1"/>
+          </p:cNvGraphicFramePr>
+          <p:nvPr>
+            <p:extLst>
+              <p:ext uri="{D42A27DB-BD31-4B8C-83A1-F6EECF244321}">
+                <p14:modId xmlns:p14="http://schemas.microsoft.com/office/powerpoint/2010/main" val="3602632776"/>
+              </p:ext>
+            </p:extLst>
+          </p:nvPr>
+        </p:nvGraphicFramePr>
+        <p:xfrm>
+          <a:off x="23282862" y="28827358"/>
+          <a:ext cx="5944517" cy="1554480"/>
+        </p:xfrm>
+        <a:graphic>
+          <a:graphicData uri="http://schemas.openxmlformats.org/drawingml/2006/table">
+            <a:tbl>
+              <a:tblPr firstRow="1" bandRow="1">
+                <a:tableStyleId>{912C8C85-51F0-491E-9774-3900AFEF0FD7}</a:tableStyleId>
+              </a:tblPr>
+              <a:tblGrid>
+                <a:gridCol w="1709023">
+                  <a:extLst>
+                    <a:ext uri="{9D8B030D-6E8A-4147-A177-3AD203B41FA5}">
+                      <a16:colId xmlns:a16="http://schemas.microsoft.com/office/drawing/2014/main" val="1809961146"/>
+                    </a:ext>
+                  </a:extLst>
+                </a:gridCol>
+                <a:gridCol w="2117747">
+                  <a:extLst>
+                    <a:ext uri="{9D8B030D-6E8A-4147-A177-3AD203B41FA5}">
+                      <a16:colId xmlns:a16="http://schemas.microsoft.com/office/drawing/2014/main" val="1737930050"/>
+                    </a:ext>
+                  </a:extLst>
+                </a:gridCol>
+                <a:gridCol w="2117747">
+                  <a:extLst>
+                    <a:ext uri="{9D8B030D-6E8A-4147-A177-3AD203B41FA5}">
+                      <a16:colId xmlns:a16="http://schemas.microsoft.com/office/drawing/2014/main" val="4231091058"/>
+                    </a:ext>
+                  </a:extLst>
+                </a:gridCol>
+              </a:tblGrid>
+              <a:tr h="296805">
+                <a:tc>
+                  <a:txBody>
+                    <a:bodyPr/>
+                    <a:lstStyle/>
+                    <a:p>
+                      <a:pPr algn="ctr"/>
+                      <a:endParaRPr kumimoji="1" lang="ja-JP" altLang="en-US" sz="2800" dirty="0"/>
+                    </a:p>
+                  </a:txBody>
+                  <a:tcPr>
+                    <a:lnL w="12700" cap="flat" cmpd="sng" algn="ctr">
+                      <a:solidFill>
+                        <a:schemeClr val="tx1"/>
+                      </a:solidFill>
+                      <a:prstDash val="solid"/>
+                      <a:round/>
+                      <a:headEnd type="none" w="med" len="med"/>
+                      <a:tailEnd type="none" w="med" len="med"/>
+                    </a:lnL>
+                    <a:lnR w="12700" cap="flat" cmpd="sng" algn="ctr">
+                      <a:solidFill>
+                        <a:schemeClr val="tx1"/>
+                      </a:solidFill>
+                      <a:prstDash val="solid"/>
+                      <a:round/>
+                      <a:headEnd type="none" w="med" len="med"/>
+                      <a:tailEnd type="none" w="med" len="med"/>
+                    </a:lnR>
+                    <a:lnT w="12700" cap="flat" cmpd="sng" algn="ctr">
+                      <a:solidFill>
+                        <a:schemeClr val="tx1"/>
+                      </a:solidFill>
+                      <a:prstDash val="solid"/>
+                      <a:round/>
+                      <a:headEnd type="none" w="med" len="med"/>
+                      <a:tailEnd type="none" w="med" len="med"/>
+                    </a:lnT>
+                    <a:lnB w="12700" cap="flat" cmpd="sng" algn="ctr">
+                      <a:solidFill>
+                        <a:schemeClr val="tx1"/>
+                      </a:solidFill>
+                      <a:prstDash val="solid"/>
+                      <a:round/>
+                      <a:headEnd type="none" w="med" len="med"/>
+                      <a:tailEnd type="none" w="med" len="med"/>
+                    </a:lnB>
+                  </a:tcPr>
+                </a:tc>
+                <a:tc>
+                  <a:txBody>
+                    <a:bodyPr/>
+                    <a:lstStyle/>
+                    <a:p>
+                      <a:pPr algn="ctr"/>
+                      <a:r>
+                        <a:rPr kumimoji="1" lang="ja-JP" altLang="en-US" sz="2800" dirty="0">
+                          <a:solidFill>
+                            <a:sysClr val="windowText" lastClr="000000"/>
+                          </a:solidFill>
+                        </a:rPr>
+                        <a:t>関連性あり</a:t>
+                      </a:r>
+                    </a:p>
+                  </a:txBody>
+                  <a:tcPr>
+                    <a:lnL w="12700" cap="flat" cmpd="sng" algn="ctr">
+                      <a:solidFill>
+                        <a:schemeClr val="tx1"/>
+                      </a:solidFill>
+                      <a:prstDash val="solid"/>
+                      <a:round/>
+                      <a:headEnd type="none" w="med" len="med"/>
+                      <a:tailEnd type="none" w="med" len="med"/>
+                    </a:lnL>
+                    <a:lnR w="12700" cap="flat" cmpd="sng" algn="ctr">
+                      <a:solidFill>
+                        <a:schemeClr val="tx1"/>
+                      </a:solidFill>
+                      <a:prstDash val="solid"/>
+                      <a:round/>
+                      <a:headEnd type="none" w="med" len="med"/>
+                      <a:tailEnd type="none" w="med" len="med"/>
+                    </a:lnR>
+                    <a:lnT w="12700" cap="flat" cmpd="sng" algn="ctr">
+                      <a:solidFill>
+                        <a:schemeClr val="tx1"/>
+                      </a:solidFill>
+                      <a:prstDash val="solid"/>
+                      <a:round/>
+                      <a:headEnd type="none" w="med" len="med"/>
+                      <a:tailEnd type="none" w="med" len="med"/>
+                    </a:lnT>
+                    <a:lnB w="12700" cap="flat" cmpd="sng" algn="ctr">
+                      <a:solidFill>
+                        <a:schemeClr val="tx1"/>
+                      </a:solidFill>
+                      <a:prstDash val="solid"/>
+                      <a:round/>
+                      <a:headEnd type="none" w="med" len="med"/>
+                      <a:tailEnd type="none" w="med" len="med"/>
+                    </a:lnB>
+                  </a:tcPr>
+                </a:tc>
+                <a:tc>
+                  <a:txBody>
+                    <a:bodyPr/>
+                    <a:lstStyle/>
+                    <a:p>
+                      <a:pPr algn="ctr"/>
+                      <a:r>
+                        <a:rPr kumimoji="1" lang="ja-JP" altLang="en-US" sz="2800" dirty="0">
+                          <a:solidFill>
+                            <a:sysClr val="windowText" lastClr="000000"/>
+                          </a:solidFill>
+                        </a:rPr>
+                        <a:t>関連性なし</a:t>
+                      </a:r>
+                    </a:p>
+                  </a:txBody>
+                  <a:tcPr>
+                    <a:lnL w="12700" cap="flat" cmpd="sng" algn="ctr">
+                      <a:solidFill>
+                        <a:schemeClr val="tx1"/>
+                      </a:solidFill>
+                      <a:prstDash val="solid"/>
+                      <a:round/>
+                      <a:headEnd type="none" w="med" len="med"/>
+                      <a:tailEnd type="none" w="med" len="med"/>
+                    </a:lnL>
+                    <a:lnR w="12700" cap="flat" cmpd="sng" algn="ctr">
+                      <a:solidFill>
+                        <a:schemeClr val="tx1"/>
+                      </a:solidFill>
+                      <a:prstDash val="solid"/>
+                      <a:round/>
+                      <a:headEnd type="none" w="med" len="med"/>
+                      <a:tailEnd type="none" w="med" len="med"/>
+                    </a:lnR>
+                    <a:lnT w="12700" cap="flat" cmpd="sng" algn="ctr">
+                      <a:solidFill>
+                        <a:schemeClr val="tx1"/>
+                      </a:solidFill>
+                      <a:prstDash val="solid"/>
+                      <a:round/>
+                      <a:headEnd type="none" w="med" len="med"/>
+                      <a:tailEnd type="none" w="med" len="med"/>
+                    </a:lnT>
+                    <a:lnB w="12700" cap="flat" cmpd="sng" algn="ctr">
+                      <a:solidFill>
+                        <a:schemeClr val="tx1"/>
+                      </a:solidFill>
+                      <a:prstDash val="solid"/>
+                      <a:round/>
+                      <a:headEnd type="none" w="med" len="med"/>
+                      <a:tailEnd type="none" w="med" len="med"/>
+                    </a:lnB>
+                  </a:tcPr>
+                </a:tc>
+                <a:extLst>
+                  <a:ext uri="{0D108BD9-81ED-4DB2-BD59-A6C34878D82A}">
+                    <a16:rowId xmlns:a16="http://schemas.microsoft.com/office/drawing/2014/main" val="1299136165"/>
+                  </a:ext>
+                </a:extLst>
+              </a:tr>
+              <a:tr h="296805">
+                <a:tc>
+                  <a:txBody>
+                    <a:bodyPr/>
+                    <a:lstStyle/>
+                    <a:p>
+                      <a:pPr algn="ctr"/>
+                      <a:r>
+                        <a:rPr kumimoji="1" lang="ja-JP" altLang="en-US" sz="2800" dirty="0"/>
+                        <a:t>みそきん</a:t>
+                      </a:r>
+                    </a:p>
+                  </a:txBody>
+                  <a:tcPr>
+                    <a:lnL w="12700" cap="flat" cmpd="sng" algn="ctr">
+                      <a:solidFill>
+                        <a:schemeClr val="tx1"/>
+                      </a:solidFill>
+                      <a:prstDash val="solid"/>
+                      <a:round/>
+                      <a:headEnd type="none" w="med" len="med"/>
+                      <a:tailEnd type="none" w="med" len="med"/>
+                    </a:lnL>
+                    <a:lnR w="12700" cap="flat" cmpd="sng" algn="ctr">
+                      <a:solidFill>
+                        <a:schemeClr val="tx1"/>
+                      </a:solidFill>
+                      <a:prstDash val="solid"/>
+                      <a:round/>
+                      <a:headEnd type="none" w="med" len="med"/>
+                      <a:tailEnd type="none" w="med" len="med"/>
+                    </a:lnR>
+                    <a:lnT w="12700" cap="flat" cmpd="sng" algn="ctr">
+                      <a:solidFill>
+                        <a:schemeClr val="tx1"/>
+                      </a:solidFill>
+                      <a:prstDash val="solid"/>
+                      <a:round/>
+                      <a:headEnd type="none" w="med" len="med"/>
+                      <a:tailEnd type="none" w="med" len="med"/>
+                    </a:lnT>
+                    <a:lnB w="12700" cap="flat" cmpd="sng" algn="ctr">
+                      <a:solidFill>
+                        <a:schemeClr val="tx1"/>
+                      </a:solidFill>
+                      <a:prstDash val="solid"/>
+                      <a:round/>
+                      <a:headEnd type="none" w="med" len="med"/>
+                      <a:tailEnd type="none" w="med" len="med"/>
+                    </a:lnB>
+                  </a:tcPr>
+                </a:tc>
+                <a:tc>
+                  <a:txBody>
+                    <a:bodyPr/>
+                    <a:lstStyle/>
+                    <a:p>
+                      <a:pPr algn="ctr"/>
+                      <a:r>
+                        <a:rPr kumimoji="1" lang="en-US" altLang="ja-JP" sz="2800" dirty="0">
+                          <a:solidFill>
+                            <a:schemeClr val="accent1"/>
+                          </a:solidFill>
+                        </a:rPr>
+                        <a:t>900</a:t>
+                      </a:r>
+                      <a:r>
+                        <a:rPr kumimoji="1" lang="ja-JP" altLang="en-US" sz="2800" dirty="0">
+                          <a:solidFill>
+                            <a:schemeClr val="accent1"/>
+                          </a:solidFill>
+                        </a:rPr>
+                        <a:t>件</a:t>
+                      </a:r>
+                    </a:p>
+                  </a:txBody>
+                  <a:tcPr>
+                    <a:lnL w="12700" cap="flat" cmpd="sng" algn="ctr">
+                      <a:solidFill>
+                        <a:schemeClr val="tx1"/>
+                      </a:solidFill>
+                      <a:prstDash val="solid"/>
+                      <a:round/>
+                      <a:headEnd type="none" w="med" len="med"/>
+                      <a:tailEnd type="none" w="med" len="med"/>
+                    </a:lnL>
+                    <a:lnR w="12700" cap="flat" cmpd="sng" algn="ctr">
+                      <a:solidFill>
+                        <a:schemeClr val="tx1"/>
+                      </a:solidFill>
+                      <a:prstDash val="solid"/>
+                      <a:round/>
+                      <a:headEnd type="none" w="med" len="med"/>
+                      <a:tailEnd type="none" w="med" len="med"/>
+                    </a:lnR>
+                    <a:lnT w="12700" cap="flat" cmpd="sng" algn="ctr">
+                      <a:solidFill>
+                        <a:schemeClr val="tx1"/>
+                      </a:solidFill>
+                      <a:prstDash val="solid"/>
+                      <a:round/>
+                      <a:headEnd type="none" w="med" len="med"/>
+                      <a:tailEnd type="none" w="med" len="med"/>
+                    </a:lnT>
+                    <a:lnB w="12700" cap="flat" cmpd="sng" algn="ctr">
+                      <a:solidFill>
+                        <a:schemeClr val="tx1"/>
+                      </a:solidFill>
+                      <a:prstDash val="solid"/>
+                      <a:round/>
+                      <a:headEnd type="none" w="med" len="med"/>
+                      <a:tailEnd type="none" w="med" len="med"/>
+                    </a:lnB>
+                  </a:tcPr>
+                </a:tc>
+                <a:tc>
+                  <a:txBody>
+                    <a:bodyPr/>
+                    <a:lstStyle/>
+                    <a:p>
+                      <a:pPr algn="ctr"/>
+                      <a:r>
+                        <a:rPr kumimoji="1" lang="en-US" altLang="ja-JP" sz="2800" dirty="0">
+                          <a:solidFill>
+                            <a:srgbClr val="FF0000"/>
+                          </a:solidFill>
+                        </a:rPr>
+                        <a:t>594</a:t>
+                      </a:r>
+                      <a:r>
+                        <a:rPr kumimoji="1" lang="ja-JP" altLang="en-US" sz="2800" dirty="0">
+                          <a:solidFill>
+                            <a:srgbClr val="FF0000"/>
+                          </a:solidFill>
+                        </a:rPr>
+                        <a:t>件</a:t>
+                      </a:r>
+                    </a:p>
+                  </a:txBody>
+                  <a:tcPr>
+                    <a:lnL w="12700" cap="flat" cmpd="sng" algn="ctr">
+                      <a:solidFill>
+                        <a:schemeClr val="tx1"/>
+                      </a:solidFill>
+                      <a:prstDash val="solid"/>
+                      <a:round/>
+                      <a:headEnd type="none" w="med" len="med"/>
+                      <a:tailEnd type="none" w="med" len="med"/>
+                    </a:lnL>
+                    <a:lnR w="12700" cap="flat" cmpd="sng" algn="ctr">
+                      <a:solidFill>
+                        <a:schemeClr val="tx1"/>
+                      </a:solidFill>
+                      <a:prstDash val="solid"/>
+                      <a:round/>
+                      <a:headEnd type="none" w="med" len="med"/>
+                      <a:tailEnd type="none" w="med" len="med"/>
+                    </a:lnR>
+                    <a:lnT w="12700" cap="flat" cmpd="sng" algn="ctr">
+                      <a:solidFill>
+                        <a:schemeClr val="tx1"/>
+                      </a:solidFill>
+                      <a:prstDash val="solid"/>
+                      <a:round/>
+                      <a:headEnd type="none" w="med" len="med"/>
+                      <a:tailEnd type="none" w="med" len="med"/>
+                    </a:lnT>
+                    <a:lnB w="12700" cap="flat" cmpd="sng" algn="ctr">
+                      <a:solidFill>
+                        <a:schemeClr val="tx1"/>
+                      </a:solidFill>
+                      <a:prstDash val="solid"/>
+                      <a:round/>
+                      <a:headEnd type="none" w="med" len="med"/>
+                      <a:tailEnd type="none" w="med" len="med"/>
+                    </a:lnB>
+                  </a:tcPr>
+                </a:tc>
+                <a:extLst>
+                  <a:ext uri="{0D108BD9-81ED-4DB2-BD59-A6C34878D82A}">
+                    <a16:rowId xmlns:a16="http://schemas.microsoft.com/office/drawing/2014/main" val="972986720"/>
+                  </a:ext>
+                </a:extLst>
+              </a:tr>
+              <a:tr h="296805">
+                <a:tc>
+                  <a:txBody>
+                    <a:bodyPr/>
+                    <a:lstStyle/>
+                    <a:p>
+                      <a:pPr algn="ctr"/>
+                      <a:r>
+                        <a:rPr kumimoji="1" lang="ja-JP" altLang="en-US" sz="2800" dirty="0"/>
+                        <a:t>ここリモ</a:t>
+                      </a:r>
+                      <a:endParaRPr kumimoji="1" lang="en-US" altLang="ja-JP" sz="2800" dirty="0"/>
+                    </a:p>
+                  </a:txBody>
+                  <a:tcPr>
+                    <a:lnL w="12700" cap="flat" cmpd="sng" algn="ctr">
+                      <a:solidFill>
+                        <a:schemeClr val="tx1"/>
+                      </a:solidFill>
+                      <a:prstDash val="solid"/>
+                      <a:round/>
+                      <a:headEnd type="none" w="med" len="med"/>
+                      <a:tailEnd type="none" w="med" len="med"/>
+                    </a:lnL>
+                    <a:lnR w="12700" cap="flat" cmpd="sng" algn="ctr">
+                      <a:solidFill>
+                        <a:schemeClr val="tx1"/>
+                      </a:solidFill>
+                      <a:prstDash val="solid"/>
+                      <a:round/>
+                      <a:headEnd type="none" w="med" len="med"/>
+                      <a:tailEnd type="none" w="med" len="med"/>
+                    </a:lnR>
+                    <a:lnT w="12700" cap="flat" cmpd="sng" algn="ctr">
+                      <a:solidFill>
+                        <a:schemeClr val="tx1"/>
+                      </a:solidFill>
+                      <a:prstDash val="solid"/>
+                      <a:round/>
+                      <a:headEnd type="none" w="med" len="med"/>
+                      <a:tailEnd type="none" w="med" len="med"/>
+                    </a:lnT>
+                    <a:lnB w="12700" cap="flat" cmpd="sng" algn="ctr">
+                      <a:solidFill>
+                        <a:schemeClr val="tx1"/>
+                      </a:solidFill>
+                      <a:prstDash val="solid"/>
+                      <a:round/>
+                      <a:headEnd type="none" w="med" len="med"/>
+                      <a:tailEnd type="none" w="med" len="med"/>
+                    </a:lnB>
+                  </a:tcPr>
+                </a:tc>
+                <a:tc>
+                  <a:txBody>
+                    <a:bodyPr/>
+                    <a:lstStyle/>
+                    <a:p>
+                      <a:pPr algn="ctr"/>
+                      <a:r>
+                        <a:rPr kumimoji="1" lang="en-US" altLang="ja-JP" sz="2800" dirty="0">
+                          <a:solidFill>
+                            <a:schemeClr val="accent1"/>
+                          </a:solidFill>
+                        </a:rPr>
+                        <a:t>230</a:t>
+                      </a:r>
+                      <a:r>
+                        <a:rPr kumimoji="1" lang="ja-JP" altLang="en-US" sz="2800" dirty="0">
+                          <a:solidFill>
+                            <a:schemeClr val="accent1"/>
+                          </a:solidFill>
+                        </a:rPr>
+                        <a:t>件</a:t>
+                      </a:r>
+                    </a:p>
+                  </a:txBody>
+                  <a:tcPr>
+                    <a:lnL w="12700" cap="flat" cmpd="sng" algn="ctr">
+                      <a:solidFill>
+                        <a:schemeClr val="tx1"/>
+                      </a:solidFill>
+                      <a:prstDash val="solid"/>
+                      <a:round/>
+                      <a:headEnd type="none" w="med" len="med"/>
+                      <a:tailEnd type="none" w="med" len="med"/>
+                    </a:lnL>
+                    <a:lnR w="12700" cap="flat" cmpd="sng" algn="ctr">
+                      <a:solidFill>
+                        <a:schemeClr val="tx1"/>
+                      </a:solidFill>
+                      <a:prstDash val="solid"/>
+                      <a:round/>
+                      <a:headEnd type="none" w="med" len="med"/>
+                      <a:tailEnd type="none" w="med" len="med"/>
+                    </a:lnR>
+                    <a:lnT w="12700" cap="flat" cmpd="sng" algn="ctr">
+                      <a:solidFill>
+                        <a:schemeClr val="tx1"/>
+                      </a:solidFill>
+                      <a:prstDash val="solid"/>
+                      <a:round/>
+                      <a:headEnd type="none" w="med" len="med"/>
+                      <a:tailEnd type="none" w="med" len="med"/>
+                    </a:lnT>
+                    <a:lnB w="12700" cap="flat" cmpd="sng" algn="ctr">
+                      <a:solidFill>
+                        <a:schemeClr val="tx1"/>
+                      </a:solidFill>
+                      <a:prstDash val="solid"/>
+                      <a:round/>
+                      <a:headEnd type="none" w="med" len="med"/>
+                      <a:tailEnd type="none" w="med" len="med"/>
+                    </a:lnB>
+                  </a:tcPr>
+                </a:tc>
+                <a:tc>
+                  <a:txBody>
+                    <a:bodyPr/>
+                    <a:lstStyle/>
+                    <a:p>
+                      <a:pPr algn="ctr"/>
+                      <a:r>
+                        <a:rPr kumimoji="1" lang="en-US" altLang="ja-JP" sz="2800" dirty="0">
+                          <a:solidFill>
+                            <a:srgbClr val="FF0000"/>
+                          </a:solidFill>
+                        </a:rPr>
+                        <a:t>160</a:t>
+                      </a:r>
+                      <a:r>
+                        <a:rPr kumimoji="1" lang="ja-JP" altLang="en-US" sz="2800" dirty="0">
+                          <a:solidFill>
+                            <a:srgbClr val="FF0000"/>
+                          </a:solidFill>
+                        </a:rPr>
+                        <a:t>件</a:t>
+                      </a:r>
+                    </a:p>
+                  </a:txBody>
+                  <a:tcPr>
+                    <a:lnL w="12700" cap="flat" cmpd="sng" algn="ctr">
+                      <a:solidFill>
+                        <a:schemeClr val="tx1"/>
+                      </a:solidFill>
+                      <a:prstDash val="solid"/>
+                      <a:round/>
+                      <a:headEnd type="none" w="med" len="med"/>
+                      <a:tailEnd type="none" w="med" len="med"/>
+                    </a:lnL>
+                    <a:lnR w="12700" cap="flat" cmpd="sng" algn="ctr">
+                      <a:solidFill>
+                        <a:schemeClr val="tx1"/>
+                      </a:solidFill>
+                      <a:prstDash val="solid"/>
+                      <a:round/>
+                      <a:headEnd type="none" w="med" len="med"/>
+                      <a:tailEnd type="none" w="med" len="med"/>
+                    </a:lnR>
+                    <a:lnT w="12700" cap="flat" cmpd="sng" algn="ctr">
+                      <a:solidFill>
+                        <a:schemeClr val="tx1"/>
+                      </a:solidFill>
+                      <a:prstDash val="solid"/>
+                      <a:round/>
+                      <a:headEnd type="none" w="med" len="med"/>
+                      <a:tailEnd type="none" w="med" len="med"/>
+                    </a:lnT>
+                    <a:lnB w="12700" cap="flat" cmpd="sng" algn="ctr">
+                      <a:solidFill>
+                        <a:schemeClr val="tx1"/>
+                      </a:solidFill>
+                      <a:prstDash val="solid"/>
+                      <a:round/>
+                      <a:headEnd type="none" w="med" len="med"/>
+                      <a:tailEnd type="none" w="med" len="med"/>
+                    </a:lnB>
+                  </a:tcPr>
+                </a:tc>
+                <a:extLst>
+                  <a:ext uri="{0D108BD9-81ED-4DB2-BD59-A6C34878D82A}">
+                    <a16:rowId xmlns:a16="http://schemas.microsoft.com/office/drawing/2014/main" val="1710039757"/>
+                  </a:ext>
+                </a:extLst>
+              </a:tr>
+            </a:tbl>
+          </a:graphicData>
+        </a:graphic>
+      </p:graphicFrame>
+      <p:sp>
+        <p:nvSpPr>
+          <p:cNvPr id="54" name="テキスト ボックス 53">
+            <a:extLst>
+              <a:ext uri="{FF2B5EF4-FFF2-40B4-BE49-F238E27FC236}">
+                <a16:creationId xmlns:a16="http://schemas.microsoft.com/office/drawing/2014/main" id="{32AA512E-6C90-6E56-19B8-55554125FE9F}"/>
+              </a:ext>
+            </a:extLst>
+          </p:cNvPr>
+          <p:cNvSpPr txBox="1"/>
+          <p:nvPr/>
+        </p:nvSpPr>
+        <p:spPr>
+          <a:xfrm>
+            <a:off x="15882238" y="30806770"/>
+            <a:ext cx="13341616" cy="954107"/>
           </a:xfrm>
           <a:prstGeom prst="rect">
             <a:avLst/>
@@ -6705,36 +7521,167 @@
           <a:lstStyle/>
           <a:p>
             <a:r>
+              <a:rPr kumimoji="1" lang="ja-JP" altLang="en-US" sz="2800" dirty="0"/>
+              <a:t>各動画において</a:t>
+            </a:r>
+            <a:r>
+              <a:rPr lang="ja-JP" altLang="en-US" sz="2800" dirty="0"/>
+              <a:t>“</a:t>
+            </a:r>
+            <a:r>
+              <a:rPr kumimoji="1" lang="ja-JP" altLang="en-US" sz="2800" dirty="0"/>
+              <a:t>関連性あり</a:t>
+            </a:r>
+            <a:r>
+              <a:rPr lang="ja-JP" altLang="en-US" sz="2800" dirty="0"/>
+              <a:t>”</a:t>
+            </a:r>
+            <a:r>
+              <a:rPr kumimoji="1" lang="ja-JP" altLang="en-US" sz="2800" dirty="0"/>
+              <a:t>の正解ラベルを付けたコメント</a:t>
+            </a:r>
+            <a:r>
+              <a:rPr kumimoji="1" lang="en-US" altLang="ja-JP" sz="2800" dirty="0"/>
+              <a:t>M</a:t>
+            </a:r>
+            <a:r>
+              <a:rPr kumimoji="1" lang="ja-JP" altLang="en-US" sz="2800" dirty="0"/>
+              <a:t>件と、類似度上位</a:t>
+            </a:r>
+            <a:r>
+              <a:rPr kumimoji="1" lang="en-US" altLang="ja-JP" sz="2800" dirty="0"/>
+              <a:t>M</a:t>
+            </a:r>
+            <a:r>
+              <a:rPr lang="ja-JP" altLang="en-US" sz="2800" dirty="0"/>
+              <a:t>件の</a:t>
+            </a:r>
+            <a:endParaRPr lang="en-US" altLang="ja-JP" sz="2800" dirty="0"/>
+          </a:p>
+          <a:p>
+            <a:r>
+              <a:rPr lang="ja-JP" altLang="en-US" sz="2800" dirty="0"/>
+              <a:t>一致率を計算することで、提案手法の精度を検証する</a:t>
+            </a:r>
+            <a:endParaRPr kumimoji="1" lang="en-US" altLang="ja-JP" sz="2800" dirty="0"/>
+          </a:p>
+        </p:txBody>
+      </p:sp>
+      <p:pic>
+        <p:nvPicPr>
+          <p:cNvPr id="56" name="図 55">
+            <a:extLst>
+              <a:ext uri="{FF2B5EF4-FFF2-40B4-BE49-F238E27FC236}">
+                <a16:creationId xmlns:a16="http://schemas.microsoft.com/office/drawing/2014/main" id="{602776D5-11AE-64DF-1BB0-3955DECB8264}"/>
+              </a:ext>
+            </a:extLst>
+          </p:cNvPr>
+          <p:cNvPicPr>
+            <a:picLocks noChangeAspect="1"/>
+          </p:cNvPicPr>
+          <p:nvPr/>
+        </p:nvPicPr>
+        <p:blipFill>
+          <a:blip r:embed="rId5"/>
+          <a:stretch>
+            <a:fillRect/>
+          </a:stretch>
+        </p:blipFill>
+        <p:spPr>
+          <a:xfrm>
+            <a:off x="15715570" y="31849476"/>
+            <a:ext cx="7329358" cy="1809005"/>
+          </a:xfrm>
+          <a:prstGeom prst="rect">
+            <a:avLst/>
+          </a:prstGeom>
+        </p:spPr>
+      </p:pic>
+      <p:sp>
+        <p:nvSpPr>
+          <p:cNvPr id="57" name="テキスト ボックス 56">
+            <a:extLst>
+              <a:ext uri="{FF2B5EF4-FFF2-40B4-BE49-F238E27FC236}">
+                <a16:creationId xmlns:a16="http://schemas.microsoft.com/office/drawing/2014/main" id="{5E5BEC9C-BFA5-0342-3CAE-6AC63BF25068}"/>
+              </a:ext>
+            </a:extLst>
+          </p:cNvPr>
+          <p:cNvSpPr txBox="1"/>
+          <p:nvPr/>
+        </p:nvSpPr>
+        <p:spPr>
+          <a:xfrm>
+            <a:off x="23229952" y="32147095"/>
+            <a:ext cx="6571233" cy="1569660"/>
+          </a:xfrm>
+          <a:prstGeom prst="rect">
+            <a:avLst/>
+          </a:prstGeom>
+          <a:noFill/>
+        </p:spPr>
+        <p:txBody>
+          <a:bodyPr wrap="square" rtlCol="0">
+            <a:spAutoFit/>
+          </a:bodyPr>
+          <a:lstStyle/>
+          <a:p>
+            <a:r>
               <a:rPr kumimoji="1" lang="ja-JP" altLang="en-US" sz="3200" dirty="0"/>
-              <a:t>・アノテーション基準</a:t>
-            </a:r>
-            <a:endParaRPr kumimoji="1" lang="en-US" altLang="ja-JP" sz="3200" dirty="0"/>
-          </a:p>
-          <a:p>
-            <a:r>
-              <a:rPr lang="ja-JP" altLang="en-US" sz="3200" dirty="0"/>
-              <a:t>・アノテーション結果（何件）</a:t>
-            </a:r>
-            <a:endParaRPr lang="en-US" altLang="ja-JP" sz="3200" dirty="0"/>
-          </a:p>
-          <a:p>
+              <a:t>人手の評価に対して、</a:t>
+            </a:r>
+            <a:r>
+              <a:rPr kumimoji="1" lang="ja-JP" altLang="en-US" sz="3200" dirty="0">
+                <a:solidFill>
+                  <a:schemeClr val="accent6">
+                    <a:lumMod val="75000"/>
+                  </a:schemeClr>
+                </a:solidFill>
+              </a:rPr>
+              <a:t>提案手法は</a:t>
+            </a:r>
+            <a:r>
+              <a:rPr kumimoji="1" lang="en-US" altLang="ja-JP" sz="3200" dirty="0">
+                <a:solidFill>
+                  <a:schemeClr val="accent6">
+                    <a:lumMod val="75000"/>
+                  </a:schemeClr>
+                </a:solidFill>
+              </a:rPr>
+              <a:t>65%</a:t>
+            </a:r>
+            <a:r>
+              <a:rPr kumimoji="1" lang="ja-JP" altLang="en-US" sz="3200" dirty="0">
+                <a:solidFill>
+                  <a:schemeClr val="accent6">
+                    <a:lumMod val="75000"/>
+                  </a:schemeClr>
+                </a:solidFill>
+              </a:rPr>
+              <a:t>～</a:t>
+            </a:r>
+            <a:r>
+              <a:rPr kumimoji="1" lang="en-US" altLang="ja-JP" sz="3200" dirty="0">
+                <a:solidFill>
+                  <a:schemeClr val="accent6">
+                    <a:lumMod val="75000"/>
+                  </a:schemeClr>
+                </a:solidFill>
+              </a:rPr>
+              <a:t>78%</a:t>
+            </a:r>
+            <a:r>
+              <a:rPr kumimoji="1" lang="ja-JP" altLang="en-US" sz="3200" dirty="0">
+                <a:solidFill>
+                  <a:schemeClr val="accent6">
+                    <a:lumMod val="75000"/>
+                  </a:schemeClr>
+                </a:solidFill>
+              </a:rPr>
+              <a:t>の精度</a:t>
+            </a:r>
             <a:r>
               <a:rPr kumimoji="1" lang="ja-JP" altLang="en-US" sz="3200" dirty="0"/>
-              <a:t>・一致率計算法</a:t>
-            </a:r>
-            <a:endParaRPr kumimoji="1" lang="en-US" altLang="ja-JP" sz="3200" dirty="0"/>
-          </a:p>
-          <a:p>
-            <a:r>
-              <a:rPr lang="ja-JP" altLang="en-US" sz="3200" dirty="0"/>
-              <a:t>・みそきん</a:t>
-            </a:r>
-            <a:endParaRPr lang="en-US" altLang="ja-JP" sz="3200" dirty="0"/>
-          </a:p>
-          <a:p>
-            <a:r>
-              <a:rPr kumimoji="1" lang="ja-JP" altLang="en-US" sz="3200" dirty="0"/>
-              <a:t>・ここりも</a:t>
+              <a:t>で商品との関連性が高いコメントを抽出できる</a:t>
             </a:r>
           </a:p>
         </p:txBody>

--- a/発表ポスター.pptx
+++ b/発表ポスター.pptx
@@ -303,7 +303,7 @@
             <a:fld id="{797A01BE-B01F-4BF7-B98B-637D558E7802}" type="datetimeFigureOut">
               <a:rPr kumimoji="1" lang="ja-JP" altLang="en-US" smtClean="0"/>
               <a:pPr/>
-              <a:t>2023/8/3</a:t>
+              <a:t>2023/8/8</a:t>
             </a:fld>
             <a:endParaRPr kumimoji="1" lang="ja-JP" altLang="en-US"/>
           </a:p>
@@ -500,7 +500,7 @@
             <a:fld id="{797A01BE-B01F-4BF7-B98B-637D558E7802}" type="datetimeFigureOut">
               <a:rPr kumimoji="1" lang="ja-JP" altLang="en-US" smtClean="0"/>
               <a:pPr/>
-              <a:t>2023/8/3</a:t>
+              <a:t>2023/8/8</a:t>
             </a:fld>
             <a:endParaRPr kumimoji="1" lang="ja-JP" altLang="en-US"/>
           </a:p>
@@ -707,7 +707,7 @@
             <a:fld id="{797A01BE-B01F-4BF7-B98B-637D558E7802}" type="datetimeFigureOut">
               <a:rPr kumimoji="1" lang="ja-JP" altLang="en-US" smtClean="0"/>
               <a:pPr/>
-              <a:t>2023/8/3</a:t>
+              <a:t>2023/8/8</a:t>
             </a:fld>
             <a:endParaRPr kumimoji="1" lang="ja-JP" altLang="en-US"/>
           </a:p>
@@ -904,7 +904,7 @@
             <a:fld id="{797A01BE-B01F-4BF7-B98B-637D558E7802}" type="datetimeFigureOut">
               <a:rPr kumimoji="1" lang="ja-JP" altLang="en-US" smtClean="0"/>
               <a:pPr/>
-              <a:t>2023/8/3</a:t>
+              <a:t>2023/8/8</a:t>
             </a:fld>
             <a:endParaRPr kumimoji="1" lang="ja-JP" altLang="en-US"/>
           </a:p>
@@ -1146,7 +1146,7 @@
             <a:fld id="{797A01BE-B01F-4BF7-B98B-637D558E7802}" type="datetimeFigureOut">
               <a:rPr kumimoji="1" lang="ja-JP" altLang="en-US" smtClean="0"/>
               <a:pPr/>
-              <a:t>2023/8/3</a:t>
+              <a:t>2023/8/8</a:t>
             </a:fld>
             <a:endParaRPr kumimoji="1" lang="ja-JP" altLang="en-US"/>
           </a:p>
@@ -1492,7 +1492,7 @@
             <a:fld id="{797A01BE-B01F-4BF7-B98B-637D558E7802}" type="datetimeFigureOut">
               <a:rPr kumimoji="1" lang="ja-JP" altLang="en-US" smtClean="0"/>
               <a:pPr/>
-              <a:t>2023/8/3</a:t>
+              <a:t>2023/8/8</a:t>
             </a:fld>
             <a:endParaRPr kumimoji="1" lang="ja-JP" altLang="en-US"/>
           </a:p>
@@ -1977,7 +1977,7 @@
             <a:fld id="{797A01BE-B01F-4BF7-B98B-637D558E7802}" type="datetimeFigureOut">
               <a:rPr kumimoji="1" lang="ja-JP" altLang="en-US" smtClean="0"/>
               <a:pPr/>
-              <a:t>2023/8/3</a:t>
+              <a:t>2023/8/8</a:t>
             </a:fld>
             <a:endParaRPr kumimoji="1" lang="ja-JP" altLang="en-US"/>
           </a:p>
@@ -2091,7 +2091,7 @@
             <a:fld id="{797A01BE-B01F-4BF7-B98B-637D558E7802}" type="datetimeFigureOut">
               <a:rPr kumimoji="1" lang="ja-JP" altLang="en-US" smtClean="0"/>
               <a:pPr/>
-              <a:t>2023/8/3</a:t>
+              <a:t>2023/8/8</a:t>
             </a:fld>
             <a:endParaRPr kumimoji="1" lang="ja-JP" altLang="en-US"/>
           </a:p>
@@ -2183,7 +2183,7 @@
             <a:fld id="{797A01BE-B01F-4BF7-B98B-637D558E7802}" type="datetimeFigureOut">
               <a:rPr kumimoji="1" lang="ja-JP" altLang="en-US" smtClean="0"/>
               <a:pPr/>
-              <a:t>2023/8/3</a:t>
+              <a:t>2023/8/8</a:t>
             </a:fld>
             <a:endParaRPr kumimoji="1" lang="ja-JP" altLang="en-US"/>
           </a:p>
@@ -2487,7 +2487,7 @@
             <a:fld id="{797A01BE-B01F-4BF7-B98B-637D558E7802}" type="datetimeFigureOut">
               <a:rPr kumimoji="1" lang="ja-JP" altLang="en-US" smtClean="0"/>
               <a:pPr/>
-              <a:t>2023/8/3</a:t>
+              <a:t>2023/8/8</a:t>
             </a:fld>
             <a:endParaRPr kumimoji="1" lang="ja-JP" altLang="en-US"/>
           </a:p>
@@ -2736,7 +2736,7 @@
             <a:fld id="{797A01BE-B01F-4BF7-B98B-637D558E7802}" type="datetimeFigureOut">
               <a:rPr kumimoji="1" lang="ja-JP" altLang="en-US" smtClean="0"/>
               <a:pPr/>
-              <a:t>2023/8/3</a:t>
+              <a:t>2023/8/8</a:t>
             </a:fld>
             <a:endParaRPr kumimoji="1" lang="ja-JP" altLang="en-US"/>
           </a:p>
@@ -2976,7 +2976,7 @@
             <a:fld id="{797A01BE-B01F-4BF7-B98B-637D558E7802}" type="datetimeFigureOut">
               <a:rPr kumimoji="1" lang="ja-JP" altLang="en-US" smtClean="0"/>
               <a:pPr/>
-              <a:t>2023/8/3</a:t>
+              <a:t>2023/8/8</a:t>
             </a:fld>
             <a:endParaRPr kumimoji="1" lang="ja-JP" altLang="en-US"/>
           </a:p>
@@ -3347,6 +3347,173 @@
           <a:chExt cx="0" cy="0"/>
         </a:xfrm>
       </p:grpSpPr>
+      <mc:AlternateContent xmlns:mc="http://schemas.openxmlformats.org/markup-compatibility/2006" xmlns:a14="http://schemas.microsoft.com/office/drawing/2010/main">
+        <mc:Choice Requires="a14">
+          <p:sp>
+            <p:nvSpPr>
+              <p:cNvPr id="18" name="四角形: 角を丸くする 17">
+                <a:extLst>
+                  <a:ext uri="{FF2B5EF4-FFF2-40B4-BE49-F238E27FC236}">
+                    <a16:creationId xmlns:a16="http://schemas.microsoft.com/office/drawing/2014/main" id="{D4448C1C-7E02-E181-F300-9D2D63ADC080}"/>
+                  </a:ext>
+                </a:extLst>
+              </p:cNvPr>
+              <p:cNvSpPr/>
+              <p:nvPr/>
+            </p:nvSpPr>
+            <p:spPr>
+              <a:xfrm>
+                <a:off x="23884732" y="12042970"/>
+                <a:ext cx="5386705" cy="1283728"/>
+              </a:xfrm>
+              <a:prstGeom prst="roundRect">
+                <a:avLst/>
+              </a:prstGeom>
+              <a:ln w="57150">
+                <a:headEnd type="none" w="med" len="med"/>
+                <a:tailEnd type="none" w="med" len="med"/>
+              </a:ln>
+            </p:spPr>
+            <p:style>
+              <a:lnRef idx="2">
+                <a:schemeClr val="accent6"/>
+              </a:lnRef>
+              <a:fillRef idx="1">
+                <a:schemeClr val="lt1"/>
+              </a:fillRef>
+              <a:effectRef idx="0">
+                <a:schemeClr val="accent6"/>
+              </a:effectRef>
+              <a:fontRef idx="minor">
+                <a:schemeClr val="dk1"/>
+              </a:fontRef>
+            </p:style>
+            <p:txBody>
+              <a:bodyPr rtlCol="0" anchor="ctr"/>
+              <a:lstStyle/>
+              <a:p>
+                <a14:m>
+                  <m:oMath xmlns:m="http://schemas.openxmlformats.org/officeDocument/2006/math">
+                    <m:r>
+                      <a:rPr lang="ja-JP" altLang="en-US" sz="2800" i="1" smtClean="0">
+                        <a:latin typeface="Cambria Math" panose="02040503050406030204" pitchFamily="18" charset="0"/>
+                      </a:rPr>
+                      <m:t>𝛼</m:t>
+                    </m:r>
+                    <m:r>
+                      <a:rPr lang="en-US" altLang="ja-JP" sz="2800" b="0" i="1" smtClean="0">
+                        <a:latin typeface="Cambria Math" panose="02040503050406030204" pitchFamily="18" charset="0"/>
+                      </a:rPr>
+                      <m:t>=0.1, </m:t>
+                    </m:r>
+                    <m:r>
+                      <a:rPr lang="ja-JP" altLang="en-US" sz="2800" i="1" smtClean="0">
+                        <a:latin typeface="Cambria Math" panose="02040503050406030204" pitchFamily="18" charset="0"/>
+                      </a:rPr>
+                      <m:t>𝛽</m:t>
+                    </m:r>
+                    <m:r>
+                      <a:rPr lang="en-US" altLang="ja-JP" sz="2800" b="0" i="1" smtClean="0">
+                        <a:latin typeface="Cambria Math" panose="02040503050406030204" pitchFamily="18" charset="0"/>
+                      </a:rPr>
+                      <m:t>=0.1,</m:t>
+                    </m:r>
+                  </m:oMath>
+                </a14:m>
+                <a:r>
+                  <a:rPr lang="ja-JP" altLang="en-US" sz="2800" dirty="0"/>
+                  <a:t>トピック数</a:t>
+                </a:r>
+                <a14:m>
+                  <m:oMath xmlns:m="http://schemas.openxmlformats.org/officeDocument/2006/math">
+                    <m:r>
+                      <a:rPr lang="en-US" altLang="ja-JP" sz="2800" b="0" i="1" dirty="0" smtClean="0">
+                        <a:latin typeface="Cambria Math" panose="02040503050406030204" pitchFamily="18" charset="0"/>
+                      </a:rPr>
+                      <m:t>𝐾</m:t>
+                    </m:r>
+                    <m:r>
+                      <a:rPr lang="en-US" altLang="ja-JP" sz="2800" b="0" i="1" dirty="0" smtClean="0">
+                        <a:latin typeface="Cambria Math" panose="02040503050406030204" pitchFamily="18" charset="0"/>
+                      </a:rPr>
+                      <m:t>=5</m:t>
+                    </m:r>
+                  </m:oMath>
+                </a14:m>
+                <a:r>
+                  <a:rPr lang="ja-JP" altLang="en-US" sz="2800" dirty="0"/>
+                  <a:t>取得単語数</a:t>
+                </a:r>
+                <a14:m>
+                  <m:oMath xmlns:m="http://schemas.openxmlformats.org/officeDocument/2006/math">
+                    <m:r>
+                      <a:rPr lang="en-US" altLang="ja-JP" sz="2800" b="0" i="1" smtClean="0">
+                        <a:latin typeface="Cambria Math" panose="02040503050406030204" pitchFamily="18" charset="0"/>
+                      </a:rPr>
+                      <m:t>𝑛</m:t>
+                    </m:r>
+                    <m:r>
+                      <a:rPr lang="en-US" altLang="ja-JP" sz="2800" b="0" i="1" smtClean="0">
+                        <a:latin typeface="Cambria Math" panose="02040503050406030204" pitchFamily="18" charset="0"/>
+                      </a:rPr>
+                      <m:t>=10,20,30</m:t>
+                    </m:r>
+                  </m:oMath>
+                </a14:m>
+                <a:endParaRPr kumimoji="1" lang="en-US" altLang="ja-JP" sz="2800" dirty="0"/>
+              </a:p>
+            </p:txBody>
+          </p:sp>
+        </mc:Choice>
+        <mc:Fallback xmlns="">
+          <p:sp>
+            <p:nvSpPr>
+              <p:cNvPr id="18" name="四角形: 角を丸くする 17">
+                <a:extLst>
+                  <a:ext uri="{FF2B5EF4-FFF2-40B4-BE49-F238E27FC236}">
+                    <a16:creationId xmlns:a16="http://schemas.microsoft.com/office/drawing/2014/main" id="{D4448C1C-7E02-E181-F300-9D2D63ADC080}"/>
+                  </a:ext>
+                </a:extLst>
+              </p:cNvPr>
+              <p:cNvSpPr>
+                <a:spLocks noRot="1" noChangeAspect="1" noMove="1" noResize="1" noEditPoints="1" noAdjustHandles="1" noChangeArrowheads="1" noChangeShapeType="1" noTextEdit="1"/>
+              </p:cNvSpPr>
+              <p:nvPr/>
+            </p:nvSpPr>
+            <p:spPr>
+              <a:xfrm>
+                <a:off x="23884732" y="12042970"/>
+                <a:ext cx="5386705" cy="1283728"/>
+              </a:xfrm>
+              <a:prstGeom prst="roundRect">
+                <a:avLst/>
+              </a:prstGeom>
+              <a:blipFill>
+                <a:blip r:embed="rId2"/>
+                <a:stretch>
+                  <a:fillRect l="-672"/>
+                </a:stretch>
+              </a:blipFill>
+              <a:ln w="57150">
+                <a:headEnd type="none" w="med" len="med"/>
+                <a:tailEnd type="none" w="med" len="med"/>
+              </a:ln>
+            </p:spPr>
+            <p:txBody>
+              <a:bodyPr/>
+              <a:lstStyle/>
+              <a:p>
+                <a:r>
+                  <a:rPr lang="ja-JP" altLang="en-US">
+                    <a:noFill/>
+                  </a:rPr>
+                  <a:t> </a:t>
+                </a:r>
+              </a:p>
+            </p:txBody>
+          </p:sp>
+        </mc:Fallback>
+      </mc:AlternateContent>
       <p:sp>
         <p:nvSpPr>
           <p:cNvPr id="27" name="四角形: 角を丸くする 26">
@@ -3620,7 +3787,7 @@
         </p:nvSpPr>
         <p:spPr>
           <a:xfrm>
-            <a:off x="15711747" y="31800038"/>
+            <a:off x="15641300" y="36544081"/>
             <a:ext cx="13575791" cy="1215718"/>
           </a:xfrm>
           <a:prstGeom prst="roundRect">
@@ -3695,7 +3862,7 @@
         </p:nvSpPr>
         <p:spPr>
           <a:xfrm>
-            <a:off x="15711748" y="5867596"/>
+            <a:off x="15686347" y="5866840"/>
             <a:ext cx="13685824" cy="1209622"/>
           </a:xfrm>
           <a:prstGeom prst="roundRect">
@@ -3751,7 +3918,7 @@
                   <a:schemeClr val="tx1"/>
                 </a:solidFill>
               </a:rPr>
-              <a:t>　実験結果</a:t>
+              <a:t>　実験</a:t>
             </a:r>
           </a:p>
         </p:txBody>
@@ -4735,7 +4902,7 @@
           <p:nvPr/>
         </p:nvPicPr>
         <p:blipFill>
-          <a:blip r:embed="rId2"/>
+          <a:blip r:embed="rId3"/>
           <a:stretch>
             <a:fillRect/>
           </a:stretch>
@@ -4822,7 +4989,7 @@
           <p:nvPr/>
         </p:nvPicPr>
         <p:blipFill>
-          <a:blip r:embed="rId3"/>
+          <a:blip r:embed="rId4"/>
           <a:stretch>
             <a:fillRect/>
           </a:stretch>
@@ -5344,128 +5511,6 @@
       </p:sp>
       <p:sp>
         <p:nvSpPr>
-          <p:cNvPr id="22" name="テキスト ボックス 21">
-            <a:extLst>
-              <a:ext uri="{FF2B5EF4-FFF2-40B4-BE49-F238E27FC236}">
-                <a16:creationId xmlns:a16="http://schemas.microsoft.com/office/drawing/2014/main" id="{2CAB96A3-A6B6-9C53-09D0-2FD879CF79C5}"/>
-              </a:ext>
-            </a:extLst>
-          </p:cNvPr>
-          <p:cNvSpPr txBox="1"/>
-          <p:nvPr/>
-        </p:nvSpPr>
-        <p:spPr>
-          <a:xfrm>
-            <a:off x="16187698" y="33675335"/>
-            <a:ext cx="13461454" cy="1569660"/>
-          </a:xfrm>
-          <a:prstGeom prst="rect">
-            <a:avLst/>
-          </a:prstGeom>
-          <a:noFill/>
-        </p:spPr>
-        <p:txBody>
-          <a:bodyPr wrap="square" rtlCol="0">
-            <a:spAutoFit/>
-          </a:bodyPr>
-          <a:lstStyle/>
-          <a:p>
-            <a:r>
-              <a:rPr lang="ja-JP" altLang="en-US" sz="4800" dirty="0"/>
-              <a:t>・人手でアノテーションしたデータ、</a:t>
-            </a:r>
-            <a:endParaRPr lang="en-US" altLang="ja-JP" sz="4800" dirty="0"/>
-          </a:p>
-          <a:p>
-            <a:r>
-              <a:rPr lang="ja-JP" altLang="en-US" sz="4800" dirty="0"/>
-              <a:t>・それと類似度上位の一致率計算した数値</a:t>
-            </a:r>
-            <a:endParaRPr lang="en-US" altLang="ja-JP" sz="4800" dirty="0"/>
-          </a:p>
-        </p:txBody>
-      </p:sp>
-      <p:sp>
-        <p:nvSpPr>
-          <p:cNvPr id="25" name="テキスト ボックス 24">
-            <a:extLst>
-              <a:ext uri="{FF2B5EF4-FFF2-40B4-BE49-F238E27FC236}">
-                <a16:creationId xmlns:a16="http://schemas.microsoft.com/office/drawing/2014/main" id="{82722DDF-BB08-82AD-8992-813A1F4AF259}"/>
-              </a:ext>
-            </a:extLst>
-          </p:cNvPr>
-          <p:cNvSpPr txBox="1"/>
-          <p:nvPr/>
-        </p:nvSpPr>
-        <p:spPr>
-          <a:xfrm>
-            <a:off x="16660033" y="36222377"/>
-            <a:ext cx="12885389" cy="4524315"/>
-          </a:xfrm>
-          <a:prstGeom prst="rect">
-            <a:avLst/>
-          </a:prstGeom>
-          <a:noFill/>
-        </p:spPr>
-        <p:txBody>
-          <a:bodyPr wrap="square" rtlCol="0">
-            <a:spAutoFit/>
-          </a:bodyPr>
-          <a:lstStyle/>
-          <a:p>
-            <a:r>
-              <a:rPr kumimoji="1" lang="ja-JP" altLang="en-US" sz="4800" dirty="0"/>
-              <a:t>・</a:t>
-            </a:r>
-            <a:r>
-              <a:rPr kumimoji="1" lang="en-US" altLang="ja-JP" sz="4800" dirty="0"/>
-              <a:t>BTM</a:t>
-            </a:r>
-            <a:r>
-              <a:rPr kumimoji="1" lang="ja-JP" altLang="en-US" sz="4800" dirty="0"/>
-              <a:t>で抽出した単語について</a:t>
-            </a:r>
-            <a:endParaRPr lang="en-US" altLang="ja-JP" sz="4800" dirty="0"/>
-          </a:p>
-          <a:p>
-            <a:r>
-              <a:rPr kumimoji="1" lang="ja-JP" altLang="en-US" sz="4800" dirty="0"/>
-              <a:t>・自動生成の文章について</a:t>
-            </a:r>
-            <a:endParaRPr kumimoji="1" lang="en-US" altLang="ja-JP" sz="4800" dirty="0"/>
-          </a:p>
-          <a:p>
-            <a:r>
-              <a:rPr lang="ja-JP" altLang="en-US" sz="4800" dirty="0"/>
-              <a:t>・類似度計算結果について</a:t>
-            </a:r>
-            <a:endParaRPr lang="en-US" altLang="ja-JP" sz="4800" dirty="0"/>
-          </a:p>
-          <a:p>
-            <a:r>
-              <a:rPr kumimoji="1" lang="ja-JP" altLang="en-US" sz="4800" dirty="0"/>
-              <a:t>・人手との一致率について</a:t>
-            </a:r>
-            <a:endParaRPr kumimoji="1" lang="en-US" altLang="ja-JP" sz="4800" dirty="0"/>
-          </a:p>
-          <a:p>
-            <a:r>
-              <a:rPr lang="ja-JP" altLang="en-US" sz="4800" dirty="0"/>
-              <a:t>・提案手法の有用性について</a:t>
-            </a:r>
-            <a:endParaRPr lang="en-US" altLang="ja-JP" sz="4800" dirty="0"/>
-          </a:p>
-          <a:p>
-            <a:r>
-              <a:rPr kumimoji="1" lang="ja-JP" altLang="en-US" sz="4800" dirty="0"/>
-              <a:t>・改善案、今後の展望</a:t>
-            </a:r>
-            <a:endParaRPr kumimoji="1" lang="en-US" altLang="ja-JP" sz="4800" dirty="0"/>
-          </a:p>
-        </p:txBody>
-      </p:sp>
-      <p:sp>
-        <p:nvSpPr>
           <p:cNvPr id="32" name="テキスト ボックス 31">
             <a:extLst>
               <a:ext uri="{FF2B5EF4-FFF2-40B4-BE49-F238E27FC236}">
@@ -5740,8 +5785,8 @@
         </p:nvSpPr>
         <p:spPr>
           <a:xfrm>
-            <a:off x="15711747" y="7776480"/>
-            <a:ext cx="6845895" cy="2829385"/>
+            <a:off x="15711748" y="7398172"/>
+            <a:ext cx="7604762" cy="4198414"/>
           </a:xfrm>
           <a:prstGeom prst="roundRect">
             <a:avLst/>
@@ -5773,48 +5818,154 @@
           <a:bodyPr rtlCol="0" anchor="ctr"/>
           <a:lstStyle/>
           <a:p>
-            <a:pPr marL="457200" indent="-457200">
-              <a:buFont typeface="Arial" panose="020B0604020202020204" pitchFamily="34" charset="0"/>
-              <a:buChar char="•"/>
-            </a:pPr>
+            <a:r>
+              <a:rPr lang="en-US" altLang="ja-JP" sz="3200" dirty="0"/>
+              <a:t>1.</a:t>
+            </a:r>
             <a:r>
               <a:rPr lang="ja-JP" altLang="en-US" sz="3200" dirty="0"/>
-              <a:t>みそきん</a:t>
-            </a:r>
-            <a:endParaRPr lang="en-US" altLang="ja-JP" sz="3200" dirty="0"/>
-          </a:p>
-          <a:p>
-            <a:pPr marL="457200" indent="-457200">
-              <a:buFont typeface="Arial" panose="020B0604020202020204" pitchFamily="34" charset="0"/>
-              <a:buChar char="•"/>
-            </a:pPr>
-            <a:r>
-              <a:rPr lang="ja-JP" altLang="en-US" sz="3200" dirty="0"/>
-              <a:t>カズさんのやつ</a:t>
-            </a:r>
-            <a:endParaRPr lang="en-US" altLang="ja-JP" sz="3200" dirty="0"/>
-          </a:p>
-          <a:p>
-            <a:pPr marL="457200" indent="-457200">
-              <a:buFont typeface="Arial" panose="020B0604020202020204" pitchFamily="34" charset="0"/>
-              <a:buChar char="•"/>
-            </a:pPr>
-            <a:r>
-              <a:rPr kumimoji="1" lang="ja-JP" altLang="en-US" sz="3200" dirty="0"/>
-              <a:t>何件</a:t>
-            </a:r>
-            <a:endParaRPr kumimoji="1" lang="en-US" altLang="ja-JP" sz="3200" dirty="0"/>
-          </a:p>
-          <a:p>
-            <a:pPr marL="457200" indent="-457200">
-              <a:buFont typeface="Arial" panose="020B0604020202020204" pitchFamily="34" charset="0"/>
-              <a:buChar char="•"/>
-            </a:pPr>
-            <a:r>
-              <a:rPr kumimoji="1" lang="ja-JP" altLang="en-US" sz="3200" dirty="0"/>
-              <a:t>日にち、動画など</a:t>
-            </a:r>
-            <a:endParaRPr kumimoji="1" lang="en-US" altLang="ja-JP" sz="3200" dirty="0"/>
+              <a:t>　</a:t>
+            </a:r>
+            <a:r>
+              <a:rPr lang="en-US" altLang="ja-JP" sz="3200" b="1" dirty="0">
+                <a:solidFill>
+                  <a:schemeClr val="accent6">
+                    <a:lumMod val="75000"/>
+                  </a:schemeClr>
+                </a:solidFill>
+              </a:rPr>
+              <a:t>HikakinTV</a:t>
+            </a:r>
+            <a:r>
+              <a:rPr kumimoji="1" lang="ja-JP" altLang="en-US" sz="3200" b="1" dirty="0">
+                <a:solidFill>
+                  <a:schemeClr val="accent6">
+                    <a:lumMod val="75000"/>
+                  </a:schemeClr>
+                </a:solidFill>
+              </a:rPr>
+              <a:t>（みそきん）</a:t>
+            </a:r>
+            <a:endParaRPr lang="en-US" altLang="ja-JP" sz="3200" b="1" dirty="0">
+              <a:solidFill>
+                <a:schemeClr val="accent6">
+                  <a:lumMod val="75000"/>
+                </a:schemeClr>
+              </a:solidFill>
+            </a:endParaRPr>
+          </a:p>
+          <a:p>
+            <a:r>
+              <a:rPr kumimoji="1" lang="ja-JP" altLang="en-US" sz="2800" dirty="0"/>
+              <a:t>自身で商品開発を行ったみそきん</a:t>
+            </a:r>
+            <a:endParaRPr kumimoji="1" lang="en-US" altLang="ja-JP" sz="2800" dirty="0"/>
+          </a:p>
+          <a:p>
+            <a:r>
+              <a:rPr kumimoji="1" lang="ja-JP" altLang="en-US" sz="2800" dirty="0"/>
+              <a:t>（カップラーメン）の発表動画</a:t>
+            </a:r>
+            <a:endParaRPr kumimoji="1" lang="en-US" altLang="ja-JP" sz="2800" dirty="0"/>
+          </a:p>
+          <a:p>
+            <a:r>
+              <a:rPr kumimoji="1" lang="ja-JP" altLang="en-US" sz="2800" dirty="0"/>
+              <a:t>コメント取得日：</a:t>
+            </a:r>
+            <a:r>
+              <a:rPr kumimoji="1" lang="en-US" altLang="ja-JP" sz="2800" dirty="0"/>
+              <a:t>2023/04/28</a:t>
+            </a:r>
+            <a:r>
+              <a:rPr lang="en-US" altLang="ja-JP" sz="2800" dirty="0"/>
+              <a:t>,</a:t>
+            </a:r>
+            <a:r>
+              <a:rPr lang="ja-JP" altLang="en-US" sz="2800" dirty="0"/>
+              <a:t>　</a:t>
+            </a:r>
+            <a:r>
+              <a:rPr kumimoji="1" lang="ja-JP" altLang="en-US" sz="2800" dirty="0"/>
+              <a:t>取得</a:t>
+            </a:r>
+            <a:r>
+              <a:rPr lang="ja-JP" altLang="en-US" sz="2800" dirty="0"/>
+              <a:t>数：</a:t>
+            </a:r>
+            <a:r>
+              <a:rPr lang="en-US" altLang="ja-JP" sz="2800" dirty="0"/>
+              <a:t>1494</a:t>
+            </a:r>
+            <a:r>
+              <a:rPr lang="ja-JP" altLang="en-US" sz="2800" dirty="0"/>
+              <a:t>件</a:t>
+            </a:r>
+            <a:endParaRPr lang="en-US" altLang="ja-JP" sz="2800" dirty="0"/>
+          </a:p>
+          <a:p>
+            <a:r>
+              <a:rPr lang="en-US" altLang="ja-JP" sz="2800" dirty="0"/>
+              <a:t>2.</a:t>
+            </a:r>
+            <a:r>
+              <a:rPr lang="ja-JP" altLang="en-US" sz="2800" dirty="0"/>
+              <a:t>　</a:t>
+            </a:r>
+            <a:r>
+              <a:rPr lang="ja-JP" altLang="en-US" sz="3200" b="1" dirty="0">
+                <a:solidFill>
+                  <a:schemeClr val="accent6">
+                    <a:lumMod val="75000"/>
+                  </a:schemeClr>
+                </a:solidFill>
+              </a:rPr>
+              <a:t>カズチャンネル（ここリモ）</a:t>
+            </a:r>
+            <a:endParaRPr lang="en-US" altLang="ja-JP" sz="3200" b="1" dirty="0">
+              <a:solidFill>
+                <a:schemeClr val="accent6">
+                  <a:lumMod val="75000"/>
+                </a:schemeClr>
+              </a:solidFill>
+            </a:endParaRPr>
+          </a:p>
+          <a:p>
+            <a:r>
+              <a:rPr kumimoji="1" lang="ja-JP" altLang="en-US" sz="2800" dirty="0"/>
+              <a:t>中部電力ミライズの提供でここリモ</a:t>
+            </a:r>
+            <a:endParaRPr kumimoji="1" lang="en-US" altLang="ja-JP" sz="2800" dirty="0"/>
+          </a:p>
+          <a:p>
+            <a:r>
+              <a:rPr kumimoji="1" lang="ja-JP" altLang="en-US" sz="2800" dirty="0"/>
+              <a:t>（スマートリモコン）の商品紹介動画</a:t>
+            </a:r>
+            <a:endParaRPr kumimoji="1" lang="en-US" altLang="ja-JP" sz="2800" dirty="0"/>
+          </a:p>
+          <a:p>
+            <a:r>
+              <a:rPr lang="ja-JP" altLang="en-US" sz="2800" dirty="0"/>
+              <a:t>コメント取得日：</a:t>
+            </a:r>
+            <a:r>
+              <a:rPr lang="en-US" altLang="ja-JP" sz="2800" dirty="0"/>
+              <a:t>2023/06/08,</a:t>
+            </a:r>
+            <a:r>
+              <a:rPr lang="ja-JP" altLang="en-US" sz="2800" dirty="0"/>
+              <a:t>　取得数：</a:t>
+            </a:r>
+            <a:r>
+              <a:rPr lang="en-US" altLang="ja-JP" sz="2800" dirty="0"/>
+              <a:t>390</a:t>
+            </a:r>
+            <a:r>
+              <a:rPr lang="ja-JP" altLang="en-US" sz="2800" dirty="0"/>
+              <a:t>件</a:t>
+            </a:r>
+            <a:endParaRPr kumimoji="1" lang="en-US" altLang="ja-JP" sz="2800" dirty="0"/>
           </a:p>
         </p:txBody>
       </p:sp>
@@ -5832,8 +5983,8 @@
         </p:nvSpPr>
         <p:spPr>
           <a:xfrm>
-            <a:off x="17791502" y="7389957"/>
-            <a:ext cx="2686383" cy="707886"/>
+            <a:off x="18319852" y="7148233"/>
+            <a:ext cx="2388553" cy="646331"/>
           </a:xfrm>
           <a:prstGeom prst="rect">
             <a:avLst/>
@@ -5865,10 +6016,10 @@
           <a:lstStyle/>
           <a:p>
             <a:r>
-              <a:rPr lang="ja-JP" altLang="en-US" sz="4000" dirty="0"/>
+              <a:rPr lang="ja-JP" altLang="en-US" sz="3600" dirty="0"/>
               <a:t>実験データ</a:t>
             </a:r>
-            <a:endParaRPr kumimoji="1" lang="ja-JP" altLang="en-US" sz="4000" dirty="0"/>
+            <a:endParaRPr kumimoji="1" lang="ja-JP" altLang="en-US" sz="3600" dirty="0"/>
           </a:p>
         </p:txBody>
       </p:sp>
@@ -5886,8 +6037,8 @@
         </p:nvSpPr>
         <p:spPr>
           <a:xfrm>
-            <a:off x="22770267" y="7776480"/>
-            <a:ext cx="6845895" cy="2829385"/>
+            <a:off x="23590589" y="7362702"/>
+            <a:ext cx="6025573" cy="3052860"/>
           </a:xfrm>
           <a:prstGeom prst="roundRect">
             <a:avLst/>
@@ -5919,44 +6070,75 @@
           <a:bodyPr rtlCol="0" anchor="ctr"/>
           <a:lstStyle/>
           <a:p>
-            <a:pPr marL="457200" indent="-457200">
-              <a:buFont typeface="Arial" panose="020B0604020202020204" pitchFamily="34" charset="0"/>
-              <a:buChar char="•"/>
-            </a:pPr>
-            <a:r>
-              <a:rPr kumimoji="1" lang="ja-JP" altLang="en-US" sz="3200" dirty="0"/>
-              <a:t>前処理</a:t>
-            </a:r>
-            <a:endParaRPr kumimoji="1" lang="en-US" altLang="ja-JP" sz="3200" dirty="0"/>
-          </a:p>
-          <a:p>
-            <a:pPr marL="457200" indent="-457200">
-              <a:buFont typeface="Arial" panose="020B0604020202020204" pitchFamily="34" charset="0"/>
-              <a:buChar char="•"/>
-            </a:pPr>
-            <a:r>
-              <a:rPr kumimoji="1" lang="ja-JP" altLang="en-US" sz="3200" dirty="0"/>
-              <a:t>分かち書き</a:t>
-            </a:r>
-            <a:endParaRPr kumimoji="1" lang="en-US" altLang="ja-JP" sz="3200" dirty="0"/>
-          </a:p>
-          <a:p>
-            <a:pPr marL="457200" indent="-457200">
-              <a:buFont typeface="Arial" panose="020B0604020202020204" pitchFamily="34" charset="0"/>
-              <a:buChar char="•"/>
-            </a:pPr>
-            <a:r>
-              <a:rPr kumimoji="1" lang="ja-JP" altLang="en-US" sz="3200" dirty="0"/>
-              <a:t>ストップワード除去</a:t>
-            </a:r>
-            <a:endParaRPr kumimoji="1" lang="en-US" altLang="ja-JP" sz="3200" dirty="0"/>
-          </a:p>
-          <a:p>
-            <a:pPr marL="457200" indent="-457200">
-              <a:buFont typeface="Arial" panose="020B0604020202020204" pitchFamily="34" charset="0"/>
-              <a:buChar char="•"/>
-            </a:pPr>
-            <a:endParaRPr kumimoji="1" lang="ja-JP" altLang="en-US" sz="3200" dirty="0"/>
+            <a:r>
+              <a:rPr lang="en-US" altLang="ja-JP" sz="2800" dirty="0"/>
+              <a:t>1.</a:t>
+            </a:r>
+            <a:r>
+              <a:rPr lang="ja-JP" altLang="en-US" sz="2800" dirty="0"/>
+              <a:t>　絵文字、顔文字、記号、</a:t>
+            </a:r>
+            <a:r>
+              <a:rPr lang="en-US" altLang="ja-JP" sz="2800" dirty="0"/>
+              <a:t>URL</a:t>
+            </a:r>
+            <a:r>
+              <a:rPr lang="ja-JP" altLang="en-US" sz="2800" dirty="0"/>
+              <a:t>除去</a:t>
+            </a:r>
+            <a:endParaRPr kumimoji="1" lang="en-US" altLang="ja-JP" sz="2800" dirty="0"/>
+          </a:p>
+          <a:p>
+            <a:r>
+              <a:rPr kumimoji="1" lang="en-US" altLang="ja-JP" sz="2800" dirty="0"/>
+              <a:t>2.</a:t>
+            </a:r>
+            <a:r>
+              <a:rPr kumimoji="1" lang="ja-JP" altLang="en-US" sz="2800" dirty="0"/>
+              <a:t>　分かち書き</a:t>
+            </a:r>
+            <a:r>
+              <a:rPr lang="ja-JP" altLang="en-US" sz="2800" dirty="0"/>
+              <a:t>（</a:t>
+            </a:r>
+            <a:r>
+              <a:rPr lang="en-US" altLang="ja-JP" sz="2800" dirty="0"/>
+              <a:t>MeCab</a:t>
+            </a:r>
+            <a:r>
+              <a:rPr lang="ja-JP" altLang="en-US" sz="2800" dirty="0"/>
+              <a:t>）</a:t>
+            </a:r>
+            <a:endParaRPr lang="en-US" altLang="ja-JP" sz="2800" dirty="0"/>
+          </a:p>
+          <a:p>
+            <a:r>
+              <a:rPr kumimoji="1" lang="ja-JP" altLang="en-US" sz="2800" dirty="0"/>
+              <a:t>辞書：</a:t>
+            </a:r>
+            <a:r>
+              <a:rPr lang="en-US" altLang="ja-JP" sz="2800" dirty="0"/>
+              <a:t>mecab-ipadic-NEologd</a:t>
+            </a:r>
+            <a:endParaRPr kumimoji="1" lang="en-US" altLang="ja-JP" sz="2800" dirty="0"/>
+          </a:p>
+          <a:p>
+            <a:r>
+              <a:rPr kumimoji="1" lang="en-US" altLang="ja-JP" sz="2800" dirty="0"/>
+              <a:t>3.</a:t>
+            </a:r>
+            <a:r>
+              <a:rPr kumimoji="1" lang="ja-JP" altLang="en-US" sz="2800" dirty="0"/>
+              <a:t>　ストップワード除去</a:t>
+            </a:r>
+            <a:endParaRPr kumimoji="1" lang="en-US" altLang="ja-JP" sz="2800" dirty="0"/>
+          </a:p>
+          <a:p>
+            <a:r>
+              <a:rPr lang="ja-JP" altLang="en-US" sz="2800" dirty="0"/>
+              <a:t>指示語、助詞、助動詞、形容詞など</a:t>
+            </a:r>
+            <a:endParaRPr kumimoji="1" lang="en-US" altLang="ja-JP" sz="2800" dirty="0"/>
           </a:p>
         </p:txBody>
       </p:sp>
@@ -5974,8 +6156,8 @@
         </p:nvSpPr>
         <p:spPr>
           <a:xfrm>
-            <a:off x="25328081" y="7371867"/>
-            <a:ext cx="1739237" cy="707886"/>
+            <a:off x="25889431" y="7117918"/>
+            <a:ext cx="1739237" cy="646331"/>
           </a:xfrm>
           <a:prstGeom prst="rect">
             <a:avLst/>
@@ -6007,7 +6189,7 @@
           <a:lstStyle/>
           <a:p>
             <a:r>
-              <a:rPr kumimoji="1" lang="ja-JP" altLang="en-US" sz="4000" dirty="0"/>
+              <a:rPr kumimoji="1" lang="ja-JP" altLang="en-US" sz="3600" dirty="0"/>
               <a:t>前処理</a:t>
             </a:r>
           </a:p>
@@ -6027,14 +6209,36 @@
         </p:nvSpPr>
         <p:spPr>
           <a:xfrm>
-            <a:off x="15711747" y="11003103"/>
-            <a:ext cx="5062797" cy="707886"/>
+            <a:off x="23992123" y="10991404"/>
+            <a:ext cx="5222504" cy="707886"/>
           </a:xfrm>
           <a:prstGeom prst="rect">
             <a:avLst/>
           </a:prstGeom>
-          <a:noFill/>
+          <a:solidFill>
+            <a:schemeClr val="accent6">
+              <a:lumMod val="75000"/>
+              <a:alpha val="50000"/>
+            </a:schemeClr>
+          </a:solidFill>
+          <a:ln>
+            <a:noFill/>
+          </a:ln>
         </p:spPr>
+        <p:style>
+          <a:lnRef idx="0">
+            <a:scrgbClr r="0" g="0" b="0"/>
+          </a:lnRef>
+          <a:fillRef idx="0">
+            <a:scrgbClr r="0" g="0" b="0"/>
+          </a:fillRef>
+          <a:effectRef idx="0">
+            <a:scrgbClr r="0" g="0" b="0"/>
+          </a:effectRef>
+          <a:fontRef idx="minor">
+            <a:schemeClr val="lt1"/>
+          </a:fontRef>
+        </p:style>
         <p:txBody>
           <a:bodyPr wrap="square" rtlCol="0">
             <a:spAutoFit/>
@@ -6042,81 +6246,21 @@
           <a:lstStyle/>
           <a:p>
             <a:r>
-              <a:rPr kumimoji="1" lang="en-US" altLang="ja-JP" sz="4000" dirty="0"/>
+              <a:rPr kumimoji="1" lang="en-US" altLang="ja-JP" sz="4000" dirty="0">
+                <a:solidFill>
+                  <a:schemeClr val="tx1"/>
+                </a:solidFill>
+              </a:rPr>
               <a:t>BTM</a:t>
             </a:r>
             <a:r>
-              <a:rPr kumimoji="1" lang="ja-JP" altLang="en-US" sz="4000" dirty="0"/>
+              <a:rPr kumimoji="1" lang="ja-JP" altLang="en-US" sz="4000" dirty="0">
+                <a:solidFill>
+                  <a:schemeClr val="tx1"/>
+                </a:solidFill>
+              </a:rPr>
               <a:t>によるトピック抽出</a:t>
             </a:r>
-          </a:p>
-        </p:txBody>
-      </p:sp>
-      <p:sp>
-        <p:nvSpPr>
-          <p:cNvPr id="41" name="テキスト ボックス 40">
-            <a:extLst>
-              <a:ext uri="{FF2B5EF4-FFF2-40B4-BE49-F238E27FC236}">
-                <a16:creationId xmlns:a16="http://schemas.microsoft.com/office/drawing/2014/main" id="{F0CA2168-DBBB-C4C3-3B4D-5826F3ACD993}"/>
-              </a:ext>
-            </a:extLst>
-          </p:cNvPr>
-          <p:cNvSpPr txBox="1"/>
-          <p:nvPr/>
-        </p:nvSpPr>
-        <p:spPr>
-          <a:xfrm>
-            <a:off x="23960919" y="11128110"/>
-            <a:ext cx="5311031" cy="2062103"/>
-          </a:xfrm>
-          <a:prstGeom prst="rect">
-            <a:avLst/>
-          </a:prstGeom>
-          <a:noFill/>
-        </p:spPr>
-        <p:txBody>
-          <a:bodyPr wrap="square" rtlCol="0">
-            <a:spAutoFit/>
-          </a:bodyPr>
-          <a:lstStyle/>
-          <a:p>
-            <a:r>
-              <a:rPr kumimoji="1" lang="ja-JP" altLang="en-US" sz="3200" dirty="0"/>
-              <a:t>パラメータ</a:t>
-            </a:r>
-            <a:endParaRPr kumimoji="1" lang="en-US" altLang="ja-JP" sz="3200" dirty="0"/>
-          </a:p>
-          <a:p>
-            <a:r>
-              <a:rPr lang="ja-JP" altLang="en-US" sz="3200" dirty="0"/>
-              <a:t>・</a:t>
-            </a:r>
-            <a:r>
-              <a:rPr lang="en-US" altLang="ja-JP" sz="3200" dirty="0"/>
-              <a:t>α</a:t>
-            </a:r>
-            <a:r>
-              <a:rPr lang="ja-JP" altLang="en-US" sz="3200" dirty="0"/>
-              <a:t>、</a:t>
-            </a:r>
-            <a:r>
-              <a:rPr lang="en-US" altLang="ja-JP" sz="3200" dirty="0"/>
-              <a:t>β</a:t>
-            </a:r>
-          </a:p>
-          <a:p>
-            <a:r>
-              <a:rPr kumimoji="1" lang="ja-JP" altLang="en-US" sz="3200" dirty="0"/>
-              <a:t>・トピック数</a:t>
-            </a:r>
-            <a:endParaRPr kumimoji="1" lang="en-US" altLang="ja-JP" sz="3200" dirty="0"/>
-          </a:p>
-          <a:p>
-            <a:r>
-              <a:rPr lang="ja-JP" altLang="en-US" sz="3200" dirty="0"/>
-              <a:t>ーーーーーーーーーーーーー</a:t>
-            </a:r>
-            <a:endParaRPr kumimoji="1" lang="ja-JP" altLang="en-US" sz="3200" dirty="0"/>
           </a:p>
         </p:txBody>
       </p:sp>
@@ -6135,14 +6279,14 @@
           <p:nvPr/>
         </p:nvPicPr>
         <p:blipFill>
-          <a:blip r:embed="rId4"/>
+          <a:blip r:embed="rId5"/>
           <a:stretch>
             <a:fillRect/>
           </a:stretch>
         </p:blipFill>
         <p:spPr>
           <a:xfrm>
-            <a:off x="15647052" y="11697774"/>
+            <a:off x="15812401" y="11717035"/>
             <a:ext cx="7935432" cy="6049219"/>
           </a:xfrm>
           <a:prstGeom prst="rect">
@@ -6164,8 +6308,8 @@
         </p:nvSpPr>
         <p:spPr>
           <a:xfrm>
-            <a:off x="23960919" y="12943905"/>
-            <a:ext cx="5109300" cy="4524315"/>
+            <a:off x="23808924" y="13411225"/>
+            <a:ext cx="5737725" cy="4524315"/>
           </a:xfrm>
           <a:prstGeom prst="rect">
             <a:avLst/>
@@ -6179,65 +6323,37 @@
           <a:lstStyle/>
           <a:p>
             <a:r>
-              <a:rPr kumimoji="1" lang="ja-JP" altLang="en-US" sz="3200" dirty="0"/>
-              <a:t>説明、考察もここ？</a:t>
-            </a:r>
-            <a:endParaRPr kumimoji="1" lang="en-US" altLang="ja-JP" sz="3200" dirty="0"/>
-          </a:p>
-          <a:p>
+              <a:rPr lang="ja-JP" altLang="en-US" sz="3200" dirty="0">
+                <a:solidFill>
+                  <a:schemeClr val="accent6">
+                    <a:lumMod val="75000"/>
+                  </a:schemeClr>
+                </a:solidFill>
+              </a:rPr>
+              <a:t>みそきん</a:t>
+            </a:r>
             <a:r>
               <a:rPr lang="ja-JP" altLang="en-US" sz="3200" dirty="0"/>
-              <a:t>・</a:t>
+              <a:t>：カップラーメンの味や商品開発の際に参考にした店舗に関する単語、視聴者の商品に対する感情などの単語が取得できている</a:t>
             </a:r>
             <a:endParaRPr lang="en-US" altLang="ja-JP" sz="3200" dirty="0"/>
           </a:p>
           <a:p>
             <a:r>
-              <a:rPr kumimoji="1" lang="ja-JP" altLang="en-US" sz="3200" dirty="0"/>
-              <a:t>・</a:t>
-            </a:r>
-            <a:endParaRPr kumimoji="1" lang="en-US" altLang="ja-JP" sz="3200" dirty="0"/>
-          </a:p>
-          <a:p>
+              <a:rPr lang="ja-JP" altLang="en-US" sz="3200" dirty="0">
+                <a:solidFill>
+                  <a:schemeClr val="accent6">
+                    <a:lumMod val="75000"/>
+                  </a:schemeClr>
+                </a:solidFill>
+              </a:rPr>
+              <a:t>ここリモ</a:t>
+            </a:r>
             <a:r>
               <a:rPr lang="ja-JP" altLang="en-US" sz="3200" dirty="0"/>
-              <a:t>・</a:t>
+              <a:t>：商品に対応している家電に関する単語や、使用した際の電気代やガス代などに関する単語を取得できている</a:t>
             </a:r>
             <a:endParaRPr lang="en-US" altLang="ja-JP" sz="3200" dirty="0"/>
-          </a:p>
-          <a:p>
-            <a:r>
-              <a:rPr kumimoji="1" lang="ja-JP" altLang="en-US" sz="3200" dirty="0"/>
-              <a:t>・</a:t>
-            </a:r>
-            <a:endParaRPr kumimoji="1" lang="en-US" altLang="ja-JP" sz="3200" dirty="0"/>
-          </a:p>
-          <a:p>
-            <a:r>
-              <a:rPr lang="ja-JP" altLang="en-US" sz="3200" dirty="0"/>
-              <a:t>・</a:t>
-            </a:r>
-            <a:endParaRPr lang="en-US" altLang="ja-JP" sz="3200" dirty="0"/>
-          </a:p>
-          <a:p>
-            <a:r>
-              <a:rPr kumimoji="1" lang="ja-JP" altLang="en-US" sz="3200" dirty="0"/>
-              <a:t>・</a:t>
-            </a:r>
-            <a:endParaRPr kumimoji="1" lang="en-US" altLang="ja-JP" sz="3200" dirty="0"/>
-          </a:p>
-          <a:p>
-            <a:r>
-              <a:rPr lang="ja-JP" altLang="en-US" sz="3200" dirty="0"/>
-              <a:t>・</a:t>
-            </a:r>
-            <a:endParaRPr lang="en-US" altLang="ja-JP" sz="3200" dirty="0"/>
-          </a:p>
-          <a:p>
-            <a:r>
-              <a:rPr kumimoji="1" lang="ja-JP" altLang="en-US" sz="3200" dirty="0"/>
-              <a:t>・</a:t>
-            </a:r>
           </a:p>
         </p:txBody>
       </p:sp>
@@ -6255,7 +6371,7 @@
         </p:nvSpPr>
         <p:spPr>
           <a:xfrm>
-            <a:off x="15658922" y="17985526"/>
+            <a:off x="15641300" y="17820447"/>
             <a:ext cx="5062797" cy="707886"/>
           </a:xfrm>
           <a:prstGeom prst="rect">
@@ -6290,8 +6406,8 @@
         </p:nvSpPr>
         <p:spPr>
           <a:xfrm>
-            <a:off x="16004083" y="18693412"/>
-            <a:ext cx="12619169" cy="3539430"/>
+            <a:off x="15765886" y="18320342"/>
+            <a:ext cx="13779536" cy="2062103"/>
           </a:xfrm>
           <a:prstGeom prst="rect">
             <a:avLst/>
@@ -6305,82 +6421,128 @@
           <a:lstStyle/>
           <a:p>
             <a:r>
+              <a:rPr kumimoji="1" lang="ja-JP" altLang="en-US" sz="3200" dirty="0">
+                <a:solidFill>
+                  <a:schemeClr val="accent6">
+                    <a:lumMod val="75000"/>
+                  </a:schemeClr>
+                </a:solidFill>
+              </a:rPr>
+              <a:t>みそきん</a:t>
+            </a:r>
+            <a:r>
               <a:rPr kumimoji="1" lang="ja-JP" altLang="en-US" sz="3200" dirty="0"/>
-              <a:t>みそきん</a:t>
-            </a:r>
-            <a:endParaRPr kumimoji="1" lang="en-US" altLang="ja-JP" sz="3200" dirty="0"/>
-          </a:p>
-          <a:p>
+              <a:t>：</a:t>
+            </a:r>
+            <a:r>
+              <a:rPr lang="ja-JP" altLang="en-US" sz="3200" dirty="0">
+                <a:solidFill>
+                  <a:srgbClr val="FF0000"/>
+                </a:solidFill>
+              </a:rPr>
+              <a:t>ヒカキン</a:t>
+            </a:r>
             <a:r>
               <a:rPr lang="ja-JP" altLang="en-US" sz="3200" dirty="0"/>
-              <a:t>・あああああああああああああああああああああああああああああああ</a:t>
+              <a:t>さんの</a:t>
+            </a:r>
+            <a:r>
+              <a:rPr lang="ja-JP" altLang="en-US" sz="3200" dirty="0">
+                <a:solidFill>
+                  <a:srgbClr val="FF0000"/>
+                </a:solidFill>
+              </a:rPr>
+              <a:t>笑顔</a:t>
+            </a:r>
+            <a:r>
+              <a:rPr lang="ja-JP" altLang="en-US" sz="3200" dirty="0"/>
+              <a:t>が、</a:t>
+            </a:r>
+            <a:r>
+              <a:rPr lang="ja-JP" altLang="en-US" sz="3200" dirty="0">
+                <a:solidFill>
+                  <a:srgbClr val="FF0000"/>
+                </a:solidFill>
+              </a:rPr>
+              <a:t>味噌ラーメン</a:t>
+            </a:r>
+            <a:r>
+              <a:rPr lang="ja-JP" altLang="en-US" sz="3200" dirty="0"/>
+              <a:t>を食べるときの私の楽しみですね。</a:t>
+            </a:r>
+            <a:r>
+              <a:rPr lang="ja-JP" altLang="en-US" sz="3200" dirty="0">
+                <a:solidFill>
+                  <a:srgbClr val="FF0000"/>
+                </a:solidFill>
+              </a:rPr>
+              <a:t>濃厚</a:t>
+            </a:r>
+            <a:r>
+              <a:rPr lang="ja-JP" altLang="en-US" sz="3200" dirty="0"/>
+              <a:t>な</a:t>
+            </a:r>
+            <a:r>
+              <a:rPr lang="ja-JP" altLang="en-US" sz="3200" dirty="0">
+                <a:solidFill>
+                  <a:srgbClr val="FF0000"/>
+                </a:solidFill>
+              </a:rPr>
+              <a:t>味噌</a:t>
+            </a:r>
+            <a:r>
+              <a:rPr lang="ja-JP" altLang="en-US" sz="3200" dirty="0"/>
+              <a:t>の風味が、心温まる</a:t>
+            </a:r>
+            <a:r>
+              <a:rPr lang="ja-JP" altLang="en-US" sz="3200" dirty="0">
+                <a:solidFill>
+                  <a:srgbClr val="FF0000"/>
+                </a:solidFill>
+              </a:rPr>
+              <a:t>ミサ</a:t>
+            </a:r>
+            <a:r>
+              <a:rPr lang="ja-JP" altLang="en-US" sz="3200" dirty="0"/>
+              <a:t>と共に</a:t>
+            </a:r>
+            <a:r>
+              <a:rPr lang="ja-JP" altLang="en-US" sz="3200" dirty="0">
+                <a:solidFill>
+                  <a:srgbClr val="FF0000"/>
+                </a:solidFill>
+              </a:rPr>
+              <a:t>入っ</a:t>
+            </a:r>
+            <a:r>
+              <a:rPr lang="ja-JP" altLang="en-US" sz="3200" dirty="0"/>
+              <a:t>た一杯は、本当に</a:t>
+            </a:r>
+            <a:r>
+              <a:rPr lang="ja-JP" altLang="en-US" sz="3200" dirty="0">
+                <a:solidFill>
+                  <a:srgbClr val="FF0000"/>
+                </a:solidFill>
+              </a:rPr>
+              <a:t>美味し</a:t>
+            </a:r>
+            <a:r>
+              <a:rPr lang="ja-JP" altLang="en-US" sz="3200" dirty="0"/>
+              <a:t>いんですよ。いつも</a:t>
+            </a:r>
+            <a:r>
+              <a:rPr lang="ja-JP" altLang="en-US" sz="3200" dirty="0">
+                <a:solidFill>
+                  <a:srgbClr val="FF0000"/>
+                </a:solidFill>
+              </a:rPr>
+              <a:t>ヒカキン</a:t>
+            </a:r>
+            <a:r>
+              <a:rPr lang="ja-JP" altLang="en-US" sz="3200" dirty="0"/>
+              <a:t>さんの動画でラーメンの話をする姿を見ると、ついつい食べたくなってしまいます。</a:t>
             </a:r>
             <a:endParaRPr lang="en-US" altLang="ja-JP" sz="3200" dirty="0"/>
-          </a:p>
-          <a:p>
-            <a:r>
-              <a:rPr kumimoji="1" lang="ja-JP" altLang="en-US" sz="3200" dirty="0"/>
-              <a:t>・あああああああああああああああああああああああああああああああ</a:t>
-            </a:r>
-            <a:endParaRPr kumimoji="1" lang="en-US" altLang="ja-JP" sz="3200" dirty="0"/>
-          </a:p>
-          <a:p>
-            <a:endParaRPr kumimoji="1" lang="en-US" altLang="ja-JP" sz="3200" dirty="0"/>
-          </a:p>
-          <a:p>
-            <a:r>
-              <a:rPr lang="ja-JP" altLang="en-US" sz="3200" dirty="0"/>
-              <a:t>ここりも</a:t>
-            </a:r>
-            <a:endParaRPr lang="en-US" altLang="ja-JP" sz="3200" dirty="0"/>
-          </a:p>
-          <a:p>
-            <a:r>
-              <a:rPr kumimoji="1" lang="ja-JP" altLang="en-US" sz="3200" dirty="0"/>
-              <a:t>・あああああああああああああああああああああああああああああああ</a:t>
-            </a:r>
-            <a:endParaRPr kumimoji="1" lang="en-US" altLang="ja-JP" sz="3200" dirty="0"/>
-          </a:p>
-          <a:p>
-            <a:r>
-              <a:rPr kumimoji="1" lang="ja-JP" altLang="en-US" sz="3200" dirty="0"/>
-              <a:t>・あああああああああああああああああああああああああああああああ</a:t>
-            </a:r>
-          </a:p>
-        </p:txBody>
-      </p:sp>
-      <p:sp>
-        <p:nvSpPr>
-          <p:cNvPr id="47" name="テキスト ボックス 46">
-            <a:extLst>
-              <a:ext uri="{FF2B5EF4-FFF2-40B4-BE49-F238E27FC236}">
-                <a16:creationId xmlns:a16="http://schemas.microsoft.com/office/drawing/2014/main" id="{5A8CE6ED-96B0-FDF1-AC32-88CE6D7AC83E}"/>
-              </a:ext>
-            </a:extLst>
-          </p:cNvPr>
-          <p:cNvSpPr txBox="1"/>
-          <p:nvPr/>
-        </p:nvSpPr>
-        <p:spPr>
-          <a:xfrm>
-            <a:off x="15658921" y="22410941"/>
-            <a:ext cx="5062797" cy="707886"/>
-          </a:xfrm>
-          <a:prstGeom prst="rect">
-            <a:avLst/>
-          </a:prstGeom>
-          <a:noFill/>
-        </p:spPr>
-        <p:txBody>
-          <a:bodyPr wrap="square" rtlCol="0">
-            <a:spAutoFit/>
-          </a:bodyPr>
-          <a:lstStyle/>
-          <a:p>
-            <a:r>
-              <a:rPr kumimoji="1" lang="ja-JP" altLang="en-US" sz="4000" dirty="0"/>
-              <a:t>文章間の類似度計算</a:t>
-            </a:r>
           </a:p>
         </p:txBody>
       </p:sp>
@@ -6399,30 +6561,30 @@
           <p:nvPr>
             <p:extLst>
               <p:ext uri="{D42A27DB-BD31-4B8C-83A1-F6EECF244321}">
-                <p14:modId xmlns:p14="http://schemas.microsoft.com/office/powerpoint/2010/main" val="1275571611"/>
+                <p14:modId xmlns:p14="http://schemas.microsoft.com/office/powerpoint/2010/main" val="1423427576"/>
               </p:ext>
             </p:extLst>
           </p:nvPr>
         </p:nvGraphicFramePr>
         <p:xfrm>
-          <a:off x="16099832" y="23179261"/>
-          <a:ext cx="12970387" cy="4053840"/>
+          <a:off x="15572035" y="22724083"/>
+          <a:ext cx="13987172" cy="7376160"/>
         </p:xfrm>
         <a:graphic>
           <a:graphicData uri="http://schemas.openxmlformats.org/drawingml/2006/table">
             <a:tbl>
               <a:tblPr firstRow="1" bandRow="1">
-                <a:tableStyleId>{5C22544A-7EE6-4342-B048-85BDC9FD1C3A}</a:tableStyleId>
+                <a:tableStyleId>{912C8C85-51F0-491E-9774-3900AFEF0FD7}</a:tableStyleId>
               </a:tblPr>
               <a:tblGrid>
-                <a:gridCol w="1632443">
+                <a:gridCol w="1584176">
                   <a:extLst>
                     <a:ext uri="{9D8B030D-6E8A-4147-A177-3AD203B41FA5}">
                       <a16:colId xmlns:a16="http://schemas.microsoft.com/office/drawing/2014/main" val="722024811"/>
                     </a:ext>
                   </a:extLst>
                 </a:gridCol>
-                <a:gridCol w="11337944">
+                <a:gridCol w="12402996">
                   <a:extLst>
                     <a:ext uri="{9D8B030D-6E8A-4147-A177-3AD203B41FA5}">
                       <a16:colId xmlns:a16="http://schemas.microsoft.com/office/drawing/2014/main" val="1974923688"/>
@@ -6437,12 +6599,53 @@
                     <a:lstStyle/>
                     <a:p>
                       <a:r>
-                        <a:rPr kumimoji="1" lang="ja-JP" altLang="en-US" sz="3200" dirty="0"/>
+                        <a:rPr kumimoji="1" lang="ja-JP" altLang="en-US" sz="3200" dirty="0">
+                          <a:solidFill>
+                            <a:schemeClr val="tx1"/>
+                          </a:solidFill>
+                        </a:rPr>
                         <a:t>類似度</a:t>
                       </a:r>
                     </a:p>
                   </a:txBody>
-                  <a:tcPr/>
+                  <a:tcPr>
+                    <a:lnL w="12700" cap="flat" cmpd="sng" algn="ctr">
+                      <a:solidFill>
+                        <a:schemeClr val="tx1"/>
+                      </a:solidFill>
+                      <a:prstDash val="solid"/>
+                      <a:round/>
+                      <a:headEnd type="none" w="med" len="med"/>
+                      <a:tailEnd type="none" w="med" len="med"/>
+                    </a:lnL>
+                    <a:lnR w="12700" cap="flat" cmpd="sng" algn="ctr">
+                      <a:solidFill>
+                        <a:schemeClr val="tx1"/>
+                      </a:solidFill>
+                      <a:prstDash val="solid"/>
+                      <a:round/>
+                      <a:headEnd type="none" w="med" len="med"/>
+                      <a:tailEnd type="none" w="med" len="med"/>
+                    </a:lnR>
+                    <a:lnT w="12700" cap="flat" cmpd="sng" algn="ctr">
+                      <a:solidFill>
+                        <a:schemeClr val="tx1"/>
+                      </a:solidFill>
+                      <a:prstDash val="solid"/>
+                      <a:round/>
+                      <a:headEnd type="none" w="med" len="med"/>
+                      <a:tailEnd type="none" w="med" len="med"/>
+                    </a:lnT>
+                    <a:lnB w="12700" cap="flat" cmpd="sng" algn="ctr">
+                      <a:solidFill>
+                        <a:schemeClr val="tx1"/>
+                      </a:solidFill>
+                      <a:prstDash val="solid"/>
+                      <a:round/>
+                      <a:headEnd type="none" w="med" len="med"/>
+                      <a:tailEnd type="none" w="med" len="med"/>
+                    </a:lnB>
+                  </a:tcPr>
                 </a:tc>
                 <a:tc>
                   <a:txBody>
@@ -6450,12 +6653,53 @@
                     <a:lstStyle/>
                     <a:p>
                       <a:r>
-                        <a:rPr kumimoji="1" lang="ja-JP" altLang="en-US" sz="3200" dirty="0"/>
-                        <a:t>文章</a:t>
+                        <a:rPr kumimoji="1" lang="ja-JP" altLang="en-US" sz="3200" dirty="0">
+                          <a:solidFill>
+                            <a:schemeClr val="tx1"/>
+                          </a:solidFill>
+                        </a:rPr>
+                        <a:t>みそきん 元コメント</a:t>
                       </a:r>
                     </a:p>
                   </a:txBody>
-                  <a:tcPr/>
+                  <a:tcPr>
+                    <a:lnL w="12700" cap="flat" cmpd="sng" algn="ctr">
+                      <a:solidFill>
+                        <a:schemeClr val="tx1"/>
+                      </a:solidFill>
+                      <a:prstDash val="solid"/>
+                      <a:round/>
+                      <a:headEnd type="none" w="med" len="med"/>
+                      <a:tailEnd type="none" w="med" len="med"/>
+                    </a:lnL>
+                    <a:lnR w="12700" cap="flat" cmpd="sng" algn="ctr">
+                      <a:solidFill>
+                        <a:schemeClr val="tx1"/>
+                      </a:solidFill>
+                      <a:prstDash val="solid"/>
+                      <a:round/>
+                      <a:headEnd type="none" w="med" len="med"/>
+                      <a:tailEnd type="none" w="med" len="med"/>
+                    </a:lnR>
+                    <a:lnT w="12700" cap="flat" cmpd="sng" algn="ctr">
+                      <a:solidFill>
+                        <a:schemeClr val="tx1"/>
+                      </a:solidFill>
+                      <a:prstDash val="solid"/>
+                      <a:round/>
+                      <a:headEnd type="none" w="med" len="med"/>
+                      <a:tailEnd type="none" w="med" len="med"/>
+                    </a:lnT>
+                    <a:lnB w="12700" cap="flat" cmpd="sng" algn="ctr">
+                      <a:solidFill>
+                        <a:schemeClr val="tx1"/>
+                      </a:solidFill>
+                      <a:prstDash val="solid"/>
+                      <a:round/>
+                      <a:headEnd type="none" w="med" len="med"/>
+                      <a:tailEnd type="none" w="med" len="med"/>
+                    </a:lnB>
+                  </a:tcPr>
                 </a:tc>
                 <a:extLst>
                   <a:ext uri="{0D108BD9-81ED-4DB2-BD59-A6C34878D82A}">
@@ -6471,22 +6715,115 @@
                     <a:p>
                       <a:r>
                         <a:rPr kumimoji="1" lang="en-US" altLang="ja-JP" sz="3200" dirty="0"/>
-                        <a:t>0.999</a:t>
+                        <a:t>0.94179</a:t>
                       </a:r>
                       <a:endParaRPr kumimoji="1" lang="ja-JP" altLang="en-US" sz="3200" dirty="0"/>
                     </a:p>
                   </a:txBody>
-                  <a:tcPr/>
+                  <a:tcPr>
+                    <a:lnL w="12700" cap="flat" cmpd="sng" algn="ctr">
+                      <a:solidFill>
+                        <a:schemeClr val="tx1"/>
+                      </a:solidFill>
+                      <a:prstDash val="solid"/>
+                      <a:round/>
+                      <a:headEnd type="none" w="med" len="med"/>
+                      <a:tailEnd type="none" w="med" len="med"/>
+                    </a:lnL>
+                    <a:lnR w="12700" cap="flat" cmpd="sng" algn="ctr">
+                      <a:solidFill>
+                        <a:schemeClr val="tx1"/>
+                      </a:solidFill>
+                      <a:prstDash val="solid"/>
+                      <a:round/>
+                      <a:headEnd type="none" w="med" len="med"/>
+                      <a:tailEnd type="none" w="med" len="med"/>
+                    </a:lnR>
+                    <a:lnT w="12700" cap="flat" cmpd="sng" algn="ctr">
+                      <a:solidFill>
+                        <a:schemeClr val="tx1"/>
+                      </a:solidFill>
+                      <a:prstDash val="solid"/>
+                      <a:round/>
+                      <a:headEnd type="none" w="med" len="med"/>
+                      <a:tailEnd type="none" w="med" len="med"/>
+                    </a:lnT>
+                    <a:lnB w="12700" cap="flat" cmpd="sng" algn="ctr">
+                      <a:solidFill>
+                        <a:schemeClr val="tx1"/>
+                      </a:solidFill>
+                      <a:prstDash val="solid"/>
+                      <a:round/>
+                      <a:headEnd type="none" w="med" len="med"/>
+                      <a:tailEnd type="none" w="med" len="med"/>
+                    </a:lnB>
+                  </a:tcPr>
                 </a:tc>
                 <a:tc>
                   <a:txBody>
                     <a:bodyPr/>
                     <a:lstStyle/>
                     <a:p>
-                      <a:endParaRPr kumimoji="1" lang="ja-JP" altLang="en-US" sz="3200" dirty="0"/>
+                      <a:r>
+                        <a:rPr kumimoji="1" lang="ja-JP" altLang="en-US" sz="2800" dirty="0"/>
+                        <a:t>味噌ラーメン好きとしてとても気になる絶対買う味噌派閥にも嗜好が違う事があるから</a:t>
+                      </a:r>
+                      <a:r>
+                        <a:rPr kumimoji="1" lang="en-US" altLang="ja-JP" sz="2800" dirty="0" err="1"/>
+                        <a:t>hikakin</a:t>
+                      </a:r>
+                      <a:r>
+                        <a:rPr kumimoji="1" lang="ja-JP" altLang="en-US" sz="2800" dirty="0"/>
+                        <a:t>さんがどんな味が好きなのか楽しみ</a:t>
+                      </a:r>
                     </a:p>
                   </a:txBody>
-                  <a:tcPr/>
+                  <a:tcPr>
+                    <a:lnL w="12700" cap="flat" cmpd="sng" algn="ctr">
+                      <a:solidFill>
+                        <a:schemeClr val="tx1"/>
+                      </a:solidFill>
+                      <a:prstDash val="solid"/>
+                      <a:round/>
+                      <a:headEnd type="none" w="med" len="med"/>
+                      <a:tailEnd type="none" w="med" len="med"/>
+                    </a:lnL>
+                    <a:lnR w="12700" cap="flat" cmpd="sng" algn="ctr">
+                      <a:solidFill>
+                        <a:schemeClr val="tx1"/>
+                      </a:solidFill>
+                      <a:prstDash val="solid"/>
+                      <a:round/>
+                      <a:headEnd type="none" w="med" len="med"/>
+                      <a:tailEnd type="none" w="med" len="med"/>
+                    </a:lnR>
+                    <a:lnT w="12700" cap="flat" cmpd="sng" algn="ctr">
+                      <a:solidFill>
+                        <a:schemeClr val="tx1"/>
+                      </a:solidFill>
+                      <a:prstDash val="solid"/>
+                      <a:round/>
+                      <a:headEnd type="none" w="med" len="med"/>
+                      <a:tailEnd type="none" w="med" len="med"/>
+                    </a:lnT>
+                    <a:lnB w="12700" cap="flat" cmpd="sng" algn="ctr">
+                      <a:solidFill>
+                        <a:schemeClr val="tx1"/>
+                      </a:solidFill>
+                      <a:prstDash val="solid"/>
+                      <a:round/>
+                      <a:headEnd type="none" w="med" len="med"/>
+                      <a:tailEnd type="none" w="med" len="med"/>
+                    </a:lnB>
+                    <a:lnTlToBr w="12700" cmpd="sng">
+                      <a:noFill/>
+                      <a:prstDash val="solid"/>
+                    </a:lnTlToBr>
+                    <a:lnBlToTr w="12700" cmpd="sng">
+                      <a:noFill/>
+                      <a:prstDash val="solid"/>
+                    </a:lnBlToTr>
+                  </a:tcPr>
                 </a:tc>
                 <a:extLst>
                   <a:ext uri="{0D108BD9-81ED-4DB2-BD59-A6C34878D82A}">
@@ -6502,22 +6839,107 @@
                     <a:p>
                       <a:r>
                         <a:rPr kumimoji="1" lang="en-US" altLang="ja-JP" sz="3200" dirty="0"/>
-                        <a:t>0.8534</a:t>
+                        <a:t>0.92595</a:t>
                       </a:r>
                       <a:endParaRPr kumimoji="1" lang="ja-JP" altLang="en-US" sz="3200" dirty="0"/>
                     </a:p>
                   </a:txBody>
-                  <a:tcPr/>
+                  <a:tcPr>
+                    <a:lnL w="12700" cap="flat" cmpd="sng" algn="ctr">
+                      <a:solidFill>
+                        <a:schemeClr val="tx1"/>
+                      </a:solidFill>
+                      <a:prstDash val="solid"/>
+                      <a:round/>
+                      <a:headEnd type="none" w="med" len="med"/>
+                      <a:tailEnd type="none" w="med" len="med"/>
+                    </a:lnL>
+                    <a:lnR w="12700" cap="flat" cmpd="sng" algn="ctr">
+                      <a:solidFill>
+                        <a:schemeClr val="tx1"/>
+                      </a:solidFill>
+                      <a:prstDash val="solid"/>
+                      <a:round/>
+                      <a:headEnd type="none" w="med" len="med"/>
+                      <a:tailEnd type="none" w="med" len="med"/>
+                    </a:lnR>
+                    <a:lnT w="12700" cap="flat" cmpd="sng" algn="ctr">
+                      <a:solidFill>
+                        <a:schemeClr val="tx1"/>
+                      </a:solidFill>
+                      <a:prstDash val="solid"/>
+                      <a:round/>
+                      <a:headEnd type="none" w="med" len="med"/>
+                      <a:tailEnd type="none" w="med" len="med"/>
+                    </a:lnT>
+                    <a:lnB w="12700" cap="flat" cmpd="sng" algn="ctr">
+                      <a:solidFill>
+                        <a:schemeClr val="tx1"/>
+                      </a:solidFill>
+                      <a:prstDash val="solid"/>
+                      <a:round/>
+                      <a:headEnd type="none" w="med" len="med"/>
+                      <a:tailEnd type="none" w="med" len="med"/>
+                    </a:lnB>
+                  </a:tcPr>
                 </a:tc>
                 <a:tc>
                   <a:txBody>
                     <a:bodyPr/>
                     <a:lstStyle/>
                     <a:p>
-                      <a:endParaRPr kumimoji="1" lang="ja-JP" altLang="en-US" sz="3200" dirty="0"/>
+                      <a:r>
+                        <a:rPr kumimoji="1" lang="ja-JP" altLang="en-US" sz="2800" dirty="0"/>
+                        <a:t>白味噌も入ったベースのニンニクのパンチあるラーメンの味の意味がわかりましたニューミサ僕も大ファンですコレは試してみたい</a:t>
+                      </a:r>
                     </a:p>
                   </a:txBody>
-                  <a:tcPr/>
+                  <a:tcPr>
+                    <a:lnL w="12700" cap="flat" cmpd="sng" algn="ctr">
+                      <a:solidFill>
+                        <a:schemeClr val="tx1"/>
+                      </a:solidFill>
+                      <a:prstDash val="solid"/>
+                      <a:round/>
+                      <a:headEnd type="none" w="med" len="med"/>
+                      <a:tailEnd type="none" w="med" len="med"/>
+                    </a:lnL>
+                    <a:lnR w="12700" cap="flat" cmpd="sng" algn="ctr">
+                      <a:solidFill>
+                        <a:schemeClr val="tx1"/>
+                      </a:solidFill>
+                      <a:prstDash val="solid"/>
+                      <a:round/>
+                      <a:headEnd type="none" w="med" len="med"/>
+                      <a:tailEnd type="none" w="med" len="med"/>
+                    </a:lnR>
+                    <a:lnT w="12700" cap="flat" cmpd="sng" algn="ctr">
+                      <a:solidFill>
+                        <a:schemeClr val="tx1"/>
+                      </a:solidFill>
+                      <a:prstDash val="solid"/>
+                      <a:round/>
+                      <a:headEnd type="none" w="med" len="med"/>
+                      <a:tailEnd type="none" w="med" len="med"/>
+                    </a:lnT>
+                    <a:lnB w="12700" cap="flat" cmpd="sng" algn="ctr">
+                      <a:solidFill>
+                        <a:schemeClr val="tx1"/>
+                      </a:solidFill>
+                      <a:prstDash val="solid"/>
+                      <a:round/>
+                      <a:headEnd type="none" w="med" len="med"/>
+                      <a:tailEnd type="none" w="med" len="med"/>
+                    </a:lnB>
+                    <a:lnTlToBr w="12700" cmpd="sng">
+                      <a:noFill/>
+                      <a:prstDash val="solid"/>
+                    </a:lnTlToBr>
+                    <a:lnBlToTr w="12700" cmpd="sng">
+                      <a:noFill/>
+                      <a:prstDash val="solid"/>
+                    </a:lnBlToTr>
+                  </a:tcPr>
                 </a:tc>
                 <a:extLst>
                   <a:ext uri="{0D108BD9-81ED-4DB2-BD59-A6C34878D82A}">
@@ -6533,22 +6955,118 @@
                     <a:p>
                       <a:r>
                         <a:rPr kumimoji="1" lang="en-US" altLang="ja-JP" sz="3200" dirty="0"/>
-                        <a:t>0.75654</a:t>
+                        <a:t>0.91985</a:t>
                       </a:r>
-                      <a:endParaRPr kumimoji="1" lang="ja-JP" altLang="en-US" sz="3200" dirty="0"/>
+                    </a:p>
+                    <a:p>
+                      <a:endParaRPr kumimoji="1" lang="en-US" altLang="ja-JP" sz="3200" dirty="0"/>
                     </a:p>
                   </a:txBody>
-                  <a:tcPr/>
+                  <a:tcPr>
+                    <a:lnL w="12700" cap="flat" cmpd="sng" algn="ctr">
+                      <a:solidFill>
+                        <a:schemeClr val="tx1"/>
+                      </a:solidFill>
+                      <a:prstDash val="solid"/>
+                      <a:round/>
+                      <a:headEnd type="none" w="med" len="med"/>
+                      <a:tailEnd type="none" w="med" len="med"/>
+                    </a:lnL>
+                    <a:lnR w="12700" cap="flat" cmpd="sng" algn="ctr">
+                      <a:solidFill>
+                        <a:schemeClr val="tx1"/>
+                      </a:solidFill>
+                      <a:prstDash val="solid"/>
+                      <a:round/>
+                      <a:headEnd type="none" w="med" len="med"/>
+                      <a:tailEnd type="none" w="med" len="med"/>
+                    </a:lnR>
+                    <a:lnT w="12700" cap="flat" cmpd="sng" algn="ctr">
+                      <a:solidFill>
+                        <a:schemeClr val="tx1"/>
+                      </a:solidFill>
+                      <a:prstDash val="solid"/>
+                      <a:round/>
+                      <a:headEnd type="none" w="med" len="med"/>
+                      <a:tailEnd type="none" w="med" len="med"/>
+                    </a:lnT>
+                    <a:lnB w="12700" cap="flat" cmpd="sng" algn="ctr">
+                      <a:solidFill>
+                        <a:schemeClr val="tx1"/>
+                      </a:solidFill>
+                      <a:prstDash val="solid"/>
+                      <a:round/>
+                      <a:headEnd type="none" w="med" len="med"/>
+                      <a:tailEnd type="none" w="med" len="med"/>
+                    </a:lnB>
+                  </a:tcPr>
                 </a:tc>
                 <a:tc>
                   <a:txBody>
                     <a:bodyPr/>
                     <a:lstStyle/>
                     <a:p>
-                      <a:endParaRPr kumimoji="1" lang="ja-JP" altLang="en-US" sz="3200" dirty="0"/>
+                      <a:r>
+                        <a:rPr kumimoji="1" lang="ja-JP" altLang="en-US" sz="2800" dirty="0"/>
+                        <a:t>再生回数見て思ったけど今でもみんなの関心を惹き付けてる事が凄いちゃんとみんな</a:t>
+                      </a:r>
+                      <a:r>
+                        <a:rPr kumimoji="1" lang="en-US" altLang="ja-JP" sz="2800" dirty="0" err="1"/>
+                        <a:t>hikakin</a:t>
+                      </a:r>
+                      <a:r>
+                        <a:rPr kumimoji="1" lang="ja-JP" altLang="en-US" sz="2800" dirty="0"/>
+                        <a:t>の事気になってるんだね</a:t>
+                      </a:r>
+                      <a:endParaRPr kumimoji="1" lang="en-US" altLang="ja-JP" sz="2800" dirty="0"/>
                     </a:p>
                   </a:txBody>
-                  <a:tcPr/>
+                  <a:tcPr>
+                    <a:lnL w="12700" cap="flat" cmpd="sng" algn="ctr">
+                      <a:solidFill>
+                        <a:schemeClr val="tx1"/>
+                      </a:solidFill>
+                      <a:prstDash val="solid"/>
+                      <a:round/>
+                      <a:headEnd type="none" w="med" len="med"/>
+                      <a:tailEnd type="none" w="med" len="med"/>
+                    </a:lnL>
+                    <a:lnR w="12700" cap="flat" cmpd="sng" algn="ctr">
+                      <a:solidFill>
+                        <a:schemeClr val="tx1"/>
+                      </a:solidFill>
+                      <a:prstDash val="solid"/>
+                      <a:round/>
+                      <a:headEnd type="none" w="med" len="med"/>
+                      <a:tailEnd type="none" w="med" len="med"/>
+                    </a:lnR>
+                    <a:lnT w="12700" cap="flat" cmpd="sng" algn="ctr">
+                      <a:solidFill>
+                        <a:schemeClr val="tx1"/>
+                      </a:solidFill>
+                      <a:prstDash val="solid"/>
+                      <a:round/>
+                      <a:headEnd type="none" w="med" len="med"/>
+                      <a:tailEnd type="none" w="med" len="med"/>
+                    </a:lnT>
+                    <a:lnB w="12700" cap="flat" cmpd="sng" algn="ctr">
+                      <a:solidFill>
+                        <a:schemeClr val="tx1"/>
+                      </a:solidFill>
+                      <a:prstDash val="solid"/>
+                      <a:round/>
+                      <a:headEnd type="none" w="med" len="med"/>
+                      <a:tailEnd type="none" w="med" len="med"/>
+                    </a:lnB>
+                    <a:lnTlToBr w="12700" cmpd="sng">
+                      <a:noFill/>
+                      <a:prstDash val="solid"/>
+                    </a:lnTlToBr>
+                    <a:lnBlToTr w="12700" cmpd="sng">
+                      <a:noFill/>
+                      <a:prstDash val="solid"/>
+                    </a:lnBlToTr>
+                  </a:tcPr>
                 </a:tc>
                 <a:extLst>
                   <a:ext uri="{0D108BD9-81ED-4DB2-BD59-A6C34878D82A}">
@@ -6562,24 +7080,120 @@
                     <a:bodyPr/>
                     <a:lstStyle/>
                     <a:p>
-                      <a:endParaRPr kumimoji="1" lang="ja-JP" altLang="en-US" sz="3200" dirty="0"/>
+                      <a:r>
+                        <a:rPr kumimoji="1" lang="ja-JP" altLang="en-US" sz="3200" b="1" dirty="0"/>
+                        <a:t>類似度</a:t>
+                      </a:r>
+                      <a:endParaRPr kumimoji="1" lang="en-US" altLang="ja-JP" sz="3200" b="1" dirty="0"/>
                     </a:p>
                   </a:txBody>
-                  <a:tcPr/>
+                  <a:tcPr>
+                    <a:lnL w="12700" cap="flat" cmpd="sng" algn="ctr">
+                      <a:solidFill>
+                        <a:schemeClr val="tx1"/>
+                      </a:solidFill>
+                      <a:prstDash val="solid"/>
+                      <a:round/>
+                      <a:headEnd type="none" w="med" len="med"/>
+                      <a:tailEnd type="none" w="med" len="med"/>
+                    </a:lnL>
+                    <a:lnR w="12700" cap="flat" cmpd="sng" algn="ctr">
+                      <a:solidFill>
+                        <a:schemeClr val="tx1"/>
+                      </a:solidFill>
+                      <a:prstDash val="solid"/>
+                      <a:round/>
+                      <a:headEnd type="none" w="med" len="med"/>
+                      <a:tailEnd type="none" w="med" len="med"/>
+                    </a:lnR>
+                    <a:lnT w="12700" cap="flat" cmpd="sng" algn="ctr">
+                      <a:solidFill>
+                        <a:schemeClr val="tx1"/>
+                      </a:solidFill>
+                      <a:prstDash val="solid"/>
+                      <a:round/>
+                      <a:headEnd type="none" w="med" len="med"/>
+                      <a:tailEnd type="none" w="med" len="med"/>
+                    </a:lnT>
+                    <a:lnB w="12700" cap="flat" cmpd="sng" algn="ctr">
+                      <a:solidFill>
+                        <a:schemeClr val="tx1"/>
+                      </a:solidFill>
+                      <a:prstDash val="solid"/>
+                      <a:round/>
+                      <a:headEnd type="none" w="med" len="med"/>
+                      <a:tailEnd type="none" w="med" len="med"/>
+                    </a:lnB>
+                    <a:solidFill>
+                      <a:srgbClr val="F79646"/>
+                    </a:solidFill>
+                  </a:tcPr>
                 </a:tc>
                 <a:tc>
                   <a:txBody>
                     <a:bodyPr/>
                     <a:lstStyle/>
                     <a:p>
-                      <a:endParaRPr kumimoji="1" lang="ja-JP" altLang="en-US" sz="3200" dirty="0"/>
+                      <a:r>
+                        <a:rPr kumimoji="1" lang="ja-JP" altLang="en-US" sz="3200" b="1" dirty="0"/>
+                        <a:t>ここリモ 元コメント</a:t>
+                      </a:r>
+                      <a:endParaRPr kumimoji="1" lang="en-US" altLang="ja-JP" sz="3200" b="1" dirty="0"/>
                     </a:p>
                   </a:txBody>
-                  <a:tcPr/>
+                  <a:tcPr>
+                    <a:lnL w="12700" cap="flat" cmpd="sng" algn="ctr">
+                      <a:solidFill>
+                        <a:schemeClr val="tx1"/>
+                      </a:solidFill>
+                      <a:prstDash val="solid"/>
+                      <a:round/>
+                      <a:headEnd type="none" w="med" len="med"/>
+                      <a:tailEnd type="none" w="med" len="med"/>
+                    </a:lnL>
+                    <a:lnR w="12700" cap="flat" cmpd="sng" algn="ctr">
+                      <a:solidFill>
+                        <a:schemeClr val="tx1"/>
+                      </a:solidFill>
+                      <a:prstDash val="solid"/>
+                      <a:round/>
+                      <a:headEnd type="none" w="med" len="med"/>
+                      <a:tailEnd type="none" w="med" len="med"/>
+                    </a:lnR>
+                    <a:lnT w="12700" cap="flat" cmpd="sng" algn="ctr">
+                      <a:solidFill>
+                        <a:schemeClr val="tx1"/>
+                      </a:solidFill>
+                      <a:prstDash val="solid"/>
+                      <a:round/>
+                      <a:headEnd type="none" w="med" len="med"/>
+                      <a:tailEnd type="none" w="med" len="med"/>
+                    </a:lnT>
+                    <a:lnB w="12700" cap="flat" cmpd="sng" algn="ctr">
+                      <a:solidFill>
+                        <a:schemeClr val="tx1"/>
+                      </a:solidFill>
+                      <a:prstDash val="solid"/>
+                      <a:round/>
+                      <a:headEnd type="none" w="med" len="med"/>
+                      <a:tailEnd type="none" w="med" len="med"/>
+                    </a:lnB>
+                    <a:lnTlToBr w="12700" cmpd="sng">
+                      <a:noFill/>
+                      <a:prstDash val="solid"/>
+                    </a:lnTlToBr>
+                    <a:lnBlToTr w="12700" cmpd="sng">
+                      <a:noFill/>
+                      <a:prstDash val="solid"/>
+                    </a:lnBlToTr>
+                    <a:solidFill>
+                      <a:srgbClr val="F79646"/>
+                    </a:solidFill>
+                  </a:tcPr>
                 </a:tc>
                 <a:extLst>
                   <a:ext uri="{0D108BD9-81ED-4DB2-BD59-A6C34878D82A}">
-                    <a16:rowId xmlns:a16="http://schemas.microsoft.com/office/drawing/2014/main" val="3810776875"/>
+                    <a16:rowId xmlns:a16="http://schemas.microsoft.com/office/drawing/2014/main" val="1024616801"/>
                   </a:ext>
                 </a:extLst>
               </a:tr>
@@ -6589,24 +7203,119 @@
                     <a:bodyPr/>
                     <a:lstStyle/>
                     <a:p>
-                      <a:endParaRPr kumimoji="1" lang="ja-JP" altLang="en-US" sz="3200"/>
+                      <a:r>
+                        <a:rPr kumimoji="1" lang="en-US" altLang="ja-JP" sz="3200" dirty="0"/>
+                        <a:t>0.91363</a:t>
+                      </a:r>
                     </a:p>
                   </a:txBody>
-                  <a:tcPr/>
+                  <a:tcPr>
+                    <a:lnL w="12700" cap="flat" cmpd="sng" algn="ctr">
+                      <a:solidFill>
+                        <a:schemeClr val="tx1"/>
+                      </a:solidFill>
+                      <a:prstDash val="solid"/>
+                      <a:round/>
+                      <a:headEnd type="none" w="med" len="med"/>
+                      <a:tailEnd type="none" w="med" len="med"/>
+                    </a:lnL>
+                    <a:lnR w="12700" cap="flat" cmpd="sng" algn="ctr">
+                      <a:solidFill>
+                        <a:schemeClr val="tx1"/>
+                      </a:solidFill>
+                      <a:prstDash val="solid"/>
+                      <a:round/>
+                      <a:headEnd type="none" w="med" len="med"/>
+                      <a:tailEnd type="none" w="med" len="med"/>
+                    </a:lnR>
+                    <a:lnT w="12700" cap="flat" cmpd="sng" algn="ctr">
+                      <a:solidFill>
+                        <a:schemeClr val="tx1"/>
+                      </a:solidFill>
+                      <a:prstDash val="solid"/>
+                      <a:round/>
+                      <a:headEnd type="none" w="med" len="med"/>
+                      <a:tailEnd type="none" w="med" len="med"/>
+                    </a:lnT>
+                    <a:lnB w="12700" cap="flat" cmpd="sng" algn="ctr">
+                      <a:solidFill>
+                        <a:schemeClr val="tx1"/>
+                      </a:solidFill>
+                      <a:prstDash val="solid"/>
+                      <a:round/>
+                      <a:headEnd type="none" w="med" len="med"/>
+                      <a:tailEnd type="none" w="med" len="med"/>
+                    </a:lnB>
+                    <a:solidFill>
+                      <a:schemeClr val="bg1"/>
+                    </a:solidFill>
+                  </a:tcPr>
                 </a:tc>
                 <a:tc>
                   <a:txBody>
                     <a:bodyPr/>
                     <a:lstStyle/>
                     <a:p>
-                      <a:endParaRPr kumimoji="1" lang="ja-JP" altLang="en-US" sz="3200" dirty="0"/>
+                      <a:r>
+                        <a:rPr kumimoji="1" lang="ja-JP" altLang="en-US" sz="2800" dirty="0"/>
+                        <a:t>家にいる時間が増えてきている今とても便利な機能ですねスマホで出来るのがほんとに素晴らしい一人暮らしの方でも使いやすくて良いですね</a:t>
+                      </a:r>
+                      <a:endParaRPr kumimoji="1" lang="en-US" altLang="ja-JP" sz="2800" dirty="0"/>
                     </a:p>
                   </a:txBody>
-                  <a:tcPr/>
+                  <a:tcPr>
+                    <a:lnL w="12700" cap="flat" cmpd="sng" algn="ctr">
+                      <a:solidFill>
+                        <a:schemeClr val="tx1"/>
+                      </a:solidFill>
+                      <a:prstDash val="solid"/>
+                      <a:round/>
+                      <a:headEnd type="none" w="med" len="med"/>
+                      <a:tailEnd type="none" w="med" len="med"/>
+                    </a:lnL>
+                    <a:lnR w="12700" cap="flat" cmpd="sng" algn="ctr">
+                      <a:solidFill>
+                        <a:schemeClr val="tx1"/>
+                      </a:solidFill>
+                      <a:prstDash val="solid"/>
+                      <a:round/>
+                      <a:headEnd type="none" w="med" len="med"/>
+                      <a:tailEnd type="none" w="med" len="med"/>
+                    </a:lnR>
+                    <a:lnT w="12700" cap="flat" cmpd="sng" algn="ctr">
+                      <a:solidFill>
+                        <a:schemeClr val="tx1"/>
+                      </a:solidFill>
+                      <a:prstDash val="solid"/>
+                      <a:round/>
+                      <a:headEnd type="none" w="med" len="med"/>
+                      <a:tailEnd type="none" w="med" len="med"/>
+                    </a:lnT>
+                    <a:lnB w="12700" cap="flat" cmpd="sng" algn="ctr">
+                      <a:solidFill>
+                        <a:schemeClr val="tx1"/>
+                      </a:solidFill>
+                      <a:prstDash val="solid"/>
+                      <a:round/>
+                      <a:headEnd type="none" w="med" len="med"/>
+                      <a:tailEnd type="none" w="med" len="med"/>
+                    </a:lnB>
+                    <a:lnTlToBr w="12700" cmpd="sng">
+                      <a:noFill/>
+                      <a:prstDash val="solid"/>
+                    </a:lnTlToBr>
+                    <a:lnBlToTr w="12700" cmpd="sng">
+                      <a:noFill/>
+                      <a:prstDash val="solid"/>
+                    </a:lnBlToTr>
+                    <a:solidFill>
+                      <a:schemeClr val="bg1"/>
+                    </a:solidFill>
+                  </a:tcPr>
                 </a:tc>
                 <a:extLst>
                   <a:ext uri="{0D108BD9-81ED-4DB2-BD59-A6C34878D82A}">
-                    <a16:rowId xmlns:a16="http://schemas.microsoft.com/office/drawing/2014/main" val="448652883"/>
+                    <a16:rowId xmlns:a16="http://schemas.microsoft.com/office/drawing/2014/main" val="1687811833"/>
                   </a:ext>
                 </a:extLst>
               </a:tr>
@@ -6616,24 +7325,249 @@
                     <a:bodyPr/>
                     <a:lstStyle/>
                     <a:p>
-                      <a:endParaRPr kumimoji="1" lang="ja-JP" altLang="en-US" sz="3200"/>
+                      <a:r>
+                        <a:rPr kumimoji="1" lang="en-US" altLang="ja-JP" sz="3200" dirty="0"/>
+                        <a:t>0.91185</a:t>
+                      </a:r>
                     </a:p>
                   </a:txBody>
-                  <a:tcPr/>
+                  <a:tcPr>
+                    <a:lnL w="12700" cap="flat" cmpd="sng" algn="ctr">
+                      <a:solidFill>
+                        <a:schemeClr val="tx1"/>
+                      </a:solidFill>
+                      <a:prstDash val="solid"/>
+                      <a:round/>
+                      <a:headEnd type="none" w="med" len="med"/>
+                      <a:tailEnd type="none" w="med" len="med"/>
+                    </a:lnL>
+                    <a:lnR w="12700" cap="flat" cmpd="sng" algn="ctr">
+                      <a:solidFill>
+                        <a:schemeClr val="tx1"/>
+                      </a:solidFill>
+                      <a:prstDash val="solid"/>
+                      <a:round/>
+                      <a:headEnd type="none" w="med" len="med"/>
+                      <a:tailEnd type="none" w="med" len="med"/>
+                    </a:lnR>
+                    <a:lnT w="12700" cap="flat" cmpd="sng" algn="ctr">
+                      <a:solidFill>
+                        <a:schemeClr val="tx1"/>
+                      </a:solidFill>
+                      <a:prstDash val="solid"/>
+                      <a:round/>
+                      <a:headEnd type="none" w="med" len="med"/>
+                      <a:tailEnd type="none" w="med" len="med"/>
+                    </a:lnT>
+                    <a:lnB w="12700" cap="flat" cmpd="sng" algn="ctr">
+                      <a:solidFill>
+                        <a:schemeClr val="tx1"/>
+                      </a:solidFill>
+                      <a:prstDash val="solid"/>
+                      <a:round/>
+                      <a:headEnd type="none" w="med" len="med"/>
+                      <a:tailEnd type="none" w="med" len="med"/>
+                    </a:lnB>
+                    <a:solidFill>
+                      <a:schemeClr val="bg1"/>
+                    </a:solidFill>
+                  </a:tcPr>
                 </a:tc>
                 <a:tc>
                   <a:txBody>
                     <a:bodyPr/>
                     <a:lstStyle/>
                     <a:p>
-                      <a:endParaRPr kumimoji="1" lang="ja-JP" altLang="en-US" sz="3200" dirty="0"/>
+                      <a:r>
+                        <a:rPr kumimoji="1" lang="ja-JP" altLang="en-US" sz="2800" dirty="0"/>
+                        <a:t>夏場は電気代高くなりますビックリします今の世の中家で過ごす事が多いので特にクーラー付けっぱなしですここリモは便利そうなので買ってみようと思いますカズさん良いものを紹介してくれてありがとうございます</a:t>
+                      </a:r>
+                      <a:endParaRPr kumimoji="1" lang="en-US" altLang="ja-JP" sz="2800" dirty="0"/>
                     </a:p>
                   </a:txBody>
-                  <a:tcPr/>
+                  <a:tcPr>
+                    <a:lnL w="12700" cap="flat" cmpd="sng" algn="ctr">
+                      <a:solidFill>
+                        <a:schemeClr val="tx1"/>
+                      </a:solidFill>
+                      <a:prstDash val="solid"/>
+                      <a:round/>
+                      <a:headEnd type="none" w="med" len="med"/>
+                      <a:tailEnd type="none" w="med" len="med"/>
+                    </a:lnL>
+                    <a:lnR w="12700" cap="flat" cmpd="sng" algn="ctr">
+                      <a:solidFill>
+                        <a:schemeClr val="tx1"/>
+                      </a:solidFill>
+                      <a:prstDash val="solid"/>
+                      <a:round/>
+                      <a:headEnd type="none" w="med" len="med"/>
+                      <a:tailEnd type="none" w="med" len="med"/>
+                    </a:lnR>
+                    <a:lnT w="12700" cap="flat" cmpd="sng" algn="ctr">
+                      <a:solidFill>
+                        <a:schemeClr val="tx1"/>
+                      </a:solidFill>
+                      <a:prstDash val="solid"/>
+                      <a:round/>
+                      <a:headEnd type="none" w="med" len="med"/>
+                      <a:tailEnd type="none" w="med" len="med"/>
+                    </a:lnT>
+                    <a:lnB w="12700" cap="flat" cmpd="sng" algn="ctr">
+                      <a:solidFill>
+                        <a:schemeClr val="tx1"/>
+                      </a:solidFill>
+                      <a:prstDash val="solid"/>
+                      <a:round/>
+                      <a:headEnd type="none" w="med" len="med"/>
+                      <a:tailEnd type="none" w="med" len="med"/>
+                    </a:lnB>
+                    <a:lnTlToBr w="12700" cmpd="sng">
+                      <a:noFill/>
+                      <a:prstDash val="solid"/>
+                    </a:lnTlToBr>
+                    <a:lnBlToTr w="12700" cmpd="sng">
+                      <a:noFill/>
+                      <a:prstDash val="solid"/>
+                    </a:lnBlToTr>
+                    <a:solidFill>
+                      <a:schemeClr val="bg1"/>
+                    </a:solidFill>
+                  </a:tcPr>
                 </a:tc>
                 <a:extLst>
                   <a:ext uri="{0D108BD9-81ED-4DB2-BD59-A6C34878D82A}">
-                    <a16:rowId xmlns:a16="http://schemas.microsoft.com/office/drawing/2014/main" val="436302903"/>
+                    <a16:rowId xmlns:a16="http://schemas.microsoft.com/office/drawing/2014/main" val="4170920251"/>
+                  </a:ext>
+                </a:extLst>
+              </a:tr>
+              <a:tr h="189637">
+                <a:tc>
+                  <a:txBody>
+                    <a:bodyPr/>
+                    <a:lstStyle/>
+                    <a:p>
+                      <a:r>
+                        <a:rPr kumimoji="1" lang="en-US" altLang="ja-JP" sz="3200" dirty="0"/>
+                        <a:t>0.89938</a:t>
+                      </a:r>
+                    </a:p>
+                  </a:txBody>
+                  <a:tcPr>
+                    <a:lnL w="12700" cap="flat" cmpd="sng" algn="ctr">
+                      <a:solidFill>
+                        <a:schemeClr val="tx1"/>
+                      </a:solidFill>
+                      <a:prstDash val="solid"/>
+                      <a:round/>
+                      <a:headEnd type="none" w="med" len="med"/>
+                      <a:tailEnd type="none" w="med" len="med"/>
+                    </a:lnL>
+                    <a:lnR w="12700" cap="flat" cmpd="sng" algn="ctr">
+                      <a:solidFill>
+                        <a:schemeClr val="tx1"/>
+                      </a:solidFill>
+                      <a:prstDash val="solid"/>
+                      <a:round/>
+                      <a:headEnd type="none" w="med" len="med"/>
+                      <a:tailEnd type="none" w="med" len="med"/>
+                    </a:lnR>
+                    <a:lnT w="12700" cap="flat" cmpd="sng" algn="ctr">
+                      <a:solidFill>
+                        <a:schemeClr val="tx1"/>
+                      </a:solidFill>
+                      <a:prstDash val="solid"/>
+                      <a:round/>
+                      <a:headEnd type="none" w="med" len="med"/>
+                      <a:tailEnd type="none" w="med" len="med"/>
+                    </a:lnT>
+                    <a:lnB w="12700" cap="flat" cmpd="sng" algn="ctr">
+                      <a:solidFill>
+                        <a:schemeClr val="tx1"/>
+                      </a:solidFill>
+                      <a:prstDash val="solid"/>
+                      <a:round/>
+                      <a:headEnd type="none" w="med" len="med"/>
+                      <a:tailEnd type="none" w="med" len="med"/>
+                    </a:lnB>
+                    <a:solidFill>
+                      <a:schemeClr val="bg1"/>
+                    </a:solidFill>
+                  </a:tcPr>
+                </a:tc>
+                <a:tc>
+                  <a:txBody>
+                    <a:bodyPr/>
+                    <a:lstStyle/>
+                    <a:p>
+                      <a:r>
+                        <a:rPr kumimoji="1" lang="ja-JP" altLang="en-US" sz="2800" dirty="0"/>
+                        <a:t>カズさんいつも動画作りお疲れ様ですカズさんにお聞きしたいのですが</a:t>
+                      </a:r>
+                      <a:r>
+                        <a:rPr kumimoji="1" lang="en-US" altLang="ja-JP" sz="2800" dirty="0"/>
+                        <a:t>0</a:t>
+                      </a:r>
+                      <a:r>
+                        <a:rPr kumimoji="1" lang="ja-JP" altLang="en-US" sz="2800" dirty="0"/>
+                        <a:t>円前後でふわふわのかき氷が作れるかき氷機を教えてください出来れば自動のがいいです</a:t>
+                      </a:r>
+                      <a:endParaRPr kumimoji="1" lang="en-US" altLang="ja-JP" sz="2800" dirty="0"/>
+                    </a:p>
+                  </a:txBody>
+                  <a:tcPr>
+                    <a:lnL w="12700" cap="flat" cmpd="sng" algn="ctr">
+                      <a:solidFill>
+                        <a:schemeClr val="tx1"/>
+                      </a:solidFill>
+                      <a:prstDash val="solid"/>
+                      <a:round/>
+                      <a:headEnd type="none" w="med" len="med"/>
+                      <a:tailEnd type="none" w="med" len="med"/>
+                    </a:lnL>
+                    <a:lnR w="12700" cap="flat" cmpd="sng" algn="ctr">
+                      <a:solidFill>
+                        <a:schemeClr val="tx1"/>
+                      </a:solidFill>
+                      <a:prstDash val="solid"/>
+                      <a:round/>
+                      <a:headEnd type="none" w="med" len="med"/>
+                      <a:tailEnd type="none" w="med" len="med"/>
+                    </a:lnR>
+                    <a:lnT w="12700" cap="flat" cmpd="sng" algn="ctr">
+                      <a:solidFill>
+                        <a:schemeClr val="tx1"/>
+                      </a:solidFill>
+                      <a:prstDash val="solid"/>
+                      <a:round/>
+                      <a:headEnd type="none" w="med" len="med"/>
+                      <a:tailEnd type="none" w="med" len="med"/>
+                    </a:lnT>
+                    <a:lnB w="12700" cap="flat" cmpd="sng" algn="ctr">
+                      <a:solidFill>
+                        <a:schemeClr val="tx1"/>
+                      </a:solidFill>
+                      <a:prstDash val="solid"/>
+                      <a:round/>
+                      <a:headEnd type="none" w="med" len="med"/>
+                      <a:tailEnd type="none" w="med" len="med"/>
+                    </a:lnB>
+                    <a:lnTlToBr w="12700" cmpd="sng">
+                      <a:noFill/>
+                      <a:prstDash val="solid"/>
+                    </a:lnTlToBr>
+                    <a:lnBlToTr w="12700" cmpd="sng">
+                      <a:noFill/>
+                      <a:prstDash val="solid"/>
+                    </a:lnBlToTr>
+                    <a:solidFill>
+                      <a:schemeClr val="bg1"/>
+                    </a:solidFill>
+                  </a:tcPr>
+                </a:tc>
+                <a:extLst>
+                  <a:ext uri="{0D108BD9-81ED-4DB2-BD59-A6C34878D82A}">
+                    <a16:rowId xmlns:a16="http://schemas.microsoft.com/office/drawing/2014/main" val="234125593"/>
                   </a:ext>
                 </a:extLst>
               </a:tr>
@@ -6643,10 +7577,10 @@
       </p:graphicFrame>
       <p:sp>
         <p:nvSpPr>
-          <p:cNvPr id="49" name="テキスト ボックス 48">
+          <p:cNvPr id="42" name="テキスト ボックス 41">
             <a:extLst>
               <a:ext uri="{FF2B5EF4-FFF2-40B4-BE49-F238E27FC236}">
-                <a16:creationId xmlns:a16="http://schemas.microsoft.com/office/drawing/2014/main" id="{5C6058A7-7BBB-A1D8-323C-6942424F3239}"/>
+                <a16:creationId xmlns:a16="http://schemas.microsoft.com/office/drawing/2014/main" id="{0DDD518F-D48C-BBDC-5B74-8384049EDB51}"/>
               </a:ext>
             </a:extLst>
           </p:cNvPr>
@@ -6655,8 +7589,123 @@
         </p:nvSpPr>
         <p:spPr>
           <a:xfrm>
-            <a:off x="15647052" y="27489928"/>
-            <a:ext cx="7916758" cy="707886"/>
+            <a:off x="24130569" y="11800877"/>
+            <a:ext cx="1758862" cy="523220"/>
+          </a:xfrm>
+          <a:prstGeom prst="rect">
+            <a:avLst/>
+          </a:prstGeom>
+          <a:ln>
+            <a:solidFill>
+              <a:schemeClr val="bg1"/>
+            </a:solidFill>
+          </a:ln>
+        </p:spPr>
+        <p:style>
+          <a:lnRef idx="2">
+            <a:schemeClr val="dk1"/>
+          </a:lnRef>
+          <a:fillRef idx="1">
+            <a:schemeClr val="lt1"/>
+          </a:fillRef>
+          <a:effectRef idx="0">
+            <a:schemeClr val="dk1"/>
+          </a:effectRef>
+          <a:fontRef idx="minor">
+            <a:schemeClr val="dk1"/>
+          </a:fontRef>
+        </p:style>
+        <p:txBody>
+          <a:bodyPr wrap="square" rtlCol="0">
+            <a:spAutoFit/>
+          </a:bodyPr>
+          <a:lstStyle/>
+          <a:p>
+            <a:r>
+              <a:rPr lang="ja-JP" altLang="en-US" sz="2800" dirty="0"/>
+              <a:t>パラメータ</a:t>
+            </a:r>
+            <a:endParaRPr kumimoji="1" lang="ja-JP" altLang="en-US" sz="2800" dirty="0"/>
+          </a:p>
+        </p:txBody>
+      </p:sp>
+      <p:sp>
+        <p:nvSpPr>
+          <p:cNvPr id="51" name="テキスト ボックス 50">
+            <a:extLst>
+              <a:ext uri="{FF2B5EF4-FFF2-40B4-BE49-F238E27FC236}">
+                <a16:creationId xmlns:a16="http://schemas.microsoft.com/office/drawing/2014/main" id="{2FA70F1D-1C1B-4A50-776B-554C7B2F10DD}"/>
+              </a:ext>
+            </a:extLst>
+          </p:cNvPr>
+          <p:cNvSpPr txBox="1"/>
+          <p:nvPr/>
+        </p:nvSpPr>
+        <p:spPr>
+          <a:xfrm>
+            <a:off x="15703343" y="21890405"/>
+            <a:ext cx="3833538" cy="707886"/>
+          </a:xfrm>
+          <a:prstGeom prst="rect">
+            <a:avLst/>
+          </a:prstGeom>
+          <a:solidFill>
+            <a:schemeClr val="accent6">
+              <a:lumMod val="75000"/>
+              <a:alpha val="50000"/>
+            </a:schemeClr>
+          </a:solidFill>
+          <a:ln>
+            <a:noFill/>
+          </a:ln>
+        </p:spPr>
+        <p:style>
+          <a:lnRef idx="0">
+            <a:scrgbClr r="0" g="0" b="0"/>
+          </a:lnRef>
+          <a:fillRef idx="0">
+            <a:scrgbClr r="0" g="0" b="0"/>
+          </a:fillRef>
+          <a:effectRef idx="0">
+            <a:scrgbClr r="0" g="0" b="0"/>
+          </a:effectRef>
+          <a:fontRef idx="minor">
+            <a:schemeClr val="lt1"/>
+          </a:fontRef>
+        </p:style>
+        <p:txBody>
+          <a:bodyPr wrap="square" rtlCol="0">
+            <a:spAutoFit/>
+          </a:bodyPr>
+          <a:lstStyle/>
+          <a:p>
+            <a:r>
+              <a:rPr kumimoji="1" lang="ja-JP" altLang="en-US" sz="4000" dirty="0">
+                <a:solidFill>
+                  <a:schemeClr val="tx1"/>
+                </a:solidFill>
+              </a:rPr>
+              <a:t>文章間の類似度</a:t>
+            </a:r>
+          </a:p>
+        </p:txBody>
+      </p:sp>
+      <p:sp>
+        <p:nvSpPr>
+          <p:cNvPr id="41" name="テキスト ボックス 40">
+            <a:extLst>
+              <a:ext uri="{FF2B5EF4-FFF2-40B4-BE49-F238E27FC236}">
+                <a16:creationId xmlns:a16="http://schemas.microsoft.com/office/drawing/2014/main" id="{977EF6B2-34EB-5074-CF89-01CC9FB870A4}"/>
+              </a:ext>
+            </a:extLst>
+          </p:cNvPr>
+          <p:cNvSpPr txBox="1"/>
+          <p:nvPr/>
+        </p:nvSpPr>
+        <p:spPr>
+          <a:xfrm>
+            <a:off x="15810589" y="20327918"/>
+            <a:ext cx="13718591" cy="1569660"/>
           </a:xfrm>
           <a:prstGeom prst="rect">
             <a:avLst/>
@@ -6670,18 +7719,137 @@
           <a:lstStyle/>
           <a:p>
             <a:r>
-              <a:rPr kumimoji="1" lang="ja-JP" altLang="en-US" sz="4000" dirty="0"/>
-              <a:t>人手によるアノテーションとの比較</a:t>
-            </a:r>
-          </a:p>
-        </p:txBody>
-      </p:sp>
-      <p:sp>
-        <p:nvSpPr>
-          <p:cNvPr id="50" name="テキスト ボックス 49">
+              <a:rPr lang="ja-JP" altLang="en-US" sz="3200" dirty="0">
+                <a:solidFill>
+                  <a:schemeClr val="accent6">
+                    <a:lumMod val="75000"/>
+                  </a:schemeClr>
+                </a:solidFill>
+              </a:rPr>
+              <a:t>ここリモ</a:t>
+            </a:r>
+            <a:r>
+              <a:rPr lang="ja-JP" altLang="en-US" sz="3200" dirty="0"/>
+              <a:t>：</a:t>
+            </a:r>
+            <a:r>
+              <a:rPr kumimoji="1" lang="ja-JP" altLang="en-US" sz="3200" dirty="0">
+                <a:solidFill>
+                  <a:srgbClr val="FF0000"/>
+                </a:solidFill>
+              </a:rPr>
+              <a:t>カズさん</a:t>
+            </a:r>
+            <a:r>
+              <a:rPr kumimoji="1" lang="ja-JP" altLang="en-US" sz="3200" dirty="0"/>
+              <a:t>は</a:t>
+            </a:r>
+            <a:r>
+              <a:rPr kumimoji="1" lang="ja-JP" altLang="en-US" sz="3200" dirty="0">
+                <a:solidFill>
+                  <a:srgbClr val="FF0000"/>
+                </a:solidFill>
+              </a:rPr>
+              <a:t>部屋</a:t>
+            </a:r>
+            <a:r>
+              <a:rPr kumimoji="1" lang="ja-JP" altLang="en-US" sz="3200" dirty="0"/>
+              <a:t>の</a:t>
+            </a:r>
+            <a:r>
+              <a:rPr kumimoji="1" lang="ja-JP" altLang="en-US" sz="3200" dirty="0">
+                <a:solidFill>
+                  <a:srgbClr val="FF0000"/>
+                </a:solidFill>
+              </a:rPr>
+              <a:t>温度</a:t>
+            </a:r>
+            <a:r>
+              <a:rPr kumimoji="1" lang="ja-JP" altLang="en-US" sz="3200" dirty="0"/>
+              <a:t>を</a:t>
+            </a:r>
+            <a:r>
+              <a:rPr kumimoji="1" lang="ja-JP" altLang="en-US" sz="3200" dirty="0">
+                <a:solidFill>
+                  <a:srgbClr val="FF0000"/>
+                </a:solidFill>
+              </a:rPr>
+              <a:t>安く</a:t>
+            </a:r>
+            <a:r>
+              <a:rPr kumimoji="1" lang="ja-JP" altLang="en-US" sz="3200" dirty="0"/>
+              <a:t>保つために、</a:t>
+            </a:r>
+            <a:r>
+              <a:rPr kumimoji="1" lang="ja-JP" altLang="en-US" sz="3200" dirty="0">
+                <a:solidFill>
+                  <a:srgbClr val="FF0000"/>
+                </a:solidFill>
+              </a:rPr>
+              <a:t>エアコン</a:t>
+            </a:r>
+            <a:r>
+              <a:rPr kumimoji="1" lang="ja-JP" altLang="en-US" sz="3200" dirty="0"/>
+              <a:t>の使用を控え、代わりに</a:t>
+            </a:r>
+            <a:r>
+              <a:rPr kumimoji="1" lang="ja-JP" altLang="en-US" sz="3200" dirty="0">
+                <a:solidFill>
+                  <a:srgbClr val="FF0000"/>
+                </a:solidFill>
+              </a:rPr>
+              <a:t>カーテン</a:t>
+            </a:r>
+            <a:r>
+              <a:rPr kumimoji="1" lang="ja-JP" altLang="en-US" sz="3200" dirty="0"/>
+              <a:t>を使っています。さらに、</a:t>
+            </a:r>
+            <a:r>
+              <a:rPr kumimoji="1" lang="ja-JP" altLang="en-US" sz="3200" dirty="0">
+                <a:solidFill>
+                  <a:srgbClr val="FF0000"/>
+                </a:solidFill>
+              </a:rPr>
+              <a:t>オール電化</a:t>
+            </a:r>
+            <a:r>
+              <a:rPr kumimoji="1" lang="ja-JP" altLang="en-US" sz="3200" dirty="0"/>
+              <a:t>のシステムを導入しているため、</a:t>
+            </a:r>
+            <a:r>
+              <a:rPr kumimoji="1" lang="ja-JP" altLang="en-US" sz="3200" dirty="0">
+                <a:solidFill>
+                  <a:srgbClr val="FF0000"/>
+                </a:solidFill>
+              </a:rPr>
+              <a:t>電気代</a:t>
+            </a:r>
+            <a:r>
+              <a:rPr kumimoji="1" lang="ja-JP" altLang="en-US" sz="3200" dirty="0"/>
+              <a:t>も</a:t>
+            </a:r>
+            <a:r>
+              <a:rPr kumimoji="1" lang="ja-JP" altLang="en-US" sz="3200" dirty="0">
+                <a:solidFill>
+                  <a:srgbClr val="FF0000"/>
+                </a:solidFill>
+              </a:rPr>
+              <a:t>ガス</a:t>
+            </a:r>
+            <a:r>
+              <a:rPr kumimoji="1" lang="ja-JP" altLang="en-US" sz="3200" dirty="0"/>
+              <a:t>代も節約できています。</a:t>
+            </a:r>
+            <a:endParaRPr kumimoji="1" lang="en-US" altLang="ja-JP" sz="3200" dirty="0"/>
+          </a:p>
+        </p:txBody>
+      </p:sp>
+      <p:sp>
+        <p:nvSpPr>
+          <p:cNvPr id="47" name="テキスト ボックス 46">
             <a:extLst>
               <a:ext uri="{FF2B5EF4-FFF2-40B4-BE49-F238E27FC236}">
-                <a16:creationId xmlns:a16="http://schemas.microsoft.com/office/drawing/2014/main" id="{05A1D8A3-9A3A-B42E-EF7F-693F0B4469E3}"/>
+                <a16:creationId xmlns:a16="http://schemas.microsoft.com/office/drawing/2014/main" id="{28B9FB12-58C5-1E50-15F7-E7D0B1956989}"/>
               </a:ext>
             </a:extLst>
           </p:cNvPr>
@@ -6690,8 +7858,8 @@
         </p:nvSpPr>
         <p:spPr>
           <a:xfrm>
-            <a:off x="16292115" y="28389038"/>
-            <a:ext cx="8208912" cy="2554545"/>
+            <a:off x="15777448" y="38052727"/>
+            <a:ext cx="12885389" cy="4154984"/>
           </a:xfrm>
           <a:prstGeom prst="rect">
             <a:avLst/>
@@ -6705,36 +7873,1126 @@
           <a:lstStyle/>
           <a:p>
             <a:r>
+              <a:rPr kumimoji="1" lang="ja-JP" altLang="en-US" sz="2400" dirty="0"/>
+              <a:t>・</a:t>
+            </a:r>
+            <a:r>
+              <a:rPr kumimoji="1" lang="en-US" altLang="ja-JP" sz="2400" dirty="0"/>
+              <a:t>BTM</a:t>
+            </a:r>
+            <a:r>
+              <a:rPr kumimoji="1" lang="ja-JP" altLang="en-US" sz="2400" dirty="0"/>
+              <a:t>で抽出した単語について</a:t>
+            </a:r>
+            <a:endParaRPr kumimoji="1" lang="en-US" altLang="ja-JP" sz="2400" dirty="0"/>
+          </a:p>
+          <a:p>
+            <a:r>
+              <a:rPr lang="ja-JP" altLang="en-US" sz="2400" dirty="0"/>
+              <a:t>　</a:t>
+            </a:r>
+            <a:r>
+              <a:rPr lang="en-US" altLang="ja-JP" sz="2400" dirty="0"/>
+              <a:t>n=10,20,30</a:t>
+            </a:r>
+            <a:r>
+              <a:rPr lang="ja-JP" altLang="en-US" sz="2400" dirty="0"/>
+              <a:t>での違い</a:t>
+            </a:r>
+            <a:endParaRPr lang="en-US" altLang="ja-JP" sz="2400" dirty="0"/>
+          </a:p>
+          <a:p>
+            <a:r>
+              <a:rPr kumimoji="1" lang="ja-JP" altLang="en-US" sz="2400" dirty="0"/>
+              <a:t>・自動生成の文章について</a:t>
+            </a:r>
+            <a:endParaRPr kumimoji="1" lang="en-US" altLang="ja-JP" sz="2400" dirty="0"/>
+          </a:p>
+          <a:p>
+            <a:r>
+              <a:rPr lang="ja-JP" altLang="en-US" sz="2400" dirty="0"/>
+              <a:t>　他にも検討</a:t>
+            </a:r>
+            <a:endParaRPr kumimoji="1" lang="en-US" altLang="ja-JP" sz="2400" dirty="0"/>
+          </a:p>
+          <a:p>
+            <a:r>
+              <a:rPr lang="ja-JP" altLang="en-US" sz="2400" dirty="0"/>
+              <a:t>・類似度計算結果について</a:t>
+            </a:r>
+            <a:endParaRPr lang="en-US" altLang="ja-JP" sz="2400" dirty="0"/>
+          </a:p>
+          <a:p>
+            <a:r>
+              <a:rPr lang="ja-JP" altLang="en-US" sz="2400" dirty="0"/>
+              <a:t>　文章の長さに依存してしまう、他にも検討</a:t>
+            </a:r>
+            <a:endParaRPr lang="en-US" altLang="ja-JP" sz="2400" dirty="0"/>
+          </a:p>
+          <a:p>
+            <a:r>
+              <a:rPr kumimoji="1" lang="ja-JP" altLang="en-US" sz="2400" dirty="0"/>
+              <a:t>・人手との一致率について</a:t>
+            </a:r>
+            <a:endParaRPr kumimoji="1" lang="en-US" altLang="ja-JP" sz="2400" dirty="0"/>
+          </a:p>
+          <a:p>
+            <a:r>
+              <a:rPr lang="ja-JP" altLang="en-US" sz="2400" dirty="0"/>
+              <a:t>　他の動画でも行い、精度をもっと検証する</a:t>
+            </a:r>
+            <a:endParaRPr kumimoji="1" lang="en-US" altLang="ja-JP" sz="2400" dirty="0"/>
+          </a:p>
+          <a:p>
+            <a:r>
+              <a:rPr lang="ja-JP" altLang="en-US" sz="2400" dirty="0"/>
+              <a:t>・提案手法の有用性について</a:t>
+            </a:r>
+            <a:endParaRPr lang="en-US" altLang="ja-JP" sz="2400" dirty="0"/>
+          </a:p>
+          <a:p>
+            <a:r>
+              <a:rPr lang="ja-JP" altLang="en-US" sz="2400" dirty="0"/>
+              <a:t>　人手でのアノテーションを必要とせず、自動で商品との関連性が高いコメントを抽出できる</a:t>
+            </a:r>
+            <a:endParaRPr lang="en-US" altLang="ja-JP" sz="2400" dirty="0"/>
+          </a:p>
+          <a:p>
+            <a:r>
+              <a:rPr kumimoji="1" lang="ja-JP" altLang="en-US" sz="2400" dirty="0"/>
+              <a:t>・改善案、今後の展望</a:t>
+            </a:r>
+            <a:endParaRPr kumimoji="1" lang="en-US" altLang="ja-JP" sz="2400" dirty="0"/>
+          </a:p>
+        </p:txBody>
+      </p:sp>
+      <p:sp>
+        <p:nvSpPr>
+          <p:cNvPr id="49" name="テキスト ボックス 48">
+            <a:extLst>
+              <a:ext uri="{FF2B5EF4-FFF2-40B4-BE49-F238E27FC236}">
+                <a16:creationId xmlns:a16="http://schemas.microsoft.com/office/drawing/2014/main" id="{56BEEC76-13A4-3E71-C375-3E134B91BB42}"/>
+              </a:ext>
+            </a:extLst>
+          </p:cNvPr>
+          <p:cNvSpPr txBox="1"/>
+          <p:nvPr/>
+        </p:nvSpPr>
+        <p:spPr>
+          <a:xfrm>
+            <a:off x="15641300" y="30191496"/>
+            <a:ext cx="7916758" cy="707886"/>
+          </a:xfrm>
+          <a:prstGeom prst="rect">
+            <a:avLst/>
+          </a:prstGeom>
+          <a:solidFill>
+            <a:srgbClr val="F1B584"/>
+          </a:solidFill>
+          <a:ln>
+            <a:noFill/>
+          </a:ln>
+        </p:spPr>
+        <p:style>
+          <a:lnRef idx="0">
+            <a:scrgbClr r="0" g="0" b="0"/>
+          </a:lnRef>
+          <a:fillRef idx="0">
+            <a:scrgbClr r="0" g="0" b="0"/>
+          </a:fillRef>
+          <a:effectRef idx="0">
+            <a:scrgbClr r="0" g="0" b="0"/>
+          </a:effectRef>
+          <a:fontRef idx="minor">
+            <a:schemeClr val="lt1"/>
+          </a:fontRef>
+        </p:style>
+        <p:txBody>
+          <a:bodyPr wrap="square" rtlCol="0">
+            <a:spAutoFit/>
+          </a:bodyPr>
+          <a:lstStyle/>
+          <a:p>
+            <a:pPr algn="ctr"/>
+            <a:r>
+              <a:rPr kumimoji="1" lang="ja-JP" altLang="en-US" sz="4000" dirty="0">
+                <a:solidFill>
+                  <a:sysClr val="windowText" lastClr="000000"/>
+                </a:solidFill>
+              </a:rPr>
+              <a:t>人手によるアノテーションとの比較</a:t>
+            </a:r>
+          </a:p>
+        </p:txBody>
+      </p:sp>
+      <p:sp>
+        <p:nvSpPr>
+          <p:cNvPr id="53" name="四角形: 角を丸くする 52">
+            <a:extLst>
+              <a:ext uri="{FF2B5EF4-FFF2-40B4-BE49-F238E27FC236}">
+                <a16:creationId xmlns:a16="http://schemas.microsoft.com/office/drawing/2014/main" id="{5057BE42-6B0D-5DE7-C536-92DFF50570B4}"/>
+              </a:ext>
+            </a:extLst>
+          </p:cNvPr>
+          <p:cNvSpPr/>
+          <p:nvPr/>
+        </p:nvSpPr>
+        <p:spPr>
+          <a:xfrm>
+            <a:off x="15703013" y="31227429"/>
+            <a:ext cx="6845895" cy="2095425"/>
+          </a:xfrm>
+          <a:prstGeom prst="roundRect">
+            <a:avLst/>
+          </a:prstGeom>
+          <a:ln w="76200">
+            <a:solidFill>
+              <a:schemeClr val="accent3">
+                <a:lumMod val="40000"/>
+                <a:lumOff val="60000"/>
+              </a:schemeClr>
+            </a:solidFill>
+          </a:ln>
+        </p:spPr>
+        <p:style>
+          <a:lnRef idx="2">
+            <a:schemeClr val="accent3"/>
+          </a:lnRef>
+          <a:fillRef idx="1">
+            <a:schemeClr val="lt1"/>
+          </a:fillRef>
+          <a:effectRef idx="0">
+            <a:schemeClr val="accent3"/>
+          </a:effectRef>
+          <a:fontRef idx="minor">
+            <a:schemeClr val="dk1"/>
+          </a:fontRef>
+        </p:style>
+        <p:txBody>
+          <a:bodyPr rtlCol="0" anchor="ctr"/>
+          <a:lstStyle/>
+          <a:p>
+            <a:pPr marL="514350" indent="-514350">
+              <a:buAutoNum type="arabicPeriod"/>
+            </a:pPr>
+            <a:r>
+              <a:rPr lang="ja-JP" altLang="en-US" sz="3200" dirty="0"/>
+              <a:t>商品に関わるコメント</a:t>
+            </a:r>
+            <a:endParaRPr lang="en-US" altLang="ja-JP" sz="3200" dirty="0"/>
+          </a:p>
+          <a:p>
+            <a:pPr marL="514350" indent="-514350">
+              <a:buAutoNum type="arabicPeriod"/>
+            </a:pPr>
+            <a:r>
+              <a:rPr lang="ja-JP" altLang="en-US" sz="3200" dirty="0"/>
+              <a:t>商品に対する視聴者の感情・意見</a:t>
+            </a:r>
+            <a:endParaRPr lang="en-US" altLang="ja-JP" sz="3200" dirty="0"/>
+          </a:p>
+          <a:p>
+            <a:pPr marL="514350" indent="-514350">
+              <a:buAutoNum type="arabicPeriod"/>
+            </a:pPr>
+            <a:r>
+              <a:rPr lang="ja-JP" altLang="en-US" sz="3200" dirty="0"/>
+              <a:t>動画内容に関わるコメント</a:t>
+            </a:r>
+            <a:endParaRPr lang="en-US" altLang="ja-JP" sz="3200" dirty="0"/>
+          </a:p>
+        </p:txBody>
+      </p:sp>
+      <p:sp>
+        <p:nvSpPr>
+          <p:cNvPr id="54" name="テキスト ボックス 53">
+            <a:extLst>
+              <a:ext uri="{FF2B5EF4-FFF2-40B4-BE49-F238E27FC236}">
+                <a16:creationId xmlns:a16="http://schemas.microsoft.com/office/drawing/2014/main" id="{86089818-CDFF-7290-D435-232E262205B2}"/>
+              </a:ext>
+            </a:extLst>
+          </p:cNvPr>
+          <p:cNvSpPr txBox="1"/>
+          <p:nvPr/>
+        </p:nvSpPr>
+        <p:spPr>
+          <a:xfrm>
+            <a:off x="17231555" y="30944395"/>
+            <a:ext cx="3788809" cy="646331"/>
+          </a:xfrm>
+          <a:prstGeom prst="rect">
+            <a:avLst/>
+          </a:prstGeom>
+          <a:ln>
+            <a:solidFill>
+              <a:schemeClr val="bg1"/>
+            </a:solidFill>
+          </a:ln>
+        </p:spPr>
+        <p:style>
+          <a:lnRef idx="2">
+            <a:schemeClr val="dk1"/>
+          </a:lnRef>
+          <a:fillRef idx="1">
+            <a:schemeClr val="lt1"/>
+          </a:fillRef>
+          <a:effectRef idx="0">
+            <a:schemeClr val="dk1"/>
+          </a:effectRef>
+          <a:fontRef idx="minor">
+            <a:schemeClr val="dk1"/>
+          </a:fontRef>
+        </p:style>
+        <p:txBody>
+          <a:bodyPr wrap="square" rtlCol="0">
+            <a:spAutoFit/>
+          </a:bodyPr>
+          <a:lstStyle/>
+          <a:p>
+            <a:r>
+              <a:rPr lang="ja-JP" altLang="en-US" sz="3600" dirty="0"/>
+              <a:t>アノテーション基準</a:t>
+            </a:r>
+            <a:endParaRPr kumimoji="1" lang="ja-JP" altLang="en-US" sz="3600" dirty="0"/>
+          </a:p>
+        </p:txBody>
+      </p:sp>
+      <p:sp>
+        <p:nvSpPr>
+          <p:cNvPr id="55" name="テキスト ボックス 54">
+            <a:extLst>
+              <a:ext uri="{FF2B5EF4-FFF2-40B4-BE49-F238E27FC236}">
+                <a16:creationId xmlns:a16="http://schemas.microsoft.com/office/drawing/2014/main" id="{9C33FFDB-FD6F-AA96-A088-F2D1F221DFFB}"/>
+              </a:ext>
+            </a:extLst>
+          </p:cNvPr>
+          <p:cNvSpPr txBox="1"/>
+          <p:nvPr/>
+        </p:nvSpPr>
+        <p:spPr>
+          <a:xfrm>
+            <a:off x="24354963" y="30944151"/>
+            <a:ext cx="3788809" cy="584775"/>
+          </a:xfrm>
+          <a:prstGeom prst="rect">
+            <a:avLst/>
+          </a:prstGeom>
+          <a:ln>
+            <a:solidFill>
+              <a:schemeClr val="bg1"/>
+            </a:solidFill>
+          </a:ln>
+        </p:spPr>
+        <p:style>
+          <a:lnRef idx="2">
+            <a:schemeClr val="dk1"/>
+          </a:lnRef>
+          <a:fillRef idx="1">
+            <a:schemeClr val="lt1"/>
+          </a:fillRef>
+          <a:effectRef idx="0">
+            <a:schemeClr val="dk1"/>
+          </a:effectRef>
+          <a:fontRef idx="minor">
+            <a:schemeClr val="dk1"/>
+          </a:fontRef>
+        </p:style>
+        <p:txBody>
+          <a:bodyPr wrap="square" rtlCol="0">
+            <a:spAutoFit/>
+          </a:bodyPr>
+          <a:lstStyle/>
+          <a:p>
+            <a:pPr algn="ctr"/>
+            <a:r>
+              <a:rPr lang="ja-JP" altLang="en-US" sz="3200" dirty="0"/>
+              <a:t>アノテーション結果</a:t>
+            </a:r>
+            <a:endParaRPr kumimoji="1" lang="ja-JP" altLang="en-US" sz="3200" dirty="0"/>
+          </a:p>
+        </p:txBody>
+      </p:sp>
+      <p:graphicFrame>
+        <p:nvGraphicFramePr>
+          <p:cNvPr id="56" name="表 53">
+            <a:extLst>
+              <a:ext uri="{FF2B5EF4-FFF2-40B4-BE49-F238E27FC236}">
+                <a16:creationId xmlns:a16="http://schemas.microsoft.com/office/drawing/2014/main" id="{35B99BBE-26E5-94EB-5886-5968F9D86569}"/>
+              </a:ext>
+            </a:extLst>
+          </p:cNvPr>
+          <p:cNvGraphicFramePr>
+            <a:graphicFrameLocks noGrp="1"/>
+          </p:cNvGraphicFramePr>
+          <p:nvPr>
+            <p:extLst>
+              <p:ext uri="{D42A27DB-BD31-4B8C-83A1-F6EECF244321}">
+                <p14:modId xmlns:p14="http://schemas.microsoft.com/office/powerpoint/2010/main" val="4149765622"/>
+              </p:ext>
+            </p:extLst>
+          </p:nvPr>
+        </p:nvGraphicFramePr>
+        <p:xfrm>
+          <a:off x="23277110" y="31528926"/>
+          <a:ext cx="5944517" cy="1554480"/>
+        </p:xfrm>
+        <a:graphic>
+          <a:graphicData uri="http://schemas.openxmlformats.org/drawingml/2006/table">
+            <a:tbl>
+              <a:tblPr firstRow="1" bandRow="1">
+                <a:tableStyleId>{912C8C85-51F0-491E-9774-3900AFEF0FD7}</a:tableStyleId>
+              </a:tblPr>
+              <a:tblGrid>
+                <a:gridCol w="1709023">
+                  <a:extLst>
+                    <a:ext uri="{9D8B030D-6E8A-4147-A177-3AD203B41FA5}">
+                      <a16:colId xmlns:a16="http://schemas.microsoft.com/office/drawing/2014/main" val="1809961146"/>
+                    </a:ext>
+                  </a:extLst>
+                </a:gridCol>
+                <a:gridCol w="2117747">
+                  <a:extLst>
+                    <a:ext uri="{9D8B030D-6E8A-4147-A177-3AD203B41FA5}">
+                      <a16:colId xmlns:a16="http://schemas.microsoft.com/office/drawing/2014/main" val="1737930050"/>
+                    </a:ext>
+                  </a:extLst>
+                </a:gridCol>
+                <a:gridCol w="2117747">
+                  <a:extLst>
+                    <a:ext uri="{9D8B030D-6E8A-4147-A177-3AD203B41FA5}">
+                      <a16:colId xmlns:a16="http://schemas.microsoft.com/office/drawing/2014/main" val="4231091058"/>
+                    </a:ext>
+                  </a:extLst>
+                </a:gridCol>
+              </a:tblGrid>
+              <a:tr h="296805">
+                <a:tc>
+                  <a:txBody>
+                    <a:bodyPr/>
+                    <a:lstStyle/>
+                    <a:p>
+                      <a:pPr algn="ctr"/>
+                      <a:endParaRPr kumimoji="1" lang="ja-JP" altLang="en-US" sz="2800" dirty="0"/>
+                    </a:p>
+                  </a:txBody>
+                  <a:tcPr>
+                    <a:lnL w="12700" cap="flat" cmpd="sng" algn="ctr">
+                      <a:solidFill>
+                        <a:schemeClr val="tx1"/>
+                      </a:solidFill>
+                      <a:prstDash val="solid"/>
+                      <a:round/>
+                      <a:headEnd type="none" w="med" len="med"/>
+                      <a:tailEnd type="none" w="med" len="med"/>
+                    </a:lnL>
+                    <a:lnR w="12700" cap="flat" cmpd="sng" algn="ctr">
+                      <a:solidFill>
+                        <a:schemeClr val="tx1"/>
+                      </a:solidFill>
+                      <a:prstDash val="solid"/>
+                      <a:round/>
+                      <a:headEnd type="none" w="med" len="med"/>
+                      <a:tailEnd type="none" w="med" len="med"/>
+                    </a:lnR>
+                    <a:lnT w="12700" cap="flat" cmpd="sng" algn="ctr">
+                      <a:solidFill>
+                        <a:schemeClr val="tx1"/>
+                      </a:solidFill>
+                      <a:prstDash val="solid"/>
+                      <a:round/>
+                      <a:headEnd type="none" w="med" len="med"/>
+                      <a:tailEnd type="none" w="med" len="med"/>
+                    </a:lnT>
+                    <a:lnB w="12700" cap="flat" cmpd="sng" algn="ctr">
+                      <a:solidFill>
+                        <a:schemeClr val="tx1"/>
+                      </a:solidFill>
+                      <a:prstDash val="solid"/>
+                      <a:round/>
+                      <a:headEnd type="none" w="med" len="med"/>
+                      <a:tailEnd type="none" w="med" len="med"/>
+                    </a:lnB>
+                  </a:tcPr>
+                </a:tc>
+                <a:tc>
+                  <a:txBody>
+                    <a:bodyPr/>
+                    <a:lstStyle/>
+                    <a:p>
+                      <a:pPr algn="ctr"/>
+                      <a:r>
+                        <a:rPr kumimoji="1" lang="ja-JP" altLang="en-US" sz="2800" dirty="0">
+                          <a:solidFill>
+                            <a:sysClr val="windowText" lastClr="000000"/>
+                          </a:solidFill>
+                        </a:rPr>
+                        <a:t>関連性あり</a:t>
+                      </a:r>
+                    </a:p>
+                  </a:txBody>
+                  <a:tcPr>
+                    <a:lnL w="12700" cap="flat" cmpd="sng" algn="ctr">
+                      <a:solidFill>
+                        <a:schemeClr val="tx1"/>
+                      </a:solidFill>
+                      <a:prstDash val="solid"/>
+                      <a:round/>
+                      <a:headEnd type="none" w="med" len="med"/>
+                      <a:tailEnd type="none" w="med" len="med"/>
+                    </a:lnL>
+                    <a:lnR w="12700" cap="flat" cmpd="sng" algn="ctr">
+                      <a:solidFill>
+                        <a:schemeClr val="tx1"/>
+                      </a:solidFill>
+                      <a:prstDash val="solid"/>
+                      <a:round/>
+                      <a:headEnd type="none" w="med" len="med"/>
+                      <a:tailEnd type="none" w="med" len="med"/>
+                    </a:lnR>
+                    <a:lnT w="12700" cap="flat" cmpd="sng" algn="ctr">
+                      <a:solidFill>
+                        <a:schemeClr val="tx1"/>
+                      </a:solidFill>
+                      <a:prstDash val="solid"/>
+                      <a:round/>
+                      <a:headEnd type="none" w="med" len="med"/>
+                      <a:tailEnd type="none" w="med" len="med"/>
+                    </a:lnT>
+                    <a:lnB w="12700" cap="flat" cmpd="sng" algn="ctr">
+                      <a:solidFill>
+                        <a:schemeClr val="tx1"/>
+                      </a:solidFill>
+                      <a:prstDash val="solid"/>
+                      <a:round/>
+                      <a:headEnd type="none" w="med" len="med"/>
+                      <a:tailEnd type="none" w="med" len="med"/>
+                    </a:lnB>
+                  </a:tcPr>
+                </a:tc>
+                <a:tc>
+                  <a:txBody>
+                    <a:bodyPr/>
+                    <a:lstStyle/>
+                    <a:p>
+                      <a:pPr algn="ctr"/>
+                      <a:r>
+                        <a:rPr kumimoji="1" lang="ja-JP" altLang="en-US" sz="2800" dirty="0">
+                          <a:solidFill>
+                            <a:sysClr val="windowText" lastClr="000000"/>
+                          </a:solidFill>
+                        </a:rPr>
+                        <a:t>関連性なし</a:t>
+                      </a:r>
+                    </a:p>
+                  </a:txBody>
+                  <a:tcPr>
+                    <a:lnL w="12700" cap="flat" cmpd="sng" algn="ctr">
+                      <a:solidFill>
+                        <a:schemeClr val="tx1"/>
+                      </a:solidFill>
+                      <a:prstDash val="solid"/>
+                      <a:round/>
+                      <a:headEnd type="none" w="med" len="med"/>
+                      <a:tailEnd type="none" w="med" len="med"/>
+                    </a:lnL>
+                    <a:lnR w="12700" cap="flat" cmpd="sng" algn="ctr">
+                      <a:solidFill>
+                        <a:schemeClr val="tx1"/>
+                      </a:solidFill>
+                      <a:prstDash val="solid"/>
+                      <a:round/>
+                      <a:headEnd type="none" w="med" len="med"/>
+                      <a:tailEnd type="none" w="med" len="med"/>
+                    </a:lnR>
+                    <a:lnT w="12700" cap="flat" cmpd="sng" algn="ctr">
+                      <a:solidFill>
+                        <a:schemeClr val="tx1"/>
+                      </a:solidFill>
+                      <a:prstDash val="solid"/>
+                      <a:round/>
+                      <a:headEnd type="none" w="med" len="med"/>
+                      <a:tailEnd type="none" w="med" len="med"/>
+                    </a:lnT>
+                    <a:lnB w="12700" cap="flat" cmpd="sng" algn="ctr">
+                      <a:solidFill>
+                        <a:schemeClr val="tx1"/>
+                      </a:solidFill>
+                      <a:prstDash val="solid"/>
+                      <a:round/>
+                      <a:headEnd type="none" w="med" len="med"/>
+                      <a:tailEnd type="none" w="med" len="med"/>
+                    </a:lnB>
+                  </a:tcPr>
+                </a:tc>
+                <a:extLst>
+                  <a:ext uri="{0D108BD9-81ED-4DB2-BD59-A6C34878D82A}">
+                    <a16:rowId xmlns:a16="http://schemas.microsoft.com/office/drawing/2014/main" val="1299136165"/>
+                  </a:ext>
+                </a:extLst>
+              </a:tr>
+              <a:tr h="296805">
+                <a:tc>
+                  <a:txBody>
+                    <a:bodyPr/>
+                    <a:lstStyle/>
+                    <a:p>
+                      <a:pPr algn="ctr"/>
+                      <a:r>
+                        <a:rPr kumimoji="1" lang="ja-JP" altLang="en-US" sz="2800" dirty="0"/>
+                        <a:t>みそきん</a:t>
+                      </a:r>
+                    </a:p>
+                  </a:txBody>
+                  <a:tcPr>
+                    <a:lnL w="12700" cap="flat" cmpd="sng" algn="ctr">
+                      <a:solidFill>
+                        <a:schemeClr val="tx1"/>
+                      </a:solidFill>
+                      <a:prstDash val="solid"/>
+                      <a:round/>
+                      <a:headEnd type="none" w="med" len="med"/>
+                      <a:tailEnd type="none" w="med" len="med"/>
+                    </a:lnL>
+                    <a:lnR w="12700" cap="flat" cmpd="sng" algn="ctr">
+                      <a:solidFill>
+                        <a:schemeClr val="tx1"/>
+                      </a:solidFill>
+                      <a:prstDash val="solid"/>
+                      <a:round/>
+                      <a:headEnd type="none" w="med" len="med"/>
+                      <a:tailEnd type="none" w="med" len="med"/>
+                    </a:lnR>
+                    <a:lnT w="12700" cap="flat" cmpd="sng" algn="ctr">
+                      <a:solidFill>
+                        <a:schemeClr val="tx1"/>
+                      </a:solidFill>
+                      <a:prstDash val="solid"/>
+                      <a:round/>
+                      <a:headEnd type="none" w="med" len="med"/>
+                      <a:tailEnd type="none" w="med" len="med"/>
+                    </a:lnT>
+                    <a:lnB w="12700" cap="flat" cmpd="sng" algn="ctr">
+                      <a:solidFill>
+                        <a:schemeClr val="tx1"/>
+                      </a:solidFill>
+                      <a:prstDash val="solid"/>
+                      <a:round/>
+                      <a:headEnd type="none" w="med" len="med"/>
+                      <a:tailEnd type="none" w="med" len="med"/>
+                    </a:lnB>
+                  </a:tcPr>
+                </a:tc>
+                <a:tc>
+                  <a:txBody>
+                    <a:bodyPr/>
+                    <a:lstStyle/>
+                    <a:p>
+                      <a:pPr algn="ctr"/>
+                      <a:r>
+                        <a:rPr kumimoji="1" lang="en-US" altLang="ja-JP" sz="2800" dirty="0">
+                          <a:solidFill>
+                            <a:schemeClr val="accent1"/>
+                          </a:solidFill>
+                        </a:rPr>
+                        <a:t>900</a:t>
+                      </a:r>
+                      <a:r>
+                        <a:rPr kumimoji="1" lang="ja-JP" altLang="en-US" sz="2800" dirty="0">
+                          <a:solidFill>
+                            <a:schemeClr val="accent1"/>
+                          </a:solidFill>
+                        </a:rPr>
+                        <a:t>件</a:t>
+                      </a:r>
+                    </a:p>
+                  </a:txBody>
+                  <a:tcPr>
+                    <a:lnL w="12700" cap="flat" cmpd="sng" algn="ctr">
+                      <a:solidFill>
+                        <a:schemeClr val="tx1"/>
+                      </a:solidFill>
+                      <a:prstDash val="solid"/>
+                      <a:round/>
+                      <a:headEnd type="none" w="med" len="med"/>
+                      <a:tailEnd type="none" w="med" len="med"/>
+                    </a:lnL>
+                    <a:lnR w="12700" cap="flat" cmpd="sng" algn="ctr">
+                      <a:solidFill>
+                        <a:schemeClr val="tx1"/>
+                      </a:solidFill>
+                      <a:prstDash val="solid"/>
+                      <a:round/>
+                      <a:headEnd type="none" w="med" len="med"/>
+                      <a:tailEnd type="none" w="med" len="med"/>
+                    </a:lnR>
+                    <a:lnT w="12700" cap="flat" cmpd="sng" algn="ctr">
+                      <a:solidFill>
+                        <a:schemeClr val="tx1"/>
+                      </a:solidFill>
+                      <a:prstDash val="solid"/>
+                      <a:round/>
+                      <a:headEnd type="none" w="med" len="med"/>
+                      <a:tailEnd type="none" w="med" len="med"/>
+                    </a:lnT>
+                    <a:lnB w="12700" cap="flat" cmpd="sng" algn="ctr">
+                      <a:solidFill>
+                        <a:schemeClr val="tx1"/>
+                      </a:solidFill>
+                      <a:prstDash val="solid"/>
+                      <a:round/>
+                      <a:headEnd type="none" w="med" len="med"/>
+                      <a:tailEnd type="none" w="med" len="med"/>
+                    </a:lnB>
+                  </a:tcPr>
+                </a:tc>
+                <a:tc>
+                  <a:txBody>
+                    <a:bodyPr/>
+                    <a:lstStyle/>
+                    <a:p>
+                      <a:pPr algn="ctr"/>
+                      <a:r>
+                        <a:rPr kumimoji="1" lang="en-US" altLang="ja-JP" sz="2800" dirty="0">
+                          <a:solidFill>
+                            <a:srgbClr val="FF0000"/>
+                          </a:solidFill>
+                        </a:rPr>
+                        <a:t>594</a:t>
+                      </a:r>
+                      <a:r>
+                        <a:rPr kumimoji="1" lang="ja-JP" altLang="en-US" sz="2800" dirty="0">
+                          <a:solidFill>
+                            <a:srgbClr val="FF0000"/>
+                          </a:solidFill>
+                        </a:rPr>
+                        <a:t>件</a:t>
+                      </a:r>
+                    </a:p>
+                  </a:txBody>
+                  <a:tcPr>
+                    <a:lnL w="12700" cap="flat" cmpd="sng" algn="ctr">
+                      <a:solidFill>
+                        <a:schemeClr val="tx1"/>
+                      </a:solidFill>
+                      <a:prstDash val="solid"/>
+                      <a:round/>
+                      <a:headEnd type="none" w="med" len="med"/>
+                      <a:tailEnd type="none" w="med" len="med"/>
+                    </a:lnL>
+                    <a:lnR w="12700" cap="flat" cmpd="sng" algn="ctr">
+                      <a:solidFill>
+                        <a:schemeClr val="tx1"/>
+                      </a:solidFill>
+                      <a:prstDash val="solid"/>
+                      <a:round/>
+                      <a:headEnd type="none" w="med" len="med"/>
+                      <a:tailEnd type="none" w="med" len="med"/>
+                    </a:lnR>
+                    <a:lnT w="12700" cap="flat" cmpd="sng" algn="ctr">
+                      <a:solidFill>
+                        <a:schemeClr val="tx1"/>
+                      </a:solidFill>
+                      <a:prstDash val="solid"/>
+                      <a:round/>
+                      <a:headEnd type="none" w="med" len="med"/>
+                      <a:tailEnd type="none" w="med" len="med"/>
+                    </a:lnT>
+                    <a:lnB w="12700" cap="flat" cmpd="sng" algn="ctr">
+                      <a:solidFill>
+                        <a:schemeClr val="tx1"/>
+                      </a:solidFill>
+                      <a:prstDash val="solid"/>
+                      <a:round/>
+                      <a:headEnd type="none" w="med" len="med"/>
+                      <a:tailEnd type="none" w="med" len="med"/>
+                    </a:lnB>
+                  </a:tcPr>
+                </a:tc>
+                <a:extLst>
+                  <a:ext uri="{0D108BD9-81ED-4DB2-BD59-A6C34878D82A}">
+                    <a16:rowId xmlns:a16="http://schemas.microsoft.com/office/drawing/2014/main" val="972986720"/>
+                  </a:ext>
+                </a:extLst>
+              </a:tr>
+              <a:tr h="296805">
+                <a:tc>
+                  <a:txBody>
+                    <a:bodyPr/>
+                    <a:lstStyle/>
+                    <a:p>
+                      <a:pPr algn="ctr"/>
+                      <a:r>
+                        <a:rPr kumimoji="1" lang="ja-JP" altLang="en-US" sz="2800" dirty="0"/>
+                        <a:t>ここリモ</a:t>
+                      </a:r>
+                      <a:endParaRPr kumimoji="1" lang="en-US" altLang="ja-JP" sz="2800" dirty="0"/>
+                    </a:p>
+                  </a:txBody>
+                  <a:tcPr>
+                    <a:lnL w="12700" cap="flat" cmpd="sng" algn="ctr">
+                      <a:solidFill>
+                        <a:schemeClr val="tx1"/>
+                      </a:solidFill>
+                      <a:prstDash val="solid"/>
+                      <a:round/>
+                      <a:headEnd type="none" w="med" len="med"/>
+                      <a:tailEnd type="none" w="med" len="med"/>
+                    </a:lnL>
+                    <a:lnR w="12700" cap="flat" cmpd="sng" algn="ctr">
+                      <a:solidFill>
+                        <a:schemeClr val="tx1"/>
+                      </a:solidFill>
+                      <a:prstDash val="solid"/>
+                      <a:round/>
+                      <a:headEnd type="none" w="med" len="med"/>
+                      <a:tailEnd type="none" w="med" len="med"/>
+                    </a:lnR>
+                    <a:lnT w="12700" cap="flat" cmpd="sng" algn="ctr">
+                      <a:solidFill>
+                        <a:schemeClr val="tx1"/>
+                      </a:solidFill>
+                      <a:prstDash val="solid"/>
+                      <a:round/>
+                      <a:headEnd type="none" w="med" len="med"/>
+                      <a:tailEnd type="none" w="med" len="med"/>
+                    </a:lnT>
+                    <a:lnB w="12700" cap="flat" cmpd="sng" algn="ctr">
+                      <a:solidFill>
+                        <a:schemeClr val="tx1"/>
+                      </a:solidFill>
+                      <a:prstDash val="solid"/>
+                      <a:round/>
+                      <a:headEnd type="none" w="med" len="med"/>
+                      <a:tailEnd type="none" w="med" len="med"/>
+                    </a:lnB>
+                  </a:tcPr>
+                </a:tc>
+                <a:tc>
+                  <a:txBody>
+                    <a:bodyPr/>
+                    <a:lstStyle/>
+                    <a:p>
+                      <a:pPr algn="ctr"/>
+                      <a:r>
+                        <a:rPr kumimoji="1" lang="en-US" altLang="ja-JP" sz="2800" dirty="0">
+                          <a:solidFill>
+                            <a:schemeClr val="accent1"/>
+                          </a:solidFill>
+                        </a:rPr>
+                        <a:t>230</a:t>
+                      </a:r>
+                      <a:r>
+                        <a:rPr kumimoji="1" lang="ja-JP" altLang="en-US" sz="2800" dirty="0">
+                          <a:solidFill>
+                            <a:schemeClr val="accent1"/>
+                          </a:solidFill>
+                        </a:rPr>
+                        <a:t>件</a:t>
+                      </a:r>
+                    </a:p>
+                  </a:txBody>
+                  <a:tcPr>
+                    <a:lnL w="12700" cap="flat" cmpd="sng" algn="ctr">
+                      <a:solidFill>
+                        <a:schemeClr val="tx1"/>
+                      </a:solidFill>
+                      <a:prstDash val="solid"/>
+                      <a:round/>
+                      <a:headEnd type="none" w="med" len="med"/>
+                      <a:tailEnd type="none" w="med" len="med"/>
+                    </a:lnL>
+                    <a:lnR w="12700" cap="flat" cmpd="sng" algn="ctr">
+                      <a:solidFill>
+                        <a:schemeClr val="tx1"/>
+                      </a:solidFill>
+                      <a:prstDash val="solid"/>
+                      <a:round/>
+                      <a:headEnd type="none" w="med" len="med"/>
+                      <a:tailEnd type="none" w="med" len="med"/>
+                    </a:lnR>
+                    <a:lnT w="12700" cap="flat" cmpd="sng" algn="ctr">
+                      <a:solidFill>
+                        <a:schemeClr val="tx1"/>
+                      </a:solidFill>
+                      <a:prstDash val="solid"/>
+                      <a:round/>
+                      <a:headEnd type="none" w="med" len="med"/>
+                      <a:tailEnd type="none" w="med" len="med"/>
+                    </a:lnT>
+                    <a:lnB w="12700" cap="flat" cmpd="sng" algn="ctr">
+                      <a:solidFill>
+                        <a:schemeClr val="tx1"/>
+                      </a:solidFill>
+                      <a:prstDash val="solid"/>
+                      <a:round/>
+                      <a:headEnd type="none" w="med" len="med"/>
+                      <a:tailEnd type="none" w="med" len="med"/>
+                    </a:lnB>
+                  </a:tcPr>
+                </a:tc>
+                <a:tc>
+                  <a:txBody>
+                    <a:bodyPr/>
+                    <a:lstStyle/>
+                    <a:p>
+                      <a:pPr algn="ctr"/>
+                      <a:r>
+                        <a:rPr kumimoji="1" lang="en-US" altLang="ja-JP" sz="2800" dirty="0">
+                          <a:solidFill>
+                            <a:srgbClr val="FF0000"/>
+                          </a:solidFill>
+                        </a:rPr>
+                        <a:t>160</a:t>
+                      </a:r>
+                      <a:r>
+                        <a:rPr kumimoji="1" lang="ja-JP" altLang="en-US" sz="2800" dirty="0">
+                          <a:solidFill>
+                            <a:srgbClr val="FF0000"/>
+                          </a:solidFill>
+                        </a:rPr>
+                        <a:t>件</a:t>
+                      </a:r>
+                    </a:p>
+                  </a:txBody>
+                  <a:tcPr>
+                    <a:lnL w="12700" cap="flat" cmpd="sng" algn="ctr">
+                      <a:solidFill>
+                        <a:schemeClr val="tx1"/>
+                      </a:solidFill>
+                      <a:prstDash val="solid"/>
+                      <a:round/>
+                      <a:headEnd type="none" w="med" len="med"/>
+                      <a:tailEnd type="none" w="med" len="med"/>
+                    </a:lnL>
+                    <a:lnR w="12700" cap="flat" cmpd="sng" algn="ctr">
+                      <a:solidFill>
+                        <a:schemeClr val="tx1"/>
+                      </a:solidFill>
+                      <a:prstDash val="solid"/>
+                      <a:round/>
+                      <a:headEnd type="none" w="med" len="med"/>
+                      <a:tailEnd type="none" w="med" len="med"/>
+                    </a:lnR>
+                    <a:lnT w="12700" cap="flat" cmpd="sng" algn="ctr">
+                      <a:solidFill>
+                        <a:schemeClr val="tx1"/>
+                      </a:solidFill>
+                      <a:prstDash val="solid"/>
+                      <a:round/>
+                      <a:headEnd type="none" w="med" len="med"/>
+                      <a:tailEnd type="none" w="med" len="med"/>
+                    </a:lnT>
+                    <a:lnB w="12700" cap="flat" cmpd="sng" algn="ctr">
+                      <a:solidFill>
+                        <a:schemeClr val="tx1"/>
+                      </a:solidFill>
+                      <a:prstDash val="solid"/>
+                      <a:round/>
+                      <a:headEnd type="none" w="med" len="med"/>
+                      <a:tailEnd type="none" w="med" len="med"/>
+                    </a:lnB>
+                  </a:tcPr>
+                </a:tc>
+                <a:extLst>
+                  <a:ext uri="{0D108BD9-81ED-4DB2-BD59-A6C34878D82A}">
+                    <a16:rowId xmlns:a16="http://schemas.microsoft.com/office/drawing/2014/main" val="1710039757"/>
+                  </a:ext>
+                </a:extLst>
+              </a:tr>
+            </a:tbl>
+          </a:graphicData>
+        </a:graphic>
+      </p:graphicFrame>
+      <p:sp>
+        <p:nvSpPr>
+          <p:cNvPr id="57" name="テキスト ボックス 56">
+            <a:extLst>
+              <a:ext uri="{FF2B5EF4-FFF2-40B4-BE49-F238E27FC236}">
+                <a16:creationId xmlns:a16="http://schemas.microsoft.com/office/drawing/2014/main" id="{2A5F3B9B-3F52-4CB1-65BA-9F81C887E888}"/>
+              </a:ext>
+            </a:extLst>
+          </p:cNvPr>
+          <p:cNvSpPr txBox="1"/>
+          <p:nvPr/>
+        </p:nvSpPr>
+        <p:spPr>
+          <a:xfrm>
+            <a:off x="15876486" y="33508338"/>
+            <a:ext cx="13341616" cy="954107"/>
+          </a:xfrm>
+          <a:prstGeom prst="rect">
+            <a:avLst/>
+          </a:prstGeom>
+          <a:noFill/>
+        </p:spPr>
+        <p:txBody>
+          <a:bodyPr wrap="square" rtlCol="0">
+            <a:spAutoFit/>
+          </a:bodyPr>
+          <a:lstStyle/>
+          <a:p>
+            <a:r>
+              <a:rPr kumimoji="1" lang="ja-JP" altLang="en-US" sz="2800" dirty="0"/>
+              <a:t>各動画において</a:t>
+            </a:r>
+            <a:r>
+              <a:rPr lang="ja-JP" altLang="en-US" sz="2800" dirty="0"/>
+              <a:t>“</a:t>
+            </a:r>
+            <a:r>
+              <a:rPr kumimoji="1" lang="ja-JP" altLang="en-US" sz="2800" dirty="0"/>
+              <a:t>関連性あり</a:t>
+            </a:r>
+            <a:r>
+              <a:rPr lang="ja-JP" altLang="en-US" sz="2800" dirty="0"/>
+              <a:t>”</a:t>
+            </a:r>
+            <a:r>
+              <a:rPr kumimoji="1" lang="ja-JP" altLang="en-US" sz="2800" dirty="0"/>
+              <a:t>の正解ラベルを付けたコメント</a:t>
+            </a:r>
+            <a:r>
+              <a:rPr kumimoji="1" lang="en-US" altLang="ja-JP" sz="2800" dirty="0"/>
+              <a:t>M</a:t>
+            </a:r>
+            <a:r>
+              <a:rPr kumimoji="1" lang="ja-JP" altLang="en-US" sz="2800" dirty="0"/>
+              <a:t>件と、類似度上位</a:t>
+            </a:r>
+            <a:r>
+              <a:rPr kumimoji="1" lang="en-US" altLang="ja-JP" sz="2800" dirty="0"/>
+              <a:t>M</a:t>
+            </a:r>
+            <a:r>
+              <a:rPr lang="ja-JP" altLang="en-US" sz="2800" dirty="0"/>
+              <a:t>件の</a:t>
+            </a:r>
+            <a:endParaRPr lang="en-US" altLang="ja-JP" sz="2800" dirty="0"/>
+          </a:p>
+          <a:p>
+            <a:r>
+              <a:rPr lang="ja-JP" altLang="en-US" sz="2800" dirty="0"/>
+              <a:t>一致率を計算することで、提案手法の精度を検証する</a:t>
+            </a:r>
+            <a:endParaRPr kumimoji="1" lang="en-US" altLang="ja-JP" sz="2800" dirty="0"/>
+          </a:p>
+        </p:txBody>
+      </p:sp>
+      <p:pic>
+        <p:nvPicPr>
+          <p:cNvPr id="58" name="図 57">
+            <a:extLst>
+              <a:ext uri="{FF2B5EF4-FFF2-40B4-BE49-F238E27FC236}">
+                <a16:creationId xmlns:a16="http://schemas.microsoft.com/office/drawing/2014/main" id="{CFF7E092-CAC7-936B-03F2-B0B3E92EB030}"/>
+              </a:ext>
+            </a:extLst>
+          </p:cNvPr>
+          <p:cNvPicPr>
+            <a:picLocks noChangeAspect="1"/>
+          </p:cNvPicPr>
+          <p:nvPr/>
+        </p:nvPicPr>
+        <p:blipFill>
+          <a:blip r:embed="rId6"/>
+          <a:stretch>
+            <a:fillRect/>
+          </a:stretch>
+        </p:blipFill>
+        <p:spPr>
+          <a:xfrm>
+            <a:off x="15709818" y="34551044"/>
+            <a:ext cx="7329358" cy="1809005"/>
+          </a:xfrm>
+          <a:prstGeom prst="rect">
+            <a:avLst/>
+          </a:prstGeom>
+        </p:spPr>
+      </p:pic>
+      <p:sp>
+        <p:nvSpPr>
+          <p:cNvPr id="59" name="テキスト ボックス 58">
+            <a:extLst>
+              <a:ext uri="{FF2B5EF4-FFF2-40B4-BE49-F238E27FC236}">
+                <a16:creationId xmlns:a16="http://schemas.microsoft.com/office/drawing/2014/main" id="{61313D56-ACC3-958A-8EB1-D2CC1B41C976}"/>
+              </a:ext>
+            </a:extLst>
+          </p:cNvPr>
+          <p:cNvSpPr txBox="1"/>
+          <p:nvPr/>
+        </p:nvSpPr>
+        <p:spPr>
+          <a:xfrm>
+            <a:off x="23224200" y="34848663"/>
+            <a:ext cx="6571233" cy="1569660"/>
+          </a:xfrm>
+          <a:prstGeom prst="rect">
+            <a:avLst/>
+          </a:prstGeom>
+          <a:noFill/>
+        </p:spPr>
+        <p:txBody>
+          <a:bodyPr wrap="square" rtlCol="0">
+            <a:spAutoFit/>
+          </a:bodyPr>
+          <a:lstStyle/>
+          <a:p>
+            <a:r>
               <a:rPr kumimoji="1" lang="ja-JP" altLang="en-US" sz="3200" dirty="0"/>
-              <a:t>・アノテーション基準</a:t>
-            </a:r>
-            <a:endParaRPr kumimoji="1" lang="en-US" altLang="ja-JP" sz="3200" dirty="0"/>
-          </a:p>
-          <a:p>
-            <a:r>
-              <a:rPr lang="ja-JP" altLang="en-US" sz="3200" dirty="0"/>
-              <a:t>・アノテーション結果（何件）</a:t>
-            </a:r>
-            <a:endParaRPr lang="en-US" altLang="ja-JP" sz="3200" dirty="0"/>
-          </a:p>
-          <a:p>
+              <a:t>人手の評価に対して、</a:t>
+            </a:r>
+            <a:r>
+              <a:rPr kumimoji="1" lang="ja-JP" altLang="en-US" sz="3200" dirty="0">
+                <a:solidFill>
+                  <a:schemeClr val="accent6">
+                    <a:lumMod val="75000"/>
+                  </a:schemeClr>
+                </a:solidFill>
+              </a:rPr>
+              <a:t>提案手法は</a:t>
+            </a:r>
+            <a:r>
+              <a:rPr kumimoji="1" lang="en-US" altLang="ja-JP" sz="3200" dirty="0">
+                <a:solidFill>
+                  <a:schemeClr val="accent6">
+                    <a:lumMod val="75000"/>
+                  </a:schemeClr>
+                </a:solidFill>
+              </a:rPr>
+              <a:t>65%</a:t>
+            </a:r>
+            <a:r>
+              <a:rPr kumimoji="1" lang="ja-JP" altLang="en-US" sz="3200" dirty="0">
+                <a:solidFill>
+                  <a:schemeClr val="accent6">
+                    <a:lumMod val="75000"/>
+                  </a:schemeClr>
+                </a:solidFill>
+              </a:rPr>
+              <a:t>～</a:t>
+            </a:r>
+            <a:r>
+              <a:rPr kumimoji="1" lang="en-US" altLang="ja-JP" sz="3200" dirty="0">
+                <a:solidFill>
+                  <a:schemeClr val="accent6">
+                    <a:lumMod val="75000"/>
+                  </a:schemeClr>
+                </a:solidFill>
+              </a:rPr>
+              <a:t>78%</a:t>
+            </a:r>
+            <a:r>
+              <a:rPr kumimoji="1" lang="ja-JP" altLang="en-US" sz="3200" dirty="0">
+                <a:solidFill>
+                  <a:schemeClr val="accent6">
+                    <a:lumMod val="75000"/>
+                  </a:schemeClr>
+                </a:solidFill>
+              </a:rPr>
+              <a:t>の精度</a:t>
+            </a:r>
             <a:r>
               <a:rPr kumimoji="1" lang="ja-JP" altLang="en-US" sz="3200" dirty="0"/>
-              <a:t>・一致率計算法</a:t>
-            </a:r>
-            <a:endParaRPr kumimoji="1" lang="en-US" altLang="ja-JP" sz="3200" dirty="0"/>
-          </a:p>
-          <a:p>
-            <a:r>
-              <a:rPr lang="ja-JP" altLang="en-US" sz="3200" dirty="0"/>
-              <a:t>・みそきん</a:t>
-            </a:r>
-            <a:endParaRPr lang="en-US" altLang="ja-JP" sz="3200" dirty="0"/>
-          </a:p>
-          <a:p>
-            <a:r>
-              <a:rPr kumimoji="1" lang="ja-JP" altLang="en-US" sz="3200" dirty="0"/>
-              <a:t>・ここりも</a:t>
+              <a:t>で商品との関連性が高いコメントを抽出できる</a:t>
             </a:r>
           </a:p>
         </p:txBody>

--- a/発表ポスター.pptx
+++ b/発表ポスター.pptx
@@ -303,7 +303,7 @@
             <a:fld id="{797A01BE-B01F-4BF7-B98B-637D558E7802}" type="datetimeFigureOut">
               <a:rPr kumimoji="1" lang="ja-JP" altLang="en-US" smtClean="0"/>
               <a:pPr/>
-              <a:t>2023/8/8</a:t>
+              <a:t>2023/8/17</a:t>
             </a:fld>
             <a:endParaRPr kumimoji="1" lang="ja-JP" altLang="en-US"/>
           </a:p>
@@ -500,7 +500,7 @@
             <a:fld id="{797A01BE-B01F-4BF7-B98B-637D558E7802}" type="datetimeFigureOut">
               <a:rPr kumimoji="1" lang="ja-JP" altLang="en-US" smtClean="0"/>
               <a:pPr/>
-              <a:t>2023/8/8</a:t>
+              <a:t>2023/8/17</a:t>
             </a:fld>
             <a:endParaRPr kumimoji="1" lang="ja-JP" altLang="en-US"/>
           </a:p>
@@ -707,7 +707,7 @@
             <a:fld id="{797A01BE-B01F-4BF7-B98B-637D558E7802}" type="datetimeFigureOut">
               <a:rPr kumimoji="1" lang="ja-JP" altLang="en-US" smtClean="0"/>
               <a:pPr/>
-              <a:t>2023/8/8</a:t>
+              <a:t>2023/8/17</a:t>
             </a:fld>
             <a:endParaRPr kumimoji="1" lang="ja-JP" altLang="en-US"/>
           </a:p>
@@ -904,7 +904,7 @@
             <a:fld id="{797A01BE-B01F-4BF7-B98B-637D558E7802}" type="datetimeFigureOut">
               <a:rPr kumimoji="1" lang="ja-JP" altLang="en-US" smtClean="0"/>
               <a:pPr/>
-              <a:t>2023/8/8</a:t>
+              <a:t>2023/8/17</a:t>
             </a:fld>
             <a:endParaRPr kumimoji="1" lang="ja-JP" altLang="en-US"/>
           </a:p>
@@ -1146,7 +1146,7 @@
             <a:fld id="{797A01BE-B01F-4BF7-B98B-637D558E7802}" type="datetimeFigureOut">
               <a:rPr kumimoji="1" lang="ja-JP" altLang="en-US" smtClean="0"/>
               <a:pPr/>
-              <a:t>2023/8/8</a:t>
+              <a:t>2023/8/17</a:t>
             </a:fld>
             <a:endParaRPr kumimoji="1" lang="ja-JP" altLang="en-US"/>
           </a:p>
@@ -1492,7 +1492,7 @@
             <a:fld id="{797A01BE-B01F-4BF7-B98B-637D558E7802}" type="datetimeFigureOut">
               <a:rPr kumimoji="1" lang="ja-JP" altLang="en-US" smtClean="0"/>
               <a:pPr/>
-              <a:t>2023/8/8</a:t>
+              <a:t>2023/8/17</a:t>
             </a:fld>
             <a:endParaRPr kumimoji="1" lang="ja-JP" altLang="en-US"/>
           </a:p>
@@ -1977,7 +1977,7 @@
             <a:fld id="{797A01BE-B01F-4BF7-B98B-637D558E7802}" type="datetimeFigureOut">
               <a:rPr kumimoji="1" lang="ja-JP" altLang="en-US" smtClean="0"/>
               <a:pPr/>
-              <a:t>2023/8/8</a:t>
+              <a:t>2023/8/17</a:t>
             </a:fld>
             <a:endParaRPr kumimoji="1" lang="ja-JP" altLang="en-US"/>
           </a:p>
@@ -2091,7 +2091,7 @@
             <a:fld id="{797A01BE-B01F-4BF7-B98B-637D558E7802}" type="datetimeFigureOut">
               <a:rPr kumimoji="1" lang="ja-JP" altLang="en-US" smtClean="0"/>
               <a:pPr/>
-              <a:t>2023/8/8</a:t>
+              <a:t>2023/8/17</a:t>
             </a:fld>
             <a:endParaRPr kumimoji="1" lang="ja-JP" altLang="en-US"/>
           </a:p>
@@ -2183,7 +2183,7 @@
             <a:fld id="{797A01BE-B01F-4BF7-B98B-637D558E7802}" type="datetimeFigureOut">
               <a:rPr kumimoji="1" lang="ja-JP" altLang="en-US" smtClean="0"/>
               <a:pPr/>
-              <a:t>2023/8/8</a:t>
+              <a:t>2023/8/17</a:t>
             </a:fld>
             <a:endParaRPr kumimoji="1" lang="ja-JP" altLang="en-US"/>
           </a:p>
@@ -2487,7 +2487,7 @@
             <a:fld id="{797A01BE-B01F-4BF7-B98B-637D558E7802}" type="datetimeFigureOut">
               <a:rPr kumimoji="1" lang="ja-JP" altLang="en-US" smtClean="0"/>
               <a:pPr/>
-              <a:t>2023/8/8</a:t>
+              <a:t>2023/8/17</a:t>
             </a:fld>
             <a:endParaRPr kumimoji="1" lang="ja-JP" altLang="en-US"/>
           </a:p>
@@ -2736,7 +2736,7 @@
             <a:fld id="{797A01BE-B01F-4BF7-B98B-637D558E7802}" type="datetimeFigureOut">
               <a:rPr kumimoji="1" lang="ja-JP" altLang="en-US" smtClean="0"/>
               <a:pPr/>
-              <a:t>2023/8/8</a:t>
+              <a:t>2023/8/17</a:t>
             </a:fld>
             <a:endParaRPr kumimoji="1" lang="ja-JP" altLang="en-US"/>
           </a:p>
@@ -2976,7 +2976,7 @@
             <a:fld id="{797A01BE-B01F-4BF7-B98B-637D558E7802}" type="datetimeFigureOut">
               <a:rPr kumimoji="1" lang="ja-JP" altLang="en-US" smtClean="0"/>
               <a:pPr/>
-              <a:t>2023/8/8</a:t>
+              <a:t>2023/8/17</a:t>
             </a:fld>
             <a:endParaRPr kumimoji="1" lang="ja-JP" altLang="en-US"/>
           </a:p>
@@ -3347,6 +3347,56 @@
           <a:chExt cx="0" cy="0"/>
         </a:xfrm>
       </p:grpSpPr>
+      <p:sp>
+        <p:nvSpPr>
+          <p:cNvPr id="22" name="正方形/長方形 21">
+            <a:extLst>
+              <a:ext uri="{FF2B5EF4-FFF2-40B4-BE49-F238E27FC236}">
+                <a16:creationId xmlns:a16="http://schemas.microsoft.com/office/drawing/2014/main" id="{ADCD737D-D0DF-3A73-362E-7BB499E3E548}"/>
+              </a:ext>
+            </a:extLst>
+          </p:cNvPr>
+          <p:cNvSpPr/>
+          <p:nvPr/>
+        </p:nvSpPr>
+        <p:spPr>
+          <a:xfrm>
+            <a:off x="450355" y="223788"/>
+            <a:ext cx="29345253" cy="4127181"/>
+          </a:xfrm>
+          <a:prstGeom prst="rect">
+            <a:avLst/>
+          </a:prstGeom>
+          <a:solidFill>
+            <a:srgbClr val="F1B584"/>
+          </a:solidFill>
+          <a:ln>
+            <a:noFill/>
+          </a:ln>
+        </p:spPr>
+        <p:style>
+          <a:lnRef idx="0">
+            <a:scrgbClr r="0" g="0" b="0"/>
+          </a:lnRef>
+          <a:fillRef idx="0">
+            <a:scrgbClr r="0" g="0" b="0"/>
+          </a:fillRef>
+          <a:effectRef idx="0">
+            <a:scrgbClr r="0" g="0" b="0"/>
+          </a:effectRef>
+          <a:fontRef idx="minor">
+            <a:schemeClr val="lt1"/>
+          </a:fontRef>
+        </p:style>
+        <p:txBody>
+          <a:bodyPr rtlCol="0" anchor="ctr"/>
+          <a:lstStyle/>
+          <a:p>
+            <a:pPr algn="ctr"/>
+            <a:endParaRPr kumimoji="1" lang="ja-JP" altLang="en-US"/>
+          </a:p>
+        </p:txBody>
+      </p:sp>
       <mc:AlternateContent xmlns:mc="http://schemas.openxmlformats.org/markup-compatibility/2006" xmlns:a14="http://schemas.microsoft.com/office/drawing/2010/main">
         <mc:Choice Requires="a14">
           <p:sp>
@@ -3363,7 +3413,7 @@
             </p:nvSpPr>
             <p:spPr>
               <a:xfrm>
-                <a:off x="23884732" y="12042970"/>
+                <a:off x="23884732" y="10667967"/>
                 <a:ext cx="5386705" cy="1283728"/>
               </a:xfrm>
               <a:prstGeom prst="roundRect">
@@ -3482,7 +3532,7 @@
             </p:nvSpPr>
             <p:spPr>
               <a:xfrm>
-                <a:off x="23884732" y="12042970"/>
+                <a:off x="23884732" y="10667967"/>
                 <a:ext cx="5386705" cy="1283728"/>
               </a:xfrm>
               <a:prstGeom prst="roundRect">
@@ -3528,7 +3578,7 @@
         </p:nvSpPr>
         <p:spPr>
           <a:xfrm>
-            <a:off x="1209756" y="17502386"/>
+            <a:off x="1209756" y="16127383"/>
             <a:ext cx="12529392" cy="1649803"/>
           </a:xfrm>
           <a:prstGeom prst="roundRect">
@@ -3597,7 +3647,7 @@
         </p:nvSpPr>
         <p:spPr>
           <a:xfrm rot="10800000" flipV="1">
-            <a:off x="3186659" y="1170014"/>
+            <a:off x="3186659" y="560687"/>
             <a:ext cx="23906656" cy="1215717"/>
           </a:xfrm>
           <a:prstGeom prst="rect">
@@ -3632,7 +3682,7 @@
         </p:nvSpPr>
         <p:spPr>
           <a:xfrm>
-            <a:off x="882403" y="5861500"/>
+            <a:off x="882403" y="4486497"/>
             <a:ext cx="13682000" cy="1215718"/>
           </a:xfrm>
           <a:prstGeom prst="roundRect">
@@ -3699,7 +3749,7 @@
         </p:nvSpPr>
         <p:spPr>
           <a:xfrm>
-            <a:off x="882403" y="15872846"/>
+            <a:off x="882403" y="14497843"/>
             <a:ext cx="13682000" cy="1215718"/>
           </a:xfrm>
           <a:prstGeom prst="roundRect">
@@ -3787,8 +3837,8 @@
         </p:nvSpPr>
         <p:spPr>
           <a:xfrm>
-            <a:off x="15641300" y="36544081"/>
-            <a:ext cx="13575791" cy="1215718"/>
+            <a:off x="15686347" y="35556605"/>
+            <a:ext cx="13585090" cy="1215718"/>
           </a:xfrm>
           <a:prstGeom prst="roundRect">
             <a:avLst/>
@@ -3843,7 +3893,23 @@
                   <a:schemeClr val="tx1"/>
                 </a:solidFill>
               </a:rPr>
-              <a:t>　考察</a:t>
+              <a:t>　</a:t>
+            </a:r>
+            <a:r>
+              <a:rPr lang="ja-JP" altLang="en-US" sz="4800" dirty="0">
+                <a:solidFill>
+                  <a:schemeClr val="tx1"/>
+                </a:solidFill>
+              </a:rPr>
+              <a:t>まとめ</a:t>
+            </a:r>
+            <a:r>
+              <a:rPr kumimoji="1" lang="ja-JP" altLang="en-US" sz="4800" dirty="0">
+                <a:solidFill>
+                  <a:schemeClr val="tx1"/>
+                </a:solidFill>
+              </a:rPr>
+              <a:t>・今後の展望</a:t>
             </a:r>
           </a:p>
         </p:txBody>
@@ -3862,7 +3928,7 @@
         </p:nvSpPr>
         <p:spPr>
           <a:xfrm>
-            <a:off x="15686347" y="5866840"/>
+            <a:off x="15686347" y="4491837"/>
             <a:ext cx="13685824" cy="1209622"/>
           </a:xfrm>
           <a:prstGeom prst="roundRect">
@@ -3918,7 +3984,7 @@
                   <a:schemeClr val="tx1"/>
                 </a:solidFill>
               </a:rPr>
-              <a:t>　実験</a:t>
+              <a:t>　実コメントを用いた実験・結果</a:t>
             </a:r>
           </a:p>
         </p:txBody>
@@ -3937,7 +4003,7 @@
         </p:nvSpPr>
         <p:spPr>
           <a:xfrm>
-            <a:off x="883277" y="26516822"/>
+            <a:off x="883278" y="25292184"/>
             <a:ext cx="13681125" cy="1215718"/>
           </a:xfrm>
           <a:prstGeom prst="roundRect">
@@ -3993,7 +4059,7 @@
                   <a:schemeClr val="tx1"/>
                 </a:solidFill>
               </a:rPr>
-              <a:t>　</a:t>
+              <a:t>　関連性評価システムの</a:t>
             </a:r>
             <a:r>
               <a:rPr lang="ja-JP" altLang="en-US" sz="4800" dirty="0">
@@ -4025,7 +4091,7 @@
         </p:nvSpPr>
         <p:spPr>
           <a:xfrm>
-            <a:off x="4266779" y="2385732"/>
+            <a:off x="4266779" y="1735836"/>
             <a:ext cx="21746416" cy="769441"/>
           </a:xfrm>
           <a:prstGeom prst="rect">
@@ -4061,7 +4127,7 @@
         </p:nvSpPr>
         <p:spPr>
           <a:xfrm>
-            <a:off x="9163323" y="3539895"/>
+            <a:off x="9163323" y="2627410"/>
             <a:ext cx="11953328" cy="830997"/>
           </a:xfrm>
           <a:prstGeom prst="rect">
@@ -4082,8 +4148,13 @@
             </a:r>
             <a:r>
               <a:rPr kumimoji="1" lang="ja-JP" altLang="en-US" sz="4800" dirty="0"/>
-              <a:t>西原涼介　相馬隆郎（東京都立大学大学院）</a:t>
-            </a:r>
+              <a:t>西原涼介　相馬隆郎（東京都立大学</a:t>
+            </a:r>
+            <a:r>
+              <a:rPr lang="ja-JP" altLang="en-US" sz="4800" dirty="0"/>
+              <a:t>）</a:t>
+            </a:r>
+            <a:endParaRPr kumimoji="1" lang="ja-JP" altLang="en-US" sz="4800" dirty="0"/>
           </a:p>
         </p:txBody>
       </p:sp>
@@ -4101,7 +4172,7 @@
         </p:nvSpPr>
         <p:spPr>
           <a:xfrm>
-            <a:off x="1890515" y="4370892"/>
+            <a:off x="1890515" y="3340562"/>
             <a:ext cx="26498944" cy="769441"/>
           </a:xfrm>
           <a:prstGeom prst="rect">
@@ -4118,55 +4189,9 @@
             <a:pPr algn="ctr"/>
             <a:r>
               <a:rPr kumimoji="1" lang="en-US" altLang="ja-JP" sz="4400" dirty="0"/>
-              <a:t>Ryosuke Nishihara, Takao Souma, (Graduate School of Tokyo Metropolitan University)</a:t>
+              <a:t>Ryosuke Nishihara, Takao Souma, (Tokyo Metropolitan University)</a:t>
             </a:r>
             <a:endParaRPr kumimoji="1" lang="ja-JP" altLang="en-US" sz="4400" dirty="0"/>
-          </a:p>
-        </p:txBody>
-      </p:sp>
-      <p:sp>
-        <p:nvSpPr>
-          <p:cNvPr id="8" name="正方形/長方形 7">
-            <a:extLst>
-              <a:ext uri="{FF2B5EF4-FFF2-40B4-BE49-F238E27FC236}">
-                <a16:creationId xmlns:a16="http://schemas.microsoft.com/office/drawing/2014/main" id="{6BFAAA18-5D14-CFA3-2A7E-2A5DA9FCB0A6}"/>
-              </a:ext>
-            </a:extLst>
-          </p:cNvPr>
-          <p:cNvSpPr/>
-          <p:nvPr/>
-        </p:nvSpPr>
-        <p:spPr>
-          <a:xfrm>
-            <a:off x="14887959" y="5201889"/>
-            <a:ext cx="504056" cy="37606636"/>
-          </a:xfrm>
-          <a:prstGeom prst="rect">
-            <a:avLst/>
-          </a:prstGeom>
-        </p:spPr>
-        <p:style>
-          <a:lnRef idx="2">
-            <a:schemeClr val="dk1">
-              <a:shade val="15000"/>
-            </a:schemeClr>
-          </a:lnRef>
-          <a:fillRef idx="1">
-            <a:schemeClr val="dk1"/>
-          </a:fillRef>
-          <a:effectRef idx="0">
-            <a:schemeClr val="dk1"/>
-          </a:effectRef>
-          <a:fontRef idx="minor">
-            <a:schemeClr val="lt1"/>
-          </a:fontRef>
-        </p:style>
-        <p:txBody>
-          <a:bodyPr rtlCol="0" anchor="ctr"/>
-          <a:lstStyle/>
-          <a:p>
-            <a:pPr algn="ctr"/>
-            <a:endParaRPr kumimoji="1" lang="ja-JP" altLang="en-US"/>
           </a:p>
         </p:txBody>
       </p:sp>
@@ -4184,7 +4209,7 @@
         </p:nvSpPr>
         <p:spPr>
           <a:xfrm>
-            <a:off x="1098427" y="7678599"/>
+            <a:off x="1098427" y="6303596"/>
             <a:ext cx="7272808" cy="1187810"/>
           </a:xfrm>
           <a:prstGeom prst="roundRect">
@@ -4293,7 +4318,7 @@
         </p:nvSpPr>
         <p:spPr>
           <a:xfrm>
-            <a:off x="1098427" y="10881838"/>
+            <a:off x="1098427" y="9506835"/>
             <a:ext cx="7272808" cy="1377408"/>
           </a:xfrm>
           <a:prstGeom prst="roundRect">
@@ -4389,7 +4414,7 @@
         </p:nvSpPr>
         <p:spPr>
           <a:xfrm>
-            <a:off x="4338787" y="7362702"/>
+            <a:off x="4338787" y="5987699"/>
             <a:ext cx="946442" cy="3498536"/>
           </a:xfrm>
           <a:prstGeom prst="downArrow">
@@ -4443,7 +4468,7 @@
         </p:nvSpPr>
         <p:spPr>
           <a:xfrm>
-            <a:off x="1098427" y="7680456"/>
+            <a:off x="1098427" y="6305453"/>
             <a:ext cx="7272808" cy="1187810"/>
           </a:xfrm>
           <a:prstGeom prst="roundRect">
@@ -4555,7 +4580,7 @@
         </p:nvSpPr>
         <p:spPr>
           <a:xfrm>
-            <a:off x="1098427" y="9187949"/>
+            <a:off x="1098427" y="7812946"/>
             <a:ext cx="7272808" cy="689155"/>
           </a:xfrm>
           <a:prstGeom prst="roundRect">
@@ -4635,17 +4660,14 @@
         </p:nvSpPr>
         <p:spPr>
           <a:xfrm>
-            <a:off x="1065740" y="13264859"/>
+            <a:off x="1065740" y="11889856"/>
             <a:ext cx="12817424" cy="1929496"/>
           </a:xfrm>
           <a:prstGeom prst="roundRect">
             <a:avLst/>
           </a:prstGeom>
           <a:solidFill>
-            <a:schemeClr val="accent6">
-              <a:lumMod val="40000"/>
-              <a:lumOff val="60000"/>
-            </a:schemeClr>
+            <a:srgbClr val="F1B584"/>
           </a:solidFill>
           <a:ln>
             <a:solidFill>
@@ -4739,7 +4761,7 @@
         </p:nvSpPr>
         <p:spPr>
           <a:xfrm>
-            <a:off x="8889895" y="7398172"/>
+            <a:off x="8889895" y="6023169"/>
             <a:ext cx="5097964" cy="3207694"/>
           </a:xfrm>
           <a:prstGeom prst="rect">
@@ -4788,7 +4810,7 @@
         </p:nvSpPr>
         <p:spPr>
           <a:xfrm>
-            <a:off x="8667252" y="10848121"/>
+            <a:off x="8667252" y="9473118"/>
             <a:ext cx="5468238" cy="1384995"/>
           </a:xfrm>
           <a:prstGeom prst="rect">
@@ -4840,37 +4862,29 @@
         </p:nvSpPr>
         <p:spPr>
           <a:xfrm>
-            <a:off x="1386459" y="12943905"/>
+            <a:off x="1386459" y="11568902"/>
             <a:ext cx="2700300" cy="646331"/>
           </a:xfrm>
           <a:prstGeom prst="rect">
             <a:avLst/>
           </a:prstGeom>
-          <a:solidFill>
-            <a:schemeClr val="accent6"/>
-          </a:solidFill>
-          <a:ln w="9525" cap="flat" cmpd="sng" algn="ctr">
-            <a:solidFill>
-              <a:schemeClr val="dk1"/>
-            </a:solidFill>
-            <a:prstDash val="solid"/>
-            <a:round/>
+          <a:ln>
             <a:headEnd type="none" w="med" len="med"/>
             <a:tailEnd type="none" w="med" len="med"/>
           </a:ln>
         </p:spPr>
         <p:style>
           <a:lnRef idx="0">
-            <a:scrgbClr r="0" g="0" b="0"/>
+            <a:schemeClr val="accent6"/>
           </a:lnRef>
-          <a:fillRef idx="0">
-            <a:scrgbClr r="0" g="0" b="0"/>
+          <a:fillRef idx="3">
+            <a:schemeClr val="accent6"/>
           </a:fillRef>
-          <a:effectRef idx="0">
-            <a:scrgbClr r="0" g="0" b="0"/>
+          <a:effectRef idx="3">
+            <a:schemeClr val="accent6"/>
           </a:effectRef>
           <a:fontRef idx="minor">
-            <a:schemeClr val="dk1"/>
+            <a:schemeClr val="lt1"/>
           </a:fontRef>
         </p:style>
         <p:txBody>
@@ -4881,7 +4895,11 @@
           <a:p>
             <a:pPr algn="ctr"/>
             <a:r>
-              <a:rPr kumimoji="1" lang="ja-JP" altLang="en-US" sz="3600" dirty="0"/>
+              <a:rPr kumimoji="1" lang="ja-JP" altLang="en-US" sz="3600" dirty="0">
+                <a:solidFill>
+                  <a:schemeClr val="tx1"/>
+                </a:solidFill>
+              </a:rPr>
               <a:t>研究目的</a:t>
             </a:r>
           </a:p>
@@ -4909,7 +4927,7 @@
         </p:blipFill>
         <p:spPr>
           <a:xfrm>
-            <a:off x="671163" y="21575194"/>
+            <a:off x="671163" y="20200191"/>
             <a:ext cx="7219423" cy="4753059"/>
           </a:xfrm>
           <a:prstGeom prst="rect">
@@ -4931,7 +4949,7 @@
         </p:nvSpPr>
         <p:spPr>
           <a:xfrm>
-            <a:off x="6787059" y="12463975"/>
+            <a:off x="6787059" y="11088972"/>
             <a:ext cx="3299476" cy="558629"/>
           </a:xfrm>
           <a:prstGeom prst="downArrow">
@@ -4996,7 +5014,7 @@
         </p:blipFill>
         <p:spPr>
           <a:xfrm>
-            <a:off x="640205" y="35837705"/>
+            <a:off x="682169" y="34202580"/>
             <a:ext cx="13898820" cy="6107937"/>
           </a:xfrm>
           <a:prstGeom prst="rect">
@@ -5004,144 +5022,6 @@
           </a:prstGeom>
         </p:spPr>
       </p:pic>
-      <p:sp>
-        <p:nvSpPr>
-          <p:cNvPr id="29" name="正方形/長方形 28">
-            <a:extLst>
-              <a:ext uri="{FF2B5EF4-FFF2-40B4-BE49-F238E27FC236}">
-                <a16:creationId xmlns:a16="http://schemas.microsoft.com/office/drawing/2014/main" id="{195F2B23-706F-29D7-15D5-B322017AC1BA}"/>
-              </a:ext>
-            </a:extLst>
-          </p:cNvPr>
-          <p:cNvSpPr/>
-          <p:nvPr/>
-        </p:nvSpPr>
-        <p:spPr>
-          <a:xfrm>
-            <a:off x="54792" y="5130619"/>
-            <a:ext cx="504056" cy="37606636"/>
-          </a:xfrm>
-          <a:prstGeom prst="rect">
-            <a:avLst/>
-          </a:prstGeom>
-        </p:spPr>
-        <p:style>
-          <a:lnRef idx="2">
-            <a:schemeClr val="dk1">
-              <a:shade val="15000"/>
-            </a:schemeClr>
-          </a:lnRef>
-          <a:fillRef idx="1">
-            <a:schemeClr val="dk1"/>
-          </a:fillRef>
-          <a:effectRef idx="0">
-            <a:schemeClr val="dk1"/>
-          </a:effectRef>
-          <a:fontRef idx="minor">
-            <a:schemeClr val="lt1"/>
-          </a:fontRef>
-        </p:style>
-        <p:txBody>
-          <a:bodyPr rtlCol="0" anchor="ctr"/>
-          <a:lstStyle/>
-          <a:p>
-            <a:pPr algn="ctr"/>
-            <a:endParaRPr kumimoji="1" lang="ja-JP" altLang="en-US"/>
-          </a:p>
-        </p:txBody>
-      </p:sp>
-      <p:sp>
-        <p:nvSpPr>
-          <p:cNvPr id="30" name="正方形/長方形 29">
-            <a:extLst>
-              <a:ext uri="{FF2B5EF4-FFF2-40B4-BE49-F238E27FC236}">
-                <a16:creationId xmlns:a16="http://schemas.microsoft.com/office/drawing/2014/main" id="{F8C42AFB-E0B5-F95D-146C-98125D9C668D}"/>
-              </a:ext>
-            </a:extLst>
-          </p:cNvPr>
-          <p:cNvSpPr/>
-          <p:nvPr/>
-        </p:nvSpPr>
-        <p:spPr>
-          <a:xfrm>
-            <a:off x="29721127" y="5201889"/>
-            <a:ext cx="504056" cy="37606636"/>
-          </a:xfrm>
-          <a:prstGeom prst="rect">
-            <a:avLst/>
-          </a:prstGeom>
-        </p:spPr>
-        <p:style>
-          <a:lnRef idx="2">
-            <a:schemeClr val="dk1">
-              <a:shade val="15000"/>
-            </a:schemeClr>
-          </a:lnRef>
-          <a:fillRef idx="1">
-            <a:schemeClr val="dk1"/>
-          </a:fillRef>
-          <a:effectRef idx="0">
-            <a:schemeClr val="dk1"/>
-          </a:effectRef>
-          <a:fontRef idx="minor">
-            <a:schemeClr val="lt1"/>
-          </a:fontRef>
-        </p:style>
-        <p:txBody>
-          <a:bodyPr rtlCol="0" anchor="ctr"/>
-          <a:lstStyle/>
-          <a:p>
-            <a:pPr algn="ctr"/>
-            <a:endParaRPr kumimoji="1" lang="ja-JP" altLang="en-US"/>
-          </a:p>
-        </p:txBody>
-      </p:sp>
-      <p:sp>
-        <p:nvSpPr>
-          <p:cNvPr id="31" name="正方形/長方形 30">
-            <a:extLst>
-              <a:ext uri="{FF2B5EF4-FFF2-40B4-BE49-F238E27FC236}">
-                <a16:creationId xmlns:a16="http://schemas.microsoft.com/office/drawing/2014/main" id="{D980CF48-2967-B99C-5D56-D0F5C276EA5E}"/>
-              </a:ext>
-            </a:extLst>
-          </p:cNvPr>
-          <p:cNvSpPr/>
-          <p:nvPr/>
-        </p:nvSpPr>
-        <p:spPr>
-          <a:xfrm rot="16200000">
-            <a:off x="14815153" y="27671381"/>
-            <a:ext cx="499474" cy="29673474"/>
-          </a:xfrm>
-          <a:prstGeom prst="rect">
-            <a:avLst/>
-          </a:prstGeom>
-        </p:spPr>
-        <p:style>
-          <a:lnRef idx="2">
-            <a:schemeClr val="dk1">
-              <a:shade val="15000"/>
-            </a:schemeClr>
-          </a:lnRef>
-          <a:fillRef idx="1">
-            <a:schemeClr val="dk1"/>
-          </a:fillRef>
-          <a:effectRef idx="0">
-            <a:schemeClr val="dk1"/>
-          </a:effectRef>
-          <a:fontRef idx="minor">
-            <a:schemeClr val="lt1"/>
-          </a:fontRef>
-        </p:style>
-        <p:txBody>
-          <a:bodyPr rtlCol="0" anchor="ctr"/>
-          <a:lstStyle/>
-          <a:p>
-            <a:pPr algn="ctr"/>
-            <a:endParaRPr kumimoji="1" lang="ja-JP" altLang="en-US"/>
-          </a:p>
-        </p:txBody>
-      </p:sp>
       <p:sp>
         <p:nvSpPr>
           <p:cNvPr id="34" name="四角形: 角を丸くする 33">
@@ -5156,7 +5036,7 @@
         </p:nvSpPr>
         <p:spPr>
           <a:xfrm>
-            <a:off x="886447" y="28109503"/>
+            <a:off x="886447" y="26734500"/>
             <a:ext cx="13681125" cy="7314380"/>
           </a:xfrm>
           <a:prstGeom prst="roundRect">
@@ -5165,10 +5045,7 @@
             </a:avLst>
           </a:prstGeom>
           <a:solidFill>
-            <a:schemeClr val="accent6">
-              <a:lumMod val="40000"/>
-              <a:lumOff val="60000"/>
-            </a:schemeClr>
+            <a:srgbClr val="F1B584"/>
           </a:solidFill>
           <a:ln>
             <a:solidFill>
@@ -5467,7 +5344,7 @@
                   <a:schemeClr val="tx1"/>
                 </a:solidFill>
               </a:rPr>
-              <a:t>正解レベルを付与した</a:t>
+              <a:t>正解ラベルを付与した</a:t>
             </a:r>
             <a:r>
               <a:rPr lang="en-US" altLang="ja-JP" sz="3200" dirty="0">
@@ -5523,7 +5400,7 @@
         </p:nvSpPr>
         <p:spPr>
           <a:xfrm>
-            <a:off x="1619958" y="17164525"/>
+            <a:off x="1619958" y="15789522"/>
             <a:ext cx="4086982" cy="707886"/>
           </a:xfrm>
           <a:prstGeom prst="rect">
@@ -5584,7 +5461,7 @@
         </p:nvSpPr>
         <p:spPr>
           <a:xfrm>
-            <a:off x="1211223" y="19511569"/>
+            <a:off x="1211223" y="18136566"/>
             <a:ext cx="12529392" cy="2255292"/>
           </a:xfrm>
           <a:prstGeom prst="roundRect">
@@ -5654,7 +5531,7 @@
         </p:nvSpPr>
         <p:spPr>
           <a:xfrm>
-            <a:off x="1655128" y="19174706"/>
+            <a:off x="1655128" y="17799703"/>
             <a:ext cx="4663047" cy="769441"/>
           </a:xfrm>
           <a:prstGeom prst="rect">
@@ -5708,8 +5585,8 @@
         </p:nvSpPr>
         <p:spPr>
           <a:xfrm>
-            <a:off x="8167841" y="22344762"/>
-            <a:ext cx="5683118" cy="3539430"/>
+            <a:off x="8167840" y="20969759"/>
+            <a:ext cx="6348121" cy="3539430"/>
           </a:xfrm>
           <a:prstGeom prst="rect">
             <a:avLst/>
@@ -5732,7 +5609,14 @@
             </a:r>
             <a:r>
               <a:rPr kumimoji="1" lang="ja-JP" altLang="en-US" sz="2800" dirty="0"/>
-              <a:t>単語対をバイタームと定義しバイタームごとに同一のトピックを仮定するモデル</a:t>
+              <a:t>単語対をバイタームと定義しバイタームごとに同一のトピックを仮定</a:t>
+            </a:r>
+            <a:endParaRPr kumimoji="1" lang="en-US" altLang="ja-JP" sz="2800" dirty="0"/>
+          </a:p>
+          <a:p>
+            <a:r>
+              <a:rPr kumimoji="1" lang="ja-JP" altLang="en-US" sz="2800" dirty="0"/>
+              <a:t>するモデル</a:t>
             </a:r>
             <a:endParaRPr kumimoji="1" lang="en-US" altLang="ja-JP" sz="2800" dirty="0"/>
           </a:p>
@@ -5785,7 +5669,7 @@
         </p:nvSpPr>
         <p:spPr>
           <a:xfrm>
-            <a:off x="15711748" y="7398172"/>
+            <a:off x="15711748" y="6023169"/>
             <a:ext cx="7604762" cy="4198414"/>
           </a:xfrm>
           <a:prstGeom prst="roundRect">
@@ -5983,8 +5867,8 @@
         </p:nvSpPr>
         <p:spPr>
           <a:xfrm>
-            <a:off x="18319852" y="7148233"/>
-            <a:ext cx="2388553" cy="646331"/>
+            <a:off x="17946994" y="5773230"/>
+            <a:ext cx="2881625" cy="646331"/>
           </a:xfrm>
           <a:prstGeom prst="rect">
             <a:avLst/>
@@ -6015,6 +5899,7 @@
           </a:bodyPr>
           <a:lstStyle/>
           <a:p>
+            <a:pPr algn="ctr"/>
             <a:r>
               <a:rPr lang="ja-JP" altLang="en-US" sz="3600" dirty="0"/>
               <a:t>実験データ</a:t>
@@ -6037,7 +5922,7 @@
         </p:nvSpPr>
         <p:spPr>
           <a:xfrm>
-            <a:off x="23590589" y="7362702"/>
+            <a:off x="23590589" y="5987699"/>
             <a:ext cx="6025573" cy="3052860"/>
           </a:xfrm>
           <a:prstGeom prst="roundRect">
@@ -6156,8 +6041,8 @@
         </p:nvSpPr>
         <p:spPr>
           <a:xfrm>
-            <a:off x="25889431" y="7117918"/>
-            <a:ext cx="1739237" cy="646331"/>
+            <a:off x="25365123" y="5742915"/>
+            <a:ext cx="2520280" cy="646331"/>
           </a:xfrm>
           <a:prstGeom prst="rect">
             <a:avLst/>
@@ -6188,6 +6073,7 @@
           </a:bodyPr>
           <a:lstStyle/>
           <a:p>
+            <a:pPr algn="ctr"/>
             <a:r>
               <a:rPr kumimoji="1" lang="ja-JP" altLang="en-US" sz="3600" dirty="0"/>
               <a:t>前処理</a:t>
@@ -6209,31 +6095,23 @@
         </p:nvSpPr>
         <p:spPr>
           <a:xfrm>
-            <a:off x="23992123" y="10991404"/>
+            <a:off x="23992123" y="9616401"/>
             <a:ext cx="5222504" cy="707886"/>
           </a:xfrm>
           <a:prstGeom prst="rect">
             <a:avLst/>
           </a:prstGeom>
-          <a:solidFill>
-            <a:schemeClr val="accent6">
-              <a:lumMod val="75000"/>
-              <a:alpha val="50000"/>
-            </a:schemeClr>
-          </a:solidFill>
-          <a:ln>
-            <a:noFill/>
-          </a:ln>
+          <a:ln/>
         </p:spPr>
         <p:style>
           <a:lnRef idx="0">
-            <a:scrgbClr r="0" g="0" b="0"/>
+            <a:schemeClr val="accent6"/>
           </a:lnRef>
-          <a:fillRef idx="0">
-            <a:scrgbClr r="0" g="0" b="0"/>
+          <a:fillRef idx="3">
+            <a:schemeClr val="accent6"/>
           </a:fillRef>
-          <a:effectRef idx="0">
-            <a:scrgbClr r="0" g="0" b="0"/>
+          <a:effectRef idx="3">
+            <a:schemeClr val="accent6"/>
           </a:effectRef>
           <a:fontRef idx="minor">
             <a:schemeClr val="lt1"/>
@@ -6286,7 +6164,7 @@
         </p:blipFill>
         <p:spPr>
           <a:xfrm>
-            <a:off x="15812401" y="11717035"/>
+            <a:off x="15659307" y="10346866"/>
             <a:ext cx="7935432" cy="6049219"/>
           </a:xfrm>
           <a:prstGeom prst="rect">
@@ -6308,7 +6186,7 @@
         </p:nvSpPr>
         <p:spPr>
           <a:xfrm>
-            <a:off x="23808924" y="13411225"/>
+            <a:off x="23808924" y="12036222"/>
             <a:ext cx="5737725" cy="4524315"/>
           </a:xfrm>
           <a:prstGeom prst="rect">
@@ -6334,7 +6212,7 @@
             </a:r>
             <a:r>
               <a:rPr lang="ja-JP" altLang="en-US" sz="3200" dirty="0"/>
-              <a:t>：カップラーメンの味や商品開発の際に参考にした店舗に関する単語、視聴者の商品に対する感情などの単語が取得できている</a:t>
+              <a:t>：　カップラーメンの味や商品開発の際に参考にした店舗に関する単語、視聴者の商品に対する感情などの単語が取得できている</a:t>
             </a:r>
             <a:endParaRPr lang="en-US" altLang="ja-JP" sz="3200" dirty="0"/>
           </a:p>
@@ -6351,44 +6229,9 @@
             </a:r>
             <a:r>
               <a:rPr lang="ja-JP" altLang="en-US" sz="3200" dirty="0"/>
-              <a:t>：商品に対応している家電に関する単語や、使用した際の電気代やガス代などに関する単語を取得できている</a:t>
+              <a:t>：　商品に対応している家電に関する単語や、使用した際の電気代やガス代などに関する単語を取得できている</a:t>
             </a:r>
             <a:endParaRPr lang="en-US" altLang="ja-JP" sz="3200" dirty="0"/>
-          </a:p>
-        </p:txBody>
-      </p:sp>
-      <p:sp>
-        <p:nvSpPr>
-          <p:cNvPr id="45" name="テキスト ボックス 44">
-            <a:extLst>
-              <a:ext uri="{FF2B5EF4-FFF2-40B4-BE49-F238E27FC236}">
-                <a16:creationId xmlns:a16="http://schemas.microsoft.com/office/drawing/2014/main" id="{B36D87F1-DA96-49E7-FD3A-25FFCC9E5FEE}"/>
-              </a:ext>
-            </a:extLst>
-          </p:cNvPr>
-          <p:cNvSpPr txBox="1"/>
-          <p:nvPr/>
-        </p:nvSpPr>
-        <p:spPr>
-          <a:xfrm>
-            <a:off x="15641300" y="17820447"/>
-            <a:ext cx="5062797" cy="707886"/>
-          </a:xfrm>
-          <a:prstGeom prst="rect">
-            <a:avLst/>
-          </a:prstGeom>
-          <a:noFill/>
-        </p:spPr>
-        <p:txBody>
-          <a:bodyPr wrap="square" rtlCol="0">
-            <a:spAutoFit/>
-          </a:bodyPr>
-          <a:lstStyle/>
-          <a:p>
-            <a:r>
-              <a:rPr kumimoji="1" lang="ja-JP" altLang="en-US" sz="4000" dirty="0"/>
-              <a:t>自動生成した文章例</a:t>
-            </a:r>
           </a:p>
         </p:txBody>
       </p:sp>
@@ -6406,8 +6249,8 @@
         </p:nvSpPr>
         <p:spPr>
           <a:xfrm>
-            <a:off x="15765886" y="18320342"/>
-            <a:ext cx="13779536" cy="2062103"/>
+            <a:off x="15770581" y="17312386"/>
+            <a:ext cx="13779536" cy="1384995"/>
           </a:xfrm>
           <a:prstGeom prst="rect">
             <a:avLst/>
@@ -6421,7 +6264,7 @@
           <a:lstStyle/>
           <a:p>
             <a:r>
-              <a:rPr kumimoji="1" lang="ja-JP" altLang="en-US" sz="3200" dirty="0">
+              <a:rPr kumimoji="1" lang="ja-JP" altLang="en-US" sz="2800" dirty="0">
                 <a:solidFill>
                   <a:schemeClr val="accent6">
                     <a:lumMod val="75000"/>
@@ -6431,11 +6274,11 @@
               <a:t>みそきん</a:t>
             </a:r>
             <a:r>
-              <a:rPr kumimoji="1" lang="ja-JP" altLang="en-US" sz="3200" dirty="0"/>
-              <a:t>：</a:t>
-            </a:r>
-            <a:r>
-              <a:rPr lang="ja-JP" altLang="en-US" sz="3200" dirty="0">
+              <a:rPr kumimoji="1" lang="ja-JP" altLang="en-US" sz="2800" dirty="0"/>
+              <a:t>：　</a:t>
+            </a:r>
+            <a:r>
+              <a:rPr lang="ja-JP" altLang="en-US" sz="2800" dirty="0">
                 <a:solidFill>
                   <a:srgbClr val="FF0000"/>
                 </a:solidFill>
@@ -6443,11 +6286,11 @@
               <a:t>ヒカキン</a:t>
             </a:r>
             <a:r>
-              <a:rPr lang="ja-JP" altLang="en-US" sz="3200" dirty="0"/>
+              <a:rPr lang="ja-JP" altLang="en-US" sz="2800" dirty="0"/>
               <a:t>さんの</a:t>
             </a:r>
             <a:r>
-              <a:rPr lang="ja-JP" altLang="en-US" sz="3200" dirty="0">
+              <a:rPr lang="ja-JP" altLang="en-US" sz="2800" dirty="0">
                 <a:solidFill>
                   <a:srgbClr val="FF0000"/>
                 </a:solidFill>
@@ -6455,11 +6298,11 @@
               <a:t>笑顔</a:t>
             </a:r>
             <a:r>
-              <a:rPr lang="ja-JP" altLang="en-US" sz="3200" dirty="0"/>
+              <a:rPr lang="ja-JP" altLang="en-US" sz="2800" dirty="0"/>
               <a:t>が、</a:t>
             </a:r>
             <a:r>
-              <a:rPr lang="ja-JP" altLang="en-US" sz="3200" dirty="0">
+              <a:rPr lang="ja-JP" altLang="en-US" sz="2800" dirty="0">
                 <a:solidFill>
                   <a:srgbClr val="FF0000"/>
                 </a:solidFill>
@@ -6467,11 +6310,11 @@
               <a:t>味噌ラーメン</a:t>
             </a:r>
             <a:r>
-              <a:rPr lang="ja-JP" altLang="en-US" sz="3200" dirty="0"/>
+              <a:rPr lang="ja-JP" altLang="en-US" sz="2800" dirty="0"/>
               <a:t>を食べるときの私の楽しみですね。</a:t>
             </a:r>
             <a:r>
-              <a:rPr lang="ja-JP" altLang="en-US" sz="3200" dirty="0">
+              <a:rPr lang="ja-JP" altLang="en-US" sz="2800" dirty="0">
                 <a:solidFill>
                   <a:srgbClr val="FF0000"/>
                 </a:solidFill>
@@ -6479,11 +6322,11 @@
               <a:t>濃厚</a:t>
             </a:r>
             <a:r>
-              <a:rPr lang="ja-JP" altLang="en-US" sz="3200" dirty="0"/>
+              <a:rPr lang="ja-JP" altLang="en-US" sz="2800" dirty="0"/>
               <a:t>な</a:t>
             </a:r>
             <a:r>
-              <a:rPr lang="ja-JP" altLang="en-US" sz="3200" dirty="0">
+              <a:rPr lang="ja-JP" altLang="en-US" sz="2800" dirty="0">
                 <a:solidFill>
                   <a:srgbClr val="FF0000"/>
                 </a:solidFill>
@@ -6491,11 +6334,11 @@
               <a:t>味噌</a:t>
             </a:r>
             <a:r>
-              <a:rPr lang="ja-JP" altLang="en-US" sz="3200" dirty="0"/>
+              <a:rPr lang="ja-JP" altLang="en-US" sz="2800" dirty="0"/>
               <a:t>の風味が、心温まる</a:t>
             </a:r>
             <a:r>
-              <a:rPr lang="ja-JP" altLang="en-US" sz="3200" dirty="0">
+              <a:rPr lang="ja-JP" altLang="en-US" sz="2800" dirty="0">
                 <a:solidFill>
                   <a:srgbClr val="FF0000"/>
                 </a:solidFill>
@@ -6503,11 +6346,11 @@
               <a:t>ミサ</a:t>
             </a:r>
             <a:r>
-              <a:rPr lang="ja-JP" altLang="en-US" sz="3200" dirty="0"/>
+              <a:rPr lang="ja-JP" altLang="en-US" sz="2800" dirty="0"/>
               <a:t>と共に</a:t>
             </a:r>
             <a:r>
-              <a:rPr lang="ja-JP" altLang="en-US" sz="3200" dirty="0">
+              <a:rPr lang="ja-JP" altLang="en-US" sz="2800" dirty="0">
                 <a:solidFill>
                   <a:srgbClr val="FF0000"/>
                 </a:solidFill>
@@ -6515,11 +6358,11 @@
               <a:t>入っ</a:t>
             </a:r>
             <a:r>
-              <a:rPr lang="ja-JP" altLang="en-US" sz="3200" dirty="0"/>
+              <a:rPr lang="ja-JP" altLang="en-US" sz="2800" dirty="0"/>
               <a:t>た一杯は、本当に</a:t>
             </a:r>
             <a:r>
-              <a:rPr lang="ja-JP" altLang="en-US" sz="3200" dirty="0">
+              <a:rPr lang="ja-JP" altLang="en-US" sz="2800" dirty="0">
                 <a:solidFill>
                   <a:srgbClr val="FF0000"/>
                 </a:solidFill>
@@ -6527,11 +6370,11 @@
               <a:t>美味し</a:t>
             </a:r>
             <a:r>
-              <a:rPr lang="ja-JP" altLang="en-US" sz="3200" dirty="0"/>
+              <a:rPr lang="ja-JP" altLang="en-US" sz="2800" dirty="0"/>
               <a:t>いんですよ。いつも</a:t>
             </a:r>
             <a:r>
-              <a:rPr lang="ja-JP" altLang="en-US" sz="3200" dirty="0">
+              <a:rPr lang="ja-JP" altLang="en-US" sz="2800" dirty="0">
                 <a:solidFill>
                   <a:srgbClr val="FF0000"/>
                 </a:solidFill>
@@ -6539,10 +6382,10 @@
               <a:t>ヒカキン</a:t>
             </a:r>
             <a:r>
-              <a:rPr lang="ja-JP" altLang="en-US" sz="3200" dirty="0"/>
+              <a:rPr lang="ja-JP" altLang="en-US" sz="2800" dirty="0"/>
               <a:t>さんの動画でラーメンの話をする姿を見ると、ついつい食べたくなってしまいます。</a:t>
             </a:r>
-            <a:endParaRPr lang="en-US" altLang="ja-JP" sz="3200" dirty="0"/>
+            <a:endParaRPr lang="en-US" altLang="ja-JP" sz="2800" dirty="0"/>
           </a:p>
         </p:txBody>
       </p:sp>
@@ -6561,13 +6404,13 @@
           <p:nvPr>
             <p:extLst>
               <p:ext uri="{D42A27DB-BD31-4B8C-83A1-F6EECF244321}">
-                <p14:modId xmlns:p14="http://schemas.microsoft.com/office/powerpoint/2010/main" val="1423427576"/>
+                <p14:modId xmlns:p14="http://schemas.microsoft.com/office/powerpoint/2010/main" val="863581219"/>
               </p:ext>
             </p:extLst>
           </p:nvPr>
         </p:nvGraphicFramePr>
         <p:xfrm>
-          <a:off x="15572035" y="22724083"/>
+          <a:off x="15764013" y="21452395"/>
           <a:ext cx="13987172" cy="7376160"/>
         </p:xfrm>
         <a:graphic>
@@ -6645,6 +6488,9 @@
                       <a:headEnd type="none" w="med" len="med"/>
                       <a:tailEnd type="none" w="med" len="med"/>
                     </a:lnB>
+                    <a:solidFill>
+                      <a:srgbClr val="D7E4BD"/>
+                    </a:solidFill>
                   </a:tcPr>
                 </a:tc>
                 <a:tc>
@@ -6699,6 +6545,9 @@
                       <a:headEnd type="none" w="med" len="med"/>
                       <a:tailEnd type="none" w="med" len="med"/>
                     </a:lnB>
+                    <a:solidFill>
+                      <a:srgbClr val="D7E4BD"/>
+                    </a:solidFill>
                   </a:tcPr>
                 </a:tc>
                 <a:extLst>
@@ -6757,6 +6606,12 @@
                       <a:headEnd type="none" w="med" len="med"/>
                       <a:tailEnd type="none" w="med" len="med"/>
                     </a:lnB>
+                    <a:solidFill>
+                      <a:schemeClr val="accent1">
+                        <a:lumMod val="20000"/>
+                        <a:lumOff val="80000"/>
+                      </a:schemeClr>
+                    </a:solidFill>
                   </a:tcPr>
                 </a:tc>
                 <a:tc>
@@ -6769,7 +6624,7 @@
                         <a:t>味噌ラーメン好きとしてとても気になる絶対買う味噌派閥にも嗜好が違う事があるから</a:t>
                       </a:r>
                       <a:r>
-                        <a:rPr kumimoji="1" lang="en-US" altLang="ja-JP" sz="2800" dirty="0" err="1"/>
+                        <a:rPr kumimoji="1" lang="en-US" altLang="ja-JP" sz="2800" dirty="0"/>
                         <a:t>hikakin</a:t>
                       </a:r>
                       <a:r>
@@ -6823,6 +6678,12 @@
                       <a:noFill/>
                       <a:prstDash val="solid"/>
                     </a:lnBlToTr>
+                    <a:solidFill>
+                      <a:schemeClr val="accent1">
+                        <a:lumMod val="20000"/>
+                        <a:lumOff val="80000"/>
+                      </a:schemeClr>
+                    </a:solidFill>
                   </a:tcPr>
                 </a:tc>
                 <a:extLst>
@@ -6881,6 +6742,12 @@
                       <a:headEnd type="none" w="med" len="med"/>
                       <a:tailEnd type="none" w="med" len="med"/>
                     </a:lnB>
+                    <a:solidFill>
+                      <a:schemeClr val="accent1">
+                        <a:lumMod val="20000"/>
+                        <a:lumOff val="80000"/>
+                      </a:schemeClr>
+                    </a:solidFill>
                   </a:tcPr>
                 </a:tc>
                 <a:tc>
@@ -6939,6 +6806,12 @@
                       <a:noFill/>
                       <a:prstDash val="solid"/>
                     </a:lnBlToTr>
+                    <a:solidFill>
+                      <a:schemeClr val="accent1">
+                        <a:lumMod val="20000"/>
+                        <a:lumOff val="80000"/>
+                      </a:schemeClr>
+                    </a:solidFill>
                   </a:tcPr>
                 </a:tc>
                 <a:extLst>
@@ -6999,6 +6872,12 @@
                       <a:headEnd type="none" w="med" len="med"/>
                       <a:tailEnd type="none" w="med" len="med"/>
                     </a:lnB>
+                    <a:solidFill>
+                      <a:schemeClr val="accent2">
+                        <a:lumMod val="20000"/>
+                        <a:lumOff val="80000"/>
+                      </a:schemeClr>
+                    </a:solidFill>
                   </a:tcPr>
                 </a:tc>
                 <a:tc>
@@ -7011,7 +6890,7 @@
                         <a:t>再生回数見て思ったけど今でもみんなの関心を惹き付けてる事が凄いちゃんとみんな</a:t>
                       </a:r>
                       <a:r>
-                        <a:rPr kumimoji="1" lang="en-US" altLang="ja-JP" sz="2800" dirty="0" err="1"/>
+                        <a:rPr kumimoji="1" lang="en-US" altLang="ja-JP" sz="2800" dirty="0"/>
                         <a:t>hikakin</a:t>
                       </a:r>
                       <a:r>
@@ -7066,6 +6945,12 @@
                       <a:noFill/>
                       <a:prstDash val="solid"/>
                     </a:lnBlToTr>
+                    <a:solidFill>
+                      <a:schemeClr val="accent2">
+                        <a:lumMod val="20000"/>
+                        <a:lumOff val="80000"/>
+                      </a:schemeClr>
+                    </a:solidFill>
                   </a:tcPr>
                 </a:tc>
                 <a:extLst>
@@ -7125,7 +7010,7 @@
                       <a:tailEnd type="none" w="med" len="med"/>
                     </a:lnB>
                     <a:solidFill>
-                      <a:srgbClr val="F79646"/>
+                      <a:srgbClr val="D7E4BD"/>
                     </a:solidFill>
                   </a:tcPr>
                 </a:tc>
@@ -7187,7 +7072,7 @@
                       <a:prstDash val="solid"/>
                     </a:lnBlToTr>
                     <a:solidFill>
-                      <a:srgbClr val="F79646"/>
+                      <a:srgbClr val="D7E4BD"/>
                     </a:solidFill>
                   </a:tcPr>
                 </a:tc>
@@ -7247,7 +7132,10 @@
                       <a:tailEnd type="none" w="med" len="med"/>
                     </a:lnB>
                     <a:solidFill>
-                      <a:schemeClr val="bg1"/>
+                      <a:schemeClr val="accent1">
+                        <a:lumMod val="20000"/>
+                        <a:lumOff val="80000"/>
+                      </a:schemeClr>
                     </a:solidFill>
                   </a:tcPr>
                 </a:tc>
@@ -7309,7 +7197,10 @@
                       <a:prstDash val="solid"/>
                     </a:lnBlToTr>
                     <a:solidFill>
-                      <a:schemeClr val="bg1"/>
+                      <a:schemeClr val="accent1">
+                        <a:lumMod val="20000"/>
+                        <a:lumOff val="80000"/>
+                      </a:schemeClr>
                     </a:solidFill>
                   </a:tcPr>
                 </a:tc>
@@ -7369,7 +7260,10 @@
                       <a:tailEnd type="none" w="med" len="med"/>
                     </a:lnB>
                     <a:solidFill>
-                      <a:schemeClr val="bg1"/>
+                      <a:schemeClr val="accent1">
+                        <a:lumMod val="20000"/>
+                        <a:lumOff val="80000"/>
+                      </a:schemeClr>
                     </a:solidFill>
                   </a:tcPr>
                 </a:tc>
@@ -7431,7 +7325,10 @@
                       <a:prstDash val="solid"/>
                     </a:lnBlToTr>
                     <a:solidFill>
-                      <a:schemeClr val="bg1"/>
+                      <a:schemeClr val="accent1">
+                        <a:lumMod val="20000"/>
+                        <a:lumOff val="80000"/>
+                      </a:schemeClr>
                     </a:solidFill>
                   </a:tcPr>
                 </a:tc>
@@ -7491,7 +7388,10 @@
                       <a:tailEnd type="none" w="med" len="med"/>
                     </a:lnB>
                     <a:solidFill>
-                      <a:schemeClr val="bg1"/>
+                      <a:schemeClr val="accent2">
+                        <a:lumMod val="20000"/>
+                        <a:lumOff val="80000"/>
+                      </a:schemeClr>
                     </a:solidFill>
                   </a:tcPr>
                 </a:tc>
@@ -7561,7 +7461,10 @@
                       <a:prstDash val="solid"/>
                     </a:lnBlToTr>
                     <a:solidFill>
-                      <a:schemeClr val="bg1"/>
+                      <a:schemeClr val="accent2">
+                        <a:lumMod val="20000"/>
+                        <a:lumOff val="80000"/>
+                      </a:schemeClr>
                     </a:solidFill>
                   </a:tcPr>
                 </a:tc>
@@ -7589,7 +7492,7 @@
         </p:nvSpPr>
         <p:spPr>
           <a:xfrm>
-            <a:off x="24130569" y="11800877"/>
+            <a:off x="24130569" y="10425874"/>
             <a:ext cx="1758862" cy="523220"/>
           </a:xfrm>
           <a:prstGeom prst="rect">
@@ -7643,31 +7546,23 @@
         </p:nvSpPr>
         <p:spPr>
           <a:xfrm>
-            <a:off x="15703343" y="21890405"/>
+            <a:off x="15709993" y="20596240"/>
             <a:ext cx="3833538" cy="707886"/>
           </a:xfrm>
           <a:prstGeom prst="rect">
             <a:avLst/>
           </a:prstGeom>
-          <a:solidFill>
-            <a:schemeClr val="accent6">
-              <a:lumMod val="75000"/>
-              <a:alpha val="50000"/>
-            </a:schemeClr>
-          </a:solidFill>
-          <a:ln>
-            <a:noFill/>
-          </a:ln>
+          <a:ln/>
         </p:spPr>
         <p:style>
           <a:lnRef idx="0">
-            <a:scrgbClr r="0" g="0" b="0"/>
+            <a:schemeClr val="accent6"/>
           </a:lnRef>
-          <a:fillRef idx="0">
-            <a:scrgbClr r="0" g="0" b="0"/>
+          <a:fillRef idx="3">
+            <a:schemeClr val="accent6"/>
           </a:fillRef>
-          <a:effectRef idx="0">
-            <a:scrgbClr r="0" g="0" b="0"/>
+          <a:effectRef idx="3">
+            <a:schemeClr val="accent6"/>
           </a:effectRef>
           <a:fontRef idx="minor">
             <a:schemeClr val="lt1"/>
@@ -7704,8 +7599,8 @@
         </p:nvSpPr>
         <p:spPr>
           <a:xfrm>
-            <a:off x="15810589" y="20327918"/>
-            <a:ext cx="13718591" cy="1569660"/>
+            <a:off x="15764222" y="18955000"/>
+            <a:ext cx="13718591" cy="1384995"/>
           </a:xfrm>
           <a:prstGeom prst="rect">
             <a:avLst/>
@@ -7719,7 +7614,7 @@
           <a:lstStyle/>
           <a:p>
             <a:r>
-              <a:rPr lang="ja-JP" altLang="en-US" sz="3200" dirty="0">
+              <a:rPr lang="ja-JP" altLang="en-US" sz="2800" dirty="0">
                 <a:solidFill>
                   <a:schemeClr val="accent6">
                     <a:lumMod val="75000"/>
@@ -7729,11 +7624,11 @@
               <a:t>ここリモ</a:t>
             </a:r>
             <a:r>
-              <a:rPr lang="ja-JP" altLang="en-US" sz="3200" dirty="0"/>
-              <a:t>：</a:t>
-            </a:r>
-            <a:r>
-              <a:rPr kumimoji="1" lang="ja-JP" altLang="en-US" sz="3200" dirty="0">
+              <a:rPr lang="ja-JP" altLang="en-US" sz="2800" dirty="0"/>
+              <a:t>：　</a:t>
+            </a:r>
+            <a:r>
+              <a:rPr kumimoji="1" lang="ja-JP" altLang="en-US" sz="2800" dirty="0">
                 <a:solidFill>
                   <a:srgbClr val="FF0000"/>
                 </a:solidFill>
@@ -7741,11 +7636,11 @@
               <a:t>カズさん</a:t>
             </a:r>
             <a:r>
-              <a:rPr kumimoji="1" lang="ja-JP" altLang="en-US" sz="3200" dirty="0"/>
+              <a:rPr kumimoji="1" lang="ja-JP" altLang="en-US" sz="2800" dirty="0"/>
               <a:t>は</a:t>
             </a:r>
             <a:r>
-              <a:rPr kumimoji="1" lang="ja-JP" altLang="en-US" sz="3200" dirty="0">
+              <a:rPr kumimoji="1" lang="ja-JP" altLang="en-US" sz="2800" dirty="0">
                 <a:solidFill>
                   <a:srgbClr val="FF0000"/>
                 </a:solidFill>
@@ -7753,11 +7648,11 @@
               <a:t>部屋</a:t>
             </a:r>
             <a:r>
-              <a:rPr kumimoji="1" lang="ja-JP" altLang="en-US" sz="3200" dirty="0"/>
+              <a:rPr kumimoji="1" lang="ja-JP" altLang="en-US" sz="2800" dirty="0"/>
               <a:t>の</a:t>
             </a:r>
             <a:r>
-              <a:rPr kumimoji="1" lang="ja-JP" altLang="en-US" sz="3200" dirty="0">
+              <a:rPr kumimoji="1" lang="ja-JP" altLang="en-US" sz="2800" dirty="0">
                 <a:solidFill>
                   <a:srgbClr val="FF0000"/>
                 </a:solidFill>
@@ -7765,11 +7660,11 @@
               <a:t>温度</a:t>
             </a:r>
             <a:r>
-              <a:rPr kumimoji="1" lang="ja-JP" altLang="en-US" sz="3200" dirty="0"/>
+              <a:rPr kumimoji="1" lang="ja-JP" altLang="en-US" sz="2800" dirty="0"/>
               <a:t>を</a:t>
             </a:r>
             <a:r>
-              <a:rPr kumimoji="1" lang="ja-JP" altLang="en-US" sz="3200" dirty="0">
+              <a:rPr kumimoji="1" lang="ja-JP" altLang="en-US" sz="2800" dirty="0">
                 <a:solidFill>
                   <a:srgbClr val="FF0000"/>
                 </a:solidFill>
@@ -7777,11 +7672,11 @@
               <a:t>安く</a:t>
             </a:r>
             <a:r>
-              <a:rPr kumimoji="1" lang="ja-JP" altLang="en-US" sz="3200" dirty="0"/>
+              <a:rPr kumimoji="1" lang="ja-JP" altLang="en-US" sz="2800" dirty="0"/>
               <a:t>保つために、</a:t>
             </a:r>
             <a:r>
-              <a:rPr kumimoji="1" lang="ja-JP" altLang="en-US" sz="3200" dirty="0">
+              <a:rPr kumimoji="1" lang="ja-JP" altLang="en-US" sz="2800" dirty="0">
                 <a:solidFill>
                   <a:srgbClr val="FF0000"/>
                 </a:solidFill>
@@ -7789,11 +7684,11 @@
               <a:t>エアコン</a:t>
             </a:r>
             <a:r>
-              <a:rPr kumimoji="1" lang="ja-JP" altLang="en-US" sz="3200" dirty="0"/>
+              <a:rPr kumimoji="1" lang="ja-JP" altLang="en-US" sz="2800" dirty="0"/>
               <a:t>の使用を控え、代わりに</a:t>
             </a:r>
             <a:r>
-              <a:rPr kumimoji="1" lang="ja-JP" altLang="en-US" sz="3200" dirty="0">
+              <a:rPr kumimoji="1" lang="ja-JP" altLang="en-US" sz="2800" dirty="0">
                 <a:solidFill>
                   <a:srgbClr val="FF0000"/>
                 </a:solidFill>
@@ -7801,11 +7696,11 @@
               <a:t>カーテン</a:t>
             </a:r>
             <a:r>
-              <a:rPr kumimoji="1" lang="ja-JP" altLang="en-US" sz="3200" dirty="0"/>
+              <a:rPr kumimoji="1" lang="ja-JP" altLang="en-US" sz="2800" dirty="0"/>
               <a:t>を使っています。さらに、</a:t>
             </a:r>
             <a:r>
-              <a:rPr kumimoji="1" lang="ja-JP" altLang="en-US" sz="3200" dirty="0">
+              <a:rPr kumimoji="1" lang="ja-JP" altLang="en-US" sz="2800" dirty="0">
                 <a:solidFill>
                   <a:srgbClr val="FF0000"/>
                 </a:solidFill>
@@ -7813,11 +7708,11 @@
               <a:t>オール電化</a:t>
             </a:r>
             <a:r>
-              <a:rPr kumimoji="1" lang="ja-JP" altLang="en-US" sz="3200" dirty="0"/>
+              <a:rPr kumimoji="1" lang="ja-JP" altLang="en-US" sz="2800" dirty="0"/>
               <a:t>のシステムを導入しているため、</a:t>
             </a:r>
             <a:r>
-              <a:rPr kumimoji="1" lang="ja-JP" altLang="en-US" sz="3200" dirty="0">
+              <a:rPr kumimoji="1" lang="ja-JP" altLang="en-US" sz="2800" dirty="0">
                 <a:solidFill>
                   <a:srgbClr val="FF0000"/>
                 </a:solidFill>
@@ -7825,11 +7720,11 @@
               <a:t>電気代</a:t>
             </a:r>
             <a:r>
-              <a:rPr kumimoji="1" lang="ja-JP" altLang="en-US" sz="3200" dirty="0"/>
+              <a:rPr kumimoji="1" lang="ja-JP" altLang="en-US" sz="2800" dirty="0"/>
               <a:t>も</a:t>
             </a:r>
             <a:r>
-              <a:rPr kumimoji="1" lang="ja-JP" altLang="en-US" sz="3200" dirty="0">
+              <a:rPr kumimoji="1" lang="ja-JP" altLang="en-US" sz="2800" dirty="0">
                 <a:solidFill>
                   <a:srgbClr val="FF0000"/>
                 </a:solidFill>
@@ -7837,132 +7732,10 @@
               <a:t>ガス</a:t>
             </a:r>
             <a:r>
-              <a:rPr kumimoji="1" lang="ja-JP" altLang="en-US" sz="3200" dirty="0"/>
+              <a:rPr kumimoji="1" lang="ja-JP" altLang="en-US" sz="2800" dirty="0"/>
               <a:t>代も節約できています。</a:t>
             </a:r>
-            <a:endParaRPr kumimoji="1" lang="en-US" altLang="ja-JP" sz="3200" dirty="0"/>
-          </a:p>
-        </p:txBody>
-      </p:sp>
-      <p:sp>
-        <p:nvSpPr>
-          <p:cNvPr id="47" name="テキスト ボックス 46">
-            <a:extLst>
-              <a:ext uri="{FF2B5EF4-FFF2-40B4-BE49-F238E27FC236}">
-                <a16:creationId xmlns:a16="http://schemas.microsoft.com/office/drawing/2014/main" id="{28B9FB12-58C5-1E50-15F7-E7D0B1956989}"/>
-              </a:ext>
-            </a:extLst>
-          </p:cNvPr>
-          <p:cNvSpPr txBox="1"/>
-          <p:nvPr/>
-        </p:nvSpPr>
-        <p:spPr>
-          <a:xfrm>
-            <a:off x="15777448" y="38052727"/>
-            <a:ext cx="12885389" cy="4154984"/>
-          </a:xfrm>
-          <a:prstGeom prst="rect">
-            <a:avLst/>
-          </a:prstGeom>
-          <a:noFill/>
-        </p:spPr>
-        <p:txBody>
-          <a:bodyPr wrap="square" rtlCol="0">
-            <a:spAutoFit/>
-          </a:bodyPr>
-          <a:lstStyle/>
-          <a:p>
-            <a:r>
-              <a:rPr kumimoji="1" lang="ja-JP" altLang="en-US" sz="2400" dirty="0"/>
-              <a:t>・</a:t>
-            </a:r>
-            <a:r>
-              <a:rPr kumimoji="1" lang="en-US" altLang="ja-JP" sz="2400" dirty="0"/>
-              <a:t>BTM</a:t>
-            </a:r>
-            <a:r>
-              <a:rPr kumimoji="1" lang="ja-JP" altLang="en-US" sz="2400" dirty="0"/>
-              <a:t>で抽出した単語について</a:t>
-            </a:r>
-            <a:endParaRPr kumimoji="1" lang="en-US" altLang="ja-JP" sz="2400" dirty="0"/>
-          </a:p>
-          <a:p>
-            <a:r>
-              <a:rPr lang="ja-JP" altLang="en-US" sz="2400" dirty="0"/>
-              <a:t>　</a:t>
-            </a:r>
-            <a:r>
-              <a:rPr lang="en-US" altLang="ja-JP" sz="2400" dirty="0"/>
-              <a:t>n=10,20,30</a:t>
-            </a:r>
-            <a:r>
-              <a:rPr lang="ja-JP" altLang="en-US" sz="2400" dirty="0"/>
-              <a:t>での違い</a:t>
-            </a:r>
-            <a:endParaRPr lang="en-US" altLang="ja-JP" sz="2400" dirty="0"/>
-          </a:p>
-          <a:p>
-            <a:r>
-              <a:rPr kumimoji="1" lang="ja-JP" altLang="en-US" sz="2400" dirty="0"/>
-              <a:t>・自動生成の文章について</a:t>
-            </a:r>
-            <a:endParaRPr kumimoji="1" lang="en-US" altLang="ja-JP" sz="2400" dirty="0"/>
-          </a:p>
-          <a:p>
-            <a:r>
-              <a:rPr lang="ja-JP" altLang="en-US" sz="2400" dirty="0"/>
-              <a:t>　他にも検討</a:t>
-            </a:r>
-            <a:endParaRPr kumimoji="1" lang="en-US" altLang="ja-JP" sz="2400" dirty="0"/>
-          </a:p>
-          <a:p>
-            <a:r>
-              <a:rPr lang="ja-JP" altLang="en-US" sz="2400" dirty="0"/>
-              <a:t>・類似度計算結果について</a:t>
-            </a:r>
-            <a:endParaRPr lang="en-US" altLang="ja-JP" sz="2400" dirty="0"/>
-          </a:p>
-          <a:p>
-            <a:r>
-              <a:rPr lang="ja-JP" altLang="en-US" sz="2400" dirty="0"/>
-              <a:t>　文章の長さに依存してしまう、他にも検討</a:t>
-            </a:r>
-            <a:endParaRPr lang="en-US" altLang="ja-JP" sz="2400" dirty="0"/>
-          </a:p>
-          <a:p>
-            <a:r>
-              <a:rPr kumimoji="1" lang="ja-JP" altLang="en-US" sz="2400" dirty="0"/>
-              <a:t>・人手との一致率について</a:t>
-            </a:r>
-            <a:endParaRPr kumimoji="1" lang="en-US" altLang="ja-JP" sz="2400" dirty="0"/>
-          </a:p>
-          <a:p>
-            <a:r>
-              <a:rPr lang="ja-JP" altLang="en-US" sz="2400" dirty="0"/>
-              <a:t>　他の動画でも行い、精度をもっと検証する</a:t>
-            </a:r>
-            <a:endParaRPr kumimoji="1" lang="en-US" altLang="ja-JP" sz="2400" dirty="0"/>
-          </a:p>
-          <a:p>
-            <a:r>
-              <a:rPr lang="ja-JP" altLang="en-US" sz="2400" dirty="0"/>
-              <a:t>・提案手法の有用性について</a:t>
-            </a:r>
-            <a:endParaRPr lang="en-US" altLang="ja-JP" sz="2400" dirty="0"/>
-          </a:p>
-          <a:p>
-            <a:r>
-              <a:rPr lang="ja-JP" altLang="en-US" sz="2400" dirty="0"/>
-              <a:t>　人手でのアノテーションを必要とせず、自動で商品との関連性が高いコメントを抽出できる</a:t>
-            </a:r>
-            <a:endParaRPr lang="en-US" altLang="ja-JP" sz="2400" dirty="0"/>
-          </a:p>
-          <a:p>
-            <a:r>
-              <a:rPr kumimoji="1" lang="ja-JP" altLang="en-US" sz="2400" dirty="0"/>
-              <a:t>・改善案、今後の展望</a:t>
-            </a:r>
-            <a:endParaRPr kumimoji="1" lang="en-US" altLang="ja-JP" sz="2400" dirty="0"/>
+            <a:endParaRPr kumimoji="1" lang="en-US" altLang="ja-JP" sz="2800" dirty="0"/>
           </a:p>
         </p:txBody>
       </p:sp>
@@ -7980,28 +7753,23 @@
         </p:nvSpPr>
         <p:spPr>
           <a:xfrm>
-            <a:off x="15641300" y="30191496"/>
+            <a:off x="15721892" y="29103809"/>
             <a:ext cx="7916758" cy="707886"/>
           </a:xfrm>
           <a:prstGeom prst="rect">
             <a:avLst/>
           </a:prstGeom>
-          <a:solidFill>
-            <a:srgbClr val="F1B584"/>
-          </a:solidFill>
-          <a:ln>
-            <a:noFill/>
-          </a:ln>
+          <a:ln/>
         </p:spPr>
         <p:style>
           <a:lnRef idx="0">
-            <a:scrgbClr r="0" g="0" b="0"/>
+            <a:schemeClr val="accent6"/>
           </a:lnRef>
-          <a:fillRef idx="0">
-            <a:scrgbClr r="0" g="0" b="0"/>
+          <a:fillRef idx="3">
+            <a:schemeClr val="accent6"/>
           </a:fillRef>
-          <a:effectRef idx="0">
-            <a:scrgbClr r="0" g="0" b="0"/>
+          <a:effectRef idx="3">
+            <a:schemeClr val="accent6"/>
           </a:effectRef>
           <a:fontRef idx="minor">
             <a:schemeClr val="lt1"/>
@@ -8039,8 +7807,8 @@
         </p:nvSpPr>
         <p:spPr>
           <a:xfrm>
-            <a:off x="15703013" y="31227429"/>
-            <a:ext cx="6845895" cy="2095425"/>
+            <a:off x="15777623" y="30197913"/>
+            <a:ext cx="6845895" cy="1939367"/>
           </a:xfrm>
           <a:prstGeom prst="roundRect">
             <a:avLst/>
@@ -8117,61 +7885,7 @@
         </p:nvSpPr>
         <p:spPr>
           <a:xfrm>
-            <a:off x="17231555" y="30944395"/>
-            <a:ext cx="3788809" cy="646331"/>
-          </a:xfrm>
-          <a:prstGeom prst="rect">
-            <a:avLst/>
-          </a:prstGeom>
-          <a:ln>
-            <a:solidFill>
-              <a:schemeClr val="bg1"/>
-            </a:solidFill>
-          </a:ln>
-        </p:spPr>
-        <p:style>
-          <a:lnRef idx="2">
-            <a:schemeClr val="dk1"/>
-          </a:lnRef>
-          <a:fillRef idx="1">
-            <a:schemeClr val="lt1"/>
-          </a:fillRef>
-          <a:effectRef idx="0">
-            <a:schemeClr val="dk1"/>
-          </a:effectRef>
-          <a:fontRef idx="minor">
-            <a:schemeClr val="dk1"/>
-          </a:fontRef>
-        </p:style>
-        <p:txBody>
-          <a:bodyPr wrap="square" rtlCol="0">
-            <a:spAutoFit/>
-          </a:bodyPr>
-          <a:lstStyle/>
-          <a:p>
-            <a:r>
-              <a:rPr lang="ja-JP" altLang="en-US" sz="3600" dirty="0"/>
-              <a:t>アノテーション基準</a:t>
-            </a:r>
-            <a:endParaRPr kumimoji="1" lang="ja-JP" altLang="en-US" sz="3600" dirty="0"/>
-          </a:p>
-        </p:txBody>
-      </p:sp>
-      <p:sp>
-        <p:nvSpPr>
-          <p:cNvPr id="55" name="テキスト ボックス 54">
-            <a:extLst>
-              <a:ext uri="{FF2B5EF4-FFF2-40B4-BE49-F238E27FC236}">
-                <a16:creationId xmlns:a16="http://schemas.microsoft.com/office/drawing/2014/main" id="{9C33FFDB-FD6F-AA96-A088-F2D1F221DFFB}"/>
-              </a:ext>
-            </a:extLst>
-          </p:cNvPr>
-          <p:cNvSpPr txBox="1"/>
-          <p:nvPr/>
-        </p:nvSpPr>
-        <p:spPr>
-          <a:xfrm>
-            <a:off x="24354963" y="30944151"/>
+            <a:off x="17301343" y="29900294"/>
             <a:ext cx="3788809" cy="584775"/>
           </a:xfrm>
           <a:prstGeom prst="rect">
@@ -8206,6 +7920,61 @@
             <a:pPr algn="ctr"/>
             <a:r>
               <a:rPr lang="ja-JP" altLang="en-US" sz="3200" dirty="0"/>
+              <a:t>アノテーション基準</a:t>
+            </a:r>
+            <a:endParaRPr kumimoji="1" lang="ja-JP" altLang="en-US" sz="3200" dirty="0"/>
+          </a:p>
+        </p:txBody>
+      </p:sp>
+      <p:sp>
+        <p:nvSpPr>
+          <p:cNvPr id="55" name="テキスト ボックス 54">
+            <a:extLst>
+              <a:ext uri="{FF2B5EF4-FFF2-40B4-BE49-F238E27FC236}">
+                <a16:creationId xmlns:a16="http://schemas.microsoft.com/office/drawing/2014/main" id="{9C33FFDB-FD6F-AA96-A088-F2D1F221DFFB}"/>
+              </a:ext>
+            </a:extLst>
+          </p:cNvPr>
+          <p:cNvSpPr txBox="1"/>
+          <p:nvPr/>
+        </p:nvSpPr>
+        <p:spPr>
+          <a:xfrm>
+            <a:off x="24347963" y="29847066"/>
+            <a:ext cx="3788809" cy="584775"/>
+          </a:xfrm>
+          <a:prstGeom prst="rect">
+            <a:avLst/>
+          </a:prstGeom>
+          <a:ln>
+            <a:solidFill>
+              <a:schemeClr val="bg1"/>
+            </a:solidFill>
+          </a:ln>
+        </p:spPr>
+        <p:style>
+          <a:lnRef idx="2">
+            <a:schemeClr val="dk1"/>
+          </a:lnRef>
+          <a:fillRef idx="1">
+            <a:schemeClr val="lt1"/>
+          </a:fillRef>
+          <a:effectRef idx="0">
+            <a:schemeClr val="dk1"/>
+          </a:effectRef>
+          <a:fontRef idx="minor">
+            <a:schemeClr val="dk1"/>
+          </a:fontRef>
+        </p:style>
+        <p:txBody>
+          <a:bodyPr wrap="square" rtlCol="0">
+            <a:spAutoFit/>
+          </a:bodyPr>
+          <a:lstStyle/>
+          <a:p>
+            <a:pPr algn="ctr"/>
+            <a:r>
+              <a:rPr lang="ja-JP" altLang="en-US" sz="3200" dirty="0"/>
               <a:t>アノテーション結果</a:t>
             </a:r>
             <a:endParaRPr kumimoji="1" lang="ja-JP" altLang="en-US" sz="3200" dirty="0"/>
@@ -8227,13 +7996,13 @@
           <p:nvPr>
             <p:extLst>
               <p:ext uri="{D42A27DB-BD31-4B8C-83A1-F6EECF244321}">
-                <p14:modId xmlns:p14="http://schemas.microsoft.com/office/powerpoint/2010/main" val="4149765622"/>
+                <p14:modId xmlns:p14="http://schemas.microsoft.com/office/powerpoint/2010/main" val="4189610475"/>
               </p:ext>
             </p:extLst>
           </p:nvPr>
         </p:nvGraphicFramePr>
         <p:xfrm>
-          <a:off x="23277110" y="31528926"/>
+          <a:off x="23270110" y="30431841"/>
           <a:ext cx="5944517" cy="1554480"/>
         </p:xfrm>
         <a:graphic>
@@ -8312,6 +8081,9 @@
                       <a:headEnd type="none" w="med" len="med"/>
                       <a:tailEnd type="none" w="med" len="med"/>
                     </a:lnB>
+                    <a:solidFill>
+                      <a:schemeClr val="bg1"/>
+                    </a:solidFill>
                   </a:tcPr>
                 </a:tc>
                 <a:tc>
@@ -8367,6 +8139,9 @@
                       <a:headEnd type="none" w="med" len="med"/>
                       <a:tailEnd type="none" w="med" len="med"/>
                     </a:lnB>
+                    <a:solidFill>
+                      <a:srgbClr val="D7E4BD"/>
+                    </a:solidFill>
                   </a:tcPr>
                 </a:tc>
                 <a:tc>
@@ -8422,6 +8197,9 @@
                       <a:headEnd type="none" w="med" len="med"/>
                       <a:tailEnd type="none" w="med" len="med"/>
                     </a:lnB>
+                    <a:solidFill>
+                      <a:srgbClr val="D7E4BD"/>
+                    </a:solidFill>
                   </a:tcPr>
                 </a:tc>
                 <a:extLst>
@@ -8817,7 +8595,7 @@
         </p:nvSpPr>
         <p:spPr>
           <a:xfrm>
-            <a:off x="15876486" y="33508338"/>
+            <a:off x="15920522" y="32347023"/>
             <a:ext cx="13341616" cy="954107"/>
           </a:xfrm>
           <a:prstGeom prst="rect">
@@ -8900,7 +8678,7 @@
         </p:blipFill>
         <p:spPr>
           <a:xfrm>
-            <a:off x="15709818" y="34551044"/>
+            <a:off x="15709993" y="33329149"/>
             <a:ext cx="7329358" cy="1809005"/>
           </a:xfrm>
           <a:prstGeom prst="rect">
@@ -8922,7 +8700,7 @@
         </p:nvSpPr>
         <p:spPr>
           <a:xfrm>
-            <a:off x="23224200" y="34848663"/>
+            <a:off x="23224375" y="33626768"/>
             <a:ext cx="6571233" cy="1569660"/>
           </a:xfrm>
           <a:prstGeom prst="rect">
@@ -8993,6 +8771,1029 @@
             <a:r>
               <a:rPr kumimoji="1" lang="ja-JP" altLang="en-US" sz="3200" dirty="0"/>
               <a:t>で商品との関連性が高いコメントを抽出できる</a:t>
+            </a:r>
+          </a:p>
+        </p:txBody>
+      </p:sp>
+      <p:sp>
+        <p:nvSpPr>
+          <p:cNvPr id="25" name="テキスト ボックス 24">
+            <a:extLst>
+              <a:ext uri="{FF2B5EF4-FFF2-40B4-BE49-F238E27FC236}">
+                <a16:creationId xmlns:a16="http://schemas.microsoft.com/office/drawing/2014/main" id="{A4239496-DB15-4D4E-967C-01F875335EB4}"/>
+              </a:ext>
+            </a:extLst>
+          </p:cNvPr>
+          <p:cNvSpPr txBox="1"/>
+          <p:nvPr/>
+        </p:nvSpPr>
+        <p:spPr>
+          <a:xfrm>
+            <a:off x="682169" y="161596"/>
+            <a:ext cx="2178547" cy="1107996"/>
+          </a:xfrm>
+          <a:prstGeom prst="rect">
+            <a:avLst/>
+          </a:prstGeom>
+          <a:noFill/>
+        </p:spPr>
+        <p:txBody>
+          <a:bodyPr wrap="square" rtlCol="0">
+            <a:spAutoFit/>
+          </a:bodyPr>
+          <a:lstStyle/>
+          <a:p>
+            <a:r>
+              <a:rPr kumimoji="1" lang="en-US" altLang="ja-JP" sz="6600" dirty="0"/>
+              <a:t>PS8-2</a:t>
+            </a:r>
+            <a:endParaRPr kumimoji="1" lang="ja-JP" altLang="en-US" sz="6600" dirty="0"/>
+          </a:p>
+        </p:txBody>
+      </p:sp>
+      <p:sp>
+        <p:nvSpPr>
+          <p:cNvPr id="50" name="テキスト ボックス 49">
+            <a:extLst>
+              <a:ext uri="{FF2B5EF4-FFF2-40B4-BE49-F238E27FC236}">
+                <a16:creationId xmlns:a16="http://schemas.microsoft.com/office/drawing/2014/main" id="{FB9F943C-7564-FDC7-35A8-B5CC4387EEAF}"/>
+              </a:ext>
+            </a:extLst>
+          </p:cNvPr>
+          <p:cNvSpPr txBox="1"/>
+          <p:nvPr/>
+        </p:nvSpPr>
+        <p:spPr>
+          <a:xfrm>
+            <a:off x="15709993" y="16560047"/>
+            <a:ext cx="4767187" cy="707886"/>
+          </a:xfrm>
+          <a:prstGeom prst="rect">
+            <a:avLst/>
+          </a:prstGeom>
+          <a:ln/>
+        </p:spPr>
+        <p:style>
+          <a:lnRef idx="0">
+            <a:schemeClr val="accent6"/>
+          </a:lnRef>
+          <a:fillRef idx="3">
+            <a:schemeClr val="accent6"/>
+          </a:fillRef>
+          <a:effectRef idx="3">
+            <a:schemeClr val="accent6"/>
+          </a:effectRef>
+          <a:fontRef idx="minor">
+            <a:schemeClr val="lt1"/>
+          </a:fontRef>
+        </p:style>
+        <p:txBody>
+          <a:bodyPr wrap="square" rtlCol="0">
+            <a:spAutoFit/>
+          </a:bodyPr>
+          <a:lstStyle/>
+          <a:p>
+            <a:r>
+              <a:rPr kumimoji="1" lang="ja-JP" altLang="en-US" sz="4000" dirty="0">
+                <a:solidFill>
+                  <a:schemeClr val="tx1"/>
+                </a:solidFill>
+              </a:rPr>
+              <a:t>自動生成した文章例</a:t>
+            </a:r>
+          </a:p>
+        </p:txBody>
+      </p:sp>
+      <p:cxnSp>
+        <p:nvCxnSpPr>
+          <p:cNvPr id="60" name="直線コネクタ 59">
+            <a:extLst>
+              <a:ext uri="{FF2B5EF4-FFF2-40B4-BE49-F238E27FC236}">
+                <a16:creationId xmlns:a16="http://schemas.microsoft.com/office/drawing/2014/main" id="{8ECCBE01-6AF4-0704-8693-391B93B7BACE}"/>
+              </a:ext>
+            </a:extLst>
+          </p:cNvPr>
+          <p:cNvCxnSpPr/>
+          <p:nvPr/>
+        </p:nvCxnSpPr>
+        <p:spPr>
+          <a:xfrm flipV="1">
+            <a:off x="15770581" y="18640601"/>
+            <a:ext cx="13571059" cy="25596"/>
+          </a:xfrm>
+          <a:prstGeom prst="line">
+            <a:avLst/>
+          </a:prstGeom>
+          <a:ln w="76200"/>
+        </p:spPr>
+        <p:style>
+          <a:lnRef idx="1">
+            <a:schemeClr val="dk1"/>
+          </a:lnRef>
+          <a:fillRef idx="0">
+            <a:schemeClr val="dk1"/>
+          </a:fillRef>
+          <a:effectRef idx="0">
+            <a:schemeClr val="dk1"/>
+          </a:effectRef>
+          <a:fontRef idx="minor">
+            <a:schemeClr val="tx1"/>
+          </a:fontRef>
+        </p:style>
+      </p:cxnSp>
+      <p:cxnSp>
+        <p:nvCxnSpPr>
+          <p:cNvPr id="61" name="直線コネクタ 60">
+            <a:extLst>
+              <a:ext uri="{FF2B5EF4-FFF2-40B4-BE49-F238E27FC236}">
+                <a16:creationId xmlns:a16="http://schemas.microsoft.com/office/drawing/2014/main" id="{22C74E22-6CA6-52C4-C33F-63CA1F8EC465}"/>
+              </a:ext>
+            </a:extLst>
+          </p:cNvPr>
+          <p:cNvCxnSpPr/>
+          <p:nvPr/>
+        </p:nvCxnSpPr>
+        <p:spPr>
+          <a:xfrm flipV="1">
+            <a:off x="15761764" y="20287976"/>
+            <a:ext cx="13571059" cy="25596"/>
+          </a:xfrm>
+          <a:prstGeom prst="line">
+            <a:avLst/>
+          </a:prstGeom>
+          <a:ln w="76200"/>
+        </p:spPr>
+        <p:style>
+          <a:lnRef idx="1">
+            <a:schemeClr val="dk1"/>
+          </a:lnRef>
+          <a:fillRef idx="0">
+            <a:schemeClr val="dk1"/>
+          </a:fillRef>
+          <a:effectRef idx="0">
+            <a:schemeClr val="dk1"/>
+          </a:effectRef>
+          <a:fontRef idx="minor">
+            <a:schemeClr val="tx1"/>
+          </a:fontRef>
+        </p:style>
+      </p:cxnSp>
+      <p:sp>
+        <p:nvSpPr>
+          <p:cNvPr id="62" name="正方形/長方形 61">
+            <a:extLst>
+              <a:ext uri="{FF2B5EF4-FFF2-40B4-BE49-F238E27FC236}">
+                <a16:creationId xmlns:a16="http://schemas.microsoft.com/office/drawing/2014/main" id="{4A84AA3B-AB24-ADDF-94C0-9949BC3FBB6E}"/>
+              </a:ext>
+            </a:extLst>
+          </p:cNvPr>
+          <p:cNvSpPr/>
+          <p:nvPr/>
+        </p:nvSpPr>
+        <p:spPr>
+          <a:xfrm>
+            <a:off x="882403" y="41015844"/>
+            <a:ext cx="13714645" cy="1369653"/>
+          </a:xfrm>
+          <a:prstGeom prst="rect">
+            <a:avLst/>
+          </a:prstGeom>
+        </p:spPr>
+        <p:style>
+          <a:lnRef idx="2">
+            <a:schemeClr val="accent1">
+              <a:shade val="15000"/>
+            </a:schemeClr>
+          </a:lnRef>
+          <a:fillRef idx="1">
+            <a:schemeClr val="accent1"/>
+          </a:fillRef>
+          <a:effectRef idx="0">
+            <a:schemeClr val="accent1"/>
+          </a:effectRef>
+          <a:fontRef idx="minor">
+            <a:schemeClr val="lt1"/>
+          </a:fontRef>
+        </p:style>
+        <p:txBody>
+          <a:bodyPr rtlCol="0" anchor="ctr"/>
+          <a:lstStyle/>
+          <a:p>
+            <a:pPr algn="ctr"/>
+            <a:r>
+              <a:rPr kumimoji="1" lang="ja-JP" altLang="en-US" sz="2800" dirty="0"/>
+              <a:t>参考文献：</a:t>
+            </a:r>
+          </a:p>
+        </p:txBody>
+      </p:sp>
+      <p:sp>
+        <p:nvSpPr>
+          <p:cNvPr id="8" name="テキスト ボックス 7">
+            <a:extLst>
+              <a:ext uri="{FF2B5EF4-FFF2-40B4-BE49-F238E27FC236}">
+                <a16:creationId xmlns:a16="http://schemas.microsoft.com/office/drawing/2014/main" id="{6EC846B9-349A-1BA1-7080-489C4A2187A0}"/>
+              </a:ext>
+            </a:extLst>
+          </p:cNvPr>
+          <p:cNvSpPr txBox="1"/>
+          <p:nvPr/>
+        </p:nvSpPr>
+        <p:spPr>
+          <a:xfrm>
+            <a:off x="19964523" y="20498288"/>
+            <a:ext cx="9133573" cy="954107"/>
+          </a:xfrm>
+          <a:prstGeom prst="rect">
+            <a:avLst/>
+          </a:prstGeom>
+          <a:noFill/>
+        </p:spPr>
+        <p:txBody>
+          <a:bodyPr wrap="square" rtlCol="0">
+            <a:spAutoFit/>
+          </a:bodyPr>
+          <a:lstStyle/>
+          <a:p>
+            <a:r>
+              <a:rPr lang="ja-JP" altLang="en-US" sz="2800" dirty="0"/>
+              <a:t>商品との関連性が高いコメントの類似度が高くなっているが、</a:t>
+            </a:r>
+            <a:endParaRPr lang="en-US" altLang="ja-JP" sz="2800" dirty="0"/>
+          </a:p>
+          <a:p>
+            <a:r>
+              <a:rPr lang="ja-JP" altLang="en-US" sz="2800" dirty="0"/>
+              <a:t>類似度が高くても商品との関連性が低いものもある</a:t>
+            </a:r>
+            <a:endParaRPr kumimoji="1" lang="ja-JP" altLang="en-US" sz="2800" dirty="0"/>
+          </a:p>
+        </p:txBody>
+      </p:sp>
+      <p:sp>
+        <p:nvSpPr>
+          <p:cNvPr id="29" name="正方形/長方形 28">
+            <a:extLst>
+              <a:ext uri="{FF2B5EF4-FFF2-40B4-BE49-F238E27FC236}">
+                <a16:creationId xmlns:a16="http://schemas.microsoft.com/office/drawing/2014/main" id="{0D161899-C8EA-634D-7F68-5DDBB7F2C51B}"/>
+              </a:ext>
+            </a:extLst>
+          </p:cNvPr>
+          <p:cNvSpPr/>
+          <p:nvPr/>
+        </p:nvSpPr>
+        <p:spPr>
+          <a:xfrm>
+            <a:off x="15728872" y="37029914"/>
+            <a:ext cx="2218122" cy="1477647"/>
+          </a:xfrm>
+          <a:prstGeom prst="rect">
+            <a:avLst/>
+          </a:prstGeom>
+          <a:solidFill>
+            <a:srgbClr val="D7E4BD"/>
+          </a:solidFill>
+        </p:spPr>
+        <p:style>
+          <a:lnRef idx="2">
+            <a:schemeClr val="accent1">
+              <a:shade val="15000"/>
+            </a:schemeClr>
+          </a:lnRef>
+          <a:fillRef idx="1">
+            <a:schemeClr val="accent1"/>
+          </a:fillRef>
+          <a:effectRef idx="0">
+            <a:schemeClr val="accent1"/>
+          </a:effectRef>
+          <a:fontRef idx="minor">
+            <a:schemeClr val="lt1"/>
+          </a:fontRef>
+        </p:style>
+        <p:txBody>
+          <a:bodyPr rtlCol="0" anchor="ctr"/>
+          <a:lstStyle/>
+          <a:p>
+            <a:pPr algn="ctr"/>
+            <a:r>
+              <a:rPr lang="en-US" altLang="ja-JP" sz="3200" dirty="0">
+                <a:solidFill>
+                  <a:schemeClr val="tx1"/>
+                </a:solidFill>
+              </a:rPr>
+              <a:t>BTM</a:t>
+            </a:r>
+            <a:r>
+              <a:rPr lang="ja-JP" altLang="en-US" sz="3200" dirty="0">
+                <a:solidFill>
+                  <a:schemeClr val="tx1"/>
+                </a:solidFill>
+              </a:rPr>
+              <a:t>に</a:t>
+            </a:r>
+            <a:r>
+              <a:rPr kumimoji="1" lang="ja-JP" altLang="en-US" sz="3200" dirty="0">
+                <a:solidFill>
+                  <a:schemeClr val="tx1"/>
+                </a:solidFill>
+              </a:rPr>
+              <a:t>よる</a:t>
+            </a:r>
+            <a:endParaRPr kumimoji="1" lang="en-US" altLang="ja-JP" sz="3200" dirty="0">
+              <a:solidFill>
+                <a:schemeClr val="tx1"/>
+              </a:solidFill>
+            </a:endParaRPr>
+          </a:p>
+          <a:p>
+            <a:pPr algn="ctr"/>
+            <a:r>
+              <a:rPr kumimoji="1" lang="ja-JP" altLang="en-US" sz="3200" dirty="0">
+                <a:solidFill>
+                  <a:schemeClr val="tx1"/>
+                </a:solidFill>
+              </a:rPr>
+              <a:t>トピックと</a:t>
+            </a:r>
+            <a:endParaRPr kumimoji="1" lang="en-US" altLang="ja-JP" sz="3200" dirty="0">
+              <a:solidFill>
+                <a:schemeClr val="tx1"/>
+              </a:solidFill>
+            </a:endParaRPr>
+          </a:p>
+          <a:p>
+            <a:pPr algn="ctr"/>
+            <a:r>
+              <a:rPr kumimoji="1" lang="ja-JP" altLang="en-US" sz="3200" dirty="0">
+                <a:solidFill>
+                  <a:schemeClr val="tx1"/>
+                </a:solidFill>
+              </a:rPr>
+              <a:t>単語抽出</a:t>
+            </a:r>
+          </a:p>
+        </p:txBody>
+      </p:sp>
+      <p:sp>
+        <p:nvSpPr>
+          <p:cNvPr id="30" name="正方形/長方形 29">
+            <a:extLst>
+              <a:ext uri="{FF2B5EF4-FFF2-40B4-BE49-F238E27FC236}">
+                <a16:creationId xmlns:a16="http://schemas.microsoft.com/office/drawing/2014/main" id="{7395CEF5-8B69-E623-F9D5-6B80CF3B7B8D}"/>
+              </a:ext>
+            </a:extLst>
+          </p:cNvPr>
+          <p:cNvSpPr/>
+          <p:nvPr/>
+        </p:nvSpPr>
+        <p:spPr>
+          <a:xfrm>
+            <a:off x="17946994" y="37029914"/>
+            <a:ext cx="4531203" cy="1477647"/>
+          </a:xfrm>
+          <a:prstGeom prst="rect">
+            <a:avLst/>
+          </a:prstGeom>
+          <a:solidFill>
+            <a:schemeClr val="bg1"/>
+          </a:solidFill>
+        </p:spPr>
+        <p:style>
+          <a:lnRef idx="2">
+            <a:schemeClr val="accent1">
+              <a:shade val="15000"/>
+            </a:schemeClr>
+          </a:lnRef>
+          <a:fillRef idx="1">
+            <a:schemeClr val="accent1"/>
+          </a:fillRef>
+          <a:effectRef idx="0">
+            <a:schemeClr val="accent1"/>
+          </a:effectRef>
+          <a:fontRef idx="minor">
+            <a:schemeClr val="lt1"/>
+          </a:fontRef>
+        </p:style>
+        <p:txBody>
+          <a:bodyPr rtlCol="0" anchor="ctr"/>
+          <a:lstStyle/>
+          <a:p>
+            <a:r>
+              <a:rPr kumimoji="1" lang="en-US" altLang="ja-JP" sz="2800" dirty="0">
+                <a:solidFill>
+                  <a:schemeClr val="tx1"/>
+                </a:solidFill>
+              </a:rPr>
+              <a:t>YouTube</a:t>
+            </a:r>
+            <a:r>
+              <a:rPr kumimoji="1" lang="ja-JP" altLang="en-US" sz="2800" dirty="0">
+                <a:solidFill>
+                  <a:schemeClr val="tx1"/>
+                </a:solidFill>
+              </a:rPr>
+              <a:t>のコメントのように</a:t>
+            </a:r>
+            <a:endParaRPr kumimoji="1" lang="en-US" altLang="ja-JP" sz="2800" dirty="0">
+              <a:solidFill>
+                <a:schemeClr val="tx1"/>
+              </a:solidFill>
+            </a:endParaRPr>
+          </a:p>
+          <a:p>
+            <a:r>
+              <a:rPr kumimoji="1" lang="ja-JP" altLang="en-US" sz="2800" dirty="0">
+                <a:solidFill>
+                  <a:schemeClr val="tx1"/>
+                </a:solidFill>
+              </a:rPr>
+              <a:t>比較的短い文章でもトピックを適切に抽出できる</a:t>
+            </a:r>
+          </a:p>
+        </p:txBody>
+      </p:sp>
+      <p:sp>
+        <p:nvSpPr>
+          <p:cNvPr id="52" name="正方形/長方形 51">
+            <a:extLst>
+              <a:ext uri="{FF2B5EF4-FFF2-40B4-BE49-F238E27FC236}">
+                <a16:creationId xmlns:a16="http://schemas.microsoft.com/office/drawing/2014/main" id="{53EA5E7B-9D65-732B-656E-0D308074FC5C}"/>
+              </a:ext>
+            </a:extLst>
+          </p:cNvPr>
+          <p:cNvSpPr/>
+          <p:nvPr/>
+        </p:nvSpPr>
+        <p:spPr>
+          <a:xfrm>
+            <a:off x="15728872" y="38765152"/>
+            <a:ext cx="2218122" cy="3819585"/>
+          </a:xfrm>
+          <a:prstGeom prst="rect">
+            <a:avLst/>
+          </a:prstGeom>
+          <a:solidFill>
+            <a:srgbClr val="FCD5B5"/>
+          </a:solidFill>
+        </p:spPr>
+        <p:style>
+          <a:lnRef idx="2">
+            <a:schemeClr val="accent1">
+              <a:shade val="15000"/>
+            </a:schemeClr>
+          </a:lnRef>
+          <a:fillRef idx="1">
+            <a:schemeClr val="accent1"/>
+          </a:fillRef>
+          <a:effectRef idx="0">
+            <a:schemeClr val="accent1"/>
+          </a:effectRef>
+          <a:fontRef idx="minor">
+            <a:schemeClr val="lt1"/>
+          </a:fontRef>
+        </p:style>
+        <p:txBody>
+          <a:bodyPr rtlCol="0" anchor="ctr"/>
+          <a:lstStyle/>
+          <a:p>
+            <a:pPr algn="ctr"/>
+            <a:r>
+              <a:rPr kumimoji="1" lang="ja-JP" altLang="en-US" sz="3200" dirty="0">
+                <a:solidFill>
+                  <a:schemeClr val="tx1"/>
+                </a:solidFill>
+              </a:rPr>
+              <a:t>生成した</a:t>
+            </a:r>
+            <a:endParaRPr kumimoji="1" lang="en-US" altLang="ja-JP" sz="3200" dirty="0">
+              <a:solidFill>
+                <a:schemeClr val="tx1"/>
+              </a:solidFill>
+            </a:endParaRPr>
+          </a:p>
+          <a:p>
+            <a:pPr algn="ctr"/>
+            <a:r>
+              <a:rPr kumimoji="1" lang="ja-JP" altLang="en-US" sz="3200" dirty="0">
+                <a:solidFill>
+                  <a:schemeClr val="tx1"/>
+                </a:solidFill>
+              </a:rPr>
+              <a:t>文章との</a:t>
+            </a:r>
+            <a:endParaRPr kumimoji="1" lang="en-US" altLang="ja-JP" sz="3200" dirty="0">
+              <a:solidFill>
+                <a:schemeClr val="tx1"/>
+              </a:solidFill>
+            </a:endParaRPr>
+          </a:p>
+          <a:p>
+            <a:pPr algn="ctr"/>
+            <a:r>
+              <a:rPr kumimoji="1" lang="ja-JP" altLang="en-US" sz="3200" dirty="0">
+                <a:solidFill>
+                  <a:schemeClr val="tx1"/>
+                </a:solidFill>
+              </a:rPr>
+              <a:t>類似度計算</a:t>
+            </a:r>
+          </a:p>
+        </p:txBody>
+      </p:sp>
+      <p:sp>
+        <p:nvSpPr>
+          <p:cNvPr id="63" name="正方形/長方形 62">
+            <a:extLst>
+              <a:ext uri="{FF2B5EF4-FFF2-40B4-BE49-F238E27FC236}">
+                <a16:creationId xmlns:a16="http://schemas.microsoft.com/office/drawing/2014/main" id="{7FBE99A8-DFEA-7DC8-D2EC-CCE2AA35DCED}"/>
+              </a:ext>
+            </a:extLst>
+          </p:cNvPr>
+          <p:cNvSpPr/>
+          <p:nvPr/>
+        </p:nvSpPr>
+        <p:spPr>
+          <a:xfrm>
+            <a:off x="17946994" y="38765152"/>
+            <a:ext cx="4531203" cy="3819585"/>
+          </a:xfrm>
+          <a:prstGeom prst="rect">
+            <a:avLst/>
+          </a:prstGeom>
+          <a:solidFill>
+            <a:schemeClr val="bg1"/>
+          </a:solidFill>
+        </p:spPr>
+        <p:style>
+          <a:lnRef idx="2">
+            <a:schemeClr val="accent1">
+              <a:shade val="15000"/>
+            </a:schemeClr>
+          </a:lnRef>
+          <a:fillRef idx="1">
+            <a:schemeClr val="accent1"/>
+          </a:fillRef>
+          <a:effectRef idx="0">
+            <a:schemeClr val="accent1"/>
+          </a:effectRef>
+          <a:fontRef idx="minor">
+            <a:schemeClr val="lt1"/>
+          </a:fontRef>
+        </p:style>
+        <p:txBody>
+          <a:bodyPr rtlCol="0" anchor="ctr"/>
+          <a:lstStyle/>
+          <a:p>
+            <a:r>
+              <a:rPr kumimoji="1" lang="ja-JP" altLang="en-US" sz="2800" dirty="0">
+                <a:solidFill>
+                  <a:schemeClr val="tx1"/>
+                </a:solidFill>
+              </a:rPr>
+              <a:t>極端に出現回数が少ない</a:t>
+            </a:r>
+            <a:endParaRPr kumimoji="1" lang="en-US" altLang="ja-JP" sz="2800" dirty="0">
+              <a:solidFill>
+                <a:schemeClr val="tx1"/>
+              </a:solidFill>
+            </a:endParaRPr>
+          </a:p>
+          <a:p>
+            <a:r>
+              <a:rPr kumimoji="1" lang="ja-JP" altLang="en-US" sz="2800" dirty="0">
+                <a:solidFill>
+                  <a:schemeClr val="tx1"/>
+                </a:solidFill>
+              </a:rPr>
+              <a:t>単語を含む文は類似度が</a:t>
+            </a:r>
+            <a:endParaRPr kumimoji="1" lang="en-US" altLang="ja-JP" sz="2800" dirty="0">
+              <a:solidFill>
+                <a:schemeClr val="tx1"/>
+              </a:solidFill>
+            </a:endParaRPr>
+          </a:p>
+          <a:p>
+            <a:r>
+              <a:rPr kumimoji="1" lang="ja-JP" altLang="en-US" sz="2800" dirty="0">
+                <a:solidFill>
+                  <a:schemeClr val="tx1"/>
+                </a:solidFill>
+              </a:rPr>
+              <a:t>低くなる</a:t>
+            </a:r>
+            <a:endParaRPr kumimoji="1" lang="en-US" altLang="ja-JP" sz="2800" dirty="0">
+              <a:solidFill>
+                <a:schemeClr val="tx1"/>
+              </a:solidFill>
+            </a:endParaRPr>
+          </a:p>
+          <a:p>
+            <a:endParaRPr kumimoji="1" lang="en-US" altLang="ja-JP" sz="2800" dirty="0">
+              <a:solidFill>
+                <a:schemeClr val="tx1"/>
+              </a:solidFill>
+            </a:endParaRPr>
+          </a:p>
+          <a:p>
+            <a:r>
+              <a:rPr lang="ja-JP" altLang="en-US" sz="2800" dirty="0">
+                <a:solidFill>
+                  <a:schemeClr val="tx1"/>
+                </a:solidFill>
+              </a:rPr>
+              <a:t>関連性があるコメントでも、</a:t>
+            </a:r>
+            <a:endParaRPr lang="en-US" altLang="ja-JP" sz="2800" dirty="0">
+              <a:solidFill>
+                <a:schemeClr val="tx1"/>
+              </a:solidFill>
+            </a:endParaRPr>
+          </a:p>
+          <a:p>
+            <a:r>
+              <a:rPr lang="ja-JP" altLang="en-US" sz="2800" dirty="0">
+                <a:solidFill>
+                  <a:schemeClr val="tx1"/>
+                </a:solidFill>
+              </a:rPr>
+              <a:t>文章が極端に短いと類似度が低くなる</a:t>
+            </a:r>
+            <a:endParaRPr kumimoji="1" lang="ja-JP" altLang="en-US" sz="2800" dirty="0">
+              <a:solidFill>
+                <a:schemeClr val="tx1"/>
+              </a:solidFill>
+            </a:endParaRPr>
+          </a:p>
+        </p:txBody>
+      </p:sp>
+      <p:sp>
+        <p:nvSpPr>
+          <p:cNvPr id="64" name="正方形/長方形 63">
+            <a:extLst>
+              <a:ext uri="{FF2B5EF4-FFF2-40B4-BE49-F238E27FC236}">
+                <a16:creationId xmlns:a16="http://schemas.microsoft.com/office/drawing/2014/main" id="{75BF5D77-2B24-E682-9F6F-AD147420740C}"/>
+              </a:ext>
+            </a:extLst>
+          </p:cNvPr>
+          <p:cNvSpPr/>
+          <p:nvPr/>
+        </p:nvSpPr>
+        <p:spPr>
+          <a:xfrm>
+            <a:off x="22849643" y="37024395"/>
+            <a:ext cx="2218122" cy="1477647"/>
+          </a:xfrm>
+          <a:prstGeom prst="rect">
+            <a:avLst/>
+          </a:prstGeom>
+          <a:solidFill>
+            <a:srgbClr val="FCD5B5"/>
+          </a:solidFill>
+        </p:spPr>
+        <p:style>
+          <a:lnRef idx="2">
+            <a:schemeClr val="accent1">
+              <a:shade val="15000"/>
+            </a:schemeClr>
+          </a:lnRef>
+          <a:fillRef idx="1">
+            <a:schemeClr val="accent1"/>
+          </a:fillRef>
+          <a:effectRef idx="0">
+            <a:schemeClr val="accent1"/>
+          </a:effectRef>
+          <a:fontRef idx="minor">
+            <a:schemeClr val="lt1"/>
+          </a:fontRef>
+        </p:style>
+        <p:txBody>
+          <a:bodyPr rtlCol="0" anchor="ctr"/>
+          <a:lstStyle/>
+          <a:p>
+            <a:pPr algn="ctr"/>
+            <a:r>
+              <a:rPr kumimoji="1" lang="ja-JP" altLang="en-US" sz="3200" dirty="0">
+                <a:solidFill>
+                  <a:schemeClr val="tx1"/>
+                </a:solidFill>
+              </a:rPr>
+              <a:t>人手による正解データとの一致率</a:t>
+            </a:r>
+          </a:p>
+        </p:txBody>
+      </p:sp>
+      <p:sp>
+        <p:nvSpPr>
+          <p:cNvPr id="65" name="正方形/長方形 64">
+            <a:extLst>
+              <a:ext uri="{FF2B5EF4-FFF2-40B4-BE49-F238E27FC236}">
+                <a16:creationId xmlns:a16="http://schemas.microsoft.com/office/drawing/2014/main" id="{11E11348-D375-DA95-5F8D-98DB933E179E}"/>
+              </a:ext>
+            </a:extLst>
+          </p:cNvPr>
+          <p:cNvSpPr/>
+          <p:nvPr/>
+        </p:nvSpPr>
+        <p:spPr>
+          <a:xfrm>
+            <a:off x="25067765" y="37024395"/>
+            <a:ext cx="4505441" cy="1477647"/>
+          </a:xfrm>
+          <a:prstGeom prst="rect">
+            <a:avLst/>
+          </a:prstGeom>
+          <a:solidFill>
+            <a:schemeClr val="bg1"/>
+          </a:solidFill>
+        </p:spPr>
+        <p:style>
+          <a:lnRef idx="2">
+            <a:schemeClr val="accent1">
+              <a:shade val="15000"/>
+            </a:schemeClr>
+          </a:lnRef>
+          <a:fillRef idx="1">
+            <a:schemeClr val="accent1"/>
+          </a:fillRef>
+          <a:effectRef idx="0">
+            <a:schemeClr val="accent1"/>
+          </a:effectRef>
+          <a:fontRef idx="minor">
+            <a:schemeClr val="lt1"/>
+          </a:fontRef>
+        </p:style>
+        <p:txBody>
+          <a:bodyPr rtlCol="0" anchor="ctr"/>
+          <a:lstStyle/>
+          <a:p>
+            <a:r>
+              <a:rPr kumimoji="1" lang="ja-JP" altLang="en-US" sz="2800" dirty="0">
+                <a:solidFill>
+                  <a:schemeClr val="tx1"/>
+                </a:solidFill>
+              </a:rPr>
+              <a:t>提案手法は人手の評価に</a:t>
+            </a:r>
+            <a:endParaRPr kumimoji="1" lang="en-US" altLang="ja-JP" sz="2800" dirty="0">
+              <a:solidFill>
+                <a:schemeClr val="tx1"/>
+              </a:solidFill>
+            </a:endParaRPr>
+          </a:p>
+          <a:p>
+            <a:r>
+              <a:rPr kumimoji="1" lang="ja-JP" altLang="en-US" sz="2800" dirty="0">
+                <a:solidFill>
+                  <a:schemeClr val="tx1"/>
+                </a:solidFill>
+              </a:rPr>
+              <a:t>対して</a:t>
+            </a:r>
+            <a:r>
+              <a:rPr kumimoji="1" lang="en-US" altLang="ja-JP" sz="2800" dirty="0">
+                <a:solidFill>
+                  <a:schemeClr val="tx1"/>
+                </a:solidFill>
+              </a:rPr>
+              <a:t>65%</a:t>
+            </a:r>
+            <a:r>
+              <a:rPr lang="ja-JP" altLang="en-US" sz="2800" dirty="0">
+                <a:solidFill>
+                  <a:schemeClr val="tx1"/>
+                </a:solidFill>
+              </a:rPr>
+              <a:t>～</a:t>
+            </a:r>
+            <a:r>
+              <a:rPr lang="en-US" altLang="ja-JP" sz="2800" dirty="0">
+                <a:solidFill>
+                  <a:schemeClr val="tx1"/>
+                </a:solidFill>
+              </a:rPr>
+              <a:t>78%</a:t>
+            </a:r>
+            <a:r>
+              <a:rPr lang="ja-JP" altLang="en-US" sz="2800" dirty="0">
+                <a:solidFill>
+                  <a:schemeClr val="tx1"/>
+                </a:solidFill>
+              </a:rPr>
+              <a:t>程度の</a:t>
+            </a:r>
+            <a:endParaRPr lang="en-US" altLang="ja-JP" sz="2800" dirty="0">
+              <a:solidFill>
+                <a:schemeClr val="tx1"/>
+              </a:solidFill>
+            </a:endParaRPr>
+          </a:p>
+          <a:p>
+            <a:r>
+              <a:rPr lang="ja-JP" altLang="en-US" sz="2800" dirty="0">
+                <a:solidFill>
+                  <a:schemeClr val="tx1"/>
+                </a:solidFill>
+              </a:rPr>
+              <a:t>精度を示した</a:t>
+            </a:r>
+            <a:endParaRPr kumimoji="1" lang="ja-JP" altLang="en-US" sz="2800" dirty="0">
+              <a:solidFill>
+                <a:schemeClr val="tx1"/>
+              </a:solidFill>
+            </a:endParaRPr>
+          </a:p>
+        </p:txBody>
+      </p:sp>
+      <p:sp>
+        <p:nvSpPr>
+          <p:cNvPr id="68" name="正方形/長方形 67">
+            <a:extLst>
+              <a:ext uri="{FF2B5EF4-FFF2-40B4-BE49-F238E27FC236}">
+                <a16:creationId xmlns:a16="http://schemas.microsoft.com/office/drawing/2014/main" id="{9E93F8F9-8797-28C4-CCD5-C11CDD438DF6}"/>
+              </a:ext>
+            </a:extLst>
+          </p:cNvPr>
+          <p:cNvSpPr/>
+          <p:nvPr/>
+        </p:nvSpPr>
+        <p:spPr>
+          <a:xfrm>
+            <a:off x="22849643" y="38765152"/>
+            <a:ext cx="2218122" cy="3819585"/>
+          </a:xfrm>
+          <a:prstGeom prst="rect">
+            <a:avLst/>
+          </a:prstGeom>
+          <a:solidFill>
+            <a:srgbClr val="D7E4BD"/>
+          </a:solidFill>
+        </p:spPr>
+        <p:style>
+          <a:lnRef idx="2">
+            <a:schemeClr val="accent1">
+              <a:shade val="15000"/>
+            </a:schemeClr>
+          </a:lnRef>
+          <a:fillRef idx="1">
+            <a:schemeClr val="accent1"/>
+          </a:fillRef>
+          <a:effectRef idx="0">
+            <a:schemeClr val="accent1"/>
+          </a:effectRef>
+          <a:fontRef idx="minor">
+            <a:schemeClr val="lt1"/>
+          </a:fontRef>
+        </p:style>
+        <p:txBody>
+          <a:bodyPr rtlCol="0" anchor="ctr"/>
+          <a:lstStyle/>
+          <a:p>
+            <a:pPr algn="ctr"/>
+            <a:r>
+              <a:rPr kumimoji="1" lang="ja-JP" altLang="en-US" sz="3200" dirty="0">
+                <a:solidFill>
+                  <a:schemeClr val="tx1"/>
+                </a:solidFill>
+              </a:rPr>
+              <a:t>改善案</a:t>
+            </a:r>
+            <a:endParaRPr kumimoji="1" lang="en-US" altLang="ja-JP" sz="3200" dirty="0">
+              <a:solidFill>
+                <a:schemeClr val="tx1"/>
+              </a:solidFill>
+            </a:endParaRPr>
+          </a:p>
+          <a:p>
+            <a:pPr algn="ctr"/>
+            <a:r>
+              <a:rPr lang="ja-JP" altLang="en-US" sz="3200" dirty="0">
+                <a:solidFill>
+                  <a:schemeClr val="tx1"/>
+                </a:solidFill>
+              </a:rPr>
+              <a:t>今後の検討</a:t>
+            </a:r>
+            <a:endParaRPr kumimoji="1" lang="ja-JP" altLang="en-US" sz="3200" dirty="0">
+              <a:solidFill>
+                <a:schemeClr val="tx1"/>
+              </a:solidFill>
+            </a:endParaRPr>
+          </a:p>
+        </p:txBody>
+      </p:sp>
+      <p:sp>
+        <p:nvSpPr>
+          <p:cNvPr id="69" name="正方形/長方形 68">
+            <a:extLst>
+              <a:ext uri="{FF2B5EF4-FFF2-40B4-BE49-F238E27FC236}">
+                <a16:creationId xmlns:a16="http://schemas.microsoft.com/office/drawing/2014/main" id="{D6BD8009-EE04-C687-46E5-EAED414E7252}"/>
+              </a:ext>
+            </a:extLst>
+          </p:cNvPr>
+          <p:cNvSpPr/>
+          <p:nvPr/>
+        </p:nvSpPr>
+        <p:spPr>
+          <a:xfrm>
+            <a:off x="25067765" y="38765152"/>
+            <a:ext cx="4497552" cy="3819585"/>
+          </a:xfrm>
+          <a:prstGeom prst="rect">
+            <a:avLst/>
+          </a:prstGeom>
+          <a:solidFill>
+            <a:schemeClr val="bg1"/>
+          </a:solidFill>
+        </p:spPr>
+        <p:style>
+          <a:lnRef idx="2">
+            <a:schemeClr val="accent1">
+              <a:shade val="15000"/>
+            </a:schemeClr>
+          </a:lnRef>
+          <a:fillRef idx="1">
+            <a:schemeClr val="accent1"/>
+          </a:fillRef>
+          <a:effectRef idx="0">
+            <a:schemeClr val="accent1"/>
+          </a:effectRef>
+          <a:fontRef idx="minor">
+            <a:schemeClr val="lt1"/>
+          </a:fontRef>
+        </p:style>
+        <p:txBody>
+          <a:bodyPr rtlCol="0" anchor="ctr"/>
+          <a:lstStyle/>
+          <a:p>
+            <a:pPr marL="457200" indent="-457200">
+              <a:buFont typeface="Arial" panose="020B0604020202020204" pitchFamily="34" charset="0"/>
+              <a:buChar char="•"/>
+            </a:pPr>
+            <a:r>
+              <a:rPr lang="ja-JP" altLang="en-US" sz="2800" dirty="0">
+                <a:solidFill>
+                  <a:schemeClr val="tx1"/>
+                </a:solidFill>
+              </a:rPr>
+              <a:t>トピック数や抽出単語数による</a:t>
+            </a:r>
+            <a:endParaRPr lang="en-US" altLang="ja-JP" sz="2800" dirty="0">
+              <a:solidFill>
+                <a:schemeClr val="tx1"/>
+              </a:solidFill>
+            </a:endParaRPr>
+          </a:p>
+          <a:p>
+            <a:pPr marL="457200" indent="-457200">
+              <a:buFont typeface="Arial" panose="020B0604020202020204" pitchFamily="34" charset="0"/>
+              <a:buChar char="•"/>
+            </a:pPr>
+            <a:r>
+              <a:rPr kumimoji="1" lang="ja-JP" altLang="en-US" sz="2800" dirty="0">
+                <a:solidFill>
+                  <a:schemeClr val="tx1"/>
+                </a:solidFill>
+              </a:rPr>
+              <a:t>文章を自動生成する方法を新たに考案</a:t>
+            </a:r>
+            <a:endParaRPr kumimoji="1" lang="en-US" altLang="ja-JP" sz="2800" dirty="0">
+              <a:solidFill>
+                <a:schemeClr val="tx1"/>
+              </a:solidFill>
+            </a:endParaRPr>
+          </a:p>
+          <a:p>
+            <a:pPr marL="457200" indent="-457200">
+              <a:buFont typeface="Arial" panose="020B0604020202020204" pitchFamily="34" charset="0"/>
+              <a:buChar char="•"/>
+            </a:pPr>
+            <a:r>
+              <a:rPr lang="ja-JP" altLang="en-US" sz="2800" dirty="0">
+                <a:solidFill>
+                  <a:schemeClr val="tx1"/>
+                </a:solidFill>
+              </a:rPr>
+              <a:t>文章の長さを考慮した類似度計算法の考案</a:t>
+            </a:r>
+            <a:endParaRPr lang="en-US" altLang="ja-JP" sz="2800" dirty="0">
+              <a:solidFill>
+                <a:schemeClr val="tx1"/>
+              </a:solidFill>
+            </a:endParaRPr>
+          </a:p>
+          <a:p>
+            <a:pPr marL="457200" indent="-457200">
+              <a:buFont typeface="Arial" panose="020B0604020202020204" pitchFamily="34" charset="0"/>
+              <a:buChar char="•"/>
+            </a:pPr>
+            <a:r>
+              <a:rPr kumimoji="1" lang="ja-JP" altLang="en-US" sz="2800" dirty="0">
+                <a:solidFill>
+                  <a:schemeClr val="tx1"/>
+                </a:solidFill>
+              </a:rPr>
+              <a:t>多くの動画に対して実験をし、提案手法の精度を検証</a:t>
             </a:r>
           </a:p>
         </p:txBody>

--- a/発表ポスター.pptx
+++ b/発表ポスター.pptx
@@ -303,7 +303,7 @@
             <a:fld id="{797A01BE-B01F-4BF7-B98B-637D558E7802}" type="datetimeFigureOut">
               <a:rPr kumimoji="1" lang="ja-JP" altLang="en-US" smtClean="0"/>
               <a:pPr/>
-              <a:t>2023/8/17</a:t>
+              <a:t>2023/8/21</a:t>
             </a:fld>
             <a:endParaRPr kumimoji="1" lang="ja-JP" altLang="en-US"/>
           </a:p>
@@ -500,7 +500,7 @@
             <a:fld id="{797A01BE-B01F-4BF7-B98B-637D558E7802}" type="datetimeFigureOut">
               <a:rPr kumimoji="1" lang="ja-JP" altLang="en-US" smtClean="0"/>
               <a:pPr/>
-              <a:t>2023/8/17</a:t>
+              <a:t>2023/8/21</a:t>
             </a:fld>
             <a:endParaRPr kumimoji="1" lang="ja-JP" altLang="en-US"/>
           </a:p>
@@ -707,7 +707,7 @@
             <a:fld id="{797A01BE-B01F-4BF7-B98B-637D558E7802}" type="datetimeFigureOut">
               <a:rPr kumimoji="1" lang="ja-JP" altLang="en-US" smtClean="0"/>
               <a:pPr/>
-              <a:t>2023/8/17</a:t>
+              <a:t>2023/8/21</a:t>
             </a:fld>
             <a:endParaRPr kumimoji="1" lang="ja-JP" altLang="en-US"/>
           </a:p>
@@ -904,7 +904,7 @@
             <a:fld id="{797A01BE-B01F-4BF7-B98B-637D558E7802}" type="datetimeFigureOut">
               <a:rPr kumimoji="1" lang="ja-JP" altLang="en-US" smtClean="0"/>
               <a:pPr/>
-              <a:t>2023/8/17</a:t>
+              <a:t>2023/8/21</a:t>
             </a:fld>
             <a:endParaRPr kumimoji="1" lang="ja-JP" altLang="en-US"/>
           </a:p>
@@ -1146,7 +1146,7 @@
             <a:fld id="{797A01BE-B01F-4BF7-B98B-637D558E7802}" type="datetimeFigureOut">
               <a:rPr kumimoji="1" lang="ja-JP" altLang="en-US" smtClean="0"/>
               <a:pPr/>
-              <a:t>2023/8/17</a:t>
+              <a:t>2023/8/21</a:t>
             </a:fld>
             <a:endParaRPr kumimoji="1" lang="ja-JP" altLang="en-US"/>
           </a:p>
@@ -1492,7 +1492,7 @@
             <a:fld id="{797A01BE-B01F-4BF7-B98B-637D558E7802}" type="datetimeFigureOut">
               <a:rPr kumimoji="1" lang="ja-JP" altLang="en-US" smtClean="0"/>
               <a:pPr/>
-              <a:t>2023/8/17</a:t>
+              <a:t>2023/8/21</a:t>
             </a:fld>
             <a:endParaRPr kumimoji="1" lang="ja-JP" altLang="en-US"/>
           </a:p>
@@ -1977,7 +1977,7 @@
             <a:fld id="{797A01BE-B01F-4BF7-B98B-637D558E7802}" type="datetimeFigureOut">
               <a:rPr kumimoji="1" lang="ja-JP" altLang="en-US" smtClean="0"/>
               <a:pPr/>
-              <a:t>2023/8/17</a:t>
+              <a:t>2023/8/21</a:t>
             </a:fld>
             <a:endParaRPr kumimoji="1" lang="ja-JP" altLang="en-US"/>
           </a:p>
@@ -2091,7 +2091,7 @@
             <a:fld id="{797A01BE-B01F-4BF7-B98B-637D558E7802}" type="datetimeFigureOut">
               <a:rPr kumimoji="1" lang="ja-JP" altLang="en-US" smtClean="0"/>
               <a:pPr/>
-              <a:t>2023/8/17</a:t>
+              <a:t>2023/8/21</a:t>
             </a:fld>
             <a:endParaRPr kumimoji="1" lang="ja-JP" altLang="en-US"/>
           </a:p>
@@ -2183,7 +2183,7 @@
             <a:fld id="{797A01BE-B01F-4BF7-B98B-637D558E7802}" type="datetimeFigureOut">
               <a:rPr kumimoji="1" lang="ja-JP" altLang="en-US" smtClean="0"/>
               <a:pPr/>
-              <a:t>2023/8/17</a:t>
+              <a:t>2023/8/21</a:t>
             </a:fld>
             <a:endParaRPr kumimoji="1" lang="ja-JP" altLang="en-US"/>
           </a:p>
@@ -2487,7 +2487,7 @@
             <a:fld id="{797A01BE-B01F-4BF7-B98B-637D558E7802}" type="datetimeFigureOut">
               <a:rPr kumimoji="1" lang="ja-JP" altLang="en-US" smtClean="0"/>
               <a:pPr/>
-              <a:t>2023/8/17</a:t>
+              <a:t>2023/8/21</a:t>
             </a:fld>
             <a:endParaRPr kumimoji="1" lang="ja-JP" altLang="en-US"/>
           </a:p>
@@ -2736,7 +2736,7 @@
             <a:fld id="{797A01BE-B01F-4BF7-B98B-637D558E7802}" type="datetimeFigureOut">
               <a:rPr kumimoji="1" lang="ja-JP" altLang="en-US" smtClean="0"/>
               <a:pPr/>
-              <a:t>2023/8/17</a:t>
+              <a:t>2023/8/21</a:t>
             </a:fld>
             <a:endParaRPr kumimoji="1" lang="ja-JP" altLang="en-US"/>
           </a:p>
@@ -2976,7 +2976,7 @@
             <a:fld id="{797A01BE-B01F-4BF7-B98B-637D558E7802}" type="datetimeFigureOut">
               <a:rPr kumimoji="1" lang="ja-JP" altLang="en-US" smtClean="0"/>
               <a:pPr/>
-              <a:t>2023/8/17</a:t>
+              <a:t>2023/8/21</a:t>
             </a:fld>
             <a:endParaRPr kumimoji="1" lang="ja-JP" altLang="en-US"/>
           </a:p>
@@ -3361,17 +3361,22 @@
         </p:nvSpPr>
         <p:spPr>
           <a:xfrm>
-            <a:off x="450355" y="223788"/>
-            <a:ext cx="29345253" cy="4127181"/>
+            <a:off x="1" y="-92564"/>
+            <a:ext cx="30279974" cy="4309147"/>
           </a:xfrm>
           <a:prstGeom prst="rect">
             <a:avLst/>
           </a:prstGeom>
           <a:solidFill>
-            <a:srgbClr val="F1B584"/>
+            <a:schemeClr val="accent1">
+              <a:lumMod val="40000"/>
+              <a:lumOff val="60000"/>
+            </a:schemeClr>
           </a:solidFill>
-          <a:ln>
-            <a:noFill/>
+          <a:ln w="76200">
+            <a:solidFill>
+              <a:srgbClr val="0070C0"/>
+            </a:solidFill>
           </a:ln>
         </p:spPr>
         <p:style>
@@ -3578,8 +3583,8 @@
         </p:nvSpPr>
         <p:spPr>
           <a:xfrm>
-            <a:off x="1209756" y="16127383"/>
-            <a:ext cx="12529392" cy="1649803"/>
+            <a:off x="1176971" y="16143280"/>
+            <a:ext cx="13125507" cy="1966525"/>
           </a:xfrm>
           <a:prstGeom prst="roundRect">
             <a:avLst/>
@@ -3618,6 +3623,17 @@
             <a:r>
               <a:rPr kumimoji="1" lang="ja-JP" altLang="en-US" sz="3200" dirty="0"/>
               <a:t>文書レベルでの単語の出現頻度などをもとにトピックを学習する</a:t>
+            </a:r>
+            <a:endParaRPr kumimoji="1" lang="en-US" altLang="ja-JP" sz="3200" dirty="0"/>
+          </a:p>
+          <a:p>
+            <a:pPr marL="457200" indent="-457200">
+              <a:buFont typeface="Arial" panose="020B0604020202020204" pitchFamily="34" charset="0"/>
+              <a:buChar char="•"/>
+            </a:pPr>
+            <a:r>
+              <a:rPr kumimoji="1" lang="ja-JP" altLang="en-US" sz="3200" dirty="0"/>
+              <a:t>長い文章であれば多くの単語が含まれるので比較的学習しやすい</a:t>
             </a:r>
             <a:endParaRPr kumimoji="1" lang="en-US" altLang="ja-JP" sz="3200" dirty="0"/>
           </a:p>
@@ -4003,7 +4019,7 @@
         </p:nvSpPr>
         <p:spPr>
           <a:xfrm>
-            <a:off x="883278" y="25292184"/>
+            <a:off x="915923" y="25793019"/>
             <a:ext cx="13681125" cy="1215718"/>
           </a:xfrm>
           <a:prstGeom prst="roundRect">
@@ -4209,7 +4225,7 @@
         </p:nvSpPr>
         <p:spPr>
           <a:xfrm>
-            <a:off x="1098427" y="6303596"/>
+            <a:off x="915923" y="6131846"/>
             <a:ext cx="7272808" cy="1187810"/>
           </a:xfrm>
           <a:prstGeom prst="roundRect">
@@ -4318,7 +4334,7 @@
         </p:nvSpPr>
         <p:spPr>
           <a:xfrm>
-            <a:off x="1098427" y="9506835"/>
+            <a:off x="887681" y="9125668"/>
             <a:ext cx="7272808" cy="1377408"/>
           </a:xfrm>
           <a:prstGeom prst="roundRect">
@@ -4395,7 +4411,7 @@
                   <a:schemeClr val="tx1"/>
                 </a:solidFill>
               </a:rPr>
-              <a:t>消費者の判断材料になる</a:t>
+              <a:t>消費者の購入判断材料になる</a:t>
             </a:r>
           </a:p>
         </p:txBody>
@@ -4414,8 +4430,8 @@
         </p:nvSpPr>
         <p:spPr>
           <a:xfrm>
-            <a:off x="4338787" y="5987699"/>
-            <a:ext cx="946442" cy="3498536"/>
+            <a:off x="4130593" y="5822657"/>
+            <a:ext cx="946442" cy="3248669"/>
           </a:xfrm>
           <a:prstGeom prst="downArrow">
             <a:avLst/>
@@ -4468,7 +4484,7 @@
         </p:nvSpPr>
         <p:spPr>
           <a:xfrm>
-            <a:off x="1098427" y="6305453"/>
+            <a:off x="915923" y="6133703"/>
             <a:ext cx="7272808" cy="1187810"/>
           </a:xfrm>
           <a:prstGeom prst="roundRect">
@@ -4580,7 +4596,7 @@
         </p:nvSpPr>
         <p:spPr>
           <a:xfrm>
-            <a:off x="1098427" y="7812946"/>
+            <a:off x="915923" y="7641196"/>
             <a:ext cx="7272808" cy="689155"/>
           </a:xfrm>
           <a:prstGeom prst="roundRect">
@@ -4660,7 +4676,7 @@
         </p:nvSpPr>
         <p:spPr>
           <a:xfrm>
-            <a:off x="1065740" y="11889856"/>
+            <a:off x="1175582" y="12310247"/>
             <a:ext cx="12817424" cy="1929496"/>
           </a:xfrm>
           <a:prstGeom prst="roundRect">
@@ -4742,56 +4758,7 @@
                   <a:schemeClr val="tx1"/>
                 </a:solidFill>
               </a:rPr>
-              <a:t>消費者の購入判断材料になるコメントを抽出する</a:t>
-            </a:r>
-          </a:p>
-        </p:txBody>
-      </p:sp>
-      <p:sp>
-        <p:nvSpPr>
-          <p:cNvPr id="21" name="正方形/長方形 20">
-            <a:extLst>
-              <a:ext uri="{FF2B5EF4-FFF2-40B4-BE49-F238E27FC236}">
-                <a16:creationId xmlns:a16="http://schemas.microsoft.com/office/drawing/2014/main" id="{B6541B8A-C79E-C959-5239-2A6741796C02}"/>
-              </a:ext>
-            </a:extLst>
-          </p:cNvPr>
-          <p:cNvSpPr/>
-          <p:nvPr/>
-        </p:nvSpPr>
-        <p:spPr>
-          <a:xfrm>
-            <a:off x="8889895" y="6023169"/>
-            <a:ext cx="5097964" cy="3207694"/>
-          </a:xfrm>
-          <a:prstGeom prst="rect">
-            <a:avLst/>
-          </a:prstGeom>
-        </p:spPr>
-        <p:style>
-          <a:lnRef idx="2">
-            <a:schemeClr val="accent1">
-              <a:shade val="15000"/>
-            </a:schemeClr>
-          </a:lnRef>
-          <a:fillRef idx="1">
-            <a:schemeClr val="accent1"/>
-          </a:fillRef>
-          <a:effectRef idx="0">
-            <a:schemeClr val="accent1"/>
-          </a:effectRef>
-          <a:fontRef idx="minor">
-            <a:schemeClr val="lt1"/>
-          </a:fontRef>
-        </p:style>
-        <p:txBody>
-          <a:bodyPr rtlCol="0" anchor="ctr"/>
-          <a:lstStyle/>
-          <a:p>
-            <a:pPr algn="ctr"/>
-            <a:r>
-              <a:rPr kumimoji="1" lang="ja-JP" altLang="en-US" dirty="0"/>
-              <a:t>グラフ</a:t>
+              <a:t>消費者の購入判断材料になるコメントを抽出するシステムを作成する</a:t>
             </a:r>
           </a:p>
         </p:txBody>
@@ -4810,8 +4777,8 @@
         </p:nvSpPr>
         <p:spPr>
           <a:xfrm>
-            <a:off x="8667252" y="9473118"/>
-            <a:ext cx="5468238" cy="1384995"/>
+            <a:off x="726614" y="10617394"/>
+            <a:ext cx="7909614" cy="954107"/>
           </a:xfrm>
           <a:prstGeom prst="rect">
             <a:avLst/>
@@ -4838,7 +4805,14 @@
             </a:r>
             <a:r>
               <a:rPr kumimoji="1" lang="ja-JP" altLang="en-US" sz="2800" dirty="0"/>
-              <a:t>は誰でも気軽に投稿できるという特性上</a:t>
+              <a:t>は誰でも気軽に投稿できるという特性</a:t>
+            </a:r>
+            <a:endParaRPr kumimoji="1" lang="en-US" altLang="ja-JP" sz="2800" dirty="0"/>
+          </a:p>
+          <a:p>
+            <a:r>
+              <a:rPr kumimoji="1" lang="ja-JP" altLang="en-US" sz="2800" dirty="0"/>
+              <a:t>上</a:t>
             </a:r>
             <a:r>
               <a:rPr lang="ja-JP" altLang="en-US" sz="2800" dirty="0"/>
@@ -4862,7 +4836,7 @@
         </p:nvSpPr>
         <p:spPr>
           <a:xfrm>
-            <a:off x="1386459" y="11568902"/>
+            <a:off x="1496301" y="11989293"/>
             <a:ext cx="2700300" cy="646331"/>
           </a:xfrm>
           <a:prstGeom prst="rect">
@@ -4919,16 +4893,15 @@
           </p:cNvPicPr>
           <p:nvPr/>
         </p:nvPicPr>
-        <p:blipFill>
+        <p:blipFill rotWithShape="1">
           <a:blip r:embed="rId3"/>
-          <a:stretch>
-            <a:fillRect/>
-          </a:stretch>
+          <a:srcRect l="195" t="-469" r="120" b="11507"/>
+          <a:stretch/>
         </p:blipFill>
         <p:spPr>
           <a:xfrm>
-            <a:off x="671163" y="20200191"/>
-            <a:ext cx="7219423" cy="4753059"/>
+            <a:off x="377569" y="20381868"/>
+            <a:ext cx="7196697" cy="4228407"/>
           </a:xfrm>
           <a:prstGeom prst="rect">
             <a:avLst/>
@@ -4949,7 +4922,7 @@
         </p:nvSpPr>
         <p:spPr>
           <a:xfrm>
-            <a:off x="6787059" y="11088972"/>
+            <a:off x="6538993" y="11675657"/>
             <a:ext cx="3299476" cy="558629"/>
           </a:xfrm>
           <a:prstGeom prst="downArrow">
@@ -4992,36 +4965,6 @@
           </a:p>
         </p:txBody>
       </p:sp>
-      <p:pic>
-        <p:nvPicPr>
-          <p:cNvPr id="26" name="図 25">
-            <a:extLst>
-              <a:ext uri="{FF2B5EF4-FFF2-40B4-BE49-F238E27FC236}">
-                <a16:creationId xmlns:a16="http://schemas.microsoft.com/office/drawing/2014/main" id="{23FC54A2-D836-D4AF-80B7-F95E86A41721}"/>
-              </a:ext>
-            </a:extLst>
-          </p:cNvPr>
-          <p:cNvPicPr>
-            <a:picLocks noChangeAspect="1"/>
-          </p:cNvPicPr>
-          <p:nvPr/>
-        </p:nvPicPr>
-        <p:blipFill>
-          <a:blip r:embed="rId4"/>
-          <a:stretch>
-            <a:fillRect/>
-          </a:stretch>
-        </p:blipFill>
-        <p:spPr>
-          <a:xfrm>
-            <a:off x="682169" y="34202580"/>
-            <a:ext cx="13898820" cy="6107937"/>
-          </a:xfrm>
-          <a:prstGeom prst="rect">
-            <a:avLst/>
-          </a:prstGeom>
-        </p:spPr>
-      </p:pic>
       <p:sp>
         <p:nvSpPr>
           <p:cNvPr id="34" name="四角形: 角を丸くする 33">
@@ -5036,8 +4979,8 @@
         </p:nvSpPr>
         <p:spPr>
           <a:xfrm>
-            <a:off x="886447" y="26734500"/>
-            <a:ext cx="13681125" cy="7314380"/>
+            <a:off x="886447" y="27239062"/>
+            <a:ext cx="13681125" cy="6809818"/>
           </a:xfrm>
           <a:prstGeom prst="roundRect">
             <a:avLst>
@@ -5401,7 +5344,7 @@
         <p:spPr>
           <a:xfrm>
             <a:off x="1619958" y="15789522"/>
-            <a:ext cx="4086982" cy="707886"/>
+            <a:ext cx="3665271" cy="646331"/>
           </a:xfrm>
           <a:prstGeom prst="rect">
             <a:avLst/>
@@ -5432,16 +5375,17 @@
           </a:bodyPr>
           <a:lstStyle/>
           <a:p>
-            <a:r>
-              <a:rPr kumimoji="1" lang="ja-JP" altLang="en-US" sz="4000" dirty="0"/>
+            <a:pPr algn="ctr"/>
+            <a:r>
+              <a:rPr kumimoji="1" lang="ja-JP" altLang="en-US" sz="3600" dirty="0"/>
               <a:t>従来モデル（</a:t>
             </a:r>
             <a:r>
-              <a:rPr kumimoji="1" lang="en-US" altLang="ja-JP" sz="4000" dirty="0"/>
+              <a:rPr kumimoji="1" lang="en-US" altLang="ja-JP" sz="3600" dirty="0"/>
               <a:t>LDA</a:t>
             </a:r>
             <a:r>
-              <a:rPr kumimoji="1" lang="ja-JP" altLang="en-US" sz="4000" dirty="0"/>
+              <a:rPr kumimoji="1" lang="ja-JP" altLang="en-US" sz="3600" dirty="0"/>
               <a:t>）</a:t>
             </a:r>
           </a:p>
@@ -5461,8 +5405,8 @@
         </p:nvSpPr>
         <p:spPr>
           <a:xfrm>
-            <a:off x="1211223" y="18136566"/>
-            <a:ext cx="12529392" cy="2255292"/>
+            <a:off x="1175582" y="18581559"/>
+            <a:ext cx="13125506" cy="1966525"/>
           </a:xfrm>
           <a:prstGeom prst="roundRect">
             <a:avLst/>
@@ -5491,7 +5435,7 @@
           </a:fontRef>
         </p:style>
         <p:txBody>
-          <a:bodyPr rtlCol="0" anchor="ctr"/>
+          <a:bodyPr tIns="36000" bIns="0" rtlCol="0" anchor="ctr"/>
           <a:lstStyle/>
           <a:p>
             <a:pPr marL="457200" indent="-457200">
@@ -5511,7 +5455,7 @@
             </a:pPr>
             <a:r>
               <a:rPr lang="ja-JP" altLang="en-US" sz="3200" dirty="0"/>
-              <a:t>文書レベルでのスパース性の問題を解決し、短い文書でも適切に　　トピックを推定する</a:t>
+              <a:t>文書レベルでのスパース性の問題を解決し、短い文書でも適切にトピックを推定する</a:t>
             </a:r>
             <a:endParaRPr kumimoji="1" lang="en-US" altLang="ja-JP" sz="3200" dirty="0"/>
           </a:p>
@@ -5531,8 +5475,8 @@
         </p:nvSpPr>
         <p:spPr>
           <a:xfrm>
-            <a:off x="1655128" y="17799703"/>
-            <a:ext cx="4663047" cy="769441"/>
+            <a:off x="1618569" y="18217958"/>
+            <a:ext cx="4303005" cy="677108"/>
           </a:xfrm>
           <a:prstGeom prst="rect">
             <a:avLst/>
@@ -5563,95 +5507,12 @@
           </a:bodyPr>
           <a:lstStyle/>
           <a:p>
-            <a:r>
-              <a:rPr lang="en-US" altLang="ja-JP" sz="4400" dirty="0"/>
+            <a:pPr algn="ctr"/>
+            <a:r>
+              <a:rPr lang="en-US" altLang="ja-JP" sz="3800" dirty="0"/>
               <a:t>Biterm Topic Model</a:t>
             </a:r>
-            <a:endParaRPr kumimoji="1" lang="ja-JP" altLang="en-US" sz="4400" dirty="0"/>
-          </a:p>
-        </p:txBody>
-      </p:sp>
-      <p:sp>
-        <p:nvSpPr>
-          <p:cNvPr id="36" name="テキスト ボックス 35">
-            <a:extLst>
-              <a:ext uri="{FF2B5EF4-FFF2-40B4-BE49-F238E27FC236}">
-                <a16:creationId xmlns:a16="http://schemas.microsoft.com/office/drawing/2014/main" id="{781BD13F-D4AB-FD98-219F-90AC11EB3480}"/>
-              </a:ext>
-            </a:extLst>
-          </p:cNvPr>
-          <p:cNvSpPr txBox="1"/>
-          <p:nvPr/>
-        </p:nvSpPr>
-        <p:spPr>
-          <a:xfrm>
-            <a:off x="8167840" y="20969759"/>
-            <a:ext cx="6348121" cy="3539430"/>
-          </a:xfrm>
-          <a:prstGeom prst="rect">
-            <a:avLst/>
-          </a:prstGeom>
-          <a:noFill/>
-        </p:spPr>
-        <p:txBody>
-          <a:bodyPr wrap="square" rtlCol="0">
-            <a:spAutoFit/>
-          </a:bodyPr>
-          <a:lstStyle/>
-          <a:p>
-            <a:r>
-              <a:rPr kumimoji="1" lang="ja-JP" altLang="en-US" sz="2800" dirty="0"/>
-              <a:t>文章中の</a:t>
-            </a:r>
-            <a:r>
-              <a:rPr kumimoji="1" lang="en-US" altLang="ja-JP" sz="2800" dirty="0"/>
-              <a:t>2</a:t>
-            </a:r>
-            <a:r>
-              <a:rPr kumimoji="1" lang="ja-JP" altLang="en-US" sz="2800" dirty="0"/>
-              <a:t>単語対をバイタームと定義しバイタームごとに同一のトピックを仮定</a:t>
-            </a:r>
-            <a:endParaRPr kumimoji="1" lang="en-US" altLang="ja-JP" sz="2800" dirty="0"/>
-          </a:p>
-          <a:p>
-            <a:r>
-              <a:rPr kumimoji="1" lang="ja-JP" altLang="en-US" sz="2800" dirty="0"/>
-              <a:t>するモデル</a:t>
-            </a:r>
-            <a:endParaRPr kumimoji="1" lang="en-US" altLang="ja-JP" sz="2800" dirty="0"/>
-          </a:p>
-          <a:p>
-            <a:endParaRPr lang="en-US" altLang="ja-JP" sz="2800" dirty="0"/>
-          </a:p>
-          <a:p>
-            <a:r>
-              <a:rPr lang="ja-JP" altLang="en-US" sz="2800" dirty="0"/>
-              <a:t>ディリクレ分布と崩壊型ギブスサンプリングによりトピック分布</a:t>
-            </a:r>
-            <a:r>
-              <a:rPr lang="en-US" altLang="ja-JP" sz="2800" dirty="0"/>
-              <a:t>Θ</a:t>
-            </a:r>
-            <a:r>
-              <a:rPr lang="ja-JP" altLang="en-US" sz="2800" dirty="0"/>
-              <a:t>が決定</a:t>
-            </a:r>
-            <a:endParaRPr lang="en-US" altLang="ja-JP" sz="2800" dirty="0"/>
-          </a:p>
-          <a:p>
-            <a:r>
-              <a:rPr lang="ja-JP" altLang="en-US" sz="2800" dirty="0"/>
-              <a:t>各トピックの単語分布</a:t>
-            </a:r>
-            <a:r>
-              <a:rPr lang="en-US" altLang="ja-JP" sz="2800" dirty="0"/>
-              <a:t>φ</a:t>
-            </a:r>
-            <a:r>
-              <a:rPr lang="ja-JP" altLang="en-US" sz="2800" dirty="0"/>
-              <a:t>に従い、各バイタームが生成される</a:t>
-            </a:r>
-            <a:endParaRPr lang="en-US" altLang="ja-JP" sz="2800" dirty="0"/>
+            <a:endParaRPr kumimoji="1" lang="ja-JP" altLang="en-US" sz="3800" dirty="0"/>
           </a:p>
         </p:txBody>
       </p:sp>
@@ -6142,36 +6003,6 @@
           </a:p>
         </p:txBody>
       </p:sp>
-      <p:pic>
-        <p:nvPicPr>
-          <p:cNvPr id="43" name="図 42">
-            <a:extLst>
-              <a:ext uri="{FF2B5EF4-FFF2-40B4-BE49-F238E27FC236}">
-                <a16:creationId xmlns:a16="http://schemas.microsoft.com/office/drawing/2014/main" id="{F16DDFAE-DEC2-476E-E78E-7331DDCA4492}"/>
-              </a:ext>
-            </a:extLst>
-          </p:cNvPr>
-          <p:cNvPicPr>
-            <a:picLocks noChangeAspect="1"/>
-          </p:cNvPicPr>
-          <p:nvPr/>
-        </p:nvPicPr>
-        <p:blipFill>
-          <a:blip r:embed="rId5"/>
-          <a:stretch>
-            <a:fillRect/>
-          </a:stretch>
-        </p:blipFill>
-        <p:spPr>
-          <a:xfrm>
-            <a:off x="15659307" y="10346866"/>
-            <a:ext cx="7935432" cy="6049219"/>
-          </a:xfrm>
-          <a:prstGeom prst="rect">
-            <a:avLst/>
-          </a:prstGeom>
-        </p:spPr>
-      </p:pic>
       <p:sp>
         <p:nvSpPr>
           <p:cNvPr id="44" name="テキスト ボックス 43">
@@ -7940,8 +7771,8 @@
         </p:nvSpPr>
         <p:spPr>
           <a:xfrm>
-            <a:off x="24347963" y="29847066"/>
-            <a:ext cx="3788809" cy="584775"/>
+            <a:off x="24237215" y="29910825"/>
+            <a:ext cx="4545552" cy="523220"/>
           </a:xfrm>
           <a:prstGeom prst="rect">
             <a:avLst/>
@@ -7974,10 +7805,18 @@
           <a:p>
             <a:pPr algn="ctr"/>
             <a:r>
-              <a:rPr lang="ja-JP" altLang="en-US" sz="3200" dirty="0"/>
-              <a:t>アノテーション結果</a:t>
-            </a:r>
-            <a:endParaRPr kumimoji="1" lang="ja-JP" altLang="en-US" sz="3200" dirty="0"/>
+              <a:rPr lang="ja-JP" altLang="en-US" sz="2800" dirty="0"/>
+              <a:t>表</a:t>
+            </a:r>
+            <a:r>
+              <a:rPr lang="en-US" altLang="ja-JP" sz="2800" dirty="0"/>
+              <a:t>2</a:t>
+            </a:r>
+            <a:r>
+              <a:rPr lang="ja-JP" altLang="en-US" sz="2800" dirty="0"/>
+              <a:t>：アノテーション結果</a:t>
+            </a:r>
+            <a:endParaRPr kumimoji="1" lang="ja-JP" altLang="en-US" sz="2800" dirty="0"/>
           </a:p>
         </p:txBody>
       </p:sp>
@@ -8595,7 +8434,7 @@
         </p:nvSpPr>
         <p:spPr>
           <a:xfrm>
-            <a:off x="15920522" y="32347023"/>
+            <a:off x="15923625" y="32232919"/>
             <a:ext cx="13341616" cy="954107"/>
           </a:xfrm>
           <a:prstGeom prst="rect">
@@ -8656,36 +8495,6 @@
           </a:p>
         </p:txBody>
       </p:sp>
-      <p:pic>
-        <p:nvPicPr>
-          <p:cNvPr id="58" name="図 57">
-            <a:extLst>
-              <a:ext uri="{FF2B5EF4-FFF2-40B4-BE49-F238E27FC236}">
-                <a16:creationId xmlns:a16="http://schemas.microsoft.com/office/drawing/2014/main" id="{CFF7E092-CAC7-936B-03F2-B0B3E92EB030}"/>
-              </a:ext>
-            </a:extLst>
-          </p:cNvPr>
-          <p:cNvPicPr>
-            <a:picLocks noChangeAspect="1"/>
-          </p:cNvPicPr>
-          <p:nvPr/>
-        </p:nvPicPr>
-        <p:blipFill>
-          <a:blip r:embed="rId6"/>
-          <a:stretch>
-            <a:fillRect/>
-          </a:stretch>
-        </p:blipFill>
-        <p:spPr>
-          <a:xfrm>
-            <a:off x="15709993" y="33329149"/>
-            <a:ext cx="7329358" cy="1809005"/>
-          </a:xfrm>
-          <a:prstGeom prst="rect">
-            <a:avLst/>
-          </a:prstGeom>
-        </p:spPr>
-      </p:pic>
       <p:sp>
         <p:nvSpPr>
           <p:cNvPr id="59" name="テキスト ボックス 58">
@@ -8706,8 +8515,26 @@
           <a:prstGeom prst="rect">
             <a:avLst/>
           </a:prstGeom>
-          <a:noFill/>
+          <a:ln w="76200">
+            <a:solidFill>
+              <a:srgbClr val="FF0000"/>
+            </a:solidFill>
+          </a:ln>
         </p:spPr>
+        <p:style>
+          <a:lnRef idx="2">
+            <a:schemeClr val="accent2"/>
+          </a:lnRef>
+          <a:fillRef idx="1">
+            <a:schemeClr val="lt1"/>
+          </a:fillRef>
+          <a:effectRef idx="0">
+            <a:schemeClr val="accent2"/>
+          </a:effectRef>
+          <a:fontRef idx="minor">
+            <a:schemeClr val="dk1"/>
+          </a:fontRef>
+        </p:style>
         <p:txBody>
           <a:bodyPr wrap="square" rtlCol="0">
             <a:spAutoFit/>
@@ -8952,8 +8779,8 @@
         </p:nvSpPr>
         <p:spPr>
           <a:xfrm>
-            <a:off x="882403" y="41015844"/>
-            <a:ext cx="13714645" cy="1369653"/>
+            <a:off x="882403" y="40851317"/>
+            <a:ext cx="13714645" cy="1702700"/>
           </a:xfrm>
           <a:prstGeom prst="rect">
             <a:avLst/>
@@ -8979,10 +8806,137 @@
           <a:bodyPr rtlCol="0" anchor="ctr"/>
           <a:lstStyle/>
           <a:p>
-            <a:pPr algn="ctr"/>
-            <a:r>
-              <a:rPr kumimoji="1" lang="ja-JP" altLang="en-US" sz="2800" dirty="0"/>
-              <a:t>参考文献：</a:t>
+            <a:pPr marL="457200" indent="-457200">
+              <a:buFont typeface="+mj-lt"/>
+              <a:buAutoNum type="arabicPeriod"/>
+            </a:pPr>
+            <a:r>
+              <a:rPr kumimoji="1" lang="en-US" altLang="ja-JP" sz="1800" dirty="0"/>
+              <a:t>D. </a:t>
+            </a:r>
+            <a:r>
+              <a:rPr kumimoji="1" lang="en-US" altLang="ja-JP" sz="1800" dirty="0" err="1"/>
+              <a:t>Blei</a:t>
+            </a:r>
+            <a:r>
+              <a:rPr kumimoji="1" lang="en-US" altLang="ja-JP" sz="1800" dirty="0"/>
+              <a:t>, A. Ng and M. Jordan :“ Latent Dirichlet Allocation ”,Journal of Machine Learning Research, Vol.4, No.3, pp.148–159,2019.</a:t>
+            </a:r>
+          </a:p>
+          <a:p>
+            <a:pPr marL="457200" indent="-457200">
+              <a:buFont typeface="+mj-lt"/>
+              <a:buAutoNum type="arabicPeriod"/>
+            </a:pPr>
+            <a:r>
+              <a:rPr lang="en-US" altLang="ja-JP" sz="1800" dirty="0" err="1"/>
+              <a:t>Xiaohui</a:t>
+            </a:r>
+            <a:r>
+              <a:rPr lang="en-US" altLang="ja-JP" sz="1800" dirty="0"/>
+              <a:t> Yan, </a:t>
+            </a:r>
+            <a:r>
+              <a:rPr lang="en-US" altLang="ja-JP" sz="1800" dirty="0" err="1"/>
+              <a:t>Jiafeng</a:t>
+            </a:r>
+            <a:r>
+              <a:rPr lang="en-US" altLang="ja-JP" sz="1800" dirty="0"/>
+              <a:t> Guo, </a:t>
+            </a:r>
+            <a:r>
+              <a:rPr lang="en-US" altLang="ja-JP" sz="1800" dirty="0" err="1"/>
+              <a:t>Yanyan</a:t>
+            </a:r>
+            <a:r>
+              <a:rPr lang="en-US" altLang="ja-JP" sz="1800" dirty="0"/>
+              <a:t> Lan, </a:t>
+            </a:r>
+            <a:r>
+              <a:rPr lang="en-US" altLang="ja-JP" sz="1800" dirty="0" err="1"/>
+              <a:t>Xueqi</a:t>
+            </a:r>
+            <a:r>
+              <a:rPr lang="en-US" altLang="ja-JP" sz="1800" dirty="0"/>
+              <a:t> Cheng, “A </a:t>
+            </a:r>
+            <a:r>
+              <a:rPr lang="en-US" altLang="ja-JP" sz="1800" dirty="0" err="1"/>
+              <a:t>Biterm</a:t>
+            </a:r>
+            <a:r>
+              <a:rPr lang="en-US" altLang="ja-JP" sz="1800" dirty="0"/>
+              <a:t> Topic Model for Short Texts”, WWW ’13 Proceedings of the 22nd international conference on World Wide Web,pp.1445-1456(2013).</a:t>
+            </a:r>
+          </a:p>
+          <a:p>
+            <a:pPr marL="457200" indent="-457200">
+              <a:buFont typeface="+mj-lt"/>
+              <a:buAutoNum type="arabicPeriod"/>
+            </a:pPr>
+            <a:r>
+              <a:rPr kumimoji="1" lang="ja-JP" altLang="en-US" sz="1800" dirty="0"/>
+              <a:t>西田 有輝</a:t>
+            </a:r>
+            <a:r>
+              <a:rPr kumimoji="1" lang="en-US" altLang="ja-JP" sz="1800" dirty="0"/>
+              <a:t>, </a:t>
+            </a:r>
+            <a:r>
+              <a:rPr kumimoji="1" lang="en-US" altLang="ja-JP" sz="1800" dirty="0" err="1"/>
+              <a:t>Tianxiang</a:t>
+            </a:r>
+            <a:r>
+              <a:rPr kumimoji="1" lang="en-US" altLang="ja-JP" sz="1800" dirty="0"/>
+              <a:t> Yang, </a:t>
+            </a:r>
+            <a:r>
+              <a:rPr kumimoji="1" lang="ja-JP" altLang="en-US" sz="1800" dirty="0"/>
+              <a:t>山下 遥</a:t>
+            </a:r>
+            <a:r>
+              <a:rPr kumimoji="1" lang="en-US" altLang="ja-JP" sz="1800" dirty="0"/>
+              <a:t>, </a:t>
+            </a:r>
+            <a:r>
+              <a:rPr kumimoji="1" lang="ja-JP" altLang="en-US" sz="1800" dirty="0"/>
+              <a:t>後藤 正幸：「強調データの拡張学習による </a:t>
+            </a:r>
+            <a:r>
+              <a:rPr kumimoji="1" lang="en-US" altLang="ja-JP" sz="1800" dirty="0" err="1"/>
+              <a:t>Biterm</a:t>
+            </a:r>
+            <a:r>
+              <a:rPr kumimoji="1" lang="en-US" altLang="ja-JP" sz="1800" dirty="0"/>
+              <a:t> Topic Model </a:t>
+            </a:r>
+            <a:r>
+              <a:rPr kumimoji="1" lang="ja-JP" altLang="en-US" sz="1800" dirty="0"/>
+              <a:t>の解釈性向上法に関する一考察」，人工知能学会全国大会，第 </a:t>
+            </a:r>
+            <a:r>
+              <a:rPr kumimoji="1" lang="en-US" altLang="ja-JP" sz="1800" dirty="0"/>
+              <a:t>36 </a:t>
+            </a:r>
+            <a:r>
+              <a:rPr kumimoji="1" lang="ja-JP" altLang="en-US" sz="1800" dirty="0"/>
+              <a:t>回，</a:t>
+            </a:r>
+            <a:r>
+              <a:rPr kumimoji="1" lang="en-US" altLang="ja-JP" sz="1800" dirty="0"/>
+              <a:t>3E3-GS-2-02</a:t>
+            </a:r>
+            <a:r>
+              <a:rPr kumimoji="1" lang="ja-JP" altLang="en-US" sz="1800" dirty="0"/>
+              <a:t>，</a:t>
+            </a:r>
+            <a:r>
+              <a:rPr kumimoji="1" lang="en-US" altLang="ja-JP" sz="1800" dirty="0"/>
+              <a:t>2022</a:t>
+            </a:r>
+            <a:r>
+              <a:rPr kumimoji="1" lang="ja-JP" altLang="en-US" sz="1800" dirty="0"/>
+              <a:t>．</a:t>
             </a:r>
           </a:p>
         </p:txBody>
@@ -9798,6 +9752,3531 @@
           </a:p>
         </p:txBody>
       </p:sp>
+      <p:graphicFrame>
+        <p:nvGraphicFramePr>
+          <p:cNvPr id="31" name="表 44">
+            <a:extLst>
+              <a:ext uri="{FF2B5EF4-FFF2-40B4-BE49-F238E27FC236}">
+                <a16:creationId xmlns:a16="http://schemas.microsoft.com/office/drawing/2014/main" id="{85FC609E-4230-FCF1-93DE-7144539ACE95}"/>
+              </a:ext>
+            </a:extLst>
+          </p:cNvPr>
+          <p:cNvGraphicFramePr>
+            <a:graphicFrameLocks noGrp="1"/>
+          </p:cNvGraphicFramePr>
+          <p:nvPr>
+            <p:extLst>
+              <p:ext uri="{D42A27DB-BD31-4B8C-83A1-F6EECF244321}">
+                <p14:modId xmlns:p14="http://schemas.microsoft.com/office/powerpoint/2010/main" val="959670269"/>
+              </p:ext>
+            </p:extLst>
+          </p:nvPr>
+        </p:nvGraphicFramePr>
+        <p:xfrm>
+          <a:off x="15767600" y="10755416"/>
+          <a:ext cx="7661401" cy="5699760"/>
+        </p:xfrm>
+        <a:graphic>
+          <a:graphicData uri="http://schemas.openxmlformats.org/drawingml/2006/table">
+            <a:tbl>
+              <a:tblPr firstRow="1" bandRow="1">
+                <a:tableStyleId>{5940675A-B579-460E-94D1-54222C63F5DA}</a:tableStyleId>
+              </a:tblPr>
+              <a:tblGrid>
+                <a:gridCol w="1396705">
+                  <a:extLst>
+                    <a:ext uri="{9D8B030D-6E8A-4147-A177-3AD203B41FA5}">
+                      <a16:colId xmlns:a16="http://schemas.microsoft.com/office/drawing/2014/main" val="2264818845"/>
+                    </a:ext>
+                  </a:extLst>
+                </a:gridCol>
+                <a:gridCol w="3132348">
+                  <a:extLst>
+                    <a:ext uri="{9D8B030D-6E8A-4147-A177-3AD203B41FA5}">
+                      <a16:colId xmlns:a16="http://schemas.microsoft.com/office/drawing/2014/main" val="1040137559"/>
+                    </a:ext>
+                  </a:extLst>
+                </a:gridCol>
+                <a:gridCol w="3132348">
+                  <a:extLst>
+                    <a:ext uri="{9D8B030D-6E8A-4147-A177-3AD203B41FA5}">
+                      <a16:colId xmlns:a16="http://schemas.microsoft.com/office/drawing/2014/main" val="3933166632"/>
+                    </a:ext>
+                  </a:extLst>
+                </a:gridCol>
+              </a:tblGrid>
+              <a:tr h="370840">
+                <a:tc>
+                  <a:txBody>
+                    <a:bodyPr/>
+                    <a:lstStyle/>
+                    <a:p>
+                      <a:pPr algn="ctr"/>
+                      <a:endParaRPr kumimoji="1" lang="ja-JP" altLang="en-US" sz="2800" dirty="0">
+                        <a:solidFill>
+                          <a:schemeClr val="tx1"/>
+                        </a:solidFill>
+                      </a:endParaRPr>
+                    </a:p>
+                  </a:txBody>
+                  <a:tcPr>
+                    <a:lnL w="12700" cap="flat" cmpd="sng" algn="ctr">
+                      <a:solidFill>
+                        <a:schemeClr val="tx1"/>
+                      </a:solidFill>
+                      <a:prstDash val="solid"/>
+                      <a:round/>
+                      <a:headEnd type="none" w="med" len="med"/>
+                      <a:tailEnd type="none" w="med" len="med"/>
+                    </a:lnL>
+                    <a:lnR w="12700" cap="flat" cmpd="sng" algn="ctr">
+                      <a:solidFill>
+                        <a:schemeClr val="tx1"/>
+                      </a:solidFill>
+                      <a:prstDash val="solid"/>
+                      <a:round/>
+                      <a:headEnd type="none" w="med" len="med"/>
+                      <a:tailEnd type="none" w="med" len="med"/>
+                    </a:lnR>
+                    <a:lnT w="12700" cap="flat" cmpd="sng" algn="ctr">
+                      <a:solidFill>
+                        <a:schemeClr val="tx1"/>
+                      </a:solidFill>
+                      <a:prstDash val="solid"/>
+                      <a:round/>
+                      <a:headEnd type="none" w="med" len="med"/>
+                      <a:tailEnd type="none" w="med" len="med"/>
+                    </a:lnT>
+                    <a:lnB w="12700" cap="flat" cmpd="sng" algn="ctr">
+                      <a:solidFill>
+                        <a:schemeClr val="tx1"/>
+                      </a:solidFill>
+                      <a:prstDash val="solid"/>
+                      <a:round/>
+                      <a:headEnd type="none" w="med" len="med"/>
+                      <a:tailEnd type="none" w="med" len="med"/>
+                    </a:lnB>
+                  </a:tcPr>
+                </a:tc>
+                <a:tc>
+                  <a:txBody>
+                    <a:bodyPr/>
+                    <a:lstStyle/>
+                    <a:p>
+                      <a:pPr algn="ctr"/>
+                      <a:r>
+                        <a:rPr kumimoji="1" lang="ja-JP" altLang="en-US" sz="2800" b="1" dirty="0">
+                          <a:solidFill>
+                            <a:schemeClr val="accent6"/>
+                          </a:solidFill>
+                        </a:rPr>
+                        <a:t>みそきん</a:t>
+                      </a:r>
+                    </a:p>
+                  </a:txBody>
+                  <a:tcPr>
+                    <a:lnL w="12700" cap="flat" cmpd="sng" algn="ctr">
+                      <a:solidFill>
+                        <a:schemeClr val="tx1"/>
+                      </a:solidFill>
+                      <a:prstDash val="solid"/>
+                      <a:round/>
+                      <a:headEnd type="none" w="med" len="med"/>
+                      <a:tailEnd type="none" w="med" len="med"/>
+                    </a:lnL>
+                    <a:lnR w="12700" cap="flat" cmpd="sng" algn="ctr">
+                      <a:solidFill>
+                        <a:schemeClr val="tx1"/>
+                      </a:solidFill>
+                      <a:prstDash val="solid"/>
+                      <a:round/>
+                      <a:headEnd type="none" w="med" len="med"/>
+                      <a:tailEnd type="none" w="med" len="med"/>
+                    </a:lnR>
+                    <a:lnT w="12700" cap="flat" cmpd="sng" algn="ctr">
+                      <a:solidFill>
+                        <a:schemeClr val="tx1"/>
+                      </a:solidFill>
+                      <a:prstDash val="solid"/>
+                      <a:round/>
+                      <a:headEnd type="none" w="med" len="med"/>
+                      <a:tailEnd type="none" w="med" len="med"/>
+                    </a:lnT>
+                    <a:lnB w="12700" cap="flat" cmpd="sng" algn="ctr">
+                      <a:solidFill>
+                        <a:schemeClr val="tx1"/>
+                      </a:solidFill>
+                      <a:prstDash val="solid"/>
+                      <a:round/>
+                      <a:headEnd type="none" w="med" len="med"/>
+                      <a:tailEnd type="none" w="med" len="med"/>
+                    </a:lnB>
+                  </a:tcPr>
+                </a:tc>
+                <a:tc>
+                  <a:txBody>
+                    <a:bodyPr/>
+                    <a:lstStyle/>
+                    <a:p>
+                      <a:pPr algn="ctr"/>
+                      <a:r>
+                        <a:rPr kumimoji="1" lang="ja-JP" altLang="en-US" sz="2800" b="1" dirty="0">
+                          <a:solidFill>
+                            <a:schemeClr val="accent6"/>
+                          </a:solidFill>
+                        </a:rPr>
+                        <a:t>ここリモ</a:t>
+                      </a:r>
+                    </a:p>
+                  </a:txBody>
+                  <a:tcPr>
+                    <a:lnL w="12700" cap="flat" cmpd="sng" algn="ctr">
+                      <a:solidFill>
+                        <a:schemeClr val="tx1"/>
+                      </a:solidFill>
+                      <a:prstDash val="solid"/>
+                      <a:round/>
+                      <a:headEnd type="none" w="med" len="med"/>
+                      <a:tailEnd type="none" w="med" len="med"/>
+                    </a:lnL>
+                    <a:lnR w="12700" cap="flat" cmpd="sng" algn="ctr">
+                      <a:solidFill>
+                        <a:schemeClr val="tx1"/>
+                      </a:solidFill>
+                      <a:prstDash val="solid"/>
+                      <a:round/>
+                      <a:headEnd type="none" w="med" len="med"/>
+                      <a:tailEnd type="none" w="med" len="med"/>
+                    </a:lnR>
+                    <a:lnT w="12700" cap="flat" cmpd="sng" algn="ctr">
+                      <a:solidFill>
+                        <a:schemeClr val="tx1"/>
+                      </a:solidFill>
+                      <a:prstDash val="solid"/>
+                      <a:round/>
+                      <a:headEnd type="none" w="med" len="med"/>
+                      <a:tailEnd type="none" w="med" len="med"/>
+                    </a:lnT>
+                    <a:lnB w="12700" cap="flat" cmpd="sng" algn="ctr">
+                      <a:solidFill>
+                        <a:schemeClr val="tx1"/>
+                      </a:solidFill>
+                      <a:prstDash val="solid"/>
+                      <a:round/>
+                      <a:headEnd type="none" w="med" len="med"/>
+                      <a:tailEnd type="none" w="med" len="med"/>
+                    </a:lnB>
+                  </a:tcPr>
+                </a:tc>
+                <a:extLst>
+                  <a:ext uri="{0D108BD9-81ED-4DB2-BD59-A6C34878D82A}">
+                    <a16:rowId xmlns:a16="http://schemas.microsoft.com/office/drawing/2014/main" val="2999697933"/>
+                  </a:ext>
+                </a:extLst>
+              </a:tr>
+              <a:tr h="370840">
+                <a:tc>
+                  <a:txBody>
+                    <a:bodyPr/>
+                    <a:lstStyle/>
+                    <a:p>
+                      <a:pPr algn="ctr"/>
+                      <a:r>
+                        <a:rPr kumimoji="1" lang="en-US" altLang="ja-JP" sz="2800" dirty="0"/>
+                        <a:t>1</a:t>
+                      </a:r>
+                      <a:endParaRPr kumimoji="1" lang="ja-JP" altLang="en-US" sz="2800" dirty="0"/>
+                    </a:p>
+                  </a:txBody>
+                  <a:tcPr>
+                    <a:lnL w="12700" cap="flat" cmpd="sng" algn="ctr">
+                      <a:solidFill>
+                        <a:schemeClr val="tx1"/>
+                      </a:solidFill>
+                      <a:prstDash val="solid"/>
+                      <a:round/>
+                      <a:headEnd type="none" w="med" len="med"/>
+                      <a:tailEnd type="none" w="med" len="med"/>
+                    </a:lnL>
+                    <a:lnR w="12700" cap="flat" cmpd="sng" algn="ctr">
+                      <a:solidFill>
+                        <a:schemeClr val="tx1"/>
+                      </a:solidFill>
+                      <a:prstDash val="solid"/>
+                      <a:round/>
+                      <a:headEnd type="none" w="med" len="med"/>
+                      <a:tailEnd type="none" w="med" len="med"/>
+                    </a:lnR>
+                    <a:lnT w="12700" cap="flat" cmpd="sng" algn="ctr">
+                      <a:solidFill>
+                        <a:schemeClr val="tx1"/>
+                      </a:solidFill>
+                      <a:prstDash val="solid"/>
+                      <a:round/>
+                      <a:headEnd type="none" w="med" len="med"/>
+                      <a:tailEnd type="none" w="med" len="med"/>
+                    </a:lnT>
+                    <a:lnB w="12700" cap="flat" cmpd="sng" algn="ctr">
+                      <a:solidFill>
+                        <a:schemeClr val="tx1"/>
+                      </a:solidFill>
+                      <a:prstDash val="solid"/>
+                      <a:round/>
+                      <a:headEnd type="none" w="med" len="med"/>
+                      <a:tailEnd type="none" w="med" len="med"/>
+                    </a:lnB>
+                  </a:tcPr>
+                </a:tc>
+                <a:tc>
+                  <a:txBody>
+                    <a:bodyPr/>
+                    <a:lstStyle/>
+                    <a:p>
+                      <a:pPr algn="ctr"/>
+                      <a:r>
+                        <a:rPr kumimoji="1" lang="ja-JP" altLang="en-US" sz="2800" dirty="0"/>
+                        <a:t>味噌ラーメン</a:t>
+                      </a:r>
+                      <a:endParaRPr kumimoji="1" lang="en-US" altLang="ja-JP" sz="2800" dirty="0"/>
+                    </a:p>
+                  </a:txBody>
+                  <a:tcPr>
+                    <a:lnL w="12700" cap="flat" cmpd="sng" algn="ctr">
+                      <a:solidFill>
+                        <a:schemeClr val="tx1"/>
+                      </a:solidFill>
+                      <a:prstDash val="solid"/>
+                      <a:round/>
+                      <a:headEnd type="none" w="med" len="med"/>
+                      <a:tailEnd type="none" w="med" len="med"/>
+                    </a:lnL>
+                    <a:lnR w="12700" cap="flat" cmpd="sng" algn="ctr">
+                      <a:solidFill>
+                        <a:schemeClr val="tx1"/>
+                      </a:solidFill>
+                      <a:prstDash val="solid"/>
+                      <a:round/>
+                      <a:headEnd type="none" w="med" len="med"/>
+                      <a:tailEnd type="none" w="med" len="med"/>
+                    </a:lnR>
+                    <a:lnT w="12700" cap="flat" cmpd="sng" algn="ctr">
+                      <a:solidFill>
+                        <a:schemeClr val="tx1"/>
+                      </a:solidFill>
+                      <a:prstDash val="solid"/>
+                      <a:round/>
+                      <a:headEnd type="none" w="med" len="med"/>
+                      <a:tailEnd type="none" w="med" len="med"/>
+                    </a:lnT>
+                    <a:lnB w="12700" cap="flat" cmpd="sng" algn="ctr">
+                      <a:solidFill>
+                        <a:schemeClr val="tx1"/>
+                      </a:solidFill>
+                      <a:prstDash val="solid"/>
+                      <a:round/>
+                      <a:headEnd type="none" w="med" len="med"/>
+                      <a:tailEnd type="none" w="med" len="med"/>
+                    </a:lnB>
+                  </a:tcPr>
+                </a:tc>
+                <a:tc>
+                  <a:txBody>
+                    <a:bodyPr/>
+                    <a:lstStyle/>
+                    <a:p>
+                      <a:pPr algn="ctr"/>
+                      <a:r>
+                        <a:rPr kumimoji="1" lang="ja-JP" altLang="en-US" sz="2800" dirty="0"/>
+                        <a:t>エアコン</a:t>
+                      </a:r>
+                    </a:p>
+                  </a:txBody>
+                  <a:tcPr>
+                    <a:lnL w="12700" cap="flat" cmpd="sng" algn="ctr">
+                      <a:solidFill>
+                        <a:schemeClr val="tx1"/>
+                      </a:solidFill>
+                      <a:prstDash val="solid"/>
+                      <a:round/>
+                      <a:headEnd type="none" w="med" len="med"/>
+                      <a:tailEnd type="none" w="med" len="med"/>
+                    </a:lnL>
+                    <a:lnR w="12700" cap="flat" cmpd="sng" algn="ctr">
+                      <a:solidFill>
+                        <a:schemeClr val="tx1"/>
+                      </a:solidFill>
+                      <a:prstDash val="solid"/>
+                      <a:round/>
+                      <a:headEnd type="none" w="med" len="med"/>
+                      <a:tailEnd type="none" w="med" len="med"/>
+                    </a:lnR>
+                    <a:lnT w="12700" cap="flat" cmpd="sng" algn="ctr">
+                      <a:solidFill>
+                        <a:schemeClr val="tx1"/>
+                      </a:solidFill>
+                      <a:prstDash val="solid"/>
+                      <a:round/>
+                      <a:headEnd type="none" w="med" len="med"/>
+                      <a:tailEnd type="none" w="med" len="med"/>
+                    </a:lnT>
+                    <a:lnB w="12700" cap="flat" cmpd="sng" algn="ctr">
+                      <a:solidFill>
+                        <a:schemeClr val="tx1"/>
+                      </a:solidFill>
+                      <a:prstDash val="solid"/>
+                      <a:round/>
+                      <a:headEnd type="none" w="med" len="med"/>
+                      <a:tailEnd type="none" w="med" len="med"/>
+                    </a:lnB>
+                  </a:tcPr>
+                </a:tc>
+                <a:extLst>
+                  <a:ext uri="{0D108BD9-81ED-4DB2-BD59-A6C34878D82A}">
+                    <a16:rowId xmlns:a16="http://schemas.microsoft.com/office/drawing/2014/main" val="4006600182"/>
+                  </a:ext>
+                </a:extLst>
+              </a:tr>
+              <a:tr h="370840">
+                <a:tc>
+                  <a:txBody>
+                    <a:bodyPr/>
+                    <a:lstStyle/>
+                    <a:p>
+                      <a:pPr algn="ctr"/>
+                      <a:r>
+                        <a:rPr kumimoji="1" lang="en-US" altLang="ja-JP" sz="2800" dirty="0"/>
+                        <a:t>2</a:t>
+                      </a:r>
+                      <a:endParaRPr kumimoji="1" lang="ja-JP" altLang="en-US" sz="2800" dirty="0"/>
+                    </a:p>
+                  </a:txBody>
+                  <a:tcPr>
+                    <a:lnL w="12700" cap="flat" cmpd="sng" algn="ctr">
+                      <a:solidFill>
+                        <a:schemeClr val="tx1"/>
+                      </a:solidFill>
+                      <a:prstDash val="solid"/>
+                      <a:round/>
+                      <a:headEnd type="none" w="med" len="med"/>
+                      <a:tailEnd type="none" w="med" len="med"/>
+                    </a:lnL>
+                    <a:lnR w="12700" cap="flat" cmpd="sng" algn="ctr">
+                      <a:solidFill>
+                        <a:schemeClr val="tx1"/>
+                      </a:solidFill>
+                      <a:prstDash val="solid"/>
+                      <a:round/>
+                      <a:headEnd type="none" w="med" len="med"/>
+                      <a:tailEnd type="none" w="med" len="med"/>
+                    </a:lnR>
+                    <a:lnT w="12700" cap="flat" cmpd="sng" algn="ctr">
+                      <a:solidFill>
+                        <a:schemeClr val="tx1"/>
+                      </a:solidFill>
+                      <a:prstDash val="solid"/>
+                      <a:round/>
+                      <a:headEnd type="none" w="med" len="med"/>
+                      <a:tailEnd type="none" w="med" len="med"/>
+                    </a:lnT>
+                    <a:lnB w="12700" cap="flat" cmpd="sng" algn="ctr">
+                      <a:solidFill>
+                        <a:schemeClr val="tx1"/>
+                      </a:solidFill>
+                      <a:prstDash val="solid"/>
+                      <a:round/>
+                      <a:headEnd type="none" w="med" len="med"/>
+                      <a:tailEnd type="none" w="med" len="med"/>
+                    </a:lnB>
+                  </a:tcPr>
+                </a:tc>
+                <a:tc>
+                  <a:txBody>
+                    <a:bodyPr/>
+                    <a:lstStyle/>
+                    <a:p>
+                      <a:pPr algn="ctr"/>
+                      <a:r>
+                        <a:rPr kumimoji="1" lang="ja-JP" altLang="en-US" sz="2800" dirty="0"/>
+                        <a:t>味噌</a:t>
+                      </a:r>
+                    </a:p>
+                  </a:txBody>
+                  <a:tcPr>
+                    <a:lnL w="12700" cap="flat" cmpd="sng" algn="ctr">
+                      <a:solidFill>
+                        <a:schemeClr val="tx1"/>
+                      </a:solidFill>
+                      <a:prstDash val="solid"/>
+                      <a:round/>
+                      <a:headEnd type="none" w="med" len="med"/>
+                      <a:tailEnd type="none" w="med" len="med"/>
+                    </a:lnL>
+                    <a:lnR w="12700" cap="flat" cmpd="sng" algn="ctr">
+                      <a:solidFill>
+                        <a:schemeClr val="tx1"/>
+                      </a:solidFill>
+                      <a:prstDash val="solid"/>
+                      <a:round/>
+                      <a:headEnd type="none" w="med" len="med"/>
+                      <a:tailEnd type="none" w="med" len="med"/>
+                    </a:lnR>
+                    <a:lnT w="12700" cap="flat" cmpd="sng" algn="ctr">
+                      <a:solidFill>
+                        <a:schemeClr val="tx1"/>
+                      </a:solidFill>
+                      <a:prstDash val="solid"/>
+                      <a:round/>
+                      <a:headEnd type="none" w="med" len="med"/>
+                      <a:tailEnd type="none" w="med" len="med"/>
+                    </a:lnT>
+                    <a:lnB w="12700" cap="flat" cmpd="sng" algn="ctr">
+                      <a:solidFill>
+                        <a:schemeClr val="tx1"/>
+                      </a:solidFill>
+                      <a:prstDash val="solid"/>
+                      <a:round/>
+                      <a:headEnd type="none" w="med" len="med"/>
+                      <a:tailEnd type="none" w="med" len="med"/>
+                    </a:lnB>
+                  </a:tcPr>
+                </a:tc>
+                <a:tc>
+                  <a:txBody>
+                    <a:bodyPr/>
+                    <a:lstStyle/>
+                    <a:p>
+                      <a:pPr algn="ctr"/>
+                      <a:r>
+                        <a:rPr kumimoji="1" lang="ja-JP" altLang="en-US" sz="2800" dirty="0"/>
+                        <a:t>電気代</a:t>
+                      </a:r>
+                    </a:p>
+                  </a:txBody>
+                  <a:tcPr>
+                    <a:lnL w="12700" cap="flat" cmpd="sng" algn="ctr">
+                      <a:solidFill>
+                        <a:schemeClr val="tx1"/>
+                      </a:solidFill>
+                      <a:prstDash val="solid"/>
+                      <a:round/>
+                      <a:headEnd type="none" w="med" len="med"/>
+                      <a:tailEnd type="none" w="med" len="med"/>
+                    </a:lnL>
+                    <a:lnR w="12700" cap="flat" cmpd="sng" algn="ctr">
+                      <a:solidFill>
+                        <a:schemeClr val="tx1"/>
+                      </a:solidFill>
+                      <a:prstDash val="solid"/>
+                      <a:round/>
+                      <a:headEnd type="none" w="med" len="med"/>
+                      <a:tailEnd type="none" w="med" len="med"/>
+                    </a:lnR>
+                    <a:lnT w="12700" cap="flat" cmpd="sng" algn="ctr">
+                      <a:solidFill>
+                        <a:schemeClr val="tx1"/>
+                      </a:solidFill>
+                      <a:prstDash val="solid"/>
+                      <a:round/>
+                      <a:headEnd type="none" w="med" len="med"/>
+                      <a:tailEnd type="none" w="med" len="med"/>
+                    </a:lnT>
+                    <a:lnB w="12700" cap="flat" cmpd="sng" algn="ctr">
+                      <a:solidFill>
+                        <a:schemeClr val="tx1"/>
+                      </a:solidFill>
+                      <a:prstDash val="solid"/>
+                      <a:round/>
+                      <a:headEnd type="none" w="med" len="med"/>
+                      <a:tailEnd type="none" w="med" len="med"/>
+                    </a:lnB>
+                  </a:tcPr>
+                </a:tc>
+                <a:extLst>
+                  <a:ext uri="{0D108BD9-81ED-4DB2-BD59-A6C34878D82A}">
+                    <a16:rowId xmlns:a16="http://schemas.microsoft.com/office/drawing/2014/main" val="2046221259"/>
+                  </a:ext>
+                </a:extLst>
+              </a:tr>
+              <a:tr h="370840">
+                <a:tc>
+                  <a:txBody>
+                    <a:bodyPr/>
+                    <a:lstStyle/>
+                    <a:p>
+                      <a:pPr algn="ctr"/>
+                      <a:r>
+                        <a:rPr kumimoji="1" lang="en-US" altLang="ja-JP" sz="2800" dirty="0"/>
+                        <a:t>3</a:t>
+                      </a:r>
+                      <a:endParaRPr kumimoji="1" lang="ja-JP" altLang="en-US" sz="2800" dirty="0"/>
+                    </a:p>
+                  </a:txBody>
+                  <a:tcPr>
+                    <a:lnL w="12700" cap="flat" cmpd="sng" algn="ctr">
+                      <a:solidFill>
+                        <a:schemeClr val="tx1"/>
+                      </a:solidFill>
+                      <a:prstDash val="solid"/>
+                      <a:round/>
+                      <a:headEnd type="none" w="med" len="med"/>
+                      <a:tailEnd type="none" w="med" len="med"/>
+                    </a:lnL>
+                    <a:lnR w="12700" cap="flat" cmpd="sng" algn="ctr">
+                      <a:solidFill>
+                        <a:schemeClr val="tx1"/>
+                      </a:solidFill>
+                      <a:prstDash val="solid"/>
+                      <a:round/>
+                      <a:headEnd type="none" w="med" len="med"/>
+                      <a:tailEnd type="none" w="med" len="med"/>
+                    </a:lnR>
+                    <a:lnT w="12700" cap="flat" cmpd="sng" algn="ctr">
+                      <a:solidFill>
+                        <a:schemeClr val="tx1"/>
+                      </a:solidFill>
+                      <a:prstDash val="solid"/>
+                      <a:round/>
+                      <a:headEnd type="none" w="med" len="med"/>
+                      <a:tailEnd type="none" w="med" len="med"/>
+                    </a:lnT>
+                    <a:lnB w="12700" cap="flat" cmpd="sng" algn="ctr">
+                      <a:solidFill>
+                        <a:schemeClr val="tx1"/>
+                      </a:solidFill>
+                      <a:prstDash val="solid"/>
+                      <a:round/>
+                      <a:headEnd type="none" w="med" len="med"/>
+                      <a:tailEnd type="none" w="med" len="med"/>
+                    </a:lnB>
+                  </a:tcPr>
+                </a:tc>
+                <a:tc>
+                  <a:txBody>
+                    <a:bodyPr/>
+                    <a:lstStyle/>
+                    <a:p>
+                      <a:pPr algn="ctr"/>
+                      <a:r>
+                        <a:rPr kumimoji="1" lang="ja-JP" altLang="en-US" sz="2800" dirty="0"/>
+                        <a:t>ミサ</a:t>
+                      </a:r>
+                    </a:p>
+                  </a:txBody>
+                  <a:tcPr>
+                    <a:lnL w="12700" cap="flat" cmpd="sng" algn="ctr">
+                      <a:solidFill>
+                        <a:schemeClr val="tx1"/>
+                      </a:solidFill>
+                      <a:prstDash val="solid"/>
+                      <a:round/>
+                      <a:headEnd type="none" w="med" len="med"/>
+                      <a:tailEnd type="none" w="med" len="med"/>
+                    </a:lnL>
+                    <a:lnR w="12700" cap="flat" cmpd="sng" algn="ctr">
+                      <a:solidFill>
+                        <a:schemeClr val="tx1"/>
+                      </a:solidFill>
+                      <a:prstDash val="solid"/>
+                      <a:round/>
+                      <a:headEnd type="none" w="med" len="med"/>
+                      <a:tailEnd type="none" w="med" len="med"/>
+                    </a:lnR>
+                    <a:lnT w="12700" cap="flat" cmpd="sng" algn="ctr">
+                      <a:solidFill>
+                        <a:schemeClr val="tx1"/>
+                      </a:solidFill>
+                      <a:prstDash val="solid"/>
+                      <a:round/>
+                      <a:headEnd type="none" w="med" len="med"/>
+                      <a:tailEnd type="none" w="med" len="med"/>
+                    </a:lnT>
+                    <a:lnB w="12700" cap="flat" cmpd="sng" algn="ctr">
+                      <a:solidFill>
+                        <a:schemeClr val="tx1"/>
+                      </a:solidFill>
+                      <a:prstDash val="solid"/>
+                      <a:round/>
+                      <a:headEnd type="none" w="med" len="med"/>
+                      <a:tailEnd type="none" w="med" len="med"/>
+                    </a:lnB>
+                  </a:tcPr>
+                </a:tc>
+                <a:tc>
+                  <a:txBody>
+                    <a:bodyPr/>
+                    <a:lstStyle/>
+                    <a:p>
+                      <a:pPr algn="ctr"/>
+                      <a:r>
+                        <a:rPr kumimoji="1" lang="ja-JP" altLang="en-US" sz="2800" dirty="0"/>
+                        <a:t>ガス</a:t>
+                      </a:r>
+                    </a:p>
+                  </a:txBody>
+                  <a:tcPr>
+                    <a:lnL w="12700" cap="flat" cmpd="sng" algn="ctr">
+                      <a:solidFill>
+                        <a:schemeClr val="tx1"/>
+                      </a:solidFill>
+                      <a:prstDash val="solid"/>
+                      <a:round/>
+                      <a:headEnd type="none" w="med" len="med"/>
+                      <a:tailEnd type="none" w="med" len="med"/>
+                    </a:lnL>
+                    <a:lnR w="12700" cap="flat" cmpd="sng" algn="ctr">
+                      <a:solidFill>
+                        <a:schemeClr val="tx1"/>
+                      </a:solidFill>
+                      <a:prstDash val="solid"/>
+                      <a:round/>
+                      <a:headEnd type="none" w="med" len="med"/>
+                      <a:tailEnd type="none" w="med" len="med"/>
+                    </a:lnR>
+                    <a:lnT w="12700" cap="flat" cmpd="sng" algn="ctr">
+                      <a:solidFill>
+                        <a:schemeClr val="tx1"/>
+                      </a:solidFill>
+                      <a:prstDash val="solid"/>
+                      <a:round/>
+                      <a:headEnd type="none" w="med" len="med"/>
+                      <a:tailEnd type="none" w="med" len="med"/>
+                    </a:lnT>
+                    <a:lnB w="12700" cap="flat" cmpd="sng" algn="ctr">
+                      <a:solidFill>
+                        <a:schemeClr val="tx1"/>
+                      </a:solidFill>
+                      <a:prstDash val="solid"/>
+                      <a:round/>
+                      <a:headEnd type="none" w="med" len="med"/>
+                      <a:tailEnd type="none" w="med" len="med"/>
+                    </a:lnB>
+                  </a:tcPr>
+                </a:tc>
+                <a:extLst>
+                  <a:ext uri="{0D108BD9-81ED-4DB2-BD59-A6C34878D82A}">
+                    <a16:rowId xmlns:a16="http://schemas.microsoft.com/office/drawing/2014/main" val="4119730382"/>
+                  </a:ext>
+                </a:extLst>
+              </a:tr>
+              <a:tr h="370840">
+                <a:tc>
+                  <a:txBody>
+                    <a:bodyPr/>
+                    <a:lstStyle/>
+                    <a:p>
+                      <a:pPr algn="ctr"/>
+                      <a:r>
+                        <a:rPr kumimoji="1" lang="en-US" altLang="ja-JP" sz="2800" dirty="0"/>
+                        <a:t>4</a:t>
+                      </a:r>
+                      <a:endParaRPr kumimoji="1" lang="ja-JP" altLang="en-US" sz="2800" dirty="0"/>
+                    </a:p>
+                  </a:txBody>
+                  <a:tcPr>
+                    <a:lnL w="12700" cap="flat" cmpd="sng" algn="ctr">
+                      <a:solidFill>
+                        <a:schemeClr val="tx1"/>
+                      </a:solidFill>
+                      <a:prstDash val="solid"/>
+                      <a:round/>
+                      <a:headEnd type="none" w="med" len="med"/>
+                      <a:tailEnd type="none" w="med" len="med"/>
+                    </a:lnL>
+                    <a:lnR w="12700" cap="flat" cmpd="sng" algn="ctr">
+                      <a:solidFill>
+                        <a:schemeClr val="tx1"/>
+                      </a:solidFill>
+                      <a:prstDash val="solid"/>
+                      <a:round/>
+                      <a:headEnd type="none" w="med" len="med"/>
+                      <a:tailEnd type="none" w="med" len="med"/>
+                    </a:lnR>
+                    <a:lnT w="12700" cap="flat" cmpd="sng" algn="ctr">
+                      <a:solidFill>
+                        <a:schemeClr val="tx1"/>
+                      </a:solidFill>
+                      <a:prstDash val="solid"/>
+                      <a:round/>
+                      <a:headEnd type="none" w="med" len="med"/>
+                      <a:tailEnd type="none" w="med" len="med"/>
+                    </a:lnT>
+                    <a:lnB w="12700" cap="flat" cmpd="sng" algn="ctr">
+                      <a:solidFill>
+                        <a:schemeClr val="tx1"/>
+                      </a:solidFill>
+                      <a:prstDash val="solid"/>
+                      <a:round/>
+                      <a:headEnd type="none" w="med" len="med"/>
+                      <a:tailEnd type="none" w="med" len="med"/>
+                    </a:lnB>
+                  </a:tcPr>
+                </a:tc>
+                <a:tc>
+                  <a:txBody>
+                    <a:bodyPr/>
+                    <a:lstStyle/>
+                    <a:p>
+                      <a:pPr algn="ctr"/>
+                      <a:r>
+                        <a:rPr kumimoji="1" lang="ja-JP" altLang="en-US" sz="2800" dirty="0"/>
+                        <a:t>濃厚</a:t>
+                      </a:r>
+                    </a:p>
+                  </a:txBody>
+                  <a:tcPr>
+                    <a:lnL w="12700" cap="flat" cmpd="sng" algn="ctr">
+                      <a:solidFill>
+                        <a:schemeClr val="tx1"/>
+                      </a:solidFill>
+                      <a:prstDash val="solid"/>
+                      <a:round/>
+                      <a:headEnd type="none" w="med" len="med"/>
+                      <a:tailEnd type="none" w="med" len="med"/>
+                    </a:lnL>
+                    <a:lnR w="12700" cap="flat" cmpd="sng" algn="ctr">
+                      <a:solidFill>
+                        <a:schemeClr val="tx1"/>
+                      </a:solidFill>
+                      <a:prstDash val="solid"/>
+                      <a:round/>
+                      <a:headEnd type="none" w="med" len="med"/>
+                      <a:tailEnd type="none" w="med" len="med"/>
+                    </a:lnR>
+                    <a:lnT w="12700" cap="flat" cmpd="sng" algn="ctr">
+                      <a:solidFill>
+                        <a:schemeClr val="tx1"/>
+                      </a:solidFill>
+                      <a:prstDash val="solid"/>
+                      <a:round/>
+                      <a:headEnd type="none" w="med" len="med"/>
+                      <a:tailEnd type="none" w="med" len="med"/>
+                    </a:lnT>
+                    <a:lnB w="12700" cap="flat" cmpd="sng" algn="ctr">
+                      <a:solidFill>
+                        <a:schemeClr val="tx1"/>
+                      </a:solidFill>
+                      <a:prstDash val="solid"/>
+                      <a:round/>
+                      <a:headEnd type="none" w="med" len="med"/>
+                      <a:tailEnd type="none" w="med" len="med"/>
+                    </a:lnB>
+                  </a:tcPr>
+                </a:tc>
+                <a:tc>
+                  <a:txBody>
+                    <a:bodyPr/>
+                    <a:lstStyle/>
+                    <a:p>
+                      <a:pPr algn="ctr"/>
+                      <a:r>
+                        <a:rPr kumimoji="1" lang="ja-JP" altLang="en-US" sz="2800" dirty="0"/>
+                        <a:t>カーテン</a:t>
+                      </a:r>
+                    </a:p>
+                  </a:txBody>
+                  <a:tcPr>
+                    <a:lnL w="12700" cap="flat" cmpd="sng" algn="ctr">
+                      <a:solidFill>
+                        <a:schemeClr val="tx1"/>
+                      </a:solidFill>
+                      <a:prstDash val="solid"/>
+                      <a:round/>
+                      <a:headEnd type="none" w="med" len="med"/>
+                      <a:tailEnd type="none" w="med" len="med"/>
+                    </a:lnL>
+                    <a:lnR w="12700" cap="flat" cmpd="sng" algn="ctr">
+                      <a:solidFill>
+                        <a:schemeClr val="tx1"/>
+                      </a:solidFill>
+                      <a:prstDash val="solid"/>
+                      <a:round/>
+                      <a:headEnd type="none" w="med" len="med"/>
+                      <a:tailEnd type="none" w="med" len="med"/>
+                    </a:lnR>
+                    <a:lnT w="12700" cap="flat" cmpd="sng" algn="ctr">
+                      <a:solidFill>
+                        <a:schemeClr val="tx1"/>
+                      </a:solidFill>
+                      <a:prstDash val="solid"/>
+                      <a:round/>
+                      <a:headEnd type="none" w="med" len="med"/>
+                      <a:tailEnd type="none" w="med" len="med"/>
+                    </a:lnT>
+                    <a:lnB w="12700" cap="flat" cmpd="sng" algn="ctr">
+                      <a:solidFill>
+                        <a:schemeClr val="tx1"/>
+                      </a:solidFill>
+                      <a:prstDash val="solid"/>
+                      <a:round/>
+                      <a:headEnd type="none" w="med" len="med"/>
+                      <a:tailEnd type="none" w="med" len="med"/>
+                    </a:lnB>
+                  </a:tcPr>
+                </a:tc>
+                <a:extLst>
+                  <a:ext uri="{0D108BD9-81ED-4DB2-BD59-A6C34878D82A}">
+                    <a16:rowId xmlns:a16="http://schemas.microsoft.com/office/drawing/2014/main" val="1317680345"/>
+                  </a:ext>
+                </a:extLst>
+              </a:tr>
+              <a:tr h="370840">
+                <a:tc>
+                  <a:txBody>
+                    <a:bodyPr/>
+                    <a:lstStyle/>
+                    <a:p>
+                      <a:pPr algn="ctr"/>
+                      <a:r>
+                        <a:rPr kumimoji="1" lang="en-US" altLang="ja-JP" sz="2800" dirty="0"/>
+                        <a:t>5</a:t>
+                      </a:r>
+                      <a:endParaRPr kumimoji="1" lang="ja-JP" altLang="en-US" sz="2800" dirty="0"/>
+                    </a:p>
+                  </a:txBody>
+                  <a:tcPr>
+                    <a:lnL w="12700" cap="flat" cmpd="sng" algn="ctr">
+                      <a:solidFill>
+                        <a:schemeClr val="tx1"/>
+                      </a:solidFill>
+                      <a:prstDash val="solid"/>
+                      <a:round/>
+                      <a:headEnd type="none" w="med" len="med"/>
+                      <a:tailEnd type="none" w="med" len="med"/>
+                    </a:lnL>
+                    <a:lnR w="12700" cap="flat" cmpd="sng" algn="ctr">
+                      <a:solidFill>
+                        <a:schemeClr val="tx1"/>
+                      </a:solidFill>
+                      <a:prstDash val="solid"/>
+                      <a:round/>
+                      <a:headEnd type="none" w="med" len="med"/>
+                      <a:tailEnd type="none" w="med" len="med"/>
+                    </a:lnR>
+                    <a:lnT w="12700" cap="flat" cmpd="sng" algn="ctr">
+                      <a:solidFill>
+                        <a:schemeClr val="tx1"/>
+                      </a:solidFill>
+                      <a:prstDash val="solid"/>
+                      <a:round/>
+                      <a:headEnd type="none" w="med" len="med"/>
+                      <a:tailEnd type="none" w="med" len="med"/>
+                    </a:lnT>
+                    <a:lnB w="12700" cap="flat" cmpd="sng" algn="ctr">
+                      <a:solidFill>
+                        <a:schemeClr val="tx1"/>
+                      </a:solidFill>
+                      <a:prstDash val="solid"/>
+                      <a:round/>
+                      <a:headEnd type="none" w="med" len="med"/>
+                      <a:tailEnd type="none" w="med" len="med"/>
+                    </a:lnB>
+                  </a:tcPr>
+                </a:tc>
+                <a:tc>
+                  <a:txBody>
+                    <a:bodyPr/>
+                    <a:lstStyle/>
+                    <a:p>
+                      <a:pPr algn="ctr"/>
+                      <a:r>
+                        <a:rPr kumimoji="1" lang="ja-JP" altLang="en-US" sz="2800" dirty="0"/>
+                        <a:t>ヒカキン</a:t>
+                      </a:r>
+                    </a:p>
+                  </a:txBody>
+                  <a:tcPr>
+                    <a:lnL w="12700" cap="flat" cmpd="sng" algn="ctr">
+                      <a:solidFill>
+                        <a:schemeClr val="tx1"/>
+                      </a:solidFill>
+                      <a:prstDash val="solid"/>
+                      <a:round/>
+                      <a:headEnd type="none" w="med" len="med"/>
+                      <a:tailEnd type="none" w="med" len="med"/>
+                    </a:lnL>
+                    <a:lnR w="12700" cap="flat" cmpd="sng" algn="ctr">
+                      <a:solidFill>
+                        <a:schemeClr val="tx1"/>
+                      </a:solidFill>
+                      <a:prstDash val="solid"/>
+                      <a:round/>
+                      <a:headEnd type="none" w="med" len="med"/>
+                      <a:tailEnd type="none" w="med" len="med"/>
+                    </a:lnR>
+                    <a:lnT w="12700" cap="flat" cmpd="sng" algn="ctr">
+                      <a:solidFill>
+                        <a:schemeClr val="tx1"/>
+                      </a:solidFill>
+                      <a:prstDash val="solid"/>
+                      <a:round/>
+                      <a:headEnd type="none" w="med" len="med"/>
+                      <a:tailEnd type="none" w="med" len="med"/>
+                    </a:lnT>
+                    <a:lnB w="12700" cap="flat" cmpd="sng" algn="ctr">
+                      <a:solidFill>
+                        <a:schemeClr val="tx1"/>
+                      </a:solidFill>
+                      <a:prstDash val="solid"/>
+                      <a:round/>
+                      <a:headEnd type="none" w="med" len="med"/>
+                      <a:tailEnd type="none" w="med" len="med"/>
+                    </a:lnB>
+                  </a:tcPr>
+                </a:tc>
+                <a:tc>
+                  <a:txBody>
+                    <a:bodyPr/>
+                    <a:lstStyle/>
+                    <a:p>
+                      <a:pPr algn="ctr"/>
+                      <a:r>
+                        <a:rPr kumimoji="1" lang="ja-JP" altLang="en-US" sz="2800" dirty="0"/>
+                        <a:t>温度</a:t>
+                      </a:r>
+                    </a:p>
+                  </a:txBody>
+                  <a:tcPr>
+                    <a:lnL w="12700" cap="flat" cmpd="sng" algn="ctr">
+                      <a:solidFill>
+                        <a:schemeClr val="tx1"/>
+                      </a:solidFill>
+                      <a:prstDash val="solid"/>
+                      <a:round/>
+                      <a:headEnd type="none" w="med" len="med"/>
+                      <a:tailEnd type="none" w="med" len="med"/>
+                    </a:lnL>
+                    <a:lnR w="12700" cap="flat" cmpd="sng" algn="ctr">
+                      <a:solidFill>
+                        <a:schemeClr val="tx1"/>
+                      </a:solidFill>
+                      <a:prstDash val="solid"/>
+                      <a:round/>
+                      <a:headEnd type="none" w="med" len="med"/>
+                      <a:tailEnd type="none" w="med" len="med"/>
+                    </a:lnR>
+                    <a:lnT w="12700" cap="flat" cmpd="sng" algn="ctr">
+                      <a:solidFill>
+                        <a:schemeClr val="tx1"/>
+                      </a:solidFill>
+                      <a:prstDash val="solid"/>
+                      <a:round/>
+                      <a:headEnd type="none" w="med" len="med"/>
+                      <a:tailEnd type="none" w="med" len="med"/>
+                    </a:lnT>
+                    <a:lnB w="12700" cap="flat" cmpd="sng" algn="ctr">
+                      <a:solidFill>
+                        <a:schemeClr val="tx1"/>
+                      </a:solidFill>
+                      <a:prstDash val="solid"/>
+                      <a:round/>
+                      <a:headEnd type="none" w="med" len="med"/>
+                      <a:tailEnd type="none" w="med" len="med"/>
+                    </a:lnB>
+                  </a:tcPr>
+                </a:tc>
+                <a:extLst>
+                  <a:ext uri="{0D108BD9-81ED-4DB2-BD59-A6C34878D82A}">
+                    <a16:rowId xmlns:a16="http://schemas.microsoft.com/office/drawing/2014/main" val="3929253351"/>
+                  </a:ext>
+                </a:extLst>
+              </a:tr>
+              <a:tr h="370840">
+                <a:tc>
+                  <a:txBody>
+                    <a:bodyPr/>
+                    <a:lstStyle/>
+                    <a:p>
+                      <a:pPr algn="ctr"/>
+                      <a:r>
+                        <a:rPr kumimoji="1" lang="en-US" altLang="ja-JP" sz="2800" dirty="0"/>
+                        <a:t>6</a:t>
+                      </a:r>
+                      <a:endParaRPr kumimoji="1" lang="ja-JP" altLang="en-US" sz="2800" dirty="0"/>
+                    </a:p>
+                  </a:txBody>
+                  <a:tcPr>
+                    <a:lnL w="12700" cap="flat" cmpd="sng" algn="ctr">
+                      <a:solidFill>
+                        <a:schemeClr val="tx1"/>
+                      </a:solidFill>
+                      <a:prstDash val="solid"/>
+                      <a:round/>
+                      <a:headEnd type="none" w="med" len="med"/>
+                      <a:tailEnd type="none" w="med" len="med"/>
+                    </a:lnL>
+                    <a:lnR w="12700" cap="flat" cmpd="sng" algn="ctr">
+                      <a:solidFill>
+                        <a:schemeClr val="tx1"/>
+                      </a:solidFill>
+                      <a:prstDash val="solid"/>
+                      <a:round/>
+                      <a:headEnd type="none" w="med" len="med"/>
+                      <a:tailEnd type="none" w="med" len="med"/>
+                    </a:lnR>
+                    <a:lnT w="12700" cap="flat" cmpd="sng" algn="ctr">
+                      <a:solidFill>
+                        <a:schemeClr val="tx1"/>
+                      </a:solidFill>
+                      <a:prstDash val="solid"/>
+                      <a:round/>
+                      <a:headEnd type="none" w="med" len="med"/>
+                      <a:tailEnd type="none" w="med" len="med"/>
+                    </a:lnT>
+                    <a:lnB w="12700" cap="flat" cmpd="sng" algn="ctr">
+                      <a:solidFill>
+                        <a:schemeClr val="tx1"/>
+                      </a:solidFill>
+                      <a:prstDash val="solid"/>
+                      <a:round/>
+                      <a:headEnd type="none" w="med" len="med"/>
+                      <a:tailEnd type="none" w="med" len="med"/>
+                    </a:lnB>
+                  </a:tcPr>
+                </a:tc>
+                <a:tc>
+                  <a:txBody>
+                    <a:bodyPr/>
+                    <a:lstStyle/>
+                    <a:p>
+                      <a:pPr algn="ctr"/>
+                      <a:r>
+                        <a:rPr kumimoji="1" lang="ja-JP" altLang="en-US" sz="2800" dirty="0"/>
+                        <a:t>入っ</a:t>
+                      </a:r>
+                    </a:p>
+                  </a:txBody>
+                  <a:tcPr>
+                    <a:lnL w="12700" cap="flat" cmpd="sng" algn="ctr">
+                      <a:solidFill>
+                        <a:schemeClr val="tx1"/>
+                      </a:solidFill>
+                      <a:prstDash val="solid"/>
+                      <a:round/>
+                      <a:headEnd type="none" w="med" len="med"/>
+                      <a:tailEnd type="none" w="med" len="med"/>
+                    </a:lnL>
+                    <a:lnR w="12700" cap="flat" cmpd="sng" algn="ctr">
+                      <a:solidFill>
+                        <a:schemeClr val="tx1"/>
+                      </a:solidFill>
+                      <a:prstDash val="solid"/>
+                      <a:round/>
+                      <a:headEnd type="none" w="med" len="med"/>
+                      <a:tailEnd type="none" w="med" len="med"/>
+                    </a:lnR>
+                    <a:lnT w="12700" cap="flat" cmpd="sng" algn="ctr">
+                      <a:solidFill>
+                        <a:schemeClr val="tx1"/>
+                      </a:solidFill>
+                      <a:prstDash val="solid"/>
+                      <a:round/>
+                      <a:headEnd type="none" w="med" len="med"/>
+                      <a:tailEnd type="none" w="med" len="med"/>
+                    </a:lnT>
+                    <a:lnB w="12700" cap="flat" cmpd="sng" algn="ctr">
+                      <a:solidFill>
+                        <a:schemeClr val="tx1"/>
+                      </a:solidFill>
+                      <a:prstDash val="solid"/>
+                      <a:round/>
+                      <a:headEnd type="none" w="med" len="med"/>
+                      <a:tailEnd type="none" w="med" len="med"/>
+                    </a:lnB>
+                  </a:tcPr>
+                </a:tc>
+                <a:tc>
+                  <a:txBody>
+                    <a:bodyPr/>
+                    <a:lstStyle/>
+                    <a:p>
+                      <a:pPr algn="ctr"/>
+                      <a:r>
+                        <a:rPr kumimoji="1" lang="ja-JP" altLang="en-US" sz="2800" dirty="0"/>
+                        <a:t>安く</a:t>
+                      </a:r>
+                    </a:p>
+                  </a:txBody>
+                  <a:tcPr>
+                    <a:lnL w="12700" cap="flat" cmpd="sng" algn="ctr">
+                      <a:solidFill>
+                        <a:schemeClr val="tx1"/>
+                      </a:solidFill>
+                      <a:prstDash val="solid"/>
+                      <a:round/>
+                      <a:headEnd type="none" w="med" len="med"/>
+                      <a:tailEnd type="none" w="med" len="med"/>
+                    </a:lnL>
+                    <a:lnR w="12700" cap="flat" cmpd="sng" algn="ctr">
+                      <a:solidFill>
+                        <a:schemeClr val="tx1"/>
+                      </a:solidFill>
+                      <a:prstDash val="solid"/>
+                      <a:round/>
+                      <a:headEnd type="none" w="med" len="med"/>
+                      <a:tailEnd type="none" w="med" len="med"/>
+                    </a:lnR>
+                    <a:lnT w="12700" cap="flat" cmpd="sng" algn="ctr">
+                      <a:solidFill>
+                        <a:schemeClr val="tx1"/>
+                      </a:solidFill>
+                      <a:prstDash val="solid"/>
+                      <a:round/>
+                      <a:headEnd type="none" w="med" len="med"/>
+                      <a:tailEnd type="none" w="med" len="med"/>
+                    </a:lnT>
+                    <a:lnB w="12700" cap="flat" cmpd="sng" algn="ctr">
+                      <a:solidFill>
+                        <a:schemeClr val="tx1"/>
+                      </a:solidFill>
+                      <a:prstDash val="solid"/>
+                      <a:round/>
+                      <a:headEnd type="none" w="med" len="med"/>
+                      <a:tailEnd type="none" w="med" len="med"/>
+                    </a:lnB>
+                  </a:tcPr>
+                </a:tc>
+                <a:extLst>
+                  <a:ext uri="{0D108BD9-81ED-4DB2-BD59-A6C34878D82A}">
+                    <a16:rowId xmlns:a16="http://schemas.microsoft.com/office/drawing/2014/main" val="1988055929"/>
+                  </a:ext>
+                </a:extLst>
+              </a:tr>
+              <a:tr h="370840">
+                <a:tc>
+                  <a:txBody>
+                    <a:bodyPr/>
+                    <a:lstStyle/>
+                    <a:p>
+                      <a:pPr algn="ctr"/>
+                      <a:r>
+                        <a:rPr kumimoji="1" lang="en-US" altLang="ja-JP" sz="2800" dirty="0"/>
+                        <a:t>7</a:t>
+                      </a:r>
+                    </a:p>
+                  </a:txBody>
+                  <a:tcPr>
+                    <a:lnL w="12700" cap="flat" cmpd="sng" algn="ctr">
+                      <a:solidFill>
+                        <a:schemeClr val="tx1"/>
+                      </a:solidFill>
+                      <a:prstDash val="solid"/>
+                      <a:round/>
+                      <a:headEnd type="none" w="med" len="med"/>
+                      <a:tailEnd type="none" w="med" len="med"/>
+                    </a:lnL>
+                    <a:lnR w="12700" cap="flat" cmpd="sng" algn="ctr">
+                      <a:solidFill>
+                        <a:schemeClr val="tx1"/>
+                      </a:solidFill>
+                      <a:prstDash val="solid"/>
+                      <a:round/>
+                      <a:headEnd type="none" w="med" len="med"/>
+                      <a:tailEnd type="none" w="med" len="med"/>
+                    </a:lnR>
+                    <a:lnT w="12700" cap="flat" cmpd="sng" algn="ctr">
+                      <a:solidFill>
+                        <a:schemeClr val="tx1"/>
+                      </a:solidFill>
+                      <a:prstDash val="solid"/>
+                      <a:round/>
+                      <a:headEnd type="none" w="med" len="med"/>
+                      <a:tailEnd type="none" w="med" len="med"/>
+                    </a:lnT>
+                    <a:lnB w="12700" cap="flat" cmpd="sng" algn="ctr">
+                      <a:solidFill>
+                        <a:schemeClr val="tx1"/>
+                      </a:solidFill>
+                      <a:prstDash val="solid"/>
+                      <a:round/>
+                      <a:headEnd type="none" w="med" len="med"/>
+                      <a:tailEnd type="none" w="med" len="med"/>
+                    </a:lnB>
+                  </a:tcPr>
+                </a:tc>
+                <a:tc>
+                  <a:txBody>
+                    <a:bodyPr/>
+                    <a:lstStyle/>
+                    <a:p>
+                      <a:pPr algn="ctr"/>
+                      <a:r>
+                        <a:rPr kumimoji="1" lang="ja-JP" altLang="en-US" sz="2800" dirty="0"/>
+                        <a:t>好き</a:t>
+                      </a:r>
+                    </a:p>
+                  </a:txBody>
+                  <a:tcPr>
+                    <a:lnL w="12700" cap="flat" cmpd="sng" algn="ctr">
+                      <a:solidFill>
+                        <a:schemeClr val="tx1"/>
+                      </a:solidFill>
+                      <a:prstDash val="solid"/>
+                      <a:round/>
+                      <a:headEnd type="none" w="med" len="med"/>
+                      <a:tailEnd type="none" w="med" len="med"/>
+                    </a:lnL>
+                    <a:lnR w="12700" cap="flat" cmpd="sng" algn="ctr">
+                      <a:solidFill>
+                        <a:schemeClr val="tx1"/>
+                      </a:solidFill>
+                      <a:prstDash val="solid"/>
+                      <a:round/>
+                      <a:headEnd type="none" w="med" len="med"/>
+                      <a:tailEnd type="none" w="med" len="med"/>
+                    </a:lnR>
+                    <a:lnT w="12700" cap="flat" cmpd="sng" algn="ctr">
+                      <a:solidFill>
+                        <a:schemeClr val="tx1"/>
+                      </a:solidFill>
+                      <a:prstDash val="solid"/>
+                      <a:round/>
+                      <a:headEnd type="none" w="med" len="med"/>
+                      <a:tailEnd type="none" w="med" len="med"/>
+                    </a:lnT>
+                    <a:lnB w="12700" cap="flat" cmpd="sng" algn="ctr">
+                      <a:solidFill>
+                        <a:schemeClr val="tx1"/>
+                      </a:solidFill>
+                      <a:prstDash val="solid"/>
+                      <a:round/>
+                      <a:headEnd type="none" w="med" len="med"/>
+                      <a:tailEnd type="none" w="med" len="med"/>
+                    </a:lnB>
+                  </a:tcPr>
+                </a:tc>
+                <a:tc>
+                  <a:txBody>
+                    <a:bodyPr/>
+                    <a:lstStyle/>
+                    <a:p>
+                      <a:pPr algn="ctr"/>
+                      <a:r>
+                        <a:rPr kumimoji="1" lang="ja-JP" altLang="en-US" sz="2800" dirty="0"/>
+                        <a:t>部屋</a:t>
+                      </a:r>
+                    </a:p>
+                  </a:txBody>
+                  <a:tcPr>
+                    <a:lnL w="12700" cap="flat" cmpd="sng" algn="ctr">
+                      <a:solidFill>
+                        <a:schemeClr val="tx1"/>
+                      </a:solidFill>
+                      <a:prstDash val="solid"/>
+                      <a:round/>
+                      <a:headEnd type="none" w="med" len="med"/>
+                      <a:tailEnd type="none" w="med" len="med"/>
+                    </a:lnL>
+                    <a:lnR w="12700" cap="flat" cmpd="sng" algn="ctr">
+                      <a:solidFill>
+                        <a:schemeClr val="tx1"/>
+                      </a:solidFill>
+                      <a:prstDash val="solid"/>
+                      <a:round/>
+                      <a:headEnd type="none" w="med" len="med"/>
+                      <a:tailEnd type="none" w="med" len="med"/>
+                    </a:lnR>
+                    <a:lnT w="12700" cap="flat" cmpd="sng" algn="ctr">
+                      <a:solidFill>
+                        <a:schemeClr val="tx1"/>
+                      </a:solidFill>
+                      <a:prstDash val="solid"/>
+                      <a:round/>
+                      <a:headEnd type="none" w="med" len="med"/>
+                      <a:tailEnd type="none" w="med" len="med"/>
+                    </a:lnT>
+                    <a:lnB w="12700" cap="flat" cmpd="sng" algn="ctr">
+                      <a:solidFill>
+                        <a:schemeClr val="tx1"/>
+                      </a:solidFill>
+                      <a:prstDash val="solid"/>
+                      <a:round/>
+                      <a:headEnd type="none" w="med" len="med"/>
+                      <a:tailEnd type="none" w="med" len="med"/>
+                    </a:lnB>
+                  </a:tcPr>
+                </a:tc>
+                <a:extLst>
+                  <a:ext uri="{0D108BD9-81ED-4DB2-BD59-A6C34878D82A}">
+                    <a16:rowId xmlns:a16="http://schemas.microsoft.com/office/drawing/2014/main" val="999059041"/>
+                  </a:ext>
+                </a:extLst>
+              </a:tr>
+              <a:tr h="370840">
+                <a:tc>
+                  <a:txBody>
+                    <a:bodyPr/>
+                    <a:lstStyle/>
+                    <a:p>
+                      <a:pPr algn="ctr"/>
+                      <a:r>
+                        <a:rPr kumimoji="1" lang="en-US" altLang="ja-JP" sz="2800" dirty="0"/>
+                        <a:t>8</a:t>
+                      </a:r>
+                    </a:p>
+                  </a:txBody>
+                  <a:tcPr>
+                    <a:lnL w="12700" cap="flat" cmpd="sng" algn="ctr">
+                      <a:solidFill>
+                        <a:schemeClr val="tx1"/>
+                      </a:solidFill>
+                      <a:prstDash val="solid"/>
+                      <a:round/>
+                      <a:headEnd type="none" w="med" len="med"/>
+                      <a:tailEnd type="none" w="med" len="med"/>
+                    </a:lnL>
+                    <a:lnR w="12700" cap="flat" cmpd="sng" algn="ctr">
+                      <a:solidFill>
+                        <a:schemeClr val="tx1"/>
+                      </a:solidFill>
+                      <a:prstDash val="solid"/>
+                      <a:round/>
+                      <a:headEnd type="none" w="med" len="med"/>
+                      <a:tailEnd type="none" w="med" len="med"/>
+                    </a:lnR>
+                    <a:lnT w="12700" cap="flat" cmpd="sng" algn="ctr">
+                      <a:solidFill>
+                        <a:schemeClr val="tx1"/>
+                      </a:solidFill>
+                      <a:prstDash val="solid"/>
+                      <a:round/>
+                      <a:headEnd type="none" w="med" len="med"/>
+                      <a:tailEnd type="none" w="med" len="med"/>
+                    </a:lnT>
+                    <a:lnB w="12700" cap="flat" cmpd="sng" algn="ctr">
+                      <a:solidFill>
+                        <a:schemeClr val="tx1"/>
+                      </a:solidFill>
+                      <a:prstDash val="solid"/>
+                      <a:round/>
+                      <a:headEnd type="none" w="med" len="med"/>
+                      <a:tailEnd type="none" w="med" len="med"/>
+                    </a:lnB>
+                  </a:tcPr>
+                </a:tc>
+                <a:tc>
+                  <a:txBody>
+                    <a:bodyPr/>
+                    <a:lstStyle/>
+                    <a:p>
+                      <a:pPr algn="ctr"/>
+                      <a:r>
+                        <a:rPr kumimoji="1" lang="ja-JP" altLang="en-US" sz="2800" dirty="0"/>
+                        <a:t>買う</a:t>
+                      </a:r>
+                    </a:p>
+                  </a:txBody>
+                  <a:tcPr>
+                    <a:lnL w="12700" cap="flat" cmpd="sng" algn="ctr">
+                      <a:solidFill>
+                        <a:schemeClr val="tx1"/>
+                      </a:solidFill>
+                      <a:prstDash val="solid"/>
+                      <a:round/>
+                      <a:headEnd type="none" w="med" len="med"/>
+                      <a:tailEnd type="none" w="med" len="med"/>
+                    </a:lnL>
+                    <a:lnR w="12700" cap="flat" cmpd="sng" algn="ctr">
+                      <a:solidFill>
+                        <a:schemeClr val="tx1"/>
+                      </a:solidFill>
+                      <a:prstDash val="solid"/>
+                      <a:round/>
+                      <a:headEnd type="none" w="med" len="med"/>
+                      <a:tailEnd type="none" w="med" len="med"/>
+                    </a:lnR>
+                    <a:lnT w="12700" cap="flat" cmpd="sng" algn="ctr">
+                      <a:solidFill>
+                        <a:schemeClr val="tx1"/>
+                      </a:solidFill>
+                      <a:prstDash val="solid"/>
+                      <a:round/>
+                      <a:headEnd type="none" w="med" len="med"/>
+                      <a:tailEnd type="none" w="med" len="med"/>
+                    </a:lnT>
+                    <a:lnB w="12700" cap="flat" cmpd="sng" algn="ctr">
+                      <a:solidFill>
+                        <a:schemeClr val="tx1"/>
+                      </a:solidFill>
+                      <a:prstDash val="solid"/>
+                      <a:round/>
+                      <a:headEnd type="none" w="med" len="med"/>
+                      <a:tailEnd type="none" w="med" len="med"/>
+                    </a:lnB>
+                  </a:tcPr>
+                </a:tc>
+                <a:tc>
+                  <a:txBody>
+                    <a:bodyPr/>
+                    <a:lstStyle/>
+                    <a:p>
+                      <a:pPr algn="ctr"/>
+                      <a:r>
+                        <a:rPr kumimoji="1" lang="ja-JP" altLang="en-US" sz="2800" dirty="0"/>
+                        <a:t>使う</a:t>
+                      </a:r>
+                    </a:p>
+                  </a:txBody>
+                  <a:tcPr>
+                    <a:lnL w="12700" cap="flat" cmpd="sng" algn="ctr">
+                      <a:solidFill>
+                        <a:schemeClr val="tx1"/>
+                      </a:solidFill>
+                      <a:prstDash val="solid"/>
+                      <a:round/>
+                      <a:headEnd type="none" w="med" len="med"/>
+                      <a:tailEnd type="none" w="med" len="med"/>
+                    </a:lnL>
+                    <a:lnR w="12700" cap="flat" cmpd="sng" algn="ctr">
+                      <a:solidFill>
+                        <a:schemeClr val="tx1"/>
+                      </a:solidFill>
+                      <a:prstDash val="solid"/>
+                      <a:round/>
+                      <a:headEnd type="none" w="med" len="med"/>
+                      <a:tailEnd type="none" w="med" len="med"/>
+                    </a:lnR>
+                    <a:lnT w="12700" cap="flat" cmpd="sng" algn="ctr">
+                      <a:solidFill>
+                        <a:schemeClr val="tx1"/>
+                      </a:solidFill>
+                      <a:prstDash val="solid"/>
+                      <a:round/>
+                      <a:headEnd type="none" w="med" len="med"/>
+                      <a:tailEnd type="none" w="med" len="med"/>
+                    </a:lnT>
+                    <a:lnB w="12700" cap="flat" cmpd="sng" algn="ctr">
+                      <a:solidFill>
+                        <a:schemeClr val="tx1"/>
+                      </a:solidFill>
+                      <a:prstDash val="solid"/>
+                      <a:round/>
+                      <a:headEnd type="none" w="med" len="med"/>
+                      <a:tailEnd type="none" w="med" len="med"/>
+                    </a:lnB>
+                  </a:tcPr>
+                </a:tc>
+                <a:extLst>
+                  <a:ext uri="{0D108BD9-81ED-4DB2-BD59-A6C34878D82A}">
+                    <a16:rowId xmlns:a16="http://schemas.microsoft.com/office/drawing/2014/main" val="346756204"/>
+                  </a:ext>
+                </a:extLst>
+              </a:tr>
+              <a:tr h="370840">
+                <a:tc>
+                  <a:txBody>
+                    <a:bodyPr/>
+                    <a:lstStyle/>
+                    <a:p>
+                      <a:pPr algn="ctr"/>
+                      <a:r>
+                        <a:rPr kumimoji="1" lang="en-US" altLang="ja-JP" sz="2800" dirty="0"/>
+                        <a:t>9</a:t>
+                      </a:r>
+                    </a:p>
+                  </a:txBody>
+                  <a:tcPr>
+                    <a:lnL w="12700" cap="flat" cmpd="sng" algn="ctr">
+                      <a:solidFill>
+                        <a:schemeClr val="tx1"/>
+                      </a:solidFill>
+                      <a:prstDash val="solid"/>
+                      <a:round/>
+                      <a:headEnd type="none" w="med" len="med"/>
+                      <a:tailEnd type="none" w="med" len="med"/>
+                    </a:lnL>
+                    <a:lnR w="12700" cap="flat" cmpd="sng" algn="ctr">
+                      <a:solidFill>
+                        <a:schemeClr val="tx1"/>
+                      </a:solidFill>
+                      <a:prstDash val="solid"/>
+                      <a:round/>
+                      <a:headEnd type="none" w="med" len="med"/>
+                      <a:tailEnd type="none" w="med" len="med"/>
+                    </a:lnR>
+                    <a:lnT w="12700" cap="flat" cmpd="sng" algn="ctr">
+                      <a:solidFill>
+                        <a:schemeClr val="tx1"/>
+                      </a:solidFill>
+                      <a:prstDash val="solid"/>
+                      <a:round/>
+                      <a:headEnd type="none" w="med" len="med"/>
+                      <a:tailEnd type="none" w="med" len="med"/>
+                    </a:lnT>
+                    <a:lnB w="12700" cap="flat" cmpd="sng" algn="ctr">
+                      <a:solidFill>
+                        <a:schemeClr val="tx1"/>
+                      </a:solidFill>
+                      <a:prstDash val="solid"/>
+                      <a:round/>
+                      <a:headEnd type="none" w="med" len="med"/>
+                      <a:tailEnd type="none" w="med" len="med"/>
+                    </a:lnB>
+                  </a:tcPr>
+                </a:tc>
+                <a:tc>
+                  <a:txBody>
+                    <a:bodyPr/>
+                    <a:lstStyle/>
+                    <a:p>
+                      <a:pPr algn="ctr"/>
+                      <a:r>
+                        <a:rPr kumimoji="1" lang="ja-JP" altLang="en-US" sz="2800" dirty="0"/>
+                        <a:t>美味し</a:t>
+                      </a:r>
+                    </a:p>
+                  </a:txBody>
+                  <a:tcPr>
+                    <a:lnL w="12700" cap="flat" cmpd="sng" algn="ctr">
+                      <a:solidFill>
+                        <a:schemeClr val="tx1"/>
+                      </a:solidFill>
+                      <a:prstDash val="solid"/>
+                      <a:round/>
+                      <a:headEnd type="none" w="med" len="med"/>
+                      <a:tailEnd type="none" w="med" len="med"/>
+                    </a:lnL>
+                    <a:lnR w="12700" cap="flat" cmpd="sng" algn="ctr">
+                      <a:solidFill>
+                        <a:schemeClr val="tx1"/>
+                      </a:solidFill>
+                      <a:prstDash val="solid"/>
+                      <a:round/>
+                      <a:headEnd type="none" w="med" len="med"/>
+                      <a:tailEnd type="none" w="med" len="med"/>
+                    </a:lnR>
+                    <a:lnT w="12700" cap="flat" cmpd="sng" algn="ctr">
+                      <a:solidFill>
+                        <a:schemeClr val="tx1"/>
+                      </a:solidFill>
+                      <a:prstDash val="solid"/>
+                      <a:round/>
+                      <a:headEnd type="none" w="med" len="med"/>
+                      <a:tailEnd type="none" w="med" len="med"/>
+                    </a:lnT>
+                    <a:lnB w="12700" cap="flat" cmpd="sng" algn="ctr">
+                      <a:solidFill>
+                        <a:schemeClr val="tx1"/>
+                      </a:solidFill>
+                      <a:prstDash val="solid"/>
+                      <a:round/>
+                      <a:headEnd type="none" w="med" len="med"/>
+                      <a:tailEnd type="none" w="med" len="med"/>
+                    </a:lnB>
+                  </a:tcPr>
+                </a:tc>
+                <a:tc>
+                  <a:txBody>
+                    <a:bodyPr/>
+                    <a:lstStyle/>
+                    <a:p>
+                      <a:pPr algn="ctr"/>
+                      <a:r>
+                        <a:rPr kumimoji="1" lang="ja-JP" altLang="en-US" sz="2800" dirty="0"/>
+                        <a:t>カズさん</a:t>
+                      </a:r>
+                    </a:p>
+                  </a:txBody>
+                  <a:tcPr>
+                    <a:lnL w="12700" cap="flat" cmpd="sng" algn="ctr">
+                      <a:solidFill>
+                        <a:schemeClr val="tx1"/>
+                      </a:solidFill>
+                      <a:prstDash val="solid"/>
+                      <a:round/>
+                      <a:headEnd type="none" w="med" len="med"/>
+                      <a:tailEnd type="none" w="med" len="med"/>
+                    </a:lnL>
+                    <a:lnR w="12700" cap="flat" cmpd="sng" algn="ctr">
+                      <a:solidFill>
+                        <a:schemeClr val="tx1"/>
+                      </a:solidFill>
+                      <a:prstDash val="solid"/>
+                      <a:round/>
+                      <a:headEnd type="none" w="med" len="med"/>
+                      <a:tailEnd type="none" w="med" len="med"/>
+                    </a:lnR>
+                    <a:lnT w="12700" cap="flat" cmpd="sng" algn="ctr">
+                      <a:solidFill>
+                        <a:schemeClr val="tx1"/>
+                      </a:solidFill>
+                      <a:prstDash val="solid"/>
+                      <a:round/>
+                      <a:headEnd type="none" w="med" len="med"/>
+                      <a:tailEnd type="none" w="med" len="med"/>
+                    </a:lnT>
+                    <a:lnB w="12700" cap="flat" cmpd="sng" algn="ctr">
+                      <a:solidFill>
+                        <a:schemeClr val="tx1"/>
+                      </a:solidFill>
+                      <a:prstDash val="solid"/>
+                      <a:round/>
+                      <a:headEnd type="none" w="med" len="med"/>
+                      <a:tailEnd type="none" w="med" len="med"/>
+                    </a:lnB>
+                  </a:tcPr>
+                </a:tc>
+                <a:extLst>
+                  <a:ext uri="{0D108BD9-81ED-4DB2-BD59-A6C34878D82A}">
+                    <a16:rowId xmlns:a16="http://schemas.microsoft.com/office/drawing/2014/main" val="315138341"/>
+                  </a:ext>
+                </a:extLst>
+              </a:tr>
+              <a:tr h="370840">
+                <a:tc>
+                  <a:txBody>
+                    <a:bodyPr/>
+                    <a:lstStyle/>
+                    <a:p>
+                      <a:pPr algn="ctr"/>
+                      <a:r>
+                        <a:rPr kumimoji="1" lang="en-US" altLang="ja-JP" sz="2800" dirty="0"/>
+                        <a:t>10</a:t>
+                      </a:r>
+                    </a:p>
+                  </a:txBody>
+                  <a:tcPr>
+                    <a:lnL w="12700" cap="flat" cmpd="sng" algn="ctr">
+                      <a:solidFill>
+                        <a:schemeClr val="tx1"/>
+                      </a:solidFill>
+                      <a:prstDash val="solid"/>
+                      <a:round/>
+                      <a:headEnd type="none" w="med" len="med"/>
+                      <a:tailEnd type="none" w="med" len="med"/>
+                    </a:lnL>
+                    <a:lnR w="12700" cap="flat" cmpd="sng" algn="ctr">
+                      <a:solidFill>
+                        <a:schemeClr val="tx1"/>
+                      </a:solidFill>
+                      <a:prstDash val="solid"/>
+                      <a:round/>
+                      <a:headEnd type="none" w="med" len="med"/>
+                      <a:tailEnd type="none" w="med" len="med"/>
+                    </a:lnR>
+                    <a:lnT w="12700" cap="flat" cmpd="sng" algn="ctr">
+                      <a:solidFill>
+                        <a:schemeClr val="tx1"/>
+                      </a:solidFill>
+                      <a:prstDash val="solid"/>
+                      <a:round/>
+                      <a:headEnd type="none" w="med" len="med"/>
+                      <a:tailEnd type="none" w="med" len="med"/>
+                    </a:lnT>
+                    <a:lnB w="12700" cap="flat" cmpd="sng" algn="ctr">
+                      <a:solidFill>
+                        <a:schemeClr val="tx1"/>
+                      </a:solidFill>
+                      <a:prstDash val="solid"/>
+                      <a:round/>
+                      <a:headEnd type="none" w="med" len="med"/>
+                      <a:tailEnd type="none" w="med" len="med"/>
+                    </a:lnB>
+                  </a:tcPr>
+                </a:tc>
+                <a:tc>
+                  <a:txBody>
+                    <a:bodyPr/>
+                    <a:lstStyle/>
+                    <a:p>
+                      <a:pPr algn="ctr"/>
+                      <a:r>
+                        <a:rPr kumimoji="1" lang="ja-JP" altLang="en-US" sz="2800" dirty="0"/>
+                        <a:t>笑顔</a:t>
+                      </a:r>
+                    </a:p>
+                  </a:txBody>
+                  <a:tcPr>
+                    <a:lnL w="12700" cap="flat" cmpd="sng" algn="ctr">
+                      <a:solidFill>
+                        <a:schemeClr val="tx1"/>
+                      </a:solidFill>
+                      <a:prstDash val="solid"/>
+                      <a:round/>
+                      <a:headEnd type="none" w="med" len="med"/>
+                      <a:tailEnd type="none" w="med" len="med"/>
+                    </a:lnL>
+                    <a:lnR w="12700" cap="flat" cmpd="sng" algn="ctr">
+                      <a:solidFill>
+                        <a:schemeClr val="tx1"/>
+                      </a:solidFill>
+                      <a:prstDash val="solid"/>
+                      <a:round/>
+                      <a:headEnd type="none" w="med" len="med"/>
+                      <a:tailEnd type="none" w="med" len="med"/>
+                    </a:lnR>
+                    <a:lnT w="12700" cap="flat" cmpd="sng" algn="ctr">
+                      <a:solidFill>
+                        <a:schemeClr val="tx1"/>
+                      </a:solidFill>
+                      <a:prstDash val="solid"/>
+                      <a:round/>
+                      <a:headEnd type="none" w="med" len="med"/>
+                      <a:tailEnd type="none" w="med" len="med"/>
+                    </a:lnT>
+                    <a:lnB w="12700" cap="flat" cmpd="sng" algn="ctr">
+                      <a:solidFill>
+                        <a:schemeClr val="tx1"/>
+                      </a:solidFill>
+                      <a:prstDash val="solid"/>
+                      <a:round/>
+                      <a:headEnd type="none" w="med" len="med"/>
+                      <a:tailEnd type="none" w="med" len="med"/>
+                    </a:lnB>
+                  </a:tcPr>
+                </a:tc>
+                <a:tc>
+                  <a:txBody>
+                    <a:bodyPr/>
+                    <a:lstStyle/>
+                    <a:p>
+                      <a:pPr algn="ctr"/>
+                      <a:r>
+                        <a:rPr kumimoji="1" lang="ja-JP" altLang="en-US" sz="2800" dirty="0"/>
+                        <a:t>オール電化</a:t>
+                      </a:r>
+                    </a:p>
+                  </a:txBody>
+                  <a:tcPr>
+                    <a:lnL w="12700" cap="flat" cmpd="sng" algn="ctr">
+                      <a:solidFill>
+                        <a:schemeClr val="tx1"/>
+                      </a:solidFill>
+                      <a:prstDash val="solid"/>
+                      <a:round/>
+                      <a:headEnd type="none" w="med" len="med"/>
+                      <a:tailEnd type="none" w="med" len="med"/>
+                    </a:lnL>
+                    <a:lnR w="12700" cap="flat" cmpd="sng" algn="ctr">
+                      <a:solidFill>
+                        <a:schemeClr val="tx1"/>
+                      </a:solidFill>
+                      <a:prstDash val="solid"/>
+                      <a:round/>
+                      <a:headEnd type="none" w="med" len="med"/>
+                      <a:tailEnd type="none" w="med" len="med"/>
+                    </a:lnR>
+                    <a:lnT w="12700" cap="flat" cmpd="sng" algn="ctr">
+                      <a:solidFill>
+                        <a:schemeClr val="tx1"/>
+                      </a:solidFill>
+                      <a:prstDash val="solid"/>
+                      <a:round/>
+                      <a:headEnd type="none" w="med" len="med"/>
+                      <a:tailEnd type="none" w="med" len="med"/>
+                    </a:lnT>
+                    <a:lnB w="12700" cap="flat" cmpd="sng" algn="ctr">
+                      <a:solidFill>
+                        <a:schemeClr val="tx1"/>
+                      </a:solidFill>
+                      <a:prstDash val="solid"/>
+                      <a:round/>
+                      <a:headEnd type="none" w="med" len="med"/>
+                      <a:tailEnd type="none" w="med" len="med"/>
+                    </a:lnB>
+                  </a:tcPr>
+                </a:tc>
+                <a:extLst>
+                  <a:ext uri="{0D108BD9-81ED-4DB2-BD59-A6C34878D82A}">
+                    <a16:rowId xmlns:a16="http://schemas.microsoft.com/office/drawing/2014/main" val="377783749"/>
+                  </a:ext>
+                </a:extLst>
+              </a:tr>
+            </a:tbl>
+          </a:graphicData>
+        </a:graphic>
+      </p:graphicFrame>
+      <p:sp>
+        <p:nvSpPr>
+          <p:cNvPr id="45" name="テキスト ボックス 44">
+            <a:extLst>
+              <a:ext uri="{FF2B5EF4-FFF2-40B4-BE49-F238E27FC236}">
+                <a16:creationId xmlns:a16="http://schemas.microsoft.com/office/drawing/2014/main" id="{6FD76DFA-B3EE-E406-F6AD-8BEB4F60205E}"/>
+              </a:ext>
+            </a:extLst>
+          </p:cNvPr>
+          <p:cNvSpPr txBox="1"/>
+          <p:nvPr/>
+        </p:nvSpPr>
+        <p:spPr>
+          <a:xfrm>
+            <a:off x="15640424" y="10280520"/>
+            <a:ext cx="7661401" cy="523220"/>
+          </a:xfrm>
+          <a:prstGeom prst="rect">
+            <a:avLst/>
+          </a:prstGeom>
+          <a:noFill/>
+        </p:spPr>
+        <p:txBody>
+          <a:bodyPr wrap="square" rtlCol="0">
+            <a:spAutoFit/>
+          </a:bodyPr>
+          <a:lstStyle/>
+          <a:p>
+            <a:pPr algn="ctr"/>
+            <a:r>
+              <a:rPr kumimoji="1" lang="ja-JP" altLang="en-US" sz="2800" dirty="0"/>
+              <a:t>表</a:t>
+            </a:r>
+            <a:r>
+              <a:rPr kumimoji="1" lang="en-US" altLang="ja-JP" sz="2800" dirty="0"/>
+              <a:t>1</a:t>
+            </a:r>
+            <a:r>
+              <a:rPr kumimoji="1" lang="ja-JP" altLang="en-US" sz="2800" dirty="0"/>
+              <a:t>：各動画のトピック</a:t>
+            </a:r>
+            <a:r>
+              <a:rPr kumimoji="1" lang="en-US" altLang="ja-JP" sz="2800" dirty="0"/>
+              <a:t>1</a:t>
+            </a:r>
+            <a:r>
+              <a:rPr kumimoji="1" lang="ja-JP" altLang="en-US" sz="2800" dirty="0"/>
+              <a:t>の生成確率上位</a:t>
+            </a:r>
+            <a:r>
+              <a:rPr kumimoji="1" lang="en-US" altLang="ja-JP" sz="2800" dirty="0"/>
+              <a:t>10</a:t>
+            </a:r>
+            <a:r>
+              <a:rPr kumimoji="1" lang="ja-JP" altLang="en-US" sz="2800" dirty="0"/>
+              <a:t>単語</a:t>
+            </a:r>
+          </a:p>
+        </p:txBody>
+      </p:sp>
+      <p:graphicFrame>
+        <p:nvGraphicFramePr>
+          <p:cNvPr id="47" name="表 65">
+            <a:extLst>
+              <a:ext uri="{FF2B5EF4-FFF2-40B4-BE49-F238E27FC236}">
+                <a16:creationId xmlns:a16="http://schemas.microsoft.com/office/drawing/2014/main" id="{EB2FA901-5284-60CF-1D7C-38AD6BAFF228}"/>
+              </a:ext>
+            </a:extLst>
+          </p:cNvPr>
+          <p:cNvGraphicFramePr>
+            <a:graphicFrameLocks noGrp="1"/>
+          </p:cNvGraphicFramePr>
+          <p:nvPr>
+            <p:extLst>
+              <p:ext uri="{D42A27DB-BD31-4B8C-83A1-F6EECF244321}">
+                <p14:modId xmlns:p14="http://schemas.microsoft.com/office/powerpoint/2010/main" val="841960599"/>
+              </p:ext>
+            </p:extLst>
+          </p:nvPr>
+        </p:nvGraphicFramePr>
+        <p:xfrm>
+          <a:off x="15709993" y="33788811"/>
+          <a:ext cx="7284016" cy="1554480"/>
+        </p:xfrm>
+        <a:graphic>
+          <a:graphicData uri="http://schemas.openxmlformats.org/drawingml/2006/table">
+            <a:tbl>
+              <a:tblPr firstRow="1" bandRow="1">
+                <a:tableStyleId>{2D5ABB26-0587-4C30-8999-92F81FD0307C}</a:tableStyleId>
+              </a:tblPr>
+              <a:tblGrid>
+                <a:gridCol w="1821004">
+                  <a:extLst>
+                    <a:ext uri="{9D8B030D-6E8A-4147-A177-3AD203B41FA5}">
+                      <a16:colId xmlns:a16="http://schemas.microsoft.com/office/drawing/2014/main" val="2324167353"/>
+                    </a:ext>
+                  </a:extLst>
+                </a:gridCol>
+                <a:gridCol w="1821004">
+                  <a:extLst>
+                    <a:ext uri="{9D8B030D-6E8A-4147-A177-3AD203B41FA5}">
+                      <a16:colId xmlns:a16="http://schemas.microsoft.com/office/drawing/2014/main" val="891116980"/>
+                    </a:ext>
+                  </a:extLst>
+                </a:gridCol>
+                <a:gridCol w="1821004">
+                  <a:extLst>
+                    <a:ext uri="{9D8B030D-6E8A-4147-A177-3AD203B41FA5}">
+                      <a16:colId xmlns:a16="http://schemas.microsoft.com/office/drawing/2014/main" val="3966642272"/>
+                    </a:ext>
+                  </a:extLst>
+                </a:gridCol>
+                <a:gridCol w="1821004">
+                  <a:extLst>
+                    <a:ext uri="{9D8B030D-6E8A-4147-A177-3AD203B41FA5}">
+                      <a16:colId xmlns:a16="http://schemas.microsoft.com/office/drawing/2014/main" val="1276340372"/>
+                    </a:ext>
+                  </a:extLst>
+                </a:gridCol>
+              </a:tblGrid>
+              <a:tr h="370840">
+                <a:tc>
+                  <a:txBody>
+                    <a:bodyPr/>
+                    <a:lstStyle/>
+                    <a:p>
+                      <a:pPr algn="ctr"/>
+                      <a:endParaRPr kumimoji="1" lang="ja-JP" altLang="en-US" sz="2800" dirty="0"/>
+                    </a:p>
+                  </a:txBody>
+                  <a:tcPr>
+                    <a:lnL w="12700" cap="flat" cmpd="sng" algn="ctr">
+                      <a:solidFill>
+                        <a:schemeClr val="tx1"/>
+                      </a:solidFill>
+                      <a:prstDash val="solid"/>
+                      <a:round/>
+                      <a:headEnd type="none" w="med" len="med"/>
+                      <a:tailEnd type="none" w="med" len="med"/>
+                    </a:lnL>
+                    <a:lnR w="12700" cap="flat" cmpd="sng" algn="ctr">
+                      <a:solidFill>
+                        <a:schemeClr val="tx1"/>
+                      </a:solidFill>
+                      <a:prstDash val="solid"/>
+                      <a:round/>
+                      <a:headEnd type="none" w="med" len="med"/>
+                      <a:tailEnd type="none" w="med" len="med"/>
+                    </a:lnR>
+                    <a:lnT w="12700" cap="flat" cmpd="sng" algn="ctr">
+                      <a:solidFill>
+                        <a:schemeClr val="tx1"/>
+                      </a:solidFill>
+                      <a:prstDash val="solid"/>
+                      <a:round/>
+                      <a:headEnd type="none" w="med" len="med"/>
+                      <a:tailEnd type="none" w="med" len="med"/>
+                    </a:lnT>
+                    <a:lnB w="12700" cap="flat" cmpd="sng" algn="ctr">
+                      <a:solidFill>
+                        <a:schemeClr val="tx1"/>
+                      </a:solidFill>
+                      <a:prstDash val="solid"/>
+                      <a:round/>
+                      <a:headEnd type="none" w="med" len="med"/>
+                      <a:tailEnd type="none" w="med" len="med"/>
+                    </a:lnB>
+                  </a:tcPr>
+                </a:tc>
+                <a:tc>
+                  <a:txBody>
+                    <a:bodyPr/>
+                    <a:lstStyle/>
+                    <a:p>
+                      <a:pPr algn="ctr"/>
+                      <a:r>
+                        <a:rPr kumimoji="1" lang="en-US" altLang="ja-JP" sz="2800" dirty="0"/>
+                        <a:t>n=10</a:t>
+                      </a:r>
+                      <a:endParaRPr kumimoji="1" lang="ja-JP" altLang="en-US" sz="2800" dirty="0"/>
+                    </a:p>
+                  </a:txBody>
+                  <a:tcPr>
+                    <a:lnL w="12700" cap="flat" cmpd="sng" algn="ctr">
+                      <a:solidFill>
+                        <a:schemeClr val="tx1"/>
+                      </a:solidFill>
+                      <a:prstDash val="solid"/>
+                      <a:round/>
+                      <a:headEnd type="none" w="med" len="med"/>
+                      <a:tailEnd type="none" w="med" len="med"/>
+                    </a:lnL>
+                    <a:lnR w="12700" cap="flat" cmpd="sng" algn="ctr">
+                      <a:solidFill>
+                        <a:schemeClr val="tx1"/>
+                      </a:solidFill>
+                      <a:prstDash val="solid"/>
+                      <a:round/>
+                      <a:headEnd type="none" w="med" len="med"/>
+                      <a:tailEnd type="none" w="med" len="med"/>
+                    </a:lnR>
+                    <a:lnT w="12700" cap="flat" cmpd="sng" algn="ctr">
+                      <a:solidFill>
+                        <a:schemeClr val="tx1"/>
+                      </a:solidFill>
+                      <a:prstDash val="solid"/>
+                      <a:round/>
+                      <a:headEnd type="none" w="med" len="med"/>
+                      <a:tailEnd type="none" w="med" len="med"/>
+                    </a:lnT>
+                    <a:lnB w="12700" cap="flat" cmpd="sng" algn="ctr">
+                      <a:solidFill>
+                        <a:schemeClr val="tx1"/>
+                      </a:solidFill>
+                      <a:prstDash val="solid"/>
+                      <a:round/>
+                      <a:headEnd type="none" w="med" len="med"/>
+                      <a:tailEnd type="none" w="med" len="med"/>
+                    </a:lnB>
+                  </a:tcPr>
+                </a:tc>
+                <a:tc>
+                  <a:txBody>
+                    <a:bodyPr/>
+                    <a:lstStyle/>
+                    <a:p>
+                      <a:pPr algn="ctr"/>
+                      <a:r>
+                        <a:rPr kumimoji="1" lang="en-US" altLang="ja-JP" sz="2800" dirty="0"/>
+                        <a:t>n=20</a:t>
+                      </a:r>
+                      <a:endParaRPr kumimoji="1" lang="ja-JP" altLang="en-US" sz="2800" dirty="0"/>
+                    </a:p>
+                  </a:txBody>
+                  <a:tcPr>
+                    <a:lnL w="12700" cap="flat" cmpd="sng" algn="ctr">
+                      <a:solidFill>
+                        <a:schemeClr val="tx1"/>
+                      </a:solidFill>
+                      <a:prstDash val="solid"/>
+                      <a:round/>
+                      <a:headEnd type="none" w="med" len="med"/>
+                      <a:tailEnd type="none" w="med" len="med"/>
+                    </a:lnL>
+                    <a:lnR w="12700" cap="flat" cmpd="sng" algn="ctr">
+                      <a:solidFill>
+                        <a:schemeClr val="tx1"/>
+                      </a:solidFill>
+                      <a:prstDash val="solid"/>
+                      <a:round/>
+                      <a:headEnd type="none" w="med" len="med"/>
+                      <a:tailEnd type="none" w="med" len="med"/>
+                    </a:lnR>
+                    <a:lnT w="12700" cap="flat" cmpd="sng" algn="ctr">
+                      <a:solidFill>
+                        <a:schemeClr val="tx1"/>
+                      </a:solidFill>
+                      <a:prstDash val="solid"/>
+                      <a:round/>
+                      <a:headEnd type="none" w="med" len="med"/>
+                      <a:tailEnd type="none" w="med" len="med"/>
+                    </a:lnT>
+                    <a:lnB w="12700" cap="flat" cmpd="sng" algn="ctr">
+                      <a:solidFill>
+                        <a:schemeClr val="tx1"/>
+                      </a:solidFill>
+                      <a:prstDash val="solid"/>
+                      <a:round/>
+                      <a:headEnd type="none" w="med" len="med"/>
+                      <a:tailEnd type="none" w="med" len="med"/>
+                    </a:lnB>
+                  </a:tcPr>
+                </a:tc>
+                <a:tc>
+                  <a:txBody>
+                    <a:bodyPr/>
+                    <a:lstStyle/>
+                    <a:p>
+                      <a:pPr algn="ctr"/>
+                      <a:r>
+                        <a:rPr kumimoji="1" lang="en-US" altLang="ja-JP" sz="2800" dirty="0"/>
+                        <a:t>n=30</a:t>
+                      </a:r>
+                      <a:endParaRPr kumimoji="1" lang="ja-JP" altLang="en-US" sz="2800" dirty="0"/>
+                    </a:p>
+                  </a:txBody>
+                  <a:tcPr>
+                    <a:lnL w="12700" cap="flat" cmpd="sng" algn="ctr">
+                      <a:solidFill>
+                        <a:schemeClr val="tx1"/>
+                      </a:solidFill>
+                      <a:prstDash val="solid"/>
+                      <a:round/>
+                      <a:headEnd type="none" w="med" len="med"/>
+                      <a:tailEnd type="none" w="med" len="med"/>
+                    </a:lnL>
+                    <a:lnR w="12700" cap="flat" cmpd="sng" algn="ctr">
+                      <a:solidFill>
+                        <a:schemeClr val="tx1"/>
+                      </a:solidFill>
+                      <a:prstDash val="solid"/>
+                      <a:round/>
+                      <a:headEnd type="none" w="med" len="med"/>
+                      <a:tailEnd type="none" w="med" len="med"/>
+                    </a:lnR>
+                    <a:lnT w="12700" cap="flat" cmpd="sng" algn="ctr">
+                      <a:solidFill>
+                        <a:schemeClr val="tx1"/>
+                      </a:solidFill>
+                      <a:prstDash val="solid"/>
+                      <a:round/>
+                      <a:headEnd type="none" w="med" len="med"/>
+                      <a:tailEnd type="none" w="med" len="med"/>
+                    </a:lnT>
+                    <a:lnB w="12700" cap="flat" cmpd="sng" algn="ctr">
+                      <a:solidFill>
+                        <a:schemeClr val="tx1"/>
+                      </a:solidFill>
+                      <a:prstDash val="solid"/>
+                      <a:round/>
+                      <a:headEnd type="none" w="med" len="med"/>
+                      <a:tailEnd type="none" w="med" len="med"/>
+                    </a:lnB>
+                  </a:tcPr>
+                </a:tc>
+                <a:extLst>
+                  <a:ext uri="{0D108BD9-81ED-4DB2-BD59-A6C34878D82A}">
+                    <a16:rowId xmlns:a16="http://schemas.microsoft.com/office/drawing/2014/main" val="1754482622"/>
+                  </a:ext>
+                </a:extLst>
+              </a:tr>
+              <a:tr h="370840">
+                <a:tc>
+                  <a:txBody>
+                    <a:bodyPr/>
+                    <a:lstStyle/>
+                    <a:p>
+                      <a:pPr algn="ctr"/>
+                      <a:r>
+                        <a:rPr kumimoji="1" lang="ja-JP" altLang="en-US" sz="2800" dirty="0"/>
+                        <a:t>みそきん</a:t>
+                      </a:r>
+                    </a:p>
+                  </a:txBody>
+                  <a:tcPr>
+                    <a:lnL w="12700" cap="flat" cmpd="sng" algn="ctr">
+                      <a:solidFill>
+                        <a:schemeClr val="tx1"/>
+                      </a:solidFill>
+                      <a:prstDash val="solid"/>
+                      <a:round/>
+                      <a:headEnd type="none" w="med" len="med"/>
+                      <a:tailEnd type="none" w="med" len="med"/>
+                    </a:lnL>
+                    <a:lnR w="12700" cap="flat" cmpd="sng" algn="ctr">
+                      <a:solidFill>
+                        <a:schemeClr val="tx1"/>
+                      </a:solidFill>
+                      <a:prstDash val="solid"/>
+                      <a:round/>
+                      <a:headEnd type="none" w="med" len="med"/>
+                      <a:tailEnd type="none" w="med" len="med"/>
+                    </a:lnR>
+                    <a:lnT w="12700" cap="flat" cmpd="sng" algn="ctr">
+                      <a:solidFill>
+                        <a:schemeClr val="tx1"/>
+                      </a:solidFill>
+                      <a:prstDash val="solid"/>
+                      <a:round/>
+                      <a:headEnd type="none" w="med" len="med"/>
+                      <a:tailEnd type="none" w="med" len="med"/>
+                    </a:lnT>
+                    <a:lnB w="12700" cap="flat" cmpd="sng" algn="ctr">
+                      <a:solidFill>
+                        <a:schemeClr val="tx1"/>
+                      </a:solidFill>
+                      <a:prstDash val="solid"/>
+                      <a:round/>
+                      <a:headEnd type="none" w="med" len="med"/>
+                      <a:tailEnd type="none" w="med" len="med"/>
+                    </a:lnB>
+                  </a:tcPr>
+                </a:tc>
+                <a:tc>
+                  <a:txBody>
+                    <a:bodyPr/>
+                    <a:lstStyle/>
+                    <a:p>
+                      <a:pPr algn="ctr"/>
+                      <a:r>
+                        <a:rPr kumimoji="1" lang="en-US" altLang="ja-JP" sz="2800" dirty="0"/>
+                        <a:t>0.65333</a:t>
+                      </a:r>
+                      <a:endParaRPr kumimoji="1" lang="ja-JP" altLang="en-US" sz="2800" dirty="0"/>
+                    </a:p>
+                  </a:txBody>
+                  <a:tcPr>
+                    <a:lnL w="12700" cap="flat" cmpd="sng" algn="ctr">
+                      <a:solidFill>
+                        <a:schemeClr val="tx1"/>
+                      </a:solidFill>
+                      <a:prstDash val="solid"/>
+                      <a:round/>
+                      <a:headEnd type="none" w="med" len="med"/>
+                      <a:tailEnd type="none" w="med" len="med"/>
+                    </a:lnL>
+                    <a:lnR w="12700" cap="flat" cmpd="sng" algn="ctr">
+                      <a:solidFill>
+                        <a:schemeClr val="tx1"/>
+                      </a:solidFill>
+                      <a:prstDash val="solid"/>
+                      <a:round/>
+                      <a:headEnd type="none" w="med" len="med"/>
+                      <a:tailEnd type="none" w="med" len="med"/>
+                    </a:lnR>
+                    <a:lnT w="12700" cap="flat" cmpd="sng" algn="ctr">
+                      <a:solidFill>
+                        <a:schemeClr val="tx1"/>
+                      </a:solidFill>
+                      <a:prstDash val="solid"/>
+                      <a:round/>
+                      <a:headEnd type="none" w="med" len="med"/>
+                      <a:tailEnd type="none" w="med" len="med"/>
+                    </a:lnT>
+                    <a:lnB w="12700" cap="flat" cmpd="sng" algn="ctr">
+                      <a:solidFill>
+                        <a:schemeClr val="tx1"/>
+                      </a:solidFill>
+                      <a:prstDash val="solid"/>
+                      <a:round/>
+                      <a:headEnd type="none" w="med" len="med"/>
+                      <a:tailEnd type="none" w="med" len="med"/>
+                    </a:lnB>
+                  </a:tcPr>
+                </a:tc>
+                <a:tc>
+                  <a:txBody>
+                    <a:bodyPr/>
+                    <a:lstStyle/>
+                    <a:p>
+                      <a:pPr algn="ctr"/>
+                      <a:r>
+                        <a:rPr kumimoji="1" lang="en-US" altLang="ja-JP" sz="2800" dirty="0"/>
+                        <a:t>0.65777</a:t>
+                      </a:r>
+                      <a:endParaRPr kumimoji="1" lang="ja-JP" altLang="en-US" sz="2800" dirty="0"/>
+                    </a:p>
+                  </a:txBody>
+                  <a:tcPr>
+                    <a:lnL w="12700" cap="flat" cmpd="sng" algn="ctr">
+                      <a:solidFill>
+                        <a:schemeClr val="tx1"/>
+                      </a:solidFill>
+                      <a:prstDash val="solid"/>
+                      <a:round/>
+                      <a:headEnd type="none" w="med" len="med"/>
+                      <a:tailEnd type="none" w="med" len="med"/>
+                    </a:lnL>
+                    <a:lnR w="12700" cap="flat" cmpd="sng" algn="ctr">
+                      <a:solidFill>
+                        <a:schemeClr val="tx1"/>
+                      </a:solidFill>
+                      <a:prstDash val="solid"/>
+                      <a:round/>
+                      <a:headEnd type="none" w="med" len="med"/>
+                      <a:tailEnd type="none" w="med" len="med"/>
+                    </a:lnR>
+                    <a:lnT w="12700" cap="flat" cmpd="sng" algn="ctr">
+                      <a:solidFill>
+                        <a:schemeClr val="tx1"/>
+                      </a:solidFill>
+                      <a:prstDash val="solid"/>
+                      <a:round/>
+                      <a:headEnd type="none" w="med" len="med"/>
+                      <a:tailEnd type="none" w="med" len="med"/>
+                    </a:lnT>
+                    <a:lnB w="12700" cap="flat" cmpd="sng" algn="ctr">
+                      <a:solidFill>
+                        <a:schemeClr val="tx1"/>
+                      </a:solidFill>
+                      <a:prstDash val="solid"/>
+                      <a:round/>
+                      <a:headEnd type="none" w="med" len="med"/>
+                      <a:tailEnd type="none" w="med" len="med"/>
+                    </a:lnB>
+                  </a:tcPr>
+                </a:tc>
+                <a:tc>
+                  <a:txBody>
+                    <a:bodyPr/>
+                    <a:lstStyle/>
+                    <a:p>
+                      <a:pPr algn="ctr"/>
+                      <a:r>
+                        <a:rPr kumimoji="1" lang="en-US" altLang="ja-JP" sz="2800" dirty="0"/>
+                        <a:t>0.65888</a:t>
+                      </a:r>
+                      <a:endParaRPr kumimoji="1" lang="ja-JP" altLang="en-US" sz="2800" dirty="0"/>
+                    </a:p>
+                  </a:txBody>
+                  <a:tcPr>
+                    <a:lnL w="12700" cap="flat" cmpd="sng" algn="ctr">
+                      <a:solidFill>
+                        <a:schemeClr val="tx1"/>
+                      </a:solidFill>
+                      <a:prstDash val="solid"/>
+                      <a:round/>
+                      <a:headEnd type="none" w="med" len="med"/>
+                      <a:tailEnd type="none" w="med" len="med"/>
+                    </a:lnL>
+                    <a:lnR w="12700" cap="flat" cmpd="sng" algn="ctr">
+                      <a:solidFill>
+                        <a:schemeClr val="tx1"/>
+                      </a:solidFill>
+                      <a:prstDash val="solid"/>
+                      <a:round/>
+                      <a:headEnd type="none" w="med" len="med"/>
+                      <a:tailEnd type="none" w="med" len="med"/>
+                    </a:lnR>
+                    <a:lnT w="12700" cap="flat" cmpd="sng" algn="ctr">
+                      <a:solidFill>
+                        <a:schemeClr val="tx1"/>
+                      </a:solidFill>
+                      <a:prstDash val="solid"/>
+                      <a:round/>
+                      <a:headEnd type="none" w="med" len="med"/>
+                      <a:tailEnd type="none" w="med" len="med"/>
+                    </a:lnT>
+                    <a:lnB w="12700" cap="flat" cmpd="sng" algn="ctr">
+                      <a:solidFill>
+                        <a:schemeClr val="tx1"/>
+                      </a:solidFill>
+                      <a:prstDash val="solid"/>
+                      <a:round/>
+                      <a:headEnd type="none" w="med" len="med"/>
+                      <a:tailEnd type="none" w="med" len="med"/>
+                    </a:lnB>
+                  </a:tcPr>
+                </a:tc>
+                <a:extLst>
+                  <a:ext uri="{0D108BD9-81ED-4DB2-BD59-A6C34878D82A}">
+                    <a16:rowId xmlns:a16="http://schemas.microsoft.com/office/drawing/2014/main" val="1485297882"/>
+                  </a:ext>
+                </a:extLst>
+              </a:tr>
+              <a:tr h="370840">
+                <a:tc>
+                  <a:txBody>
+                    <a:bodyPr/>
+                    <a:lstStyle/>
+                    <a:p>
+                      <a:pPr algn="ctr"/>
+                      <a:r>
+                        <a:rPr kumimoji="1" lang="ja-JP" altLang="en-US" sz="2800" dirty="0"/>
+                        <a:t>ここリモ</a:t>
+                      </a:r>
+                    </a:p>
+                  </a:txBody>
+                  <a:tcPr>
+                    <a:lnL w="12700" cap="flat" cmpd="sng" algn="ctr">
+                      <a:solidFill>
+                        <a:schemeClr val="tx1"/>
+                      </a:solidFill>
+                      <a:prstDash val="solid"/>
+                      <a:round/>
+                      <a:headEnd type="none" w="med" len="med"/>
+                      <a:tailEnd type="none" w="med" len="med"/>
+                    </a:lnL>
+                    <a:lnR w="12700" cap="flat" cmpd="sng" algn="ctr">
+                      <a:solidFill>
+                        <a:schemeClr val="tx1"/>
+                      </a:solidFill>
+                      <a:prstDash val="solid"/>
+                      <a:round/>
+                      <a:headEnd type="none" w="med" len="med"/>
+                      <a:tailEnd type="none" w="med" len="med"/>
+                    </a:lnR>
+                    <a:lnT w="12700" cap="flat" cmpd="sng" algn="ctr">
+                      <a:solidFill>
+                        <a:schemeClr val="tx1"/>
+                      </a:solidFill>
+                      <a:prstDash val="solid"/>
+                      <a:round/>
+                      <a:headEnd type="none" w="med" len="med"/>
+                      <a:tailEnd type="none" w="med" len="med"/>
+                    </a:lnT>
+                    <a:lnB w="12700" cap="flat" cmpd="sng" algn="ctr">
+                      <a:solidFill>
+                        <a:schemeClr val="tx1"/>
+                      </a:solidFill>
+                      <a:prstDash val="solid"/>
+                      <a:round/>
+                      <a:headEnd type="none" w="med" len="med"/>
+                      <a:tailEnd type="none" w="med" len="med"/>
+                    </a:lnB>
+                  </a:tcPr>
+                </a:tc>
+                <a:tc>
+                  <a:txBody>
+                    <a:bodyPr/>
+                    <a:lstStyle/>
+                    <a:p>
+                      <a:pPr algn="ctr"/>
+                      <a:r>
+                        <a:rPr kumimoji="1" lang="en-US" altLang="ja-JP" sz="2800" dirty="0"/>
+                        <a:t>0.78695</a:t>
+                      </a:r>
+                      <a:endParaRPr kumimoji="1" lang="ja-JP" altLang="en-US" sz="2800" dirty="0"/>
+                    </a:p>
+                  </a:txBody>
+                  <a:tcPr>
+                    <a:lnL w="12700" cap="flat" cmpd="sng" algn="ctr">
+                      <a:solidFill>
+                        <a:schemeClr val="tx1"/>
+                      </a:solidFill>
+                      <a:prstDash val="solid"/>
+                      <a:round/>
+                      <a:headEnd type="none" w="med" len="med"/>
+                      <a:tailEnd type="none" w="med" len="med"/>
+                    </a:lnL>
+                    <a:lnR w="12700" cap="flat" cmpd="sng" algn="ctr">
+                      <a:solidFill>
+                        <a:schemeClr val="tx1"/>
+                      </a:solidFill>
+                      <a:prstDash val="solid"/>
+                      <a:round/>
+                      <a:headEnd type="none" w="med" len="med"/>
+                      <a:tailEnd type="none" w="med" len="med"/>
+                    </a:lnR>
+                    <a:lnT w="12700" cap="flat" cmpd="sng" algn="ctr">
+                      <a:solidFill>
+                        <a:schemeClr val="tx1"/>
+                      </a:solidFill>
+                      <a:prstDash val="solid"/>
+                      <a:round/>
+                      <a:headEnd type="none" w="med" len="med"/>
+                      <a:tailEnd type="none" w="med" len="med"/>
+                    </a:lnT>
+                    <a:lnB w="12700" cap="flat" cmpd="sng" algn="ctr">
+                      <a:solidFill>
+                        <a:schemeClr val="tx1"/>
+                      </a:solidFill>
+                      <a:prstDash val="solid"/>
+                      <a:round/>
+                      <a:headEnd type="none" w="med" len="med"/>
+                      <a:tailEnd type="none" w="med" len="med"/>
+                    </a:lnB>
+                  </a:tcPr>
+                </a:tc>
+                <a:tc>
+                  <a:txBody>
+                    <a:bodyPr/>
+                    <a:lstStyle/>
+                    <a:p>
+                      <a:pPr algn="ctr"/>
+                      <a:r>
+                        <a:rPr kumimoji="1" lang="en-US" altLang="ja-JP" sz="2800" dirty="0"/>
+                        <a:t>0.78260</a:t>
+                      </a:r>
+                      <a:endParaRPr kumimoji="1" lang="ja-JP" altLang="en-US" sz="2800" dirty="0"/>
+                    </a:p>
+                  </a:txBody>
+                  <a:tcPr>
+                    <a:lnL w="12700" cap="flat" cmpd="sng" algn="ctr">
+                      <a:solidFill>
+                        <a:schemeClr val="tx1"/>
+                      </a:solidFill>
+                      <a:prstDash val="solid"/>
+                      <a:round/>
+                      <a:headEnd type="none" w="med" len="med"/>
+                      <a:tailEnd type="none" w="med" len="med"/>
+                    </a:lnL>
+                    <a:lnR w="12700" cap="flat" cmpd="sng" algn="ctr">
+                      <a:solidFill>
+                        <a:schemeClr val="tx1"/>
+                      </a:solidFill>
+                      <a:prstDash val="solid"/>
+                      <a:round/>
+                      <a:headEnd type="none" w="med" len="med"/>
+                      <a:tailEnd type="none" w="med" len="med"/>
+                    </a:lnR>
+                    <a:lnT w="12700" cap="flat" cmpd="sng" algn="ctr">
+                      <a:solidFill>
+                        <a:schemeClr val="tx1"/>
+                      </a:solidFill>
+                      <a:prstDash val="solid"/>
+                      <a:round/>
+                      <a:headEnd type="none" w="med" len="med"/>
+                      <a:tailEnd type="none" w="med" len="med"/>
+                    </a:lnT>
+                    <a:lnB w="12700" cap="flat" cmpd="sng" algn="ctr">
+                      <a:solidFill>
+                        <a:schemeClr val="tx1"/>
+                      </a:solidFill>
+                      <a:prstDash val="solid"/>
+                      <a:round/>
+                      <a:headEnd type="none" w="med" len="med"/>
+                      <a:tailEnd type="none" w="med" len="med"/>
+                    </a:lnB>
+                  </a:tcPr>
+                </a:tc>
+                <a:tc>
+                  <a:txBody>
+                    <a:bodyPr/>
+                    <a:lstStyle/>
+                    <a:p>
+                      <a:pPr algn="ctr"/>
+                      <a:r>
+                        <a:rPr kumimoji="1" lang="en-US" altLang="ja-JP" sz="2800" dirty="0"/>
+                        <a:t>0.76521</a:t>
+                      </a:r>
+                      <a:endParaRPr kumimoji="1" lang="ja-JP" altLang="en-US" sz="2800" dirty="0"/>
+                    </a:p>
+                  </a:txBody>
+                  <a:tcPr>
+                    <a:lnL w="12700" cap="flat" cmpd="sng" algn="ctr">
+                      <a:solidFill>
+                        <a:schemeClr val="tx1"/>
+                      </a:solidFill>
+                      <a:prstDash val="solid"/>
+                      <a:round/>
+                      <a:headEnd type="none" w="med" len="med"/>
+                      <a:tailEnd type="none" w="med" len="med"/>
+                    </a:lnL>
+                    <a:lnR w="12700" cap="flat" cmpd="sng" algn="ctr">
+                      <a:solidFill>
+                        <a:schemeClr val="tx1"/>
+                      </a:solidFill>
+                      <a:prstDash val="solid"/>
+                      <a:round/>
+                      <a:headEnd type="none" w="med" len="med"/>
+                      <a:tailEnd type="none" w="med" len="med"/>
+                    </a:lnR>
+                    <a:lnT w="12700" cap="flat" cmpd="sng" algn="ctr">
+                      <a:solidFill>
+                        <a:schemeClr val="tx1"/>
+                      </a:solidFill>
+                      <a:prstDash val="solid"/>
+                      <a:round/>
+                      <a:headEnd type="none" w="med" len="med"/>
+                      <a:tailEnd type="none" w="med" len="med"/>
+                    </a:lnT>
+                    <a:lnB w="12700" cap="flat" cmpd="sng" algn="ctr">
+                      <a:solidFill>
+                        <a:schemeClr val="tx1"/>
+                      </a:solidFill>
+                      <a:prstDash val="solid"/>
+                      <a:round/>
+                      <a:headEnd type="none" w="med" len="med"/>
+                      <a:tailEnd type="none" w="med" len="med"/>
+                    </a:lnB>
+                  </a:tcPr>
+                </a:tc>
+                <a:extLst>
+                  <a:ext uri="{0D108BD9-81ED-4DB2-BD59-A6C34878D82A}">
+                    <a16:rowId xmlns:a16="http://schemas.microsoft.com/office/drawing/2014/main" val="4204509295"/>
+                  </a:ext>
+                </a:extLst>
+              </a:tr>
+            </a:tbl>
+          </a:graphicData>
+        </a:graphic>
+      </p:graphicFrame>
+      <p:sp>
+        <p:nvSpPr>
+          <p:cNvPr id="66" name="テキスト ボックス 65">
+            <a:extLst>
+              <a:ext uri="{FF2B5EF4-FFF2-40B4-BE49-F238E27FC236}">
+                <a16:creationId xmlns:a16="http://schemas.microsoft.com/office/drawing/2014/main" id="{6A958076-9C15-D45D-4F35-0F140FD67C8F}"/>
+              </a:ext>
+            </a:extLst>
+          </p:cNvPr>
+          <p:cNvSpPr txBox="1"/>
+          <p:nvPr/>
+        </p:nvSpPr>
+        <p:spPr>
+          <a:xfrm>
+            <a:off x="16613887" y="33249263"/>
+            <a:ext cx="5476227" cy="523220"/>
+          </a:xfrm>
+          <a:prstGeom prst="rect">
+            <a:avLst/>
+          </a:prstGeom>
+          <a:noFill/>
+        </p:spPr>
+        <p:txBody>
+          <a:bodyPr wrap="square" rtlCol="0">
+            <a:spAutoFit/>
+          </a:bodyPr>
+          <a:lstStyle/>
+          <a:p>
+            <a:pPr algn="ctr"/>
+            <a:r>
+              <a:rPr kumimoji="1" lang="ja-JP" altLang="en-US" sz="2800" dirty="0"/>
+              <a:t>表</a:t>
+            </a:r>
+            <a:r>
+              <a:rPr kumimoji="1" lang="en-US" altLang="ja-JP" sz="2800" dirty="0"/>
+              <a:t>3</a:t>
+            </a:r>
+            <a:r>
+              <a:rPr kumimoji="1" lang="ja-JP" altLang="en-US" sz="2800" dirty="0"/>
+              <a:t>：人手の正解データとの一致度</a:t>
+            </a:r>
+          </a:p>
+        </p:txBody>
+      </p:sp>
+      <p:sp>
+        <p:nvSpPr>
+          <p:cNvPr id="67" name="テキスト ボックス 66">
+            <a:extLst>
+              <a:ext uri="{FF2B5EF4-FFF2-40B4-BE49-F238E27FC236}">
+                <a16:creationId xmlns:a16="http://schemas.microsoft.com/office/drawing/2014/main" id="{B4DCEAD2-EA3E-F85F-B404-159A1A9D9083}"/>
+              </a:ext>
+            </a:extLst>
+          </p:cNvPr>
+          <p:cNvSpPr txBox="1"/>
+          <p:nvPr/>
+        </p:nvSpPr>
+        <p:spPr>
+          <a:xfrm>
+            <a:off x="1749853" y="24661160"/>
+            <a:ext cx="5608416" cy="461665"/>
+          </a:xfrm>
+          <a:prstGeom prst="rect">
+            <a:avLst/>
+          </a:prstGeom>
+          <a:noFill/>
+        </p:spPr>
+        <p:txBody>
+          <a:bodyPr wrap="square" rtlCol="0">
+            <a:spAutoFit/>
+          </a:bodyPr>
+          <a:lstStyle/>
+          <a:p>
+            <a:pPr algn="ctr"/>
+            <a:r>
+              <a:rPr kumimoji="1" lang="ja-JP" altLang="en-US" sz="2400" dirty="0"/>
+              <a:t>図</a:t>
+            </a:r>
+            <a:r>
+              <a:rPr lang="en-US" altLang="ja-JP" sz="2400" dirty="0"/>
+              <a:t>2</a:t>
+            </a:r>
+            <a:r>
+              <a:rPr kumimoji="1" lang="ja-JP" altLang="en-US" sz="2400" dirty="0"/>
+              <a:t>：</a:t>
+            </a:r>
+            <a:r>
+              <a:rPr kumimoji="1" lang="en-US" altLang="ja-JP" sz="2400" dirty="0"/>
+              <a:t>BTM</a:t>
+            </a:r>
+            <a:r>
+              <a:rPr kumimoji="1" lang="ja-JP" altLang="en-US" sz="2400" dirty="0"/>
+              <a:t>のグラフィカルモデル</a:t>
+            </a:r>
+            <a:r>
+              <a:rPr kumimoji="1" lang="en-US" altLang="ja-JP" sz="2400" dirty="0"/>
+              <a:t>, 3.</a:t>
+            </a:r>
+            <a:r>
+              <a:rPr kumimoji="1" lang="ja-JP" altLang="en-US" sz="2400" dirty="0"/>
+              <a:t>より引用</a:t>
+            </a:r>
+            <a:endParaRPr kumimoji="1" lang="en-US" altLang="ja-JP" sz="2400" dirty="0"/>
+          </a:p>
+        </p:txBody>
+      </p:sp>
+      <p:sp>
+        <p:nvSpPr>
+          <p:cNvPr id="71" name="テキスト ボックス 70">
+            <a:extLst>
+              <a:ext uri="{FF2B5EF4-FFF2-40B4-BE49-F238E27FC236}">
+                <a16:creationId xmlns:a16="http://schemas.microsoft.com/office/drawing/2014/main" id="{AC5EAAEF-C2A5-0E41-62AE-B29234100CE7}"/>
+              </a:ext>
+            </a:extLst>
+          </p:cNvPr>
+          <p:cNvSpPr txBox="1"/>
+          <p:nvPr/>
+        </p:nvSpPr>
+        <p:spPr>
+          <a:xfrm>
+            <a:off x="1386459" y="40666651"/>
+            <a:ext cx="1112807" cy="369332"/>
+          </a:xfrm>
+          <a:prstGeom prst="rect">
+            <a:avLst/>
+          </a:prstGeom>
+        </p:spPr>
+        <p:style>
+          <a:lnRef idx="2">
+            <a:schemeClr val="dk1"/>
+          </a:lnRef>
+          <a:fillRef idx="1">
+            <a:schemeClr val="lt1"/>
+          </a:fillRef>
+          <a:effectRef idx="0">
+            <a:schemeClr val="dk1"/>
+          </a:effectRef>
+          <a:fontRef idx="minor">
+            <a:schemeClr val="dk1"/>
+          </a:fontRef>
+        </p:style>
+        <p:txBody>
+          <a:bodyPr wrap="square" rtlCol="0">
+            <a:spAutoFit/>
+          </a:bodyPr>
+          <a:lstStyle/>
+          <a:p>
+            <a:pPr algn="ctr"/>
+            <a:r>
+              <a:rPr kumimoji="1" lang="ja-JP" altLang="en-US" sz="1800" dirty="0"/>
+              <a:t>参考文献</a:t>
+            </a:r>
+          </a:p>
+        </p:txBody>
+      </p:sp>
+      <p:pic>
+        <p:nvPicPr>
+          <p:cNvPr id="73" name="図 72">
+            <a:extLst>
+              <a:ext uri="{FF2B5EF4-FFF2-40B4-BE49-F238E27FC236}">
+                <a16:creationId xmlns:a16="http://schemas.microsoft.com/office/drawing/2014/main" id="{BE6EC946-043E-D338-1B1A-0E4B7F199D3C}"/>
+              </a:ext>
+            </a:extLst>
+          </p:cNvPr>
+          <p:cNvPicPr>
+            <a:picLocks noChangeAspect="1"/>
+          </p:cNvPicPr>
+          <p:nvPr/>
+        </p:nvPicPr>
+        <p:blipFill>
+          <a:blip r:embed="rId4"/>
+          <a:stretch>
+            <a:fillRect/>
+          </a:stretch>
+        </p:blipFill>
+        <p:spPr>
+          <a:xfrm>
+            <a:off x="836458" y="34399579"/>
+            <a:ext cx="13583577" cy="5944033"/>
+          </a:xfrm>
+          <a:prstGeom prst="rect">
+            <a:avLst/>
+          </a:prstGeom>
+        </p:spPr>
+      </p:pic>
+      <mc:AlternateContent xmlns:mc="http://schemas.openxmlformats.org/markup-compatibility/2006" xmlns:a14="http://schemas.microsoft.com/office/drawing/2010/main">
+        <mc:Choice Requires="a14">
+          <p:sp>
+            <p:nvSpPr>
+              <p:cNvPr id="26" name="テキスト ボックス 25">
+                <a:extLst>
+                  <a:ext uri="{FF2B5EF4-FFF2-40B4-BE49-F238E27FC236}">
+                    <a16:creationId xmlns:a16="http://schemas.microsoft.com/office/drawing/2014/main" id="{22E73A0B-E89B-8A23-E3EB-1E1243506BCD}"/>
+                  </a:ext>
+                </a:extLst>
+              </p:cNvPr>
+              <p:cNvSpPr txBox="1"/>
+              <p:nvPr/>
+            </p:nvSpPr>
+            <p:spPr>
+              <a:xfrm>
+                <a:off x="2526843" y="25242692"/>
+                <a:ext cx="10347784" cy="461665"/>
+              </a:xfrm>
+              <a:prstGeom prst="rect">
+                <a:avLst/>
+              </a:prstGeom>
+              <a:noFill/>
+            </p:spPr>
+            <p:txBody>
+              <a:bodyPr wrap="square" rtlCol="0">
+                <a:spAutoFit/>
+              </a:bodyPr>
+              <a:lstStyle/>
+              <a:p>
+                <a14:m>
+                  <m:oMath xmlns:m="http://schemas.openxmlformats.org/officeDocument/2006/math">
+                    <m:r>
+                      <a:rPr lang="en-US" altLang="ja-JP" sz="2400" b="0" i="1" dirty="0" smtClean="0">
+                        <a:latin typeface="Cambria Math" panose="02040503050406030204" pitchFamily="18" charset="0"/>
+                      </a:rPr>
+                      <m:t>𝐾</m:t>
+                    </m:r>
+                    <m:r>
+                      <a:rPr lang="en-US" altLang="ja-JP" sz="2400" b="0" i="1" dirty="0" smtClean="0">
+                        <a:latin typeface="Cambria Math" panose="02040503050406030204" pitchFamily="18" charset="0"/>
+                      </a:rPr>
+                      <m:t>:</m:t>
+                    </m:r>
+                  </m:oMath>
+                </a14:m>
+                <a:r>
+                  <a:rPr kumimoji="1" lang="ja-JP" altLang="en-US" sz="2400" dirty="0"/>
+                  <a:t>トピック数</a:t>
+                </a:r>
+                <a:r>
+                  <a:rPr kumimoji="1" lang="en-US" altLang="ja-JP" sz="2400" dirty="0"/>
+                  <a:t>, </a:t>
+                </a:r>
+                <a14:m>
+                  <m:oMath xmlns:m="http://schemas.openxmlformats.org/officeDocument/2006/math">
+                    <m:sSub>
+                      <m:sSubPr>
+                        <m:ctrlPr>
+                          <a:rPr kumimoji="1" lang="en-US" altLang="ja-JP" sz="2400" i="1" smtClean="0">
+                            <a:latin typeface="Cambria Math" panose="02040503050406030204" pitchFamily="18" charset="0"/>
+                          </a:rPr>
+                        </m:ctrlPr>
+                      </m:sSubPr>
+                      <m:e>
+                        <m:r>
+                          <a:rPr kumimoji="1" lang="en-US" altLang="ja-JP" sz="2400" b="0" i="1" smtClean="0">
+                            <a:latin typeface="Cambria Math" panose="02040503050406030204" pitchFamily="18" charset="0"/>
+                          </a:rPr>
+                          <m:t>𝑁</m:t>
+                        </m:r>
+                      </m:e>
+                      <m:sub>
+                        <m:r>
+                          <a:rPr kumimoji="1" lang="en-US" altLang="ja-JP" sz="2400" b="0" i="1" smtClean="0">
+                            <a:latin typeface="Cambria Math" panose="02040503050406030204" pitchFamily="18" charset="0"/>
+                          </a:rPr>
+                          <m:t>𝐵</m:t>
+                        </m:r>
+                      </m:sub>
+                    </m:sSub>
+                    <m:r>
+                      <a:rPr kumimoji="1" lang="en-US" altLang="ja-JP" sz="2400" b="0" i="1" smtClean="0">
+                        <a:latin typeface="Cambria Math" panose="02040503050406030204" pitchFamily="18" charset="0"/>
+                      </a:rPr>
+                      <m:t>:</m:t>
+                    </m:r>
+                  </m:oMath>
+                </a14:m>
+                <a:r>
+                  <a:rPr kumimoji="1" lang="ja-JP" altLang="en-US" sz="2400" dirty="0"/>
+                  <a:t>総バイターム数</a:t>
+                </a:r>
+                <a:r>
+                  <a:rPr kumimoji="1" lang="en-US" altLang="ja-JP" sz="2400" dirty="0"/>
+                  <a:t>, </a:t>
+                </a:r>
+                <a14:m>
+                  <m:oMath xmlns:m="http://schemas.openxmlformats.org/officeDocument/2006/math">
+                    <m:r>
+                      <a:rPr kumimoji="1" lang="ja-JP" altLang="en-US" sz="2400" i="1" smtClean="0">
+                        <a:latin typeface="Cambria Math" panose="02040503050406030204" pitchFamily="18" charset="0"/>
+                      </a:rPr>
+                      <m:t>𝜙</m:t>
+                    </m:r>
+                    <m:r>
+                      <a:rPr kumimoji="1" lang="en-US" altLang="ja-JP" sz="2400" b="0" i="1" smtClean="0">
+                        <a:latin typeface="Cambria Math" panose="02040503050406030204" pitchFamily="18" charset="0"/>
+                      </a:rPr>
+                      <m:t>:</m:t>
+                    </m:r>
+                  </m:oMath>
+                </a14:m>
+                <a:r>
+                  <a:rPr kumimoji="1" lang="en-US" altLang="ja-JP" sz="2400" dirty="0"/>
+                  <a:t> </a:t>
+                </a:r>
+                <a:r>
+                  <a:rPr kumimoji="1" lang="ja-JP" altLang="en-US" sz="2400" dirty="0"/>
+                  <a:t>単語分布</a:t>
+                </a:r>
+                <a:r>
+                  <a:rPr kumimoji="1" lang="en-US" altLang="ja-JP" sz="2400" dirty="0"/>
+                  <a:t>, </a:t>
+                </a:r>
+                <a14:m>
+                  <m:oMath xmlns:m="http://schemas.openxmlformats.org/officeDocument/2006/math">
+                    <m:r>
+                      <a:rPr kumimoji="1" lang="ja-JP" altLang="en-US" sz="2400" i="1" smtClean="0">
+                        <a:latin typeface="Cambria Math" panose="02040503050406030204" pitchFamily="18" charset="0"/>
+                      </a:rPr>
+                      <m:t>𝜃</m:t>
+                    </m:r>
+                    <m:r>
+                      <a:rPr kumimoji="1" lang="en-US" altLang="ja-JP" sz="2400" b="0" i="1" smtClean="0">
+                        <a:latin typeface="Cambria Math" panose="02040503050406030204" pitchFamily="18" charset="0"/>
+                      </a:rPr>
+                      <m:t>:</m:t>
+                    </m:r>
+                  </m:oMath>
+                </a14:m>
+                <a:r>
+                  <a:rPr kumimoji="1" lang="ja-JP" altLang="en-US" sz="2400" dirty="0"/>
+                  <a:t>トピック分布</a:t>
+                </a:r>
+                <a:r>
+                  <a:rPr kumimoji="1" lang="en-US" altLang="ja-JP" sz="2400" dirty="0"/>
+                  <a:t>, </a:t>
+                </a:r>
+                <a14:m>
+                  <m:oMath xmlns:m="http://schemas.openxmlformats.org/officeDocument/2006/math">
+                    <m:r>
+                      <a:rPr kumimoji="1" lang="en-US" altLang="ja-JP" sz="2400" b="0" i="1" smtClean="0">
+                        <a:latin typeface="Cambria Math" panose="02040503050406030204" pitchFamily="18" charset="0"/>
+                      </a:rPr>
+                      <m:t>𝑧</m:t>
+                    </m:r>
+                    <m:r>
+                      <a:rPr kumimoji="1" lang="en-US" altLang="ja-JP" sz="2400" b="0" i="1" smtClean="0">
+                        <a:latin typeface="Cambria Math" panose="02040503050406030204" pitchFamily="18" charset="0"/>
+                      </a:rPr>
+                      <m:t>:</m:t>
+                    </m:r>
+                  </m:oMath>
+                </a14:m>
+                <a:r>
+                  <a:rPr kumimoji="1" lang="ja-JP" altLang="en-US" sz="2400" dirty="0"/>
+                  <a:t>トピック</a:t>
+                </a:r>
+                <a:r>
+                  <a:rPr kumimoji="1" lang="en-US" altLang="ja-JP" sz="2400" dirty="0"/>
+                  <a:t>, </a:t>
+                </a:r>
+                <a14:m>
+                  <m:oMath xmlns:m="http://schemas.openxmlformats.org/officeDocument/2006/math">
+                    <m:r>
+                      <a:rPr kumimoji="1" lang="en-US" altLang="ja-JP" sz="2400" b="0" i="1" smtClean="0">
+                        <a:latin typeface="Cambria Math" panose="02040503050406030204" pitchFamily="18" charset="0"/>
+                      </a:rPr>
+                      <m:t>𝑥</m:t>
+                    </m:r>
+                    <m:r>
+                      <a:rPr kumimoji="1" lang="en-US" altLang="ja-JP" sz="2400" b="0" i="1" smtClean="0">
+                        <a:latin typeface="Cambria Math" panose="02040503050406030204" pitchFamily="18" charset="0"/>
+                      </a:rPr>
+                      <m:t>:</m:t>
+                    </m:r>
+                  </m:oMath>
+                </a14:m>
+                <a:r>
+                  <a:rPr kumimoji="1" lang="ja-JP" altLang="en-US" sz="2400" dirty="0"/>
+                  <a:t>単語</a:t>
+                </a:r>
+                <a:endParaRPr kumimoji="1" lang="en-US" altLang="ja-JP" sz="2400" dirty="0"/>
+              </a:p>
+            </p:txBody>
+          </p:sp>
+        </mc:Choice>
+        <mc:Fallback xmlns="">
+          <p:sp>
+            <p:nvSpPr>
+              <p:cNvPr id="26" name="テキスト ボックス 25">
+                <a:extLst>
+                  <a:ext uri="{FF2B5EF4-FFF2-40B4-BE49-F238E27FC236}">
+                    <a16:creationId xmlns:a16="http://schemas.microsoft.com/office/drawing/2014/main" id="{22E73A0B-E89B-8A23-E3EB-1E1243506BCD}"/>
+                  </a:ext>
+                </a:extLst>
+              </p:cNvPr>
+              <p:cNvSpPr txBox="1">
+                <a:spLocks noRot="1" noChangeAspect="1" noMove="1" noResize="1" noEditPoints="1" noAdjustHandles="1" noChangeArrowheads="1" noChangeShapeType="1" noTextEdit="1"/>
+              </p:cNvSpPr>
+              <p:nvPr/>
+            </p:nvSpPr>
+            <p:spPr>
+              <a:xfrm>
+                <a:off x="2526843" y="25242692"/>
+                <a:ext cx="10347784" cy="461665"/>
+              </a:xfrm>
+              <a:prstGeom prst="rect">
+                <a:avLst/>
+              </a:prstGeom>
+              <a:blipFill>
+                <a:blip r:embed="rId5"/>
+                <a:stretch>
+                  <a:fillRect l="-177" t="-15789" r="-412" b="-30263"/>
+                </a:stretch>
+              </a:blipFill>
+            </p:spPr>
+            <p:txBody>
+              <a:bodyPr/>
+              <a:lstStyle/>
+              <a:p>
+                <a:r>
+                  <a:rPr lang="ja-JP" altLang="en-US">
+                    <a:noFill/>
+                  </a:rPr>
+                  <a:t> </a:t>
+                </a:r>
+              </a:p>
+            </p:txBody>
+          </p:sp>
+        </mc:Fallback>
+      </mc:AlternateContent>
+      <p:pic>
+        <p:nvPicPr>
+          <p:cNvPr id="58" name="図 57">
+            <a:extLst>
+              <a:ext uri="{FF2B5EF4-FFF2-40B4-BE49-F238E27FC236}">
+                <a16:creationId xmlns:a16="http://schemas.microsoft.com/office/drawing/2014/main" id="{F6246180-1BC9-9779-6254-C0F86D3451DE}"/>
+              </a:ext>
+            </a:extLst>
+          </p:cNvPr>
+          <p:cNvPicPr>
+            <a:picLocks noChangeAspect="1"/>
+          </p:cNvPicPr>
+          <p:nvPr/>
+        </p:nvPicPr>
+        <p:blipFill>
+          <a:blip r:embed="rId6"/>
+          <a:stretch>
+            <a:fillRect/>
+          </a:stretch>
+        </p:blipFill>
+        <p:spPr>
+          <a:xfrm>
+            <a:off x="7686993" y="23718035"/>
+            <a:ext cx="5855148" cy="1582032"/>
+          </a:xfrm>
+          <a:prstGeom prst="rect">
+            <a:avLst/>
+          </a:prstGeom>
+        </p:spPr>
+      </p:pic>
+      <p:sp>
+        <p:nvSpPr>
+          <p:cNvPr id="70" name="テキスト ボックス 69">
+            <a:extLst>
+              <a:ext uri="{FF2B5EF4-FFF2-40B4-BE49-F238E27FC236}">
+                <a16:creationId xmlns:a16="http://schemas.microsoft.com/office/drawing/2014/main" id="{CEC7CDE0-6A51-A5B0-070D-9C55C3E8F689}"/>
+              </a:ext>
+            </a:extLst>
+          </p:cNvPr>
+          <p:cNvSpPr txBox="1"/>
+          <p:nvPr/>
+        </p:nvSpPr>
+        <p:spPr>
+          <a:xfrm>
+            <a:off x="1175582" y="39820392"/>
+            <a:ext cx="4536504" cy="523220"/>
+          </a:xfrm>
+          <a:prstGeom prst="rect">
+            <a:avLst/>
+          </a:prstGeom>
+          <a:noFill/>
+        </p:spPr>
+        <p:txBody>
+          <a:bodyPr wrap="square" rtlCol="0">
+            <a:spAutoFit/>
+          </a:bodyPr>
+          <a:lstStyle/>
+          <a:p>
+            <a:pPr algn="ctr"/>
+            <a:r>
+              <a:rPr kumimoji="1" lang="ja-JP" altLang="en-US" sz="2800" dirty="0"/>
+              <a:t>図</a:t>
+            </a:r>
+            <a:r>
+              <a:rPr lang="en-US" altLang="ja-JP" sz="2800" dirty="0"/>
+              <a:t>3</a:t>
+            </a:r>
+            <a:r>
+              <a:rPr kumimoji="1" lang="ja-JP" altLang="en-US" sz="2800" dirty="0"/>
+              <a:t>：提案手法のシステム図</a:t>
+            </a:r>
+          </a:p>
+        </p:txBody>
+      </p:sp>
+      <p:pic>
+        <p:nvPicPr>
+          <p:cNvPr id="75" name="図 74">
+            <a:extLst>
+              <a:ext uri="{FF2B5EF4-FFF2-40B4-BE49-F238E27FC236}">
+                <a16:creationId xmlns:a16="http://schemas.microsoft.com/office/drawing/2014/main" id="{FA7DE9CB-933C-4196-B518-5D639EA19F1E}"/>
+              </a:ext>
+            </a:extLst>
+          </p:cNvPr>
+          <p:cNvPicPr>
+            <a:picLocks noChangeAspect="1"/>
+          </p:cNvPicPr>
+          <p:nvPr/>
+        </p:nvPicPr>
+        <p:blipFill>
+          <a:blip r:embed="rId7"/>
+          <a:stretch>
+            <a:fillRect/>
+          </a:stretch>
+        </p:blipFill>
+        <p:spPr>
+          <a:xfrm>
+            <a:off x="8434568" y="5990287"/>
+            <a:ext cx="6314007" cy="4560036"/>
+          </a:xfrm>
+          <a:prstGeom prst="rect">
+            <a:avLst/>
+          </a:prstGeom>
+        </p:spPr>
+      </p:pic>
+      <p:sp>
+        <p:nvSpPr>
+          <p:cNvPr id="76" name="テキスト ボックス 75">
+            <a:extLst>
+              <a:ext uri="{FF2B5EF4-FFF2-40B4-BE49-F238E27FC236}">
+                <a16:creationId xmlns:a16="http://schemas.microsoft.com/office/drawing/2014/main" id="{5BB77DF8-893B-3147-2452-507BA83576A8}"/>
+              </a:ext>
+            </a:extLst>
+          </p:cNvPr>
+          <p:cNvSpPr txBox="1"/>
+          <p:nvPr/>
+        </p:nvSpPr>
+        <p:spPr>
+          <a:xfrm>
+            <a:off x="8704878" y="10563364"/>
+            <a:ext cx="6479815" cy="1077218"/>
+          </a:xfrm>
+          <a:prstGeom prst="rect">
+            <a:avLst/>
+          </a:prstGeom>
+          <a:noFill/>
+        </p:spPr>
+        <p:txBody>
+          <a:bodyPr wrap="square" rtlCol="0">
+            <a:spAutoFit/>
+          </a:bodyPr>
+          <a:lstStyle/>
+          <a:p>
+            <a:r>
+              <a:rPr kumimoji="1" lang="ja-JP" altLang="en-US" sz="2400" dirty="0"/>
+              <a:t>図</a:t>
+            </a:r>
+            <a:r>
+              <a:rPr kumimoji="1" lang="en-US" altLang="ja-JP" sz="2400" dirty="0"/>
+              <a:t>1</a:t>
+            </a:r>
+            <a:r>
+              <a:rPr kumimoji="1" lang="ja-JP" altLang="en-US" sz="2400" dirty="0"/>
+              <a:t>：情報収集方法に関するアンケート結果</a:t>
+            </a:r>
+            <a:endParaRPr kumimoji="1" lang="en-US" altLang="ja-JP" sz="2400" dirty="0"/>
+          </a:p>
+          <a:p>
+            <a:r>
+              <a:rPr kumimoji="1" lang="en-US" altLang="ja-JP" sz="2000" dirty="0"/>
+              <a:t>EC</a:t>
+            </a:r>
+            <a:r>
+              <a:rPr kumimoji="1" lang="ja-JP" altLang="en-US" sz="2000" dirty="0"/>
+              <a:t>のミカタ</a:t>
+            </a:r>
+            <a:r>
+              <a:rPr kumimoji="1" lang="en-US" altLang="ja-JP" sz="2000" dirty="0"/>
+              <a:t>, </a:t>
+            </a:r>
+            <a:r>
+              <a:rPr kumimoji="1" lang="ja-JP" altLang="en-US" sz="2000" dirty="0"/>
+              <a:t>「</a:t>
+            </a:r>
+            <a:r>
+              <a:rPr kumimoji="1" lang="en-US" altLang="ja-JP" sz="2000" dirty="0"/>
+              <a:t>EC</a:t>
+            </a:r>
+            <a:r>
+              <a:rPr kumimoji="1" lang="ja-JP" altLang="en-US" sz="2000" dirty="0"/>
+              <a:t>と</a:t>
+            </a:r>
+            <a:r>
+              <a:rPr kumimoji="1" lang="en-US" altLang="ja-JP" sz="2000" dirty="0"/>
+              <a:t>SNS</a:t>
+            </a:r>
+            <a:r>
+              <a:rPr kumimoji="1" lang="ja-JP" altLang="en-US" sz="2000" dirty="0"/>
+              <a:t>に関する調査」</a:t>
+            </a:r>
+            <a:r>
+              <a:rPr kumimoji="1" lang="en-US" altLang="ja-JP" sz="2000" dirty="0"/>
+              <a:t>,</a:t>
+            </a:r>
+          </a:p>
+          <a:p>
+            <a:r>
+              <a:rPr kumimoji="1" lang="en-US" altLang="ja-JP" sz="2000" dirty="0">
+                <a:hlinkClick r:id="rId8"/>
+              </a:rPr>
+              <a:t>https://ecnomikata.com/column/26944/</a:t>
+            </a:r>
+            <a:r>
+              <a:rPr kumimoji="1" lang="ja-JP" altLang="en-US" sz="2000" dirty="0"/>
+              <a:t>より引用</a:t>
+            </a:r>
+          </a:p>
+        </p:txBody>
+      </p:sp>
+      <p:cxnSp>
+        <p:nvCxnSpPr>
+          <p:cNvPr id="78" name="直線コネクタ 77">
+            <a:extLst>
+              <a:ext uri="{FF2B5EF4-FFF2-40B4-BE49-F238E27FC236}">
+                <a16:creationId xmlns:a16="http://schemas.microsoft.com/office/drawing/2014/main" id="{B4BD2CCA-5CAE-29A4-95A0-0BB2312DE762}"/>
+              </a:ext>
+            </a:extLst>
+          </p:cNvPr>
+          <p:cNvCxnSpPr/>
+          <p:nvPr/>
+        </p:nvCxnSpPr>
+        <p:spPr>
+          <a:xfrm>
+            <a:off x="8704878" y="8122376"/>
+            <a:ext cx="5503858" cy="0"/>
+          </a:xfrm>
+          <a:prstGeom prst="line">
+            <a:avLst/>
+          </a:prstGeom>
+          <a:ln w="76200">
+            <a:solidFill>
+              <a:srgbClr val="FF0000"/>
+            </a:solidFill>
+          </a:ln>
+        </p:spPr>
+        <p:style>
+          <a:lnRef idx="1">
+            <a:schemeClr val="accent2"/>
+          </a:lnRef>
+          <a:fillRef idx="0">
+            <a:schemeClr val="accent2"/>
+          </a:fillRef>
+          <a:effectRef idx="0">
+            <a:schemeClr val="accent2"/>
+          </a:effectRef>
+          <a:fontRef idx="minor">
+            <a:schemeClr val="tx1"/>
+          </a:fontRef>
+        </p:style>
+      </p:cxnSp>
+      <p:cxnSp>
+        <p:nvCxnSpPr>
+          <p:cNvPr id="79" name="直線コネクタ 78">
+            <a:extLst>
+              <a:ext uri="{FF2B5EF4-FFF2-40B4-BE49-F238E27FC236}">
+                <a16:creationId xmlns:a16="http://schemas.microsoft.com/office/drawing/2014/main" id="{BFEF0AC0-0F6E-2571-8BB7-F9C1763D4202}"/>
+              </a:ext>
+            </a:extLst>
+          </p:cNvPr>
+          <p:cNvCxnSpPr/>
+          <p:nvPr/>
+        </p:nvCxnSpPr>
+        <p:spPr>
+          <a:xfrm>
+            <a:off x="8704878" y="8586838"/>
+            <a:ext cx="5503858" cy="0"/>
+          </a:xfrm>
+          <a:prstGeom prst="line">
+            <a:avLst/>
+          </a:prstGeom>
+          <a:ln w="76200">
+            <a:solidFill>
+              <a:srgbClr val="FF0000"/>
+            </a:solidFill>
+          </a:ln>
+        </p:spPr>
+        <p:style>
+          <a:lnRef idx="1">
+            <a:schemeClr val="accent2"/>
+          </a:lnRef>
+          <a:fillRef idx="0">
+            <a:schemeClr val="accent2"/>
+          </a:fillRef>
+          <a:effectRef idx="0">
+            <a:schemeClr val="accent2"/>
+          </a:effectRef>
+          <a:fontRef idx="minor">
+            <a:schemeClr val="tx1"/>
+          </a:fontRef>
+        </p:style>
+      </p:cxnSp>
+      <p:sp>
+        <p:nvSpPr>
+          <p:cNvPr id="21" name="テキスト ボックス 20">
+            <a:extLst>
+              <a:ext uri="{FF2B5EF4-FFF2-40B4-BE49-F238E27FC236}">
+                <a16:creationId xmlns:a16="http://schemas.microsoft.com/office/drawing/2014/main" id="{E79879E4-B833-0591-D160-76CA90AAC641}"/>
+              </a:ext>
+            </a:extLst>
+          </p:cNvPr>
+          <p:cNvSpPr txBox="1"/>
+          <p:nvPr/>
+        </p:nvSpPr>
+        <p:spPr>
+          <a:xfrm>
+            <a:off x="7709686" y="20636746"/>
+            <a:ext cx="6719300" cy="2677656"/>
+          </a:xfrm>
+          <a:prstGeom prst="rect">
+            <a:avLst/>
+          </a:prstGeom>
+          <a:noFill/>
+        </p:spPr>
+        <p:txBody>
+          <a:bodyPr wrap="square" rtlCol="0">
+            <a:spAutoFit/>
+          </a:bodyPr>
+          <a:lstStyle/>
+          <a:p>
+            <a:r>
+              <a:rPr kumimoji="1" lang="ja-JP" altLang="en-US" sz="2800" dirty="0"/>
+              <a:t>単語の共起（バイターム）を利用することで、トピックの意味を学習する質を向上させる</a:t>
+            </a:r>
+            <a:endParaRPr kumimoji="1" lang="en-US" altLang="ja-JP" sz="2800" dirty="0"/>
+          </a:p>
+          <a:p>
+            <a:endParaRPr lang="en-US" altLang="ja-JP" sz="2800" dirty="0"/>
+          </a:p>
+          <a:p>
+            <a:r>
+              <a:rPr kumimoji="1" lang="ja-JP" altLang="en-US" sz="2800" dirty="0"/>
+              <a:t>文書全体で集約されたグローバルな共起を利用することで、文書レベルでのスパース性を解決する</a:t>
+            </a:r>
+          </a:p>
+        </p:txBody>
+      </p:sp>
+      <p:sp>
+        <p:nvSpPr>
+          <p:cNvPr id="72" name="テキスト ボックス 71">
+            <a:extLst>
+              <a:ext uri="{FF2B5EF4-FFF2-40B4-BE49-F238E27FC236}">
+                <a16:creationId xmlns:a16="http://schemas.microsoft.com/office/drawing/2014/main" id="{921A8181-F8E0-E399-E5B5-7FE243173509}"/>
+              </a:ext>
+            </a:extLst>
+          </p:cNvPr>
+          <p:cNvSpPr txBox="1"/>
+          <p:nvPr/>
+        </p:nvSpPr>
+        <p:spPr>
+          <a:xfrm>
+            <a:off x="13757170" y="24374093"/>
+            <a:ext cx="671816" cy="461665"/>
+          </a:xfrm>
+          <a:prstGeom prst="rect">
+            <a:avLst/>
+          </a:prstGeom>
+          <a:noFill/>
+        </p:spPr>
+        <p:txBody>
+          <a:bodyPr wrap="square" rtlCol="0">
+            <a:spAutoFit/>
+          </a:bodyPr>
+          <a:lstStyle/>
+          <a:p>
+            <a:r>
+              <a:rPr kumimoji="1" lang="ja-JP" altLang="en-US" sz="2400" dirty="0"/>
+              <a:t>（</a:t>
+            </a:r>
+            <a:r>
+              <a:rPr kumimoji="1" lang="en-US" altLang="ja-JP" sz="2400" dirty="0"/>
+              <a:t>1</a:t>
+            </a:r>
+            <a:r>
+              <a:rPr kumimoji="1" lang="ja-JP" altLang="en-US" sz="2400" dirty="0"/>
+              <a:t>）</a:t>
+            </a:r>
+          </a:p>
+        </p:txBody>
+      </p:sp>
+      <p:sp>
+        <p:nvSpPr>
+          <p:cNvPr id="74" name="テキスト ボックス 73">
+            <a:extLst>
+              <a:ext uri="{FF2B5EF4-FFF2-40B4-BE49-F238E27FC236}">
+                <a16:creationId xmlns:a16="http://schemas.microsoft.com/office/drawing/2014/main" id="{08147363-89B1-2EF8-3681-0F7A2264B2E2}"/>
+              </a:ext>
+            </a:extLst>
+          </p:cNvPr>
+          <p:cNvSpPr txBox="1"/>
+          <p:nvPr/>
+        </p:nvSpPr>
+        <p:spPr>
+          <a:xfrm>
+            <a:off x="8909293" y="23390887"/>
+            <a:ext cx="3495069" cy="461665"/>
+          </a:xfrm>
+          <a:prstGeom prst="rect">
+            <a:avLst/>
+          </a:prstGeom>
+          <a:noFill/>
+        </p:spPr>
+        <p:txBody>
+          <a:bodyPr wrap="square" rtlCol="0">
+            <a:spAutoFit/>
+          </a:bodyPr>
+          <a:lstStyle/>
+          <a:p>
+            <a:r>
+              <a:rPr lang="ja-JP" altLang="en-US" sz="2400" dirty="0"/>
+              <a:t>式（</a:t>
+            </a:r>
+            <a:r>
+              <a:rPr lang="en-US" altLang="ja-JP" sz="2400" dirty="0"/>
+              <a:t>1</a:t>
+            </a:r>
+            <a:r>
+              <a:rPr lang="ja-JP" altLang="en-US" sz="2400" dirty="0"/>
+              <a:t>）：</a:t>
+            </a:r>
+            <a:r>
+              <a:rPr lang="en-US" altLang="ja-JP" sz="2400" dirty="0"/>
+              <a:t>BTM</a:t>
+            </a:r>
+            <a:r>
+              <a:rPr lang="ja-JP" altLang="en-US" sz="2400" dirty="0"/>
+              <a:t>の確率モデル</a:t>
+            </a:r>
+            <a:endParaRPr lang="en-US" altLang="ja-JP" sz="2400" dirty="0"/>
+          </a:p>
+        </p:txBody>
+      </p:sp>
+      <p:cxnSp>
+        <p:nvCxnSpPr>
+          <p:cNvPr id="80" name="直線コネクタ 79">
+            <a:extLst>
+              <a:ext uri="{FF2B5EF4-FFF2-40B4-BE49-F238E27FC236}">
+                <a16:creationId xmlns:a16="http://schemas.microsoft.com/office/drawing/2014/main" id="{6A1A9236-2783-E886-FFD1-22B94D53D6D4}"/>
+              </a:ext>
+            </a:extLst>
+          </p:cNvPr>
+          <p:cNvCxnSpPr/>
+          <p:nvPr/>
+        </p:nvCxnSpPr>
+        <p:spPr>
+          <a:xfrm>
+            <a:off x="7686993" y="21620286"/>
+            <a:ext cx="6741993" cy="0"/>
+          </a:xfrm>
+          <a:prstGeom prst="line">
+            <a:avLst/>
+          </a:prstGeom>
+          <a:ln w="76200">
+            <a:solidFill>
+              <a:srgbClr val="FF0000"/>
+            </a:solidFill>
+          </a:ln>
+        </p:spPr>
+        <p:style>
+          <a:lnRef idx="1">
+            <a:schemeClr val="accent1"/>
+          </a:lnRef>
+          <a:fillRef idx="0">
+            <a:schemeClr val="accent1"/>
+          </a:fillRef>
+          <a:effectRef idx="0">
+            <a:schemeClr val="accent1"/>
+          </a:effectRef>
+          <a:fontRef idx="minor">
+            <a:schemeClr val="tx1"/>
+          </a:fontRef>
+        </p:style>
+      </p:cxnSp>
+      <p:cxnSp>
+        <p:nvCxnSpPr>
+          <p:cNvPr id="81" name="直線コネクタ 80">
+            <a:extLst>
+              <a:ext uri="{FF2B5EF4-FFF2-40B4-BE49-F238E27FC236}">
+                <a16:creationId xmlns:a16="http://schemas.microsoft.com/office/drawing/2014/main" id="{8EB482A6-F5E6-4456-07A2-DE7936920BF6}"/>
+              </a:ext>
+            </a:extLst>
+          </p:cNvPr>
+          <p:cNvCxnSpPr/>
+          <p:nvPr/>
+        </p:nvCxnSpPr>
+        <p:spPr>
+          <a:xfrm>
+            <a:off x="7709686" y="23276470"/>
+            <a:ext cx="6741993" cy="0"/>
+          </a:xfrm>
+          <a:prstGeom prst="line">
+            <a:avLst/>
+          </a:prstGeom>
+          <a:ln w="76200">
+            <a:solidFill>
+              <a:srgbClr val="FF0000"/>
+            </a:solidFill>
+          </a:ln>
+        </p:spPr>
+        <p:style>
+          <a:lnRef idx="1">
+            <a:schemeClr val="accent1"/>
+          </a:lnRef>
+          <a:fillRef idx="0">
+            <a:schemeClr val="accent1"/>
+          </a:fillRef>
+          <a:effectRef idx="0">
+            <a:schemeClr val="accent1"/>
+          </a:effectRef>
+          <a:fontRef idx="minor">
+            <a:schemeClr val="tx1"/>
+          </a:fontRef>
+        </p:style>
+      </p:cxnSp>
     </p:spTree>
   </p:cSld>
   <p:clrMapOvr>
